--- a/Docs/documentation/uxon_presets.pptx
+++ b/Docs/documentation/uxon_presets.pptx
@@ -253,7 +253,7 @@
           <a:p>
             <a:fld id="{2DAF1186-F1D7-440D-B156-A260D91A3611}" type="datetimeFigureOut">
               <a:rPr lang="de-DE" smtClean="0"/>
-              <a:t>09.12.2020</a:t>
+              <a:t>17.12.2020</a:t>
             </a:fld>
             <a:endParaRPr lang="de-DE"/>
           </a:p>
@@ -423,7 +423,7 @@
           <a:p>
             <a:fld id="{2DAF1186-F1D7-440D-B156-A260D91A3611}" type="datetimeFigureOut">
               <a:rPr lang="de-DE" smtClean="0"/>
-              <a:t>09.12.2020</a:t>
+              <a:t>17.12.2020</a:t>
             </a:fld>
             <a:endParaRPr lang="de-DE"/>
           </a:p>
@@ -603,7 +603,7 @@
           <a:p>
             <a:fld id="{2DAF1186-F1D7-440D-B156-A260D91A3611}" type="datetimeFigureOut">
               <a:rPr lang="de-DE" smtClean="0"/>
-              <a:t>09.12.2020</a:t>
+              <a:t>17.12.2020</a:t>
             </a:fld>
             <a:endParaRPr lang="de-DE"/>
           </a:p>
@@ -773,7 +773,7 @@
           <a:p>
             <a:fld id="{2DAF1186-F1D7-440D-B156-A260D91A3611}" type="datetimeFigureOut">
               <a:rPr lang="de-DE" smtClean="0"/>
-              <a:t>09.12.2020</a:t>
+              <a:t>17.12.2020</a:t>
             </a:fld>
             <a:endParaRPr lang="de-DE"/>
           </a:p>
@@ -1019,7 +1019,7 @@
           <a:p>
             <a:fld id="{2DAF1186-F1D7-440D-B156-A260D91A3611}" type="datetimeFigureOut">
               <a:rPr lang="de-DE" smtClean="0"/>
-              <a:t>09.12.2020</a:t>
+              <a:t>17.12.2020</a:t>
             </a:fld>
             <a:endParaRPr lang="de-DE"/>
           </a:p>
@@ -1251,7 +1251,7 @@
           <a:p>
             <a:fld id="{2DAF1186-F1D7-440D-B156-A260D91A3611}" type="datetimeFigureOut">
               <a:rPr lang="de-DE" smtClean="0"/>
-              <a:t>09.12.2020</a:t>
+              <a:t>17.12.2020</a:t>
             </a:fld>
             <a:endParaRPr lang="de-DE"/>
           </a:p>
@@ -1618,7 +1618,7 @@
           <a:p>
             <a:fld id="{2DAF1186-F1D7-440D-B156-A260D91A3611}" type="datetimeFigureOut">
               <a:rPr lang="de-DE" smtClean="0"/>
-              <a:t>09.12.2020</a:t>
+              <a:t>17.12.2020</a:t>
             </a:fld>
             <a:endParaRPr lang="de-DE"/>
           </a:p>
@@ -1736,7 +1736,7 @@
           <a:p>
             <a:fld id="{2DAF1186-F1D7-440D-B156-A260D91A3611}" type="datetimeFigureOut">
               <a:rPr lang="de-DE" smtClean="0"/>
-              <a:t>09.12.2020</a:t>
+              <a:t>17.12.2020</a:t>
             </a:fld>
             <a:endParaRPr lang="de-DE"/>
           </a:p>
@@ -1831,7 +1831,7 @@
           <a:p>
             <a:fld id="{2DAF1186-F1D7-440D-B156-A260D91A3611}" type="datetimeFigureOut">
               <a:rPr lang="de-DE" smtClean="0"/>
-              <a:t>09.12.2020</a:t>
+              <a:t>17.12.2020</a:t>
             </a:fld>
             <a:endParaRPr lang="de-DE"/>
           </a:p>
@@ -2108,7 +2108,7 @@
           <a:p>
             <a:fld id="{2DAF1186-F1D7-440D-B156-A260D91A3611}" type="datetimeFigureOut">
               <a:rPr lang="de-DE" smtClean="0"/>
-              <a:t>09.12.2020</a:t>
+              <a:t>17.12.2020</a:t>
             </a:fld>
             <a:endParaRPr lang="de-DE"/>
           </a:p>
@@ -2361,7 +2361,7 @@
           <a:p>
             <a:fld id="{2DAF1186-F1D7-440D-B156-A260D91A3611}" type="datetimeFigureOut">
               <a:rPr lang="de-DE" smtClean="0"/>
-              <a:t>09.12.2020</a:t>
+              <a:t>17.12.2020</a:t>
             </a:fld>
             <a:endParaRPr lang="de-DE"/>
           </a:p>
@@ -2574,7 +2574,7 @@
           <a:p>
             <a:fld id="{2DAF1186-F1D7-440D-B156-A260D91A3611}" type="datetimeFigureOut">
               <a:rPr lang="de-DE" smtClean="0"/>
-              <a:t>09.12.2020</a:t>
+              <a:t>17.12.2020</a:t>
             </a:fld>
             <a:endParaRPr lang="de-DE"/>
           </a:p>
@@ -11923,12 +11923,13 @@
         </p:nvCxnSpPr>
         <p:spPr>
           <a:xfrm>
-            <a:off x="3320440" y="5792101"/>
+            <a:off x="3320440" y="5775475"/>
             <a:ext cx="650087" cy="0"/>
           </a:xfrm>
           <a:prstGeom prst="line">
             <a:avLst/>
           </a:prstGeom>
+          <a:ln w="28575"/>
         </p:spPr>
         <p:style>
           <a:lnRef idx="1">
@@ -12920,12 +12921,13 @@
         </p:nvCxnSpPr>
         <p:spPr>
           <a:xfrm>
-            <a:off x="10434892" y="1029853"/>
+            <a:off x="10434892" y="1013227"/>
             <a:ext cx="536897" cy="0"/>
           </a:xfrm>
           <a:prstGeom prst="line">
             <a:avLst/>
           </a:prstGeom>
+          <a:ln w="28575"/>
         </p:spPr>
         <p:style>
           <a:lnRef idx="1">
@@ -13360,6 +13362,218 @@
           <a:xfrm>
             <a:off x="2805625" y="4688703"/>
             <a:ext cx="1871906" cy="0"/>
+          </a:xfrm>
+          <a:prstGeom prst="line">
+            <a:avLst/>
+          </a:prstGeom>
+        </p:spPr>
+        <p:style>
+          <a:lnRef idx="1">
+            <a:schemeClr val="dk1"/>
+          </a:lnRef>
+          <a:fillRef idx="0">
+            <a:schemeClr val="dk1"/>
+          </a:fillRef>
+          <a:effectRef idx="0">
+            <a:schemeClr val="dk1"/>
+          </a:effectRef>
+          <a:fontRef idx="minor">
+            <a:schemeClr val="tx1"/>
+          </a:fontRef>
+        </p:style>
+      </p:cxnSp>
+      <p:sp>
+        <p:nvSpPr>
+          <p:cNvPr id="159" name="Rectangle 158"/>
+          <p:cNvSpPr/>
+          <p:nvPr/>
+        </p:nvSpPr>
+        <p:spPr>
+          <a:xfrm>
+            <a:off x="7145414" y="5330606"/>
+            <a:ext cx="2029770" cy="1215450"/>
+          </a:xfrm>
+          <a:prstGeom prst="rect">
+            <a:avLst/>
+          </a:prstGeom>
+          <a:solidFill>
+            <a:schemeClr val="bg1"/>
+          </a:solidFill>
+          <a:ln>
+            <a:prstDash val="dash"/>
+          </a:ln>
+        </p:spPr>
+        <p:style>
+          <a:lnRef idx="2">
+            <a:schemeClr val="accent1">
+              <a:shade val="50000"/>
+            </a:schemeClr>
+          </a:lnRef>
+          <a:fillRef idx="1">
+            <a:schemeClr val="accent1"/>
+          </a:fillRef>
+          <a:effectRef idx="0">
+            <a:schemeClr val="accent1"/>
+          </a:effectRef>
+          <a:fontRef idx="minor">
+            <a:schemeClr val="lt1"/>
+          </a:fontRef>
+        </p:style>
+        <p:txBody>
+          <a:bodyPr rtlCol="0" anchor="ctr"/>
+          <a:lstStyle/>
+          <a:p>
+            <a:pPr algn="ctr"/>
+            <a:endParaRPr lang="de-DE"/>
+          </a:p>
+        </p:txBody>
+      </p:sp>
+      <p:sp>
+        <p:nvSpPr>
+          <p:cNvPr id="160" name="Rectangle 159"/>
+          <p:cNvSpPr/>
+          <p:nvPr/>
+        </p:nvSpPr>
+        <p:spPr>
+          <a:xfrm>
+            <a:off x="7678660" y="5619065"/>
+            <a:ext cx="925794" cy="643414"/>
+          </a:xfrm>
+          <a:prstGeom prst="rect">
+            <a:avLst/>
+          </a:prstGeom>
+          <a:ln>
+            <a:solidFill>
+              <a:schemeClr val="bg1">
+                <a:lumMod val="50000"/>
+              </a:schemeClr>
+            </a:solidFill>
+            <a:prstDash val="dash"/>
+          </a:ln>
+        </p:spPr>
+        <p:style>
+          <a:lnRef idx="2">
+            <a:schemeClr val="dk1"/>
+          </a:lnRef>
+          <a:fillRef idx="1">
+            <a:schemeClr val="lt1"/>
+          </a:fillRef>
+          <a:effectRef idx="0">
+            <a:schemeClr val="dk1"/>
+          </a:effectRef>
+          <a:fontRef idx="minor">
+            <a:schemeClr val="dk1"/>
+          </a:fontRef>
+        </p:style>
+        <p:txBody>
+          <a:bodyPr rtlCol="0" anchor="ctr"/>
+          <a:lstStyle/>
+          <a:p>
+            <a:endParaRPr lang="de-DE" dirty="0"/>
+          </a:p>
+        </p:txBody>
+      </p:sp>
+      <p:cxnSp>
+        <p:nvCxnSpPr>
+          <p:cNvPr id="181" name="Straight Connector 180"/>
+          <p:cNvCxnSpPr/>
+          <p:nvPr/>
+        </p:nvCxnSpPr>
+        <p:spPr>
+          <a:xfrm>
+            <a:off x="7733312" y="5907303"/>
+            <a:ext cx="757882" cy="0"/>
+          </a:xfrm>
+          <a:prstGeom prst="line">
+            <a:avLst/>
+          </a:prstGeom>
+        </p:spPr>
+        <p:style>
+          <a:lnRef idx="1">
+            <a:schemeClr val="dk1"/>
+          </a:lnRef>
+          <a:fillRef idx="0">
+            <a:schemeClr val="dk1"/>
+          </a:fillRef>
+          <a:effectRef idx="0">
+            <a:schemeClr val="dk1"/>
+          </a:effectRef>
+          <a:fontRef idx="minor">
+            <a:schemeClr val="tx1"/>
+          </a:fontRef>
+        </p:style>
+      </p:cxnSp>
+      <p:cxnSp>
+        <p:nvCxnSpPr>
+          <p:cNvPr id="184" name="Straight Connector 183"/>
+          <p:cNvCxnSpPr/>
+          <p:nvPr/>
+        </p:nvCxnSpPr>
+        <p:spPr>
+          <a:xfrm>
+            <a:off x="7733312" y="5775475"/>
+            <a:ext cx="369411" cy="0"/>
+          </a:xfrm>
+          <a:prstGeom prst="line">
+            <a:avLst/>
+          </a:prstGeom>
+          <a:ln w="28575"/>
+        </p:spPr>
+        <p:style>
+          <a:lnRef idx="1">
+            <a:schemeClr val="dk1"/>
+          </a:lnRef>
+          <a:fillRef idx="0">
+            <a:schemeClr val="dk1"/>
+          </a:fillRef>
+          <a:effectRef idx="0">
+            <a:schemeClr val="dk1"/>
+          </a:effectRef>
+          <a:fontRef idx="minor">
+            <a:schemeClr val="tx1"/>
+          </a:fontRef>
+        </p:style>
+      </p:cxnSp>
+      <p:cxnSp>
+        <p:nvCxnSpPr>
+          <p:cNvPr id="185" name="Straight Connector 184"/>
+          <p:cNvCxnSpPr/>
+          <p:nvPr/>
+        </p:nvCxnSpPr>
+        <p:spPr>
+          <a:xfrm>
+            <a:off x="7733312" y="6026253"/>
+            <a:ext cx="757882" cy="0"/>
+          </a:xfrm>
+          <a:prstGeom prst="line">
+            <a:avLst/>
+          </a:prstGeom>
+        </p:spPr>
+        <p:style>
+          <a:lnRef idx="1">
+            <a:schemeClr val="dk1"/>
+          </a:lnRef>
+          <a:fillRef idx="0">
+            <a:schemeClr val="dk1"/>
+          </a:fillRef>
+          <a:effectRef idx="0">
+            <a:schemeClr val="dk1"/>
+          </a:effectRef>
+          <a:fontRef idx="minor">
+            <a:schemeClr val="tx1"/>
+          </a:fontRef>
+        </p:style>
+      </p:cxnSp>
+      <p:cxnSp>
+        <p:nvCxnSpPr>
+          <p:cNvPr id="186" name="Straight Connector 185"/>
+          <p:cNvCxnSpPr/>
+          <p:nvPr/>
+        </p:nvCxnSpPr>
+        <p:spPr>
+          <a:xfrm>
+            <a:off x="7733312" y="6149533"/>
+            <a:ext cx="757882" cy="0"/>
           </a:xfrm>
           <a:prstGeom prst="line">
             <a:avLst/>
@@ -14975,7 +15189,6 @@
               <a:rPr lang="de-DE" dirty="0"/>
               <a:t>-</a:t>
             </a:r>
-            <a:endParaRPr lang="de-DE" dirty="0"/>
           </a:p>
         </p:txBody>
       </p:sp>
@@ -15194,6 +15407,211 @@
           </a:p>
         </p:txBody>
       </p:sp>
+      <p:sp>
+        <p:nvSpPr>
+          <p:cNvPr id="44" name="Rectangle 43"/>
+          <p:cNvSpPr/>
+          <p:nvPr/>
+        </p:nvSpPr>
+        <p:spPr>
+          <a:xfrm>
+            <a:off x="9904664" y="603164"/>
+            <a:ext cx="2029770" cy="1215450"/>
+          </a:xfrm>
+          <a:prstGeom prst="rect">
+            <a:avLst/>
+          </a:prstGeom>
+          <a:solidFill>
+            <a:schemeClr val="bg1"/>
+          </a:solidFill>
+          <a:ln>
+            <a:prstDash val="dash"/>
+          </a:ln>
+        </p:spPr>
+        <p:style>
+          <a:lnRef idx="2">
+            <a:schemeClr val="accent1">
+              <a:shade val="50000"/>
+            </a:schemeClr>
+          </a:lnRef>
+          <a:fillRef idx="1">
+            <a:schemeClr val="accent1"/>
+          </a:fillRef>
+          <a:effectRef idx="0">
+            <a:schemeClr val="accent1"/>
+          </a:effectRef>
+          <a:fontRef idx="minor">
+            <a:schemeClr val="lt1"/>
+          </a:fontRef>
+        </p:style>
+        <p:txBody>
+          <a:bodyPr rtlCol="0" anchor="ctr"/>
+          <a:lstStyle/>
+          <a:p>
+            <a:pPr algn="ctr"/>
+            <a:endParaRPr lang="de-DE"/>
+          </a:p>
+        </p:txBody>
+      </p:sp>
+      <p:sp>
+        <p:nvSpPr>
+          <p:cNvPr id="45" name="Rectangle 44"/>
+          <p:cNvSpPr/>
+          <p:nvPr/>
+        </p:nvSpPr>
+        <p:spPr>
+          <a:xfrm>
+            <a:off x="11066526" y="1086198"/>
+            <a:ext cx="688452" cy="249382"/>
+          </a:xfrm>
+          <a:prstGeom prst="rect">
+            <a:avLst/>
+          </a:prstGeom>
+          <a:ln>
+            <a:solidFill>
+              <a:schemeClr val="bg1"/>
+            </a:solidFill>
+          </a:ln>
+        </p:spPr>
+        <p:style>
+          <a:lnRef idx="2">
+            <a:schemeClr val="dk1"/>
+          </a:lnRef>
+          <a:fillRef idx="1">
+            <a:schemeClr val="lt1"/>
+          </a:fillRef>
+          <a:effectRef idx="0">
+            <a:schemeClr val="dk1"/>
+          </a:effectRef>
+          <a:fontRef idx="minor">
+            <a:schemeClr val="dk1"/>
+          </a:fontRef>
+        </p:style>
+        <p:txBody>
+          <a:bodyPr rtlCol="0" anchor="ctr"/>
+          <a:lstStyle/>
+          <a:p>
+            <a:r>
+              <a:rPr lang="de-DE" dirty="0" smtClean="0"/>
+              <a:t>xx</a:t>
+            </a:r>
+            <a:endParaRPr lang="de-DE" dirty="0"/>
+          </a:p>
+        </p:txBody>
+      </p:sp>
+      <p:sp>
+        <p:nvSpPr>
+          <p:cNvPr id="46" name="Rectangle 45"/>
+          <p:cNvSpPr/>
+          <p:nvPr/>
+        </p:nvSpPr>
+        <p:spPr>
+          <a:xfrm>
+            <a:off x="10084120" y="1086198"/>
+            <a:ext cx="982406" cy="249382"/>
+          </a:xfrm>
+          <a:prstGeom prst="rect">
+            <a:avLst/>
+          </a:prstGeom>
+          <a:ln>
+            <a:solidFill>
+              <a:schemeClr val="bg1"/>
+            </a:solidFill>
+          </a:ln>
+        </p:spPr>
+        <p:style>
+          <a:lnRef idx="2">
+            <a:schemeClr val="dk1"/>
+          </a:lnRef>
+          <a:fillRef idx="1">
+            <a:schemeClr val="lt1"/>
+          </a:fillRef>
+          <a:effectRef idx="0">
+            <a:schemeClr val="dk1"/>
+          </a:effectRef>
+          <a:fontRef idx="minor">
+            <a:schemeClr val="dk1"/>
+          </a:fontRef>
+        </p:style>
+        <p:txBody>
+          <a:bodyPr rtlCol="0" anchor="ctr"/>
+          <a:lstStyle/>
+          <a:p>
+            <a:pPr algn="r"/>
+            <a:r>
+              <a:rPr lang="de-DE" dirty="0" smtClean="0"/>
+              <a:t>123</a:t>
+            </a:r>
+            <a:endParaRPr lang="de-DE" dirty="0"/>
+          </a:p>
+        </p:txBody>
+      </p:sp>
+      <p:cxnSp>
+        <p:nvCxnSpPr>
+          <p:cNvPr id="3" name="Straight Connector 2"/>
+          <p:cNvCxnSpPr/>
+          <p:nvPr/>
+        </p:nvCxnSpPr>
+        <p:spPr>
+          <a:xfrm>
+            <a:off x="10117372" y="1335580"/>
+            <a:ext cx="896993" cy="0"/>
+          </a:xfrm>
+          <a:prstGeom prst="line">
+            <a:avLst/>
+          </a:prstGeom>
+          <a:ln w="12700">
+            <a:prstDash val="dash"/>
+          </a:ln>
+        </p:spPr>
+        <p:style>
+          <a:lnRef idx="1">
+            <a:schemeClr val="dk1"/>
+          </a:lnRef>
+          <a:fillRef idx="0">
+            <a:schemeClr val="dk1"/>
+          </a:fillRef>
+          <a:effectRef idx="0">
+            <a:schemeClr val="dk1"/>
+          </a:effectRef>
+          <a:fontRef idx="minor">
+            <a:schemeClr val="tx1"/>
+          </a:fontRef>
+        </p:style>
+      </p:cxnSp>
+      <p:cxnSp>
+        <p:nvCxnSpPr>
+          <p:cNvPr id="50" name="Straight Connector 49"/>
+          <p:cNvCxnSpPr/>
+          <p:nvPr/>
+        </p:nvCxnSpPr>
+        <p:spPr>
+          <a:xfrm>
+            <a:off x="11131523" y="1335580"/>
+            <a:ext cx="606829" cy="0"/>
+          </a:xfrm>
+          <a:prstGeom prst="line">
+            <a:avLst/>
+          </a:prstGeom>
+          <a:ln w="12700">
+            <a:prstDash val="dash"/>
+          </a:ln>
+        </p:spPr>
+        <p:style>
+          <a:lnRef idx="1">
+            <a:schemeClr val="dk1"/>
+          </a:lnRef>
+          <a:fillRef idx="0">
+            <a:schemeClr val="dk1"/>
+          </a:fillRef>
+          <a:effectRef idx="0">
+            <a:schemeClr val="dk1"/>
+          </a:effectRef>
+          <a:fontRef idx="minor">
+            <a:schemeClr val="tx1"/>
+          </a:fontRef>
+        </p:style>
+      </p:cxnSp>
     </p:spTree>
     <p:extLst>
       <p:ext uri="{BB962C8B-B14F-4D97-AF65-F5344CB8AC3E}">
@@ -16570,11 +16988,6 @@
               </a:rPr>
               <a:t>20</a:t>
             </a:r>
-            <a:endParaRPr lang="de-DE" sz="1400" dirty="0">
-              <a:solidFill>
-                <a:schemeClr val="bg1"/>
-              </a:solidFill>
-            </a:endParaRPr>
           </a:p>
         </p:txBody>
       </p:sp>
@@ -16662,11 +17075,6 @@
               </a:rPr>
               <a:t>100</a:t>
             </a:r>
-            <a:endParaRPr lang="de-DE" sz="1400" dirty="0">
-              <a:solidFill>
-                <a:schemeClr val="bg1"/>
-              </a:solidFill>
-            </a:endParaRPr>
           </a:p>
         </p:txBody>
       </p:sp>
@@ -32646,967 +33054,6 @@
       </p:sp>
       <p:sp>
         <p:nvSpPr>
-          <p:cNvPr id="538" name="Rectangle 537"/>
-          <p:cNvSpPr/>
-          <p:nvPr/>
-        </p:nvSpPr>
-        <p:spPr>
-          <a:xfrm>
-            <a:off x="9418600" y="5082810"/>
-            <a:ext cx="645856" cy="216034"/>
-          </a:xfrm>
-          <a:prstGeom prst="rect">
-            <a:avLst/>
-          </a:prstGeom>
-        </p:spPr>
-        <p:style>
-          <a:lnRef idx="2">
-            <a:schemeClr val="dk1"/>
-          </a:lnRef>
-          <a:fillRef idx="1">
-            <a:schemeClr val="lt1"/>
-          </a:fillRef>
-          <a:effectRef idx="0">
-            <a:schemeClr val="dk1"/>
-          </a:effectRef>
-          <a:fontRef idx="minor">
-            <a:schemeClr val="dk1"/>
-          </a:fontRef>
-        </p:style>
-        <p:txBody>
-          <a:bodyPr rtlCol="0" anchor="ctr"/>
-          <a:lstStyle/>
-          <a:p>
-            <a:endParaRPr lang="de-DE" dirty="0"/>
-          </a:p>
-        </p:txBody>
-      </p:sp>
-      <p:sp>
-        <p:nvSpPr>
-          <p:cNvPr id="539" name="Rectangle 538"/>
-          <p:cNvSpPr/>
-          <p:nvPr/>
-        </p:nvSpPr>
-        <p:spPr>
-          <a:xfrm>
-            <a:off x="9344651" y="5022902"/>
-            <a:ext cx="2029770" cy="1215450"/>
-          </a:xfrm>
-          <a:prstGeom prst="rect">
-            <a:avLst/>
-          </a:prstGeom>
-          <a:noFill/>
-          <a:ln>
-            <a:prstDash val="dash"/>
-          </a:ln>
-        </p:spPr>
-        <p:style>
-          <a:lnRef idx="2">
-            <a:schemeClr val="accent1">
-              <a:shade val="50000"/>
-            </a:schemeClr>
-          </a:lnRef>
-          <a:fillRef idx="1">
-            <a:schemeClr val="accent1"/>
-          </a:fillRef>
-          <a:effectRef idx="0">
-            <a:schemeClr val="accent1"/>
-          </a:effectRef>
-          <a:fontRef idx="minor">
-            <a:schemeClr val="lt1"/>
-          </a:fontRef>
-        </p:style>
-        <p:txBody>
-          <a:bodyPr rtlCol="0" anchor="ctr"/>
-          <a:lstStyle/>
-          <a:p>
-            <a:pPr algn="ctr"/>
-            <a:endParaRPr lang="de-DE"/>
-          </a:p>
-        </p:txBody>
-      </p:sp>
-      <p:sp>
-        <p:nvSpPr>
-          <p:cNvPr id="540" name="Rectangle 539"/>
-          <p:cNvSpPr/>
-          <p:nvPr/>
-        </p:nvSpPr>
-        <p:spPr>
-          <a:xfrm>
-            <a:off x="9777576" y="5137173"/>
-            <a:ext cx="246961" cy="102100"/>
-          </a:xfrm>
-          <a:prstGeom prst="rect">
-            <a:avLst/>
-          </a:prstGeom>
-          <a:solidFill>
-            <a:schemeClr val="bg1">
-              <a:lumMod val="85000"/>
-            </a:schemeClr>
-          </a:solidFill>
-        </p:spPr>
-        <p:style>
-          <a:lnRef idx="2">
-            <a:schemeClr val="dk1"/>
-          </a:lnRef>
-          <a:fillRef idx="1">
-            <a:schemeClr val="lt1"/>
-          </a:fillRef>
-          <a:effectRef idx="0">
-            <a:schemeClr val="dk1"/>
-          </a:effectRef>
-          <a:fontRef idx="minor">
-            <a:schemeClr val="dk1"/>
-          </a:fontRef>
-        </p:style>
-        <p:txBody>
-          <a:bodyPr rtlCol="0" anchor="ctr"/>
-          <a:lstStyle/>
-          <a:p>
-            <a:pPr algn="ctr"/>
-            <a:endParaRPr lang="de-DE"/>
-          </a:p>
-        </p:txBody>
-      </p:sp>
-      <p:sp>
-        <p:nvSpPr>
-          <p:cNvPr id="541" name="Rectangle 540"/>
-          <p:cNvSpPr/>
-          <p:nvPr/>
-        </p:nvSpPr>
-        <p:spPr>
-          <a:xfrm>
-            <a:off x="9418598" y="5442517"/>
-            <a:ext cx="406237" cy="128041"/>
-          </a:xfrm>
-          <a:prstGeom prst="rect">
-            <a:avLst/>
-          </a:prstGeom>
-        </p:spPr>
-        <p:style>
-          <a:lnRef idx="2">
-            <a:schemeClr val="dk1"/>
-          </a:lnRef>
-          <a:fillRef idx="1">
-            <a:schemeClr val="lt1"/>
-          </a:fillRef>
-          <a:effectRef idx="0">
-            <a:schemeClr val="dk1"/>
-          </a:effectRef>
-          <a:fontRef idx="minor">
-            <a:schemeClr val="dk1"/>
-          </a:fontRef>
-        </p:style>
-        <p:txBody>
-          <a:bodyPr rtlCol="0" anchor="ctr"/>
-          <a:lstStyle/>
-          <a:p>
-            <a:endParaRPr lang="de-DE" dirty="0"/>
-          </a:p>
-        </p:txBody>
-      </p:sp>
-      <p:sp>
-        <p:nvSpPr>
-          <p:cNvPr id="542" name="Rectangle 541"/>
-          <p:cNvSpPr/>
-          <p:nvPr/>
-        </p:nvSpPr>
-        <p:spPr>
-          <a:xfrm>
-            <a:off x="9817496" y="5442517"/>
-            <a:ext cx="246959" cy="128041"/>
-          </a:xfrm>
-          <a:prstGeom prst="rect">
-            <a:avLst/>
-          </a:prstGeom>
-        </p:spPr>
-        <p:style>
-          <a:lnRef idx="2">
-            <a:schemeClr val="dk1"/>
-          </a:lnRef>
-          <a:fillRef idx="1">
-            <a:schemeClr val="lt1"/>
-          </a:fillRef>
-          <a:effectRef idx="0">
-            <a:schemeClr val="dk1"/>
-          </a:effectRef>
-          <a:fontRef idx="minor">
-            <a:schemeClr val="dk1"/>
-          </a:fontRef>
-        </p:style>
-        <p:txBody>
-          <a:bodyPr rtlCol="0" anchor="ctr"/>
-          <a:lstStyle/>
-          <a:p>
-            <a:endParaRPr lang="de-DE" dirty="0"/>
-          </a:p>
-        </p:txBody>
-      </p:sp>
-      <p:sp>
-        <p:nvSpPr>
-          <p:cNvPr id="543" name="Rectangle 542"/>
-          <p:cNvSpPr/>
-          <p:nvPr/>
-        </p:nvSpPr>
-        <p:spPr>
-          <a:xfrm>
-            <a:off x="9418598" y="5326230"/>
-            <a:ext cx="406237" cy="116287"/>
-          </a:xfrm>
-          <a:prstGeom prst="rect">
-            <a:avLst/>
-          </a:prstGeom>
-          <a:solidFill>
-            <a:schemeClr val="bg1">
-              <a:lumMod val="85000"/>
-            </a:schemeClr>
-          </a:solidFill>
-        </p:spPr>
-        <p:style>
-          <a:lnRef idx="2">
-            <a:schemeClr val="dk1"/>
-          </a:lnRef>
-          <a:fillRef idx="1">
-            <a:schemeClr val="lt1"/>
-          </a:fillRef>
-          <a:effectRef idx="0">
-            <a:schemeClr val="dk1"/>
-          </a:effectRef>
-          <a:fontRef idx="minor">
-            <a:schemeClr val="dk1"/>
-          </a:fontRef>
-        </p:style>
-        <p:txBody>
-          <a:bodyPr rtlCol="0" anchor="ctr"/>
-          <a:lstStyle/>
-          <a:p>
-            <a:endParaRPr lang="de-DE" dirty="0"/>
-          </a:p>
-        </p:txBody>
-      </p:sp>
-      <p:sp>
-        <p:nvSpPr>
-          <p:cNvPr id="544" name="Rectangle 543"/>
-          <p:cNvSpPr/>
-          <p:nvPr/>
-        </p:nvSpPr>
-        <p:spPr>
-          <a:xfrm>
-            <a:off x="9817494" y="5326231"/>
-            <a:ext cx="246962" cy="116286"/>
-          </a:xfrm>
-          <a:prstGeom prst="rect">
-            <a:avLst/>
-          </a:prstGeom>
-          <a:solidFill>
-            <a:schemeClr val="bg1">
-              <a:lumMod val="85000"/>
-            </a:schemeClr>
-          </a:solidFill>
-        </p:spPr>
-        <p:style>
-          <a:lnRef idx="2">
-            <a:schemeClr val="dk1"/>
-          </a:lnRef>
-          <a:fillRef idx="1">
-            <a:schemeClr val="lt1"/>
-          </a:fillRef>
-          <a:effectRef idx="0">
-            <a:schemeClr val="dk1"/>
-          </a:effectRef>
-          <a:fontRef idx="minor">
-            <a:schemeClr val="dk1"/>
-          </a:fontRef>
-        </p:style>
-        <p:txBody>
-          <a:bodyPr rtlCol="0" anchor="ctr"/>
-          <a:lstStyle/>
-          <a:p>
-            <a:endParaRPr lang="de-DE" dirty="0"/>
-          </a:p>
-        </p:txBody>
-      </p:sp>
-      <p:sp>
-        <p:nvSpPr>
-          <p:cNvPr id="545" name="Rectangle 544"/>
-          <p:cNvSpPr/>
-          <p:nvPr/>
-        </p:nvSpPr>
-        <p:spPr>
-          <a:xfrm>
-            <a:off x="9418598" y="5567667"/>
-            <a:ext cx="406237" cy="122333"/>
-          </a:xfrm>
-          <a:prstGeom prst="rect">
-            <a:avLst/>
-          </a:prstGeom>
-        </p:spPr>
-        <p:style>
-          <a:lnRef idx="2">
-            <a:schemeClr val="dk1"/>
-          </a:lnRef>
-          <a:fillRef idx="1">
-            <a:schemeClr val="lt1"/>
-          </a:fillRef>
-          <a:effectRef idx="0">
-            <a:schemeClr val="dk1"/>
-          </a:effectRef>
-          <a:fontRef idx="minor">
-            <a:schemeClr val="dk1"/>
-          </a:fontRef>
-        </p:style>
-        <p:txBody>
-          <a:bodyPr rtlCol="0" anchor="ctr"/>
-          <a:lstStyle/>
-          <a:p>
-            <a:endParaRPr lang="de-DE" dirty="0"/>
-          </a:p>
-        </p:txBody>
-      </p:sp>
-      <p:sp>
-        <p:nvSpPr>
-          <p:cNvPr id="546" name="Rectangle 545"/>
-          <p:cNvSpPr/>
-          <p:nvPr/>
-        </p:nvSpPr>
-        <p:spPr>
-          <a:xfrm>
-            <a:off x="9817496" y="5567667"/>
-            <a:ext cx="246959" cy="122333"/>
-          </a:xfrm>
-          <a:prstGeom prst="rect">
-            <a:avLst/>
-          </a:prstGeom>
-        </p:spPr>
-        <p:style>
-          <a:lnRef idx="2">
-            <a:schemeClr val="dk1"/>
-          </a:lnRef>
-          <a:fillRef idx="1">
-            <a:schemeClr val="lt1"/>
-          </a:fillRef>
-          <a:effectRef idx="0">
-            <a:schemeClr val="dk1"/>
-          </a:effectRef>
-          <a:fontRef idx="minor">
-            <a:schemeClr val="dk1"/>
-          </a:fontRef>
-        </p:style>
-        <p:txBody>
-          <a:bodyPr rtlCol="0" anchor="ctr"/>
-          <a:lstStyle/>
-          <a:p>
-            <a:endParaRPr lang="de-DE" dirty="0"/>
-          </a:p>
-        </p:txBody>
-      </p:sp>
-      <p:sp>
-        <p:nvSpPr>
-          <p:cNvPr id="547" name="Rectangle 546"/>
-          <p:cNvSpPr/>
-          <p:nvPr/>
-        </p:nvSpPr>
-        <p:spPr>
-          <a:xfrm>
-            <a:off x="9418598" y="5688066"/>
-            <a:ext cx="406237" cy="122333"/>
-          </a:xfrm>
-          <a:prstGeom prst="rect">
-            <a:avLst/>
-          </a:prstGeom>
-        </p:spPr>
-        <p:style>
-          <a:lnRef idx="2">
-            <a:schemeClr val="dk1"/>
-          </a:lnRef>
-          <a:fillRef idx="1">
-            <a:schemeClr val="lt1"/>
-          </a:fillRef>
-          <a:effectRef idx="0">
-            <a:schemeClr val="dk1"/>
-          </a:effectRef>
-          <a:fontRef idx="minor">
-            <a:schemeClr val="dk1"/>
-          </a:fontRef>
-        </p:style>
-        <p:txBody>
-          <a:bodyPr rtlCol="0" anchor="ctr"/>
-          <a:lstStyle/>
-          <a:p>
-            <a:endParaRPr lang="de-DE" dirty="0"/>
-          </a:p>
-        </p:txBody>
-      </p:sp>
-      <p:sp>
-        <p:nvSpPr>
-          <p:cNvPr id="548" name="Rectangle 547"/>
-          <p:cNvSpPr/>
-          <p:nvPr/>
-        </p:nvSpPr>
-        <p:spPr>
-          <a:xfrm>
-            <a:off x="9817496" y="5688066"/>
-            <a:ext cx="246959" cy="122333"/>
-          </a:xfrm>
-          <a:prstGeom prst="rect">
-            <a:avLst/>
-          </a:prstGeom>
-        </p:spPr>
-        <p:style>
-          <a:lnRef idx="2">
-            <a:schemeClr val="dk1"/>
-          </a:lnRef>
-          <a:fillRef idx="1">
-            <a:schemeClr val="lt1"/>
-          </a:fillRef>
-          <a:effectRef idx="0">
-            <a:schemeClr val="dk1"/>
-          </a:effectRef>
-          <a:fontRef idx="minor">
-            <a:schemeClr val="dk1"/>
-          </a:fontRef>
-        </p:style>
-        <p:txBody>
-          <a:bodyPr rtlCol="0" anchor="ctr"/>
-          <a:lstStyle/>
-          <a:p>
-            <a:endParaRPr lang="de-DE" dirty="0"/>
-          </a:p>
-        </p:txBody>
-      </p:sp>
-      <p:sp>
-        <p:nvSpPr>
-          <p:cNvPr id="549" name="Rectangle 548"/>
-          <p:cNvSpPr/>
-          <p:nvPr/>
-        </p:nvSpPr>
-        <p:spPr>
-          <a:xfrm>
-            <a:off x="9418598" y="5807508"/>
-            <a:ext cx="406237" cy="122333"/>
-          </a:xfrm>
-          <a:prstGeom prst="rect">
-            <a:avLst/>
-          </a:prstGeom>
-        </p:spPr>
-        <p:style>
-          <a:lnRef idx="2">
-            <a:schemeClr val="dk1"/>
-          </a:lnRef>
-          <a:fillRef idx="1">
-            <a:schemeClr val="lt1"/>
-          </a:fillRef>
-          <a:effectRef idx="0">
-            <a:schemeClr val="dk1"/>
-          </a:effectRef>
-          <a:fontRef idx="minor">
-            <a:schemeClr val="dk1"/>
-          </a:fontRef>
-        </p:style>
-        <p:txBody>
-          <a:bodyPr rtlCol="0" anchor="ctr"/>
-          <a:lstStyle/>
-          <a:p>
-            <a:endParaRPr lang="de-DE" dirty="0"/>
-          </a:p>
-        </p:txBody>
-      </p:sp>
-      <p:sp>
-        <p:nvSpPr>
-          <p:cNvPr id="550" name="Rectangle 549"/>
-          <p:cNvSpPr/>
-          <p:nvPr/>
-        </p:nvSpPr>
-        <p:spPr>
-          <a:xfrm>
-            <a:off x="9817496" y="5807508"/>
-            <a:ext cx="246959" cy="122333"/>
-          </a:xfrm>
-          <a:prstGeom prst="rect">
-            <a:avLst/>
-          </a:prstGeom>
-        </p:spPr>
-        <p:style>
-          <a:lnRef idx="2">
-            <a:schemeClr val="dk1"/>
-          </a:lnRef>
-          <a:fillRef idx="1">
-            <a:schemeClr val="lt1"/>
-          </a:fillRef>
-          <a:effectRef idx="0">
-            <a:schemeClr val="dk1"/>
-          </a:effectRef>
-          <a:fontRef idx="minor">
-            <a:schemeClr val="dk1"/>
-          </a:fontRef>
-        </p:style>
-        <p:txBody>
-          <a:bodyPr rtlCol="0" anchor="ctr"/>
-          <a:lstStyle/>
-          <a:p>
-            <a:endParaRPr lang="de-DE" dirty="0"/>
-          </a:p>
-        </p:txBody>
-      </p:sp>
-      <p:sp>
-        <p:nvSpPr>
-          <p:cNvPr id="551" name="Rectangle 550"/>
-          <p:cNvSpPr/>
-          <p:nvPr/>
-        </p:nvSpPr>
-        <p:spPr>
-          <a:xfrm>
-            <a:off x="9418598" y="5927639"/>
-            <a:ext cx="406237" cy="122333"/>
-          </a:xfrm>
-          <a:prstGeom prst="rect">
-            <a:avLst/>
-          </a:prstGeom>
-        </p:spPr>
-        <p:style>
-          <a:lnRef idx="2">
-            <a:schemeClr val="dk1"/>
-          </a:lnRef>
-          <a:fillRef idx="1">
-            <a:schemeClr val="lt1"/>
-          </a:fillRef>
-          <a:effectRef idx="0">
-            <a:schemeClr val="dk1"/>
-          </a:effectRef>
-          <a:fontRef idx="minor">
-            <a:schemeClr val="dk1"/>
-          </a:fontRef>
-        </p:style>
-        <p:txBody>
-          <a:bodyPr rtlCol="0" anchor="ctr"/>
-          <a:lstStyle/>
-          <a:p>
-            <a:endParaRPr lang="de-DE" dirty="0"/>
-          </a:p>
-        </p:txBody>
-      </p:sp>
-      <p:sp>
-        <p:nvSpPr>
-          <p:cNvPr id="552" name="Rectangle 551"/>
-          <p:cNvSpPr/>
-          <p:nvPr/>
-        </p:nvSpPr>
-        <p:spPr>
-          <a:xfrm>
-            <a:off x="9817496" y="5927639"/>
-            <a:ext cx="246959" cy="122333"/>
-          </a:xfrm>
-          <a:prstGeom prst="rect">
-            <a:avLst/>
-          </a:prstGeom>
-        </p:spPr>
-        <p:style>
-          <a:lnRef idx="2">
-            <a:schemeClr val="dk1"/>
-          </a:lnRef>
-          <a:fillRef idx="1">
-            <a:schemeClr val="lt1"/>
-          </a:fillRef>
-          <a:effectRef idx="0">
-            <a:schemeClr val="dk1"/>
-          </a:effectRef>
-          <a:fontRef idx="minor">
-            <a:schemeClr val="dk1"/>
-          </a:fontRef>
-        </p:style>
-        <p:txBody>
-          <a:bodyPr rtlCol="0" anchor="ctr"/>
-          <a:lstStyle/>
-          <a:p>
-            <a:endParaRPr lang="de-DE" dirty="0"/>
-          </a:p>
-        </p:txBody>
-      </p:sp>
-      <p:sp>
-        <p:nvSpPr>
-          <p:cNvPr id="553" name="Rectangle 552"/>
-          <p:cNvSpPr/>
-          <p:nvPr/>
-        </p:nvSpPr>
-        <p:spPr>
-          <a:xfrm>
-            <a:off x="10111262" y="5082809"/>
-            <a:ext cx="1179242" cy="1091757"/>
-          </a:xfrm>
-          <a:prstGeom prst="rect">
-            <a:avLst/>
-          </a:prstGeom>
-        </p:spPr>
-        <p:style>
-          <a:lnRef idx="2">
-            <a:schemeClr val="dk1"/>
-          </a:lnRef>
-          <a:fillRef idx="1">
-            <a:schemeClr val="lt1"/>
-          </a:fillRef>
-          <a:effectRef idx="0">
-            <a:schemeClr val="dk1"/>
-          </a:effectRef>
-          <a:fontRef idx="minor">
-            <a:schemeClr val="dk1"/>
-          </a:fontRef>
-        </p:style>
-        <p:txBody>
-          <a:bodyPr rtlCol="0" anchor="ctr"/>
-          <a:lstStyle/>
-          <a:p>
-            <a:endParaRPr lang="de-DE" dirty="0"/>
-          </a:p>
-        </p:txBody>
-      </p:sp>
-      <p:sp>
-        <p:nvSpPr>
-          <p:cNvPr id="554" name="Rectangle 553"/>
-          <p:cNvSpPr/>
-          <p:nvPr/>
-        </p:nvSpPr>
-        <p:spPr>
-          <a:xfrm>
-            <a:off x="10713212" y="5170887"/>
-            <a:ext cx="460025" cy="109342"/>
-          </a:xfrm>
-          <a:prstGeom prst="rect">
-            <a:avLst/>
-          </a:prstGeom>
-        </p:spPr>
-        <p:style>
-          <a:lnRef idx="2">
-            <a:schemeClr val="dk1"/>
-          </a:lnRef>
-          <a:fillRef idx="1">
-            <a:schemeClr val="lt1"/>
-          </a:fillRef>
-          <a:effectRef idx="0">
-            <a:schemeClr val="dk1"/>
-          </a:effectRef>
-          <a:fontRef idx="minor">
-            <a:schemeClr val="dk1"/>
-          </a:fontRef>
-        </p:style>
-        <p:txBody>
-          <a:bodyPr rtlCol="0" anchor="ctr"/>
-          <a:lstStyle/>
-          <a:p>
-            <a:pPr algn="ctr"/>
-            <a:endParaRPr lang="de-DE"/>
-          </a:p>
-        </p:txBody>
-      </p:sp>
-      <p:cxnSp>
-        <p:nvCxnSpPr>
-          <p:cNvPr id="555" name="Straight Connector 554"/>
-          <p:cNvCxnSpPr/>
-          <p:nvPr/>
-        </p:nvCxnSpPr>
-        <p:spPr>
-          <a:xfrm>
-            <a:off x="10368194" y="5275117"/>
-            <a:ext cx="303183" cy="0"/>
-          </a:xfrm>
-          <a:prstGeom prst="line">
-            <a:avLst/>
-          </a:prstGeom>
-        </p:spPr>
-        <p:style>
-          <a:lnRef idx="1">
-            <a:schemeClr val="dk1"/>
-          </a:lnRef>
-          <a:fillRef idx="0">
-            <a:schemeClr val="dk1"/>
-          </a:fillRef>
-          <a:effectRef idx="0">
-            <a:schemeClr val="dk1"/>
-          </a:effectRef>
-          <a:fontRef idx="minor">
-            <a:schemeClr val="tx1"/>
-          </a:fontRef>
-        </p:style>
-      </p:cxnSp>
-      <p:sp>
-        <p:nvSpPr>
-          <p:cNvPr id="556" name="Rectangle 555"/>
-          <p:cNvSpPr/>
-          <p:nvPr/>
-        </p:nvSpPr>
-        <p:spPr>
-          <a:xfrm>
-            <a:off x="10713212" y="5352106"/>
-            <a:ext cx="460025" cy="109342"/>
-          </a:xfrm>
-          <a:prstGeom prst="rect">
-            <a:avLst/>
-          </a:prstGeom>
-        </p:spPr>
-        <p:style>
-          <a:lnRef idx="2">
-            <a:schemeClr val="dk1"/>
-          </a:lnRef>
-          <a:fillRef idx="1">
-            <a:schemeClr val="lt1"/>
-          </a:fillRef>
-          <a:effectRef idx="0">
-            <a:schemeClr val="dk1"/>
-          </a:effectRef>
-          <a:fontRef idx="minor">
-            <a:schemeClr val="dk1"/>
-          </a:fontRef>
-        </p:style>
-        <p:txBody>
-          <a:bodyPr rtlCol="0" anchor="ctr"/>
-          <a:lstStyle/>
-          <a:p>
-            <a:pPr algn="ctr"/>
-            <a:endParaRPr lang="de-DE"/>
-          </a:p>
-        </p:txBody>
-      </p:sp>
-      <p:cxnSp>
-        <p:nvCxnSpPr>
-          <p:cNvPr id="577" name="Straight Connector 576"/>
-          <p:cNvCxnSpPr/>
-          <p:nvPr/>
-        </p:nvCxnSpPr>
-        <p:spPr>
-          <a:xfrm>
-            <a:off x="10368194" y="5456336"/>
-            <a:ext cx="303183" cy="0"/>
-          </a:xfrm>
-          <a:prstGeom prst="line">
-            <a:avLst/>
-          </a:prstGeom>
-        </p:spPr>
-        <p:style>
-          <a:lnRef idx="1">
-            <a:schemeClr val="dk1"/>
-          </a:lnRef>
-          <a:fillRef idx="0">
-            <a:schemeClr val="dk1"/>
-          </a:fillRef>
-          <a:effectRef idx="0">
-            <a:schemeClr val="dk1"/>
-          </a:effectRef>
-          <a:fontRef idx="minor">
-            <a:schemeClr val="tx1"/>
-          </a:fontRef>
-        </p:style>
-      </p:cxnSp>
-      <p:sp>
-        <p:nvSpPr>
-          <p:cNvPr id="654" name="Rectangle 653"/>
-          <p:cNvSpPr/>
-          <p:nvPr/>
-        </p:nvSpPr>
-        <p:spPr>
-          <a:xfrm>
-            <a:off x="10713212" y="5529684"/>
-            <a:ext cx="460025" cy="109342"/>
-          </a:xfrm>
-          <a:prstGeom prst="rect">
-            <a:avLst/>
-          </a:prstGeom>
-        </p:spPr>
-        <p:style>
-          <a:lnRef idx="2">
-            <a:schemeClr val="dk1"/>
-          </a:lnRef>
-          <a:fillRef idx="1">
-            <a:schemeClr val="lt1"/>
-          </a:fillRef>
-          <a:effectRef idx="0">
-            <a:schemeClr val="dk1"/>
-          </a:effectRef>
-          <a:fontRef idx="minor">
-            <a:schemeClr val="dk1"/>
-          </a:fontRef>
-        </p:style>
-        <p:txBody>
-          <a:bodyPr rtlCol="0" anchor="ctr"/>
-          <a:lstStyle/>
-          <a:p>
-            <a:pPr algn="ctr"/>
-            <a:endParaRPr lang="de-DE"/>
-          </a:p>
-        </p:txBody>
-      </p:sp>
-      <p:cxnSp>
-        <p:nvCxnSpPr>
-          <p:cNvPr id="658" name="Straight Connector 657"/>
-          <p:cNvCxnSpPr/>
-          <p:nvPr/>
-        </p:nvCxnSpPr>
-        <p:spPr>
-          <a:xfrm>
-            <a:off x="10368194" y="5633914"/>
-            <a:ext cx="303183" cy="0"/>
-          </a:xfrm>
-          <a:prstGeom prst="line">
-            <a:avLst/>
-          </a:prstGeom>
-        </p:spPr>
-        <p:style>
-          <a:lnRef idx="1">
-            <a:schemeClr val="dk1"/>
-          </a:lnRef>
-          <a:fillRef idx="0">
-            <a:schemeClr val="dk1"/>
-          </a:fillRef>
-          <a:effectRef idx="0">
-            <a:schemeClr val="dk1"/>
-          </a:effectRef>
-          <a:fontRef idx="minor">
-            <a:schemeClr val="tx1"/>
-          </a:fontRef>
-        </p:style>
-      </p:cxnSp>
-      <p:sp>
-        <p:nvSpPr>
-          <p:cNvPr id="661" name="Rectangle 660"/>
-          <p:cNvSpPr/>
-          <p:nvPr/>
-        </p:nvSpPr>
-        <p:spPr>
-          <a:xfrm>
-            <a:off x="10713212" y="5710903"/>
-            <a:ext cx="460025" cy="109342"/>
-          </a:xfrm>
-          <a:prstGeom prst="rect">
-            <a:avLst/>
-          </a:prstGeom>
-        </p:spPr>
-        <p:style>
-          <a:lnRef idx="2">
-            <a:schemeClr val="dk1"/>
-          </a:lnRef>
-          <a:fillRef idx="1">
-            <a:schemeClr val="lt1"/>
-          </a:fillRef>
-          <a:effectRef idx="0">
-            <a:schemeClr val="dk1"/>
-          </a:effectRef>
-          <a:fontRef idx="minor">
-            <a:schemeClr val="dk1"/>
-          </a:fontRef>
-        </p:style>
-        <p:txBody>
-          <a:bodyPr rtlCol="0" anchor="ctr"/>
-          <a:lstStyle/>
-          <a:p>
-            <a:pPr algn="ctr"/>
-            <a:endParaRPr lang="de-DE"/>
-          </a:p>
-        </p:txBody>
-      </p:sp>
-      <p:cxnSp>
-        <p:nvCxnSpPr>
-          <p:cNvPr id="665" name="Straight Connector 664"/>
-          <p:cNvCxnSpPr/>
-          <p:nvPr/>
-        </p:nvCxnSpPr>
-        <p:spPr>
-          <a:xfrm>
-            <a:off x="10368194" y="5815133"/>
-            <a:ext cx="303183" cy="0"/>
-          </a:xfrm>
-          <a:prstGeom prst="line">
-            <a:avLst/>
-          </a:prstGeom>
-        </p:spPr>
-        <p:style>
-          <a:lnRef idx="1">
-            <a:schemeClr val="dk1"/>
-          </a:lnRef>
-          <a:fillRef idx="0">
-            <a:schemeClr val="dk1"/>
-          </a:fillRef>
-          <a:effectRef idx="0">
-            <a:schemeClr val="dk1"/>
-          </a:effectRef>
-          <a:fontRef idx="minor">
-            <a:schemeClr val="tx1"/>
-          </a:fontRef>
-        </p:style>
-      </p:cxnSp>
-      <p:sp>
-        <p:nvSpPr>
-          <p:cNvPr id="670" name="Rectangle 669"/>
-          <p:cNvSpPr/>
-          <p:nvPr/>
-        </p:nvSpPr>
-        <p:spPr>
-          <a:xfrm>
-            <a:off x="9418598" y="6052233"/>
-            <a:ext cx="406237" cy="122333"/>
-          </a:xfrm>
-          <a:prstGeom prst="rect">
-            <a:avLst/>
-          </a:prstGeom>
-        </p:spPr>
-        <p:style>
-          <a:lnRef idx="2">
-            <a:schemeClr val="dk1"/>
-          </a:lnRef>
-          <a:fillRef idx="1">
-            <a:schemeClr val="lt1"/>
-          </a:fillRef>
-          <a:effectRef idx="0">
-            <a:schemeClr val="dk1"/>
-          </a:effectRef>
-          <a:fontRef idx="minor">
-            <a:schemeClr val="dk1"/>
-          </a:fontRef>
-        </p:style>
-        <p:txBody>
-          <a:bodyPr rtlCol="0" anchor="ctr"/>
-          <a:lstStyle/>
-          <a:p>
-            <a:endParaRPr lang="de-DE" dirty="0"/>
-          </a:p>
-        </p:txBody>
-      </p:sp>
-      <p:sp>
-        <p:nvSpPr>
-          <p:cNvPr id="675" name="Rectangle 674"/>
-          <p:cNvSpPr/>
-          <p:nvPr/>
-        </p:nvSpPr>
-        <p:spPr>
-          <a:xfrm>
-            <a:off x="9817496" y="6052233"/>
-            <a:ext cx="246959" cy="122333"/>
-          </a:xfrm>
-          <a:prstGeom prst="rect">
-            <a:avLst/>
-          </a:prstGeom>
-        </p:spPr>
-        <p:style>
-          <a:lnRef idx="2">
-            <a:schemeClr val="dk1"/>
-          </a:lnRef>
-          <a:fillRef idx="1">
-            <a:schemeClr val="lt1"/>
-          </a:fillRef>
-          <a:effectRef idx="0">
-            <a:schemeClr val="dk1"/>
-          </a:effectRef>
-          <a:fontRef idx="minor">
-            <a:schemeClr val="dk1"/>
-          </a:fontRef>
-        </p:style>
-        <p:txBody>
-          <a:bodyPr rtlCol="0" anchor="ctr"/>
-          <a:lstStyle/>
-          <a:p>
-            <a:endParaRPr lang="de-DE" dirty="0"/>
-          </a:p>
-        </p:txBody>
-      </p:sp>
-      <p:sp>
-        <p:nvSpPr>
           <p:cNvPr id="680" name="Rectangle 679"/>
           <p:cNvSpPr/>
           <p:nvPr/>
@@ -36308,6 +35755,1838 @@
           </a:p>
         </p:txBody>
       </p:sp>
+      <p:sp>
+        <p:nvSpPr>
+          <p:cNvPr id="45" name="Rectangle 44"/>
+          <p:cNvSpPr/>
+          <p:nvPr/>
+        </p:nvSpPr>
+        <p:spPr>
+          <a:xfrm>
+            <a:off x="789479" y="3303886"/>
+            <a:ext cx="645856" cy="216034"/>
+          </a:xfrm>
+          <a:prstGeom prst="rect">
+            <a:avLst/>
+          </a:prstGeom>
+        </p:spPr>
+        <p:style>
+          <a:lnRef idx="2">
+            <a:schemeClr val="dk1"/>
+          </a:lnRef>
+          <a:fillRef idx="1">
+            <a:schemeClr val="lt1"/>
+          </a:fillRef>
+          <a:effectRef idx="0">
+            <a:schemeClr val="dk1"/>
+          </a:effectRef>
+          <a:fontRef idx="minor">
+            <a:schemeClr val="dk1"/>
+          </a:fontRef>
+        </p:style>
+        <p:txBody>
+          <a:bodyPr rtlCol="0" anchor="ctr"/>
+          <a:lstStyle/>
+          <a:p>
+            <a:endParaRPr lang="de-DE" dirty="0"/>
+          </a:p>
+        </p:txBody>
+      </p:sp>
+      <p:sp>
+        <p:nvSpPr>
+          <p:cNvPr id="46" name="Rectangle 45"/>
+          <p:cNvSpPr/>
+          <p:nvPr/>
+        </p:nvSpPr>
+        <p:spPr>
+          <a:xfrm>
+            <a:off x="715530" y="3243978"/>
+            <a:ext cx="2029770" cy="1215450"/>
+          </a:xfrm>
+          <a:prstGeom prst="rect">
+            <a:avLst/>
+          </a:prstGeom>
+          <a:noFill/>
+          <a:ln>
+            <a:prstDash val="dash"/>
+          </a:ln>
+        </p:spPr>
+        <p:style>
+          <a:lnRef idx="2">
+            <a:schemeClr val="accent1">
+              <a:shade val="50000"/>
+            </a:schemeClr>
+          </a:lnRef>
+          <a:fillRef idx="1">
+            <a:schemeClr val="accent1"/>
+          </a:fillRef>
+          <a:effectRef idx="0">
+            <a:schemeClr val="accent1"/>
+          </a:effectRef>
+          <a:fontRef idx="minor">
+            <a:schemeClr val="lt1"/>
+          </a:fontRef>
+        </p:style>
+        <p:txBody>
+          <a:bodyPr rtlCol="0" anchor="ctr"/>
+          <a:lstStyle/>
+          <a:p>
+            <a:pPr algn="ctr"/>
+            <a:endParaRPr lang="de-DE"/>
+          </a:p>
+        </p:txBody>
+      </p:sp>
+      <p:sp>
+        <p:nvSpPr>
+          <p:cNvPr id="47" name="Rectangle 46"/>
+          <p:cNvSpPr/>
+          <p:nvPr/>
+        </p:nvSpPr>
+        <p:spPr>
+          <a:xfrm>
+            <a:off x="1148455" y="3358249"/>
+            <a:ext cx="246961" cy="102100"/>
+          </a:xfrm>
+          <a:prstGeom prst="rect">
+            <a:avLst/>
+          </a:prstGeom>
+          <a:solidFill>
+            <a:schemeClr val="bg1">
+              <a:lumMod val="85000"/>
+            </a:schemeClr>
+          </a:solidFill>
+        </p:spPr>
+        <p:style>
+          <a:lnRef idx="2">
+            <a:schemeClr val="dk1"/>
+          </a:lnRef>
+          <a:fillRef idx="1">
+            <a:schemeClr val="lt1"/>
+          </a:fillRef>
+          <a:effectRef idx="0">
+            <a:schemeClr val="dk1"/>
+          </a:effectRef>
+          <a:fontRef idx="minor">
+            <a:schemeClr val="dk1"/>
+          </a:fontRef>
+        </p:style>
+        <p:txBody>
+          <a:bodyPr rtlCol="0" anchor="ctr"/>
+          <a:lstStyle/>
+          <a:p>
+            <a:pPr algn="ctr"/>
+            <a:endParaRPr lang="de-DE"/>
+          </a:p>
+        </p:txBody>
+      </p:sp>
+      <p:sp>
+        <p:nvSpPr>
+          <p:cNvPr id="48" name="Rectangle 47"/>
+          <p:cNvSpPr/>
+          <p:nvPr/>
+        </p:nvSpPr>
+        <p:spPr>
+          <a:xfrm>
+            <a:off x="789477" y="3663593"/>
+            <a:ext cx="406237" cy="128041"/>
+          </a:xfrm>
+          <a:prstGeom prst="rect">
+            <a:avLst/>
+          </a:prstGeom>
+        </p:spPr>
+        <p:style>
+          <a:lnRef idx="2">
+            <a:schemeClr val="dk1"/>
+          </a:lnRef>
+          <a:fillRef idx="1">
+            <a:schemeClr val="lt1"/>
+          </a:fillRef>
+          <a:effectRef idx="0">
+            <a:schemeClr val="dk1"/>
+          </a:effectRef>
+          <a:fontRef idx="minor">
+            <a:schemeClr val="dk1"/>
+          </a:fontRef>
+        </p:style>
+        <p:txBody>
+          <a:bodyPr rtlCol="0" anchor="ctr"/>
+          <a:lstStyle/>
+          <a:p>
+            <a:endParaRPr lang="de-DE" dirty="0"/>
+          </a:p>
+        </p:txBody>
+      </p:sp>
+      <p:sp>
+        <p:nvSpPr>
+          <p:cNvPr id="49" name="Rectangle 48"/>
+          <p:cNvSpPr/>
+          <p:nvPr/>
+        </p:nvSpPr>
+        <p:spPr>
+          <a:xfrm>
+            <a:off x="1188375" y="3663593"/>
+            <a:ext cx="246959" cy="128041"/>
+          </a:xfrm>
+          <a:prstGeom prst="rect">
+            <a:avLst/>
+          </a:prstGeom>
+        </p:spPr>
+        <p:style>
+          <a:lnRef idx="2">
+            <a:schemeClr val="dk1"/>
+          </a:lnRef>
+          <a:fillRef idx="1">
+            <a:schemeClr val="lt1"/>
+          </a:fillRef>
+          <a:effectRef idx="0">
+            <a:schemeClr val="dk1"/>
+          </a:effectRef>
+          <a:fontRef idx="minor">
+            <a:schemeClr val="dk1"/>
+          </a:fontRef>
+        </p:style>
+        <p:txBody>
+          <a:bodyPr rtlCol="0" anchor="ctr"/>
+          <a:lstStyle/>
+          <a:p>
+            <a:endParaRPr lang="de-DE" dirty="0"/>
+          </a:p>
+        </p:txBody>
+      </p:sp>
+      <p:sp>
+        <p:nvSpPr>
+          <p:cNvPr id="50" name="Rectangle 49"/>
+          <p:cNvSpPr/>
+          <p:nvPr/>
+        </p:nvSpPr>
+        <p:spPr>
+          <a:xfrm>
+            <a:off x="789477" y="3547306"/>
+            <a:ext cx="406237" cy="116287"/>
+          </a:xfrm>
+          <a:prstGeom prst="rect">
+            <a:avLst/>
+          </a:prstGeom>
+          <a:solidFill>
+            <a:schemeClr val="bg1">
+              <a:lumMod val="85000"/>
+            </a:schemeClr>
+          </a:solidFill>
+        </p:spPr>
+        <p:style>
+          <a:lnRef idx="2">
+            <a:schemeClr val="dk1"/>
+          </a:lnRef>
+          <a:fillRef idx="1">
+            <a:schemeClr val="lt1"/>
+          </a:fillRef>
+          <a:effectRef idx="0">
+            <a:schemeClr val="dk1"/>
+          </a:effectRef>
+          <a:fontRef idx="minor">
+            <a:schemeClr val="dk1"/>
+          </a:fontRef>
+        </p:style>
+        <p:txBody>
+          <a:bodyPr rtlCol="0" anchor="ctr"/>
+          <a:lstStyle/>
+          <a:p>
+            <a:endParaRPr lang="de-DE" dirty="0"/>
+          </a:p>
+        </p:txBody>
+      </p:sp>
+      <p:sp>
+        <p:nvSpPr>
+          <p:cNvPr id="51" name="Rectangle 50"/>
+          <p:cNvSpPr/>
+          <p:nvPr/>
+        </p:nvSpPr>
+        <p:spPr>
+          <a:xfrm>
+            <a:off x="1188373" y="3547307"/>
+            <a:ext cx="246962" cy="116286"/>
+          </a:xfrm>
+          <a:prstGeom prst="rect">
+            <a:avLst/>
+          </a:prstGeom>
+          <a:solidFill>
+            <a:schemeClr val="bg1">
+              <a:lumMod val="85000"/>
+            </a:schemeClr>
+          </a:solidFill>
+        </p:spPr>
+        <p:style>
+          <a:lnRef idx="2">
+            <a:schemeClr val="dk1"/>
+          </a:lnRef>
+          <a:fillRef idx="1">
+            <a:schemeClr val="lt1"/>
+          </a:fillRef>
+          <a:effectRef idx="0">
+            <a:schemeClr val="dk1"/>
+          </a:effectRef>
+          <a:fontRef idx="minor">
+            <a:schemeClr val="dk1"/>
+          </a:fontRef>
+        </p:style>
+        <p:txBody>
+          <a:bodyPr rtlCol="0" anchor="ctr"/>
+          <a:lstStyle/>
+          <a:p>
+            <a:endParaRPr lang="de-DE" dirty="0"/>
+          </a:p>
+        </p:txBody>
+      </p:sp>
+      <p:sp>
+        <p:nvSpPr>
+          <p:cNvPr id="52" name="Rectangle 51"/>
+          <p:cNvSpPr/>
+          <p:nvPr/>
+        </p:nvSpPr>
+        <p:spPr>
+          <a:xfrm>
+            <a:off x="789477" y="3788743"/>
+            <a:ext cx="406237" cy="122333"/>
+          </a:xfrm>
+          <a:prstGeom prst="rect">
+            <a:avLst/>
+          </a:prstGeom>
+        </p:spPr>
+        <p:style>
+          <a:lnRef idx="2">
+            <a:schemeClr val="dk1"/>
+          </a:lnRef>
+          <a:fillRef idx="1">
+            <a:schemeClr val="lt1"/>
+          </a:fillRef>
+          <a:effectRef idx="0">
+            <a:schemeClr val="dk1"/>
+          </a:effectRef>
+          <a:fontRef idx="minor">
+            <a:schemeClr val="dk1"/>
+          </a:fontRef>
+        </p:style>
+        <p:txBody>
+          <a:bodyPr rtlCol="0" anchor="ctr"/>
+          <a:lstStyle/>
+          <a:p>
+            <a:endParaRPr lang="de-DE" dirty="0"/>
+          </a:p>
+        </p:txBody>
+      </p:sp>
+      <p:sp>
+        <p:nvSpPr>
+          <p:cNvPr id="53" name="Rectangle 52"/>
+          <p:cNvSpPr/>
+          <p:nvPr/>
+        </p:nvSpPr>
+        <p:spPr>
+          <a:xfrm>
+            <a:off x="1188375" y="3788743"/>
+            <a:ext cx="246959" cy="122333"/>
+          </a:xfrm>
+          <a:prstGeom prst="rect">
+            <a:avLst/>
+          </a:prstGeom>
+        </p:spPr>
+        <p:style>
+          <a:lnRef idx="2">
+            <a:schemeClr val="dk1"/>
+          </a:lnRef>
+          <a:fillRef idx="1">
+            <a:schemeClr val="lt1"/>
+          </a:fillRef>
+          <a:effectRef idx="0">
+            <a:schemeClr val="dk1"/>
+          </a:effectRef>
+          <a:fontRef idx="minor">
+            <a:schemeClr val="dk1"/>
+          </a:fontRef>
+        </p:style>
+        <p:txBody>
+          <a:bodyPr rtlCol="0" anchor="ctr"/>
+          <a:lstStyle/>
+          <a:p>
+            <a:endParaRPr lang="de-DE" dirty="0"/>
+          </a:p>
+        </p:txBody>
+      </p:sp>
+      <p:sp>
+        <p:nvSpPr>
+          <p:cNvPr id="54" name="Rectangle 53"/>
+          <p:cNvSpPr/>
+          <p:nvPr/>
+        </p:nvSpPr>
+        <p:spPr>
+          <a:xfrm>
+            <a:off x="789477" y="3909142"/>
+            <a:ext cx="406237" cy="122333"/>
+          </a:xfrm>
+          <a:prstGeom prst="rect">
+            <a:avLst/>
+          </a:prstGeom>
+        </p:spPr>
+        <p:style>
+          <a:lnRef idx="2">
+            <a:schemeClr val="dk1"/>
+          </a:lnRef>
+          <a:fillRef idx="1">
+            <a:schemeClr val="lt1"/>
+          </a:fillRef>
+          <a:effectRef idx="0">
+            <a:schemeClr val="dk1"/>
+          </a:effectRef>
+          <a:fontRef idx="minor">
+            <a:schemeClr val="dk1"/>
+          </a:fontRef>
+        </p:style>
+        <p:txBody>
+          <a:bodyPr rtlCol="0" anchor="ctr"/>
+          <a:lstStyle/>
+          <a:p>
+            <a:endParaRPr lang="de-DE" dirty="0"/>
+          </a:p>
+        </p:txBody>
+      </p:sp>
+      <p:sp>
+        <p:nvSpPr>
+          <p:cNvPr id="55" name="Rectangle 54"/>
+          <p:cNvSpPr/>
+          <p:nvPr/>
+        </p:nvSpPr>
+        <p:spPr>
+          <a:xfrm>
+            <a:off x="1188375" y="3909142"/>
+            <a:ext cx="246959" cy="122333"/>
+          </a:xfrm>
+          <a:prstGeom prst="rect">
+            <a:avLst/>
+          </a:prstGeom>
+        </p:spPr>
+        <p:style>
+          <a:lnRef idx="2">
+            <a:schemeClr val="dk1"/>
+          </a:lnRef>
+          <a:fillRef idx="1">
+            <a:schemeClr val="lt1"/>
+          </a:fillRef>
+          <a:effectRef idx="0">
+            <a:schemeClr val="dk1"/>
+          </a:effectRef>
+          <a:fontRef idx="minor">
+            <a:schemeClr val="dk1"/>
+          </a:fontRef>
+        </p:style>
+        <p:txBody>
+          <a:bodyPr rtlCol="0" anchor="ctr"/>
+          <a:lstStyle/>
+          <a:p>
+            <a:endParaRPr lang="de-DE" dirty="0"/>
+          </a:p>
+        </p:txBody>
+      </p:sp>
+      <p:sp>
+        <p:nvSpPr>
+          <p:cNvPr id="56" name="Rectangle 55"/>
+          <p:cNvSpPr/>
+          <p:nvPr/>
+        </p:nvSpPr>
+        <p:spPr>
+          <a:xfrm>
+            <a:off x="789477" y="4028584"/>
+            <a:ext cx="406237" cy="122333"/>
+          </a:xfrm>
+          <a:prstGeom prst="rect">
+            <a:avLst/>
+          </a:prstGeom>
+        </p:spPr>
+        <p:style>
+          <a:lnRef idx="2">
+            <a:schemeClr val="dk1"/>
+          </a:lnRef>
+          <a:fillRef idx="1">
+            <a:schemeClr val="lt1"/>
+          </a:fillRef>
+          <a:effectRef idx="0">
+            <a:schemeClr val="dk1"/>
+          </a:effectRef>
+          <a:fontRef idx="minor">
+            <a:schemeClr val="dk1"/>
+          </a:fontRef>
+        </p:style>
+        <p:txBody>
+          <a:bodyPr rtlCol="0" anchor="ctr"/>
+          <a:lstStyle/>
+          <a:p>
+            <a:endParaRPr lang="de-DE" dirty="0"/>
+          </a:p>
+        </p:txBody>
+      </p:sp>
+      <p:sp>
+        <p:nvSpPr>
+          <p:cNvPr id="57" name="Rectangle 56"/>
+          <p:cNvSpPr/>
+          <p:nvPr/>
+        </p:nvSpPr>
+        <p:spPr>
+          <a:xfrm>
+            <a:off x="1188375" y="4028584"/>
+            <a:ext cx="246959" cy="122333"/>
+          </a:xfrm>
+          <a:prstGeom prst="rect">
+            <a:avLst/>
+          </a:prstGeom>
+        </p:spPr>
+        <p:style>
+          <a:lnRef idx="2">
+            <a:schemeClr val="dk1"/>
+          </a:lnRef>
+          <a:fillRef idx="1">
+            <a:schemeClr val="lt1"/>
+          </a:fillRef>
+          <a:effectRef idx="0">
+            <a:schemeClr val="dk1"/>
+          </a:effectRef>
+          <a:fontRef idx="minor">
+            <a:schemeClr val="dk1"/>
+          </a:fontRef>
+        </p:style>
+        <p:txBody>
+          <a:bodyPr rtlCol="0" anchor="ctr"/>
+          <a:lstStyle/>
+          <a:p>
+            <a:endParaRPr lang="de-DE" dirty="0"/>
+          </a:p>
+        </p:txBody>
+      </p:sp>
+      <p:sp>
+        <p:nvSpPr>
+          <p:cNvPr id="58" name="Rectangle 57"/>
+          <p:cNvSpPr/>
+          <p:nvPr/>
+        </p:nvSpPr>
+        <p:spPr>
+          <a:xfrm>
+            <a:off x="789477" y="4148715"/>
+            <a:ext cx="406237" cy="122333"/>
+          </a:xfrm>
+          <a:prstGeom prst="rect">
+            <a:avLst/>
+          </a:prstGeom>
+        </p:spPr>
+        <p:style>
+          <a:lnRef idx="2">
+            <a:schemeClr val="dk1"/>
+          </a:lnRef>
+          <a:fillRef idx="1">
+            <a:schemeClr val="lt1"/>
+          </a:fillRef>
+          <a:effectRef idx="0">
+            <a:schemeClr val="dk1"/>
+          </a:effectRef>
+          <a:fontRef idx="minor">
+            <a:schemeClr val="dk1"/>
+          </a:fontRef>
+        </p:style>
+        <p:txBody>
+          <a:bodyPr rtlCol="0" anchor="ctr"/>
+          <a:lstStyle/>
+          <a:p>
+            <a:endParaRPr lang="de-DE" dirty="0"/>
+          </a:p>
+        </p:txBody>
+      </p:sp>
+      <p:sp>
+        <p:nvSpPr>
+          <p:cNvPr id="59" name="Rectangle 58"/>
+          <p:cNvSpPr/>
+          <p:nvPr/>
+        </p:nvSpPr>
+        <p:spPr>
+          <a:xfrm>
+            <a:off x="1188375" y="4148715"/>
+            <a:ext cx="246959" cy="122333"/>
+          </a:xfrm>
+          <a:prstGeom prst="rect">
+            <a:avLst/>
+          </a:prstGeom>
+        </p:spPr>
+        <p:style>
+          <a:lnRef idx="2">
+            <a:schemeClr val="dk1"/>
+          </a:lnRef>
+          <a:fillRef idx="1">
+            <a:schemeClr val="lt1"/>
+          </a:fillRef>
+          <a:effectRef idx="0">
+            <a:schemeClr val="dk1"/>
+          </a:effectRef>
+          <a:fontRef idx="minor">
+            <a:schemeClr val="dk1"/>
+          </a:fontRef>
+        </p:style>
+        <p:txBody>
+          <a:bodyPr rtlCol="0" anchor="ctr"/>
+          <a:lstStyle/>
+          <a:p>
+            <a:endParaRPr lang="de-DE" dirty="0"/>
+          </a:p>
+        </p:txBody>
+      </p:sp>
+      <p:sp>
+        <p:nvSpPr>
+          <p:cNvPr id="60" name="Rectangle 59"/>
+          <p:cNvSpPr/>
+          <p:nvPr/>
+        </p:nvSpPr>
+        <p:spPr>
+          <a:xfrm>
+            <a:off x="1482141" y="3303885"/>
+            <a:ext cx="1179242" cy="1091757"/>
+          </a:xfrm>
+          <a:prstGeom prst="rect">
+            <a:avLst/>
+          </a:prstGeom>
+        </p:spPr>
+        <p:style>
+          <a:lnRef idx="2">
+            <a:schemeClr val="dk1"/>
+          </a:lnRef>
+          <a:fillRef idx="1">
+            <a:schemeClr val="lt1"/>
+          </a:fillRef>
+          <a:effectRef idx="0">
+            <a:schemeClr val="dk1"/>
+          </a:effectRef>
+          <a:fontRef idx="minor">
+            <a:schemeClr val="dk1"/>
+          </a:fontRef>
+        </p:style>
+        <p:txBody>
+          <a:bodyPr rtlCol="0" anchor="ctr"/>
+          <a:lstStyle/>
+          <a:p>
+            <a:endParaRPr lang="de-DE" dirty="0"/>
+          </a:p>
+        </p:txBody>
+      </p:sp>
+      <p:sp>
+        <p:nvSpPr>
+          <p:cNvPr id="61" name="Rectangle 60"/>
+          <p:cNvSpPr/>
+          <p:nvPr/>
+        </p:nvSpPr>
+        <p:spPr>
+          <a:xfrm>
+            <a:off x="2084091" y="3391963"/>
+            <a:ext cx="460025" cy="109342"/>
+          </a:xfrm>
+          <a:prstGeom prst="rect">
+            <a:avLst/>
+          </a:prstGeom>
+        </p:spPr>
+        <p:style>
+          <a:lnRef idx="2">
+            <a:schemeClr val="dk1"/>
+          </a:lnRef>
+          <a:fillRef idx="1">
+            <a:schemeClr val="lt1"/>
+          </a:fillRef>
+          <a:effectRef idx="0">
+            <a:schemeClr val="dk1"/>
+          </a:effectRef>
+          <a:fontRef idx="minor">
+            <a:schemeClr val="dk1"/>
+          </a:fontRef>
+        </p:style>
+        <p:txBody>
+          <a:bodyPr rtlCol="0" anchor="ctr"/>
+          <a:lstStyle/>
+          <a:p>
+            <a:pPr algn="ctr"/>
+            <a:endParaRPr lang="de-DE"/>
+          </a:p>
+        </p:txBody>
+      </p:sp>
+      <p:cxnSp>
+        <p:nvCxnSpPr>
+          <p:cNvPr id="62" name="Straight Connector 61"/>
+          <p:cNvCxnSpPr/>
+          <p:nvPr/>
+        </p:nvCxnSpPr>
+        <p:spPr>
+          <a:xfrm>
+            <a:off x="1739073" y="3496193"/>
+            <a:ext cx="303183" cy="0"/>
+          </a:xfrm>
+          <a:prstGeom prst="line">
+            <a:avLst/>
+          </a:prstGeom>
+        </p:spPr>
+        <p:style>
+          <a:lnRef idx="1">
+            <a:schemeClr val="dk1"/>
+          </a:lnRef>
+          <a:fillRef idx="0">
+            <a:schemeClr val="dk1"/>
+          </a:fillRef>
+          <a:effectRef idx="0">
+            <a:schemeClr val="dk1"/>
+          </a:effectRef>
+          <a:fontRef idx="minor">
+            <a:schemeClr val="tx1"/>
+          </a:fontRef>
+        </p:style>
+      </p:cxnSp>
+      <p:sp>
+        <p:nvSpPr>
+          <p:cNvPr id="63" name="Rectangle 62"/>
+          <p:cNvSpPr/>
+          <p:nvPr/>
+        </p:nvSpPr>
+        <p:spPr>
+          <a:xfrm>
+            <a:off x="2084091" y="3573182"/>
+            <a:ext cx="460025" cy="109342"/>
+          </a:xfrm>
+          <a:prstGeom prst="rect">
+            <a:avLst/>
+          </a:prstGeom>
+        </p:spPr>
+        <p:style>
+          <a:lnRef idx="2">
+            <a:schemeClr val="dk1"/>
+          </a:lnRef>
+          <a:fillRef idx="1">
+            <a:schemeClr val="lt1"/>
+          </a:fillRef>
+          <a:effectRef idx="0">
+            <a:schemeClr val="dk1"/>
+          </a:effectRef>
+          <a:fontRef idx="minor">
+            <a:schemeClr val="dk1"/>
+          </a:fontRef>
+        </p:style>
+        <p:txBody>
+          <a:bodyPr rtlCol="0" anchor="ctr"/>
+          <a:lstStyle/>
+          <a:p>
+            <a:pPr algn="ctr"/>
+            <a:endParaRPr lang="de-DE"/>
+          </a:p>
+        </p:txBody>
+      </p:sp>
+      <p:cxnSp>
+        <p:nvCxnSpPr>
+          <p:cNvPr id="64" name="Straight Connector 63"/>
+          <p:cNvCxnSpPr/>
+          <p:nvPr/>
+        </p:nvCxnSpPr>
+        <p:spPr>
+          <a:xfrm>
+            <a:off x="1739073" y="3677412"/>
+            <a:ext cx="303183" cy="0"/>
+          </a:xfrm>
+          <a:prstGeom prst="line">
+            <a:avLst/>
+          </a:prstGeom>
+        </p:spPr>
+        <p:style>
+          <a:lnRef idx="1">
+            <a:schemeClr val="dk1"/>
+          </a:lnRef>
+          <a:fillRef idx="0">
+            <a:schemeClr val="dk1"/>
+          </a:fillRef>
+          <a:effectRef idx="0">
+            <a:schemeClr val="dk1"/>
+          </a:effectRef>
+          <a:fontRef idx="minor">
+            <a:schemeClr val="tx1"/>
+          </a:fontRef>
+        </p:style>
+      </p:cxnSp>
+      <p:sp>
+        <p:nvSpPr>
+          <p:cNvPr id="65" name="Rectangle 64"/>
+          <p:cNvSpPr/>
+          <p:nvPr/>
+        </p:nvSpPr>
+        <p:spPr>
+          <a:xfrm>
+            <a:off x="2084091" y="3750760"/>
+            <a:ext cx="460025" cy="109342"/>
+          </a:xfrm>
+          <a:prstGeom prst="rect">
+            <a:avLst/>
+          </a:prstGeom>
+        </p:spPr>
+        <p:style>
+          <a:lnRef idx="2">
+            <a:schemeClr val="dk1"/>
+          </a:lnRef>
+          <a:fillRef idx="1">
+            <a:schemeClr val="lt1"/>
+          </a:fillRef>
+          <a:effectRef idx="0">
+            <a:schemeClr val="dk1"/>
+          </a:effectRef>
+          <a:fontRef idx="minor">
+            <a:schemeClr val="dk1"/>
+          </a:fontRef>
+        </p:style>
+        <p:txBody>
+          <a:bodyPr rtlCol="0" anchor="ctr"/>
+          <a:lstStyle/>
+          <a:p>
+            <a:pPr algn="ctr"/>
+            <a:endParaRPr lang="de-DE"/>
+          </a:p>
+        </p:txBody>
+      </p:sp>
+      <p:cxnSp>
+        <p:nvCxnSpPr>
+          <p:cNvPr id="66" name="Straight Connector 65"/>
+          <p:cNvCxnSpPr/>
+          <p:nvPr/>
+        </p:nvCxnSpPr>
+        <p:spPr>
+          <a:xfrm>
+            <a:off x="1739073" y="3854990"/>
+            <a:ext cx="303183" cy="0"/>
+          </a:xfrm>
+          <a:prstGeom prst="line">
+            <a:avLst/>
+          </a:prstGeom>
+        </p:spPr>
+        <p:style>
+          <a:lnRef idx="1">
+            <a:schemeClr val="dk1"/>
+          </a:lnRef>
+          <a:fillRef idx="0">
+            <a:schemeClr val="dk1"/>
+          </a:fillRef>
+          <a:effectRef idx="0">
+            <a:schemeClr val="dk1"/>
+          </a:effectRef>
+          <a:fontRef idx="minor">
+            <a:schemeClr val="tx1"/>
+          </a:fontRef>
+        </p:style>
+      </p:cxnSp>
+      <p:sp>
+        <p:nvSpPr>
+          <p:cNvPr id="67" name="Rectangle 66"/>
+          <p:cNvSpPr/>
+          <p:nvPr/>
+        </p:nvSpPr>
+        <p:spPr>
+          <a:xfrm>
+            <a:off x="2084091" y="3931979"/>
+            <a:ext cx="460025" cy="109342"/>
+          </a:xfrm>
+          <a:prstGeom prst="rect">
+            <a:avLst/>
+          </a:prstGeom>
+        </p:spPr>
+        <p:style>
+          <a:lnRef idx="2">
+            <a:schemeClr val="dk1"/>
+          </a:lnRef>
+          <a:fillRef idx="1">
+            <a:schemeClr val="lt1"/>
+          </a:fillRef>
+          <a:effectRef idx="0">
+            <a:schemeClr val="dk1"/>
+          </a:effectRef>
+          <a:fontRef idx="minor">
+            <a:schemeClr val="dk1"/>
+          </a:fontRef>
+        </p:style>
+        <p:txBody>
+          <a:bodyPr rtlCol="0" anchor="ctr"/>
+          <a:lstStyle/>
+          <a:p>
+            <a:pPr algn="ctr"/>
+            <a:endParaRPr lang="de-DE"/>
+          </a:p>
+        </p:txBody>
+      </p:sp>
+      <p:cxnSp>
+        <p:nvCxnSpPr>
+          <p:cNvPr id="68" name="Straight Connector 67"/>
+          <p:cNvCxnSpPr/>
+          <p:nvPr/>
+        </p:nvCxnSpPr>
+        <p:spPr>
+          <a:xfrm>
+            <a:off x="1739073" y="4036209"/>
+            <a:ext cx="303183" cy="0"/>
+          </a:xfrm>
+          <a:prstGeom prst="line">
+            <a:avLst/>
+          </a:prstGeom>
+        </p:spPr>
+        <p:style>
+          <a:lnRef idx="1">
+            <a:schemeClr val="dk1"/>
+          </a:lnRef>
+          <a:fillRef idx="0">
+            <a:schemeClr val="dk1"/>
+          </a:fillRef>
+          <a:effectRef idx="0">
+            <a:schemeClr val="dk1"/>
+          </a:effectRef>
+          <a:fontRef idx="minor">
+            <a:schemeClr val="tx1"/>
+          </a:fontRef>
+        </p:style>
+      </p:cxnSp>
+      <p:sp>
+        <p:nvSpPr>
+          <p:cNvPr id="69" name="Rectangle 68"/>
+          <p:cNvSpPr/>
+          <p:nvPr/>
+        </p:nvSpPr>
+        <p:spPr>
+          <a:xfrm>
+            <a:off x="789477" y="4273309"/>
+            <a:ext cx="406237" cy="122333"/>
+          </a:xfrm>
+          <a:prstGeom prst="rect">
+            <a:avLst/>
+          </a:prstGeom>
+        </p:spPr>
+        <p:style>
+          <a:lnRef idx="2">
+            <a:schemeClr val="dk1"/>
+          </a:lnRef>
+          <a:fillRef idx="1">
+            <a:schemeClr val="lt1"/>
+          </a:fillRef>
+          <a:effectRef idx="0">
+            <a:schemeClr val="dk1"/>
+          </a:effectRef>
+          <a:fontRef idx="minor">
+            <a:schemeClr val="dk1"/>
+          </a:fontRef>
+        </p:style>
+        <p:txBody>
+          <a:bodyPr rtlCol="0" anchor="ctr"/>
+          <a:lstStyle/>
+          <a:p>
+            <a:endParaRPr lang="de-DE" dirty="0"/>
+          </a:p>
+        </p:txBody>
+      </p:sp>
+      <p:sp>
+        <p:nvSpPr>
+          <p:cNvPr id="70" name="Rectangle 69"/>
+          <p:cNvSpPr/>
+          <p:nvPr/>
+        </p:nvSpPr>
+        <p:spPr>
+          <a:xfrm>
+            <a:off x="1188375" y="4273309"/>
+            <a:ext cx="246959" cy="122333"/>
+          </a:xfrm>
+          <a:prstGeom prst="rect">
+            <a:avLst/>
+          </a:prstGeom>
+        </p:spPr>
+        <p:style>
+          <a:lnRef idx="2">
+            <a:schemeClr val="dk1"/>
+          </a:lnRef>
+          <a:fillRef idx="1">
+            <a:schemeClr val="lt1"/>
+          </a:fillRef>
+          <a:effectRef idx="0">
+            <a:schemeClr val="dk1"/>
+          </a:effectRef>
+          <a:fontRef idx="minor">
+            <a:schemeClr val="dk1"/>
+          </a:fontRef>
+        </p:style>
+        <p:txBody>
+          <a:bodyPr rtlCol="0" anchor="ctr"/>
+          <a:lstStyle/>
+          <a:p>
+            <a:endParaRPr lang="de-DE" dirty="0"/>
+          </a:p>
+        </p:txBody>
+      </p:sp>
+      <p:sp>
+        <p:nvSpPr>
+          <p:cNvPr id="71" name="Rectangle 70"/>
+          <p:cNvSpPr/>
+          <p:nvPr/>
+        </p:nvSpPr>
+        <p:spPr>
+          <a:xfrm>
+            <a:off x="2979732" y="3303886"/>
+            <a:ext cx="645856" cy="216034"/>
+          </a:xfrm>
+          <a:prstGeom prst="rect">
+            <a:avLst/>
+          </a:prstGeom>
+        </p:spPr>
+        <p:style>
+          <a:lnRef idx="2">
+            <a:schemeClr val="dk1"/>
+          </a:lnRef>
+          <a:fillRef idx="1">
+            <a:schemeClr val="lt1"/>
+          </a:fillRef>
+          <a:effectRef idx="0">
+            <a:schemeClr val="dk1"/>
+          </a:effectRef>
+          <a:fontRef idx="minor">
+            <a:schemeClr val="dk1"/>
+          </a:fontRef>
+        </p:style>
+        <p:txBody>
+          <a:bodyPr rtlCol="0" anchor="ctr"/>
+          <a:lstStyle/>
+          <a:p>
+            <a:endParaRPr lang="de-DE" dirty="0"/>
+          </a:p>
+        </p:txBody>
+      </p:sp>
+      <p:sp>
+        <p:nvSpPr>
+          <p:cNvPr id="72" name="Rectangle 71"/>
+          <p:cNvSpPr/>
+          <p:nvPr/>
+        </p:nvSpPr>
+        <p:spPr>
+          <a:xfrm>
+            <a:off x="2905783" y="3243978"/>
+            <a:ext cx="2029770" cy="1215450"/>
+          </a:xfrm>
+          <a:prstGeom prst="rect">
+            <a:avLst/>
+          </a:prstGeom>
+          <a:noFill/>
+          <a:ln>
+            <a:prstDash val="dash"/>
+          </a:ln>
+        </p:spPr>
+        <p:style>
+          <a:lnRef idx="2">
+            <a:schemeClr val="accent1">
+              <a:shade val="50000"/>
+            </a:schemeClr>
+          </a:lnRef>
+          <a:fillRef idx="1">
+            <a:schemeClr val="accent1"/>
+          </a:fillRef>
+          <a:effectRef idx="0">
+            <a:schemeClr val="accent1"/>
+          </a:effectRef>
+          <a:fontRef idx="minor">
+            <a:schemeClr val="lt1"/>
+          </a:fontRef>
+        </p:style>
+        <p:txBody>
+          <a:bodyPr rtlCol="0" anchor="ctr"/>
+          <a:lstStyle/>
+          <a:p>
+            <a:pPr algn="ctr"/>
+            <a:endParaRPr lang="de-DE"/>
+          </a:p>
+        </p:txBody>
+      </p:sp>
+      <p:sp>
+        <p:nvSpPr>
+          <p:cNvPr id="73" name="Rectangle 72"/>
+          <p:cNvSpPr/>
+          <p:nvPr/>
+        </p:nvSpPr>
+        <p:spPr>
+          <a:xfrm>
+            <a:off x="3338708" y="3358249"/>
+            <a:ext cx="246961" cy="102100"/>
+          </a:xfrm>
+          <a:prstGeom prst="rect">
+            <a:avLst/>
+          </a:prstGeom>
+          <a:solidFill>
+            <a:schemeClr val="bg1">
+              <a:lumMod val="85000"/>
+            </a:schemeClr>
+          </a:solidFill>
+        </p:spPr>
+        <p:style>
+          <a:lnRef idx="2">
+            <a:schemeClr val="dk1"/>
+          </a:lnRef>
+          <a:fillRef idx="1">
+            <a:schemeClr val="lt1"/>
+          </a:fillRef>
+          <a:effectRef idx="0">
+            <a:schemeClr val="dk1"/>
+          </a:effectRef>
+          <a:fontRef idx="minor">
+            <a:schemeClr val="dk1"/>
+          </a:fontRef>
+        </p:style>
+        <p:txBody>
+          <a:bodyPr rtlCol="0" anchor="ctr"/>
+          <a:lstStyle/>
+          <a:p>
+            <a:pPr algn="ctr"/>
+            <a:endParaRPr lang="de-DE"/>
+          </a:p>
+        </p:txBody>
+      </p:sp>
+      <p:sp>
+        <p:nvSpPr>
+          <p:cNvPr id="74" name="Rectangle 73"/>
+          <p:cNvSpPr/>
+          <p:nvPr/>
+        </p:nvSpPr>
+        <p:spPr>
+          <a:xfrm>
+            <a:off x="2979730" y="3663593"/>
+            <a:ext cx="406237" cy="128041"/>
+          </a:xfrm>
+          <a:prstGeom prst="rect">
+            <a:avLst/>
+          </a:prstGeom>
+        </p:spPr>
+        <p:style>
+          <a:lnRef idx="2">
+            <a:schemeClr val="dk1"/>
+          </a:lnRef>
+          <a:fillRef idx="1">
+            <a:schemeClr val="lt1"/>
+          </a:fillRef>
+          <a:effectRef idx="0">
+            <a:schemeClr val="dk1"/>
+          </a:effectRef>
+          <a:fontRef idx="minor">
+            <a:schemeClr val="dk1"/>
+          </a:fontRef>
+        </p:style>
+        <p:txBody>
+          <a:bodyPr rtlCol="0" anchor="ctr"/>
+          <a:lstStyle/>
+          <a:p>
+            <a:endParaRPr lang="de-DE" dirty="0"/>
+          </a:p>
+        </p:txBody>
+      </p:sp>
+      <p:sp>
+        <p:nvSpPr>
+          <p:cNvPr id="75" name="Rectangle 74"/>
+          <p:cNvSpPr/>
+          <p:nvPr/>
+        </p:nvSpPr>
+        <p:spPr>
+          <a:xfrm>
+            <a:off x="3378628" y="3663593"/>
+            <a:ext cx="246959" cy="128041"/>
+          </a:xfrm>
+          <a:prstGeom prst="rect">
+            <a:avLst/>
+          </a:prstGeom>
+        </p:spPr>
+        <p:style>
+          <a:lnRef idx="2">
+            <a:schemeClr val="dk1"/>
+          </a:lnRef>
+          <a:fillRef idx="1">
+            <a:schemeClr val="lt1"/>
+          </a:fillRef>
+          <a:effectRef idx="0">
+            <a:schemeClr val="dk1"/>
+          </a:effectRef>
+          <a:fontRef idx="minor">
+            <a:schemeClr val="dk1"/>
+          </a:fontRef>
+        </p:style>
+        <p:txBody>
+          <a:bodyPr rtlCol="0" anchor="ctr"/>
+          <a:lstStyle/>
+          <a:p>
+            <a:endParaRPr lang="de-DE" dirty="0"/>
+          </a:p>
+        </p:txBody>
+      </p:sp>
+      <p:sp>
+        <p:nvSpPr>
+          <p:cNvPr id="76" name="Rectangle 75"/>
+          <p:cNvSpPr/>
+          <p:nvPr/>
+        </p:nvSpPr>
+        <p:spPr>
+          <a:xfrm>
+            <a:off x="2979730" y="3547306"/>
+            <a:ext cx="406237" cy="116287"/>
+          </a:xfrm>
+          <a:prstGeom prst="rect">
+            <a:avLst/>
+          </a:prstGeom>
+          <a:solidFill>
+            <a:schemeClr val="bg1">
+              <a:lumMod val="85000"/>
+            </a:schemeClr>
+          </a:solidFill>
+        </p:spPr>
+        <p:style>
+          <a:lnRef idx="2">
+            <a:schemeClr val="dk1"/>
+          </a:lnRef>
+          <a:fillRef idx="1">
+            <a:schemeClr val="lt1"/>
+          </a:fillRef>
+          <a:effectRef idx="0">
+            <a:schemeClr val="dk1"/>
+          </a:effectRef>
+          <a:fontRef idx="minor">
+            <a:schemeClr val="dk1"/>
+          </a:fontRef>
+        </p:style>
+        <p:txBody>
+          <a:bodyPr rtlCol="0" anchor="ctr"/>
+          <a:lstStyle/>
+          <a:p>
+            <a:endParaRPr lang="de-DE" dirty="0"/>
+          </a:p>
+        </p:txBody>
+      </p:sp>
+      <p:sp>
+        <p:nvSpPr>
+          <p:cNvPr id="77" name="Rectangle 76"/>
+          <p:cNvSpPr/>
+          <p:nvPr/>
+        </p:nvSpPr>
+        <p:spPr>
+          <a:xfrm>
+            <a:off x="3378626" y="3547307"/>
+            <a:ext cx="246962" cy="116286"/>
+          </a:xfrm>
+          <a:prstGeom prst="rect">
+            <a:avLst/>
+          </a:prstGeom>
+          <a:solidFill>
+            <a:schemeClr val="bg1">
+              <a:lumMod val="85000"/>
+            </a:schemeClr>
+          </a:solidFill>
+        </p:spPr>
+        <p:style>
+          <a:lnRef idx="2">
+            <a:schemeClr val="dk1"/>
+          </a:lnRef>
+          <a:fillRef idx="1">
+            <a:schemeClr val="lt1"/>
+          </a:fillRef>
+          <a:effectRef idx="0">
+            <a:schemeClr val="dk1"/>
+          </a:effectRef>
+          <a:fontRef idx="minor">
+            <a:schemeClr val="dk1"/>
+          </a:fontRef>
+        </p:style>
+        <p:txBody>
+          <a:bodyPr rtlCol="0" anchor="ctr"/>
+          <a:lstStyle/>
+          <a:p>
+            <a:endParaRPr lang="de-DE" dirty="0"/>
+          </a:p>
+        </p:txBody>
+      </p:sp>
+      <p:sp>
+        <p:nvSpPr>
+          <p:cNvPr id="78" name="Rectangle 77"/>
+          <p:cNvSpPr/>
+          <p:nvPr/>
+        </p:nvSpPr>
+        <p:spPr>
+          <a:xfrm>
+            <a:off x="2979730" y="3788743"/>
+            <a:ext cx="406237" cy="122333"/>
+          </a:xfrm>
+          <a:prstGeom prst="rect">
+            <a:avLst/>
+          </a:prstGeom>
+        </p:spPr>
+        <p:style>
+          <a:lnRef idx="2">
+            <a:schemeClr val="dk1"/>
+          </a:lnRef>
+          <a:fillRef idx="1">
+            <a:schemeClr val="lt1"/>
+          </a:fillRef>
+          <a:effectRef idx="0">
+            <a:schemeClr val="dk1"/>
+          </a:effectRef>
+          <a:fontRef idx="minor">
+            <a:schemeClr val="dk1"/>
+          </a:fontRef>
+        </p:style>
+        <p:txBody>
+          <a:bodyPr rtlCol="0" anchor="ctr"/>
+          <a:lstStyle/>
+          <a:p>
+            <a:endParaRPr lang="de-DE" dirty="0"/>
+          </a:p>
+        </p:txBody>
+      </p:sp>
+      <p:sp>
+        <p:nvSpPr>
+          <p:cNvPr id="79" name="Rectangle 78"/>
+          <p:cNvSpPr/>
+          <p:nvPr/>
+        </p:nvSpPr>
+        <p:spPr>
+          <a:xfrm>
+            <a:off x="3378628" y="3788743"/>
+            <a:ext cx="246959" cy="122333"/>
+          </a:xfrm>
+          <a:prstGeom prst="rect">
+            <a:avLst/>
+          </a:prstGeom>
+        </p:spPr>
+        <p:style>
+          <a:lnRef idx="2">
+            <a:schemeClr val="dk1"/>
+          </a:lnRef>
+          <a:fillRef idx="1">
+            <a:schemeClr val="lt1"/>
+          </a:fillRef>
+          <a:effectRef idx="0">
+            <a:schemeClr val="dk1"/>
+          </a:effectRef>
+          <a:fontRef idx="minor">
+            <a:schemeClr val="dk1"/>
+          </a:fontRef>
+        </p:style>
+        <p:txBody>
+          <a:bodyPr rtlCol="0" anchor="ctr"/>
+          <a:lstStyle/>
+          <a:p>
+            <a:endParaRPr lang="de-DE" dirty="0"/>
+          </a:p>
+        </p:txBody>
+      </p:sp>
+      <p:sp>
+        <p:nvSpPr>
+          <p:cNvPr id="80" name="Rectangle 79"/>
+          <p:cNvSpPr/>
+          <p:nvPr/>
+        </p:nvSpPr>
+        <p:spPr>
+          <a:xfrm>
+            <a:off x="2979730" y="3909142"/>
+            <a:ext cx="406237" cy="122333"/>
+          </a:xfrm>
+          <a:prstGeom prst="rect">
+            <a:avLst/>
+          </a:prstGeom>
+        </p:spPr>
+        <p:style>
+          <a:lnRef idx="2">
+            <a:schemeClr val="dk1"/>
+          </a:lnRef>
+          <a:fillRef idx="1">
+            <a:schemeClr val="lt1"/>
+          </a:fillRef>
+          <a:effectRef idx="0">
+            <a:schemeClr val="dk1"/>
+          </a:effectRef>
+          <a:fontRef idx="minor">
+            <a:schemeClr val="dk1"/>
+          </a:fontRef>
+        </p:style>
+        <p:txBody>
+          <a:bodyPr rtlCol="0" anchor="ctr"/>
+          <a:lstStyle/>
+          <a:p>
+            <a:endParaRPr lang="de-DE" dirty="0"/>
+          </a:p>
+        </p:txBody>
+      </p:sp>
+      <p:sp>
+        <p:nvSpPr>
+          <p:cNvPr id="81" name="Rectangle 80"/>
+          <p:cNvSpPr/>
+          <p:nvPr/>
+        </p:nvSpPr>
+        <p:spPr>
+          <a:xfrm>
+            <a:off x="3378628" y="3909142"/>
+            <a:ext cx="246959" cy="122333"/>
+          </a:xfrm>
+          <a:prstGeom prst="rect">
+            <a:avLst/>
+          </a:prstGeom>
+        </p:spPr>
+        <p:style>
+          <a:lnRef idx="2">
+            <a:schemeClr val="dk1"/>
+          </a:lnRef>
+          <a:fillRef idx="1">
+            <a:schemeClr val="lt1"/>
+          </a:fillRef>
+          <a:effectRef idx="0">
+            <a:schemeClr val="dk1"/>
+          </a:effectRef>
+          <a:fontRef idx="minor">
+            <a:schemeClr val="dk1"/>
+          </a:fontRef>
+        </p:style>
+        <p:txBody>
+          <a:bodyPr rtlCol="0" anchor="ctr"/>
+          <a:lstStyle/>
+          <a:p>
+            <a:endParaRPr lang="de-DE" dirty="0"/>
+          </a:p>
+        </p:txBody>
+      </p:sp>
+      <p:sp>
+        <p:nvSpPr>
+          <p:cNvPr id="82" name="Rectangle 81"/>
+          <p:cNvSpPr/>
+          <p:nvPr/>
+        </p:nvSpPr>
+        <p:spPr>
+          <a:xfrm>
+            <a:off x="2979730" y="4028584"/>
+            <a:ext cx="406237" cy="122333"/>
+          </a:xfrm>
+          <a:prstGeom prst="rect">
+            <a:avLst/>
+          </a:prstGeom>
+        </p:spPr>
+        <p:style>
+          <a:lnRef idx="2">
+            <a:schemeClr val="dk1"/>
+          </a:lnRef>
+          <a:fillRef idx="1">
+            <a:schemeClr val="lt1"/>
+          </a:fillRef>
+          <a:effectRef idx="0">
+            <a:schemeClr val="dk1"/>
+          </a:effectRef>
+          <a:fontRef idx="minor">
+            <a:schemeClr val="dk1"/>
+          </a:fontRef>
+        </p:style>
+        <p:txBody>
+          <a:bodyPr rtlCol="0" anchor="ctr"/>
+          <a:lstStyle/>
+          <a:p>
+            <a:endParaRPr lang="de-DE" dirty="0"/>
+          </a:p>
+        </p:txBody>
+      </p:sp>
+      <p:sp>
+        <p:nvSpPr>
+          <p:cNvPr id="83" name="Rectangle 82"/>
+          <p:cNvSpPr/>
+          <p:nvPr/>
+        </p:nvSpPr>
+        <p:spPr>
+          <a:xfrm>
+            <a:off x="3378628" y="4028584"/>
+            <a:ext cx="246959" cy="122333"/>
+          </a:xfrm>
+          <a:prstGeom prst="rect">
+            <a:avLst/>
+          </a:prstGeom>
+        </p:spPr>
+        <p:style>
+          <a:lnRef idx="2">
+            <a:schemeClr val="dk1"/>
+          </a:lnRef>
+          <a:fillRef idx="1">
+            <a:schemeClr val="lt1"/>
+          </a:fillRef>
+          <a:effectRef idx="0">
+            <a:schemeClr val="dk1"/>
+          </a:effectRef>
+          <a:fontRef idx="minor">
+            <a:schemeClr val="dk1"/>
+          </a:fontRef>
+        </p:style>
+        <p:txBody>
+          <a:bodyPr rtlCol="0" anchor="ctr"/>
+          <a:lstStyle/>
+          <a:p>
+            <a:endParaRPr lang="de-DE" dirty="0"/>
+          </a:p>
+        </p:txBody>
+      </p:sp>
+      <p:sp>
+        <p:nvSpPr>
+          <p:cNvPr id="84" name="Rectangle 83"/>
+          <p:cNvSpPr/>
+          <p:nvPr/>
+        </p:nvSpPr>
+        <p:spPr>
+          <a:xfrm>
+            <a:off x="2979730" y="4148715"/>
+            <a:ext cx="406237" cy="122333"/>
+          </a:xfrm>
+          <a:prstGeom prst="rect">
+            <a:avLst/>
+          </a:prstGeom>
+        </p:spPr>
+        <p:style>
+          <a:lnRef idx="2">
+            <a:schemeClr val="dk1"/>
+          </a:lnRef>
+          <a:fillRef idx="1">
+            <a:schemeClr val="lt1"/>
+          </a:fillRef>
+          <a:effectRef idx="0">
+            <a:schemeClr val="dk1"/>
+          </a:effectRef>
+          <a:fontRef idx="minor">
+            <a:schemeClr val="dk1"/>
+          </a:fontRef>
+        </p:style>
+        <p:txBody>
+          <a:bodyPr rtlCol="0" anchor="ctr"/>
+          <a:lstStyle/>
+          <a:p>
+            <a:endParaRPr lang="de-DE" dirty="0"/>
+          </a:p>
+        </p:txBody>
+      </p:sp>
+      <p:sp>
+        <p:nvSpPr>
+          <p:cNvPr id="85" name="Rectangle 84"/>
+          <p:cNvSpPr/>
+          <p:nvPr/>
+        </p:nvSpPr>
+        <p:spPr>
+          <a:xfrm>
+            <a:off x="3378628" y="4148715"/>
+            <a:ext cx="246959" cy="122333"/>
+          </a:xfrm>
+          <a:prstGeom prst="rect">
+            <a:avLst/>
+          </a:prstGeom>
+        </p:spPr>
+        <p:style>
+          <a:lnRef idx="2">
+            <a:schemeClr val="dk1"/>
+          </a:lnRef>
+          <a:fillRef idx="1">
+            <a:schemeClr val="lt1"/>
+          </a:fillRef>
+          <a:effectRef idx="0">
+            <a:schemeClr val="dk1"/>
+          </a:effectRef>
+          <a:fontRef idx="minor">
+            <a:schemeClr val="dk1"/>
+          </a:fontRef>
+        </p:style>
+        <p:txBody>
+          <a:bodyPr rtlCol="0" anchor="ctr"/>
+          <a:lstStyle/>
+          <a:p>
+            <a:endParaRPr lang="de-DE" dirty="0"/>
+          </a:p>
+        </p:txBody>
+      </p:sp>
+      <p:sp>
+        <p:nvSpPr>
+          <p:cNvPr id="86" name="Rectangle 85"/>
+          <p:cNvSpPr/>
+          <p:nvPr/>
+        </p:nvSpPr>
+        <p:spPr>
+          <a:xfrm>
+            <a:off x="3672394" y="3303885"/>
+            <a:ext cx="1179242" cy="1091757"/>
+          </a:xfrm>
+          <a:prstGeom prst="rect">
+            <a:avLst/>
+          </a:prstGeom>
+        </p:spPr>
+        <p:style>
+          <a:lnRef idx="2">
+            <a:schemeClr val="dk1"/>
+          </a:lnRef>
+          <a:fillRef idx="1">
+            <a:schemeClr val="lt1"/>
+          </a:fillRef>
+          <a:effectRef idx="0">
+            <a:schemeClr val="dk1"/>
+          </a:effectRef>
+          <a:fontRef idx="minor">
+            <a:schemeClr val="dk1"/>
+          </a:fontRef>
+        </p:style>
+        <p:txBody>
+          <a:bodyPr rtlCol="0" anchor="ctr"/>
+          <a:lstStyle/>
+          <a:p>
+            <a:endParaRPr lang="de-DE" dirty="0"/>
+          </a:p>
+        </p:txBody>
+      </p:sp>
+      <p:cxnSp>
+        <p:nvCxnSpPr>
+          <p:cNvPr id="88" name="Straight Connector 87"/>
+          <p:cNvCxnSpPr/>
+          <p:nvPr/>
+        </p:nvCxnSpPr>
+        <p:spPr>
+          <a:xfrm>
+            <a:off x="3929326" y="3496193"/>
+            <a:ext cx="303183" cy="0"/>
+          </a:xfrm>
+          <a:prstGeom prst="line">
+            <a:avLst/>
+          </a:prstGeom>
+          <a:ln w="28575"/>
+        </p:spPr>
+        <p:style>
+          <a:lnRef idx="1">
+            <a:schemeClr val="dk1"/>
+          </a:lnRef>
+          <a:fillRef idx="0">
+            <a:schemeClr val="dk1"/>
+          </a:fillRef>
+          <a:effectRef idx="0">
+            <a:schemeClr val="dk1"/>
+          </a:effectRef>
+          <a:fontRef idx="minor">
+            <a:schemeClr val="tx1"/>
+          </a:fontRef>
+        </p:style>
+      </p:cxnSp>
+      <p:cxnSp>
+        <p:nvCxnSpPr>
+          <p:cNvPr id="90" name="Straight Connector 89"/>
+          <p:cNvCxnSpPr/>
+          <p:nvPr/>
+        </p:nvCxnSpPr>
+        <p:spPr>
+          <a:xfrm>
+            <a:off x="3938069" y="3625215"/>
+            <a:ext cx="726501" cy="0"/>
+          </a:xfrm>
+          <a:prstGeom prst="line">
+            <a:avLst/>
+          </a:prstGeom>
+        </p:spPr>
+        <p:style>
+          <a:lnRef idx="1">
+            <a:schemeClr val="dk1"/>
+          </a:lnRef>
+          <a:fillRef idx="0">
+            <a:schemeClr val="dk1"/>
+          </a:fillRef>
+          <a:effectRef idx="0">
+            <a:schemeClr val="dk1"/>
+          </a:effectRef>
+          <a:fontRef idx="minor">
+            <a:schemeClr val="tx1"/>
+          </a:fontRef>
+        </p:style>
+      </p:cxnSp>
+      <p:cxnSp>
+        <p:nvCxnSpPr>
+          <p:cNvPr id="92" name="Straight Connector 91"/>
+          <p:cNvCxnSpPr/>
+          <p:nvPr/>
+        </p:nvCxnSpPr>
+        <p:spPr>
+          <a:xfrm>
+            <a:off x="3937639" y="3750760"/>
+            <a:ext cx="726501" cy="0"/>
+          </a:xfrm>
+          <a:prstGeom prst="line">
+            <a:avLst/>
+          </a:prstGeom>
+        </p:spPr>
+        <p:style>
+          <a:lnRef idx="1">
+            <a:schemeClr val="dk1"/>
+          </a:lnRef>
+          <a:fillRef idx="0">
+            <a:schemeClr val="dk1"/>
+          </a:fillRef>
+          <a:effectRef idx="0">
+            <a:schemeClr val="dk1"/>
+          </a:effectRef>
+          <a:fontRef idx="minor">
+            <a:schemeClr val="tx1"/>
+          </a:fontRef>
+        </p:style>
+      </p:cxnSp>
+      <p:sp>
+        <p:nvSpPr>
+          <p:cNvPr id="95" name="Rectangle 94"/>
+          <p:cNvSpPr/>
+          <p:nvPr/>
+        </p:nvSpPr>
+        <p:spPr>
+          <a:xfrm>
+            <a:off x="2979730" y="4268157"/>
+            <a:ext cx="406237" cy="127485"/>
+          </a:xfrm>
+          <a:prstGeom prst="rect">
+            <a:avLst/>
+          </a:prstGeom>
+        </p:spPr>
+        <p:style>
+          <a:lnRef idx="2">
+            <a:schemeClr val="dk1"/>
+          </a:lnRef>
+          <a:fillRef idx="1">
+            <a:schemeClr val="lt1"/>
+          </a:fillRef>
+          <a:effectRef idx="0">
+            <a:schemeClr val="dk1"/>
+          </a:effectRef>
+          <a:fontRef idx="minor">
+            <a:schemeClr val="dk1"/>
+          </a:fontRef>
+        </p:style>
+        <p:txBody>
+          <a:bodyPr rtlCol="0" anchor="ctr"/>
+          <a:lstStyle/>
+          <a:p>
+            <a:endParaRPr lang="de-DE" dirty="0"/>
+          </a:p>
+        </p:txBody>
+      </p:sp>
+      <p:sp>
+        <p:nvSpPr>
+          <p:cNvPr id="96" name="Rectangle 95"/>
+          <p:cNvSpPr/>
+          <p:nvPr/>
+        </p:nvSpPr>
+        <p:spPr>
+          <a:xfrm>
+            <a:off x="3378628" y="4268157"/>
+            <a:ext cx="246959" cy="127485"/>
+          </a:xfrm>
+          <a:prstGeom prst="rect">
+            <a:avLst/>
+          </a:prstGeom>
+        </p:spPr>
+        <p:style>
+          <a:lnRef idx="2">
+            <a:schemeClr val="dk1"/>
+          </a:lnRef>
+          <a:fillRef idx="1">
+            <a:schemeClr val="lt1"/>
+          </a:fillRef>
+          <a:effectRef idx="0">
+            <a:schemeClr val="dk1"/>
+          </a:effectRef>
+          <a:fontRef idx="minor">
+            <a:schemeClr val="dk1"/>
+          </a:fontRef>
+        </p:style>
+        <p:txBody>
+          <a:bodyPr rtlCol="0" anchor="ctr"/>
+          <a:lstStyle/>
+          <a:p>
+            <a:endParaRPr lang="de-DE" dirty="0"/>
+          </a:p>
+        </p:txBody>
+      </p:sp>
+      <p:cxnSp>
+        <p:nvCxnSpPr>
+          <p:cNvPr id="101" name="Straight Connector 100"/>
+          <p:cNvCxnSpPr/>
+          <p:nvPr/>
+        </p:nvCxnSpPr>
+        <p:spPr>
+          <a:xfrm>
+            <a:off x="3929326" y="3894148"/>
+            <a:ext cx="303183" cy="0"/>
+          </a:xfrm>
+          <a:prstGeom prst="line">
+            <a:avLst/>
+          </a:prstGeom>
+          <a:ln w="28575"/>
+        </p:spPr>
+        <p:style>
+          <a:lnRef idx="1">
+            <a:schemeClr val="dk1"/>
+          </a:lnRef>
+          <a:fillRef idx="0">
+            <a:schemeClr val="dk1"/>
+          </a:fillRef>
+          <a:effectRef idx="0">
+            <a:schemeClr val="dk1"/>
+          </a:effectRef>
+          <a:fontRef idx="minor">
+            <a:schemeClr val="tx1"/>
+          </a:fontRef>
+        </p:style>
+      </p:cxnSp>
+      <p:cxnSp>
+        <p:nvCxnSpPr>
+          <p:cNvPr id="102" name="Straight Connector 101"/>
+          <p:cNvCxnSpPr/>
+          <p:nvPr/>
+        </p:nvCxnSpPr>
+        <p:spPr>
+          <a:xfrm>
+            <a:off x="3938069" y="4023170"/>
+            <a:ext cx="726501" cy="0"/>
+          </a:xfrm>
+          <a:prstGeom prst="line">
+            <a:avLst/>
+          </a:prstGeom>
+        </p:spPr>
+        <p:style>
+          <a:lnRef idx="1">
+            <a:schemeClr val="dk1"/>
+          </a:lnRef>
+          <a:fillRef idx="0">
+            <a:schemeClr val="dk1"/>
+          </a:fillRef>
+          <a:effectRef idx="0">
+            <a:schemeClr val="dk1"/>
+          </a:effectRef>
+          <a:fontRef idx="minor">
+            <a:schemeClr val="tx1"/>
+          </a:fontRef>
+        </p:style>
+      </p:cxnSp>
+      <p:cxnSp>
+        <p:nvCxnSpPr>
+          <p:cNvPr id="103" name="Straight Connector 102"/>
+          <p:cNvCxnSpPr/>
+          <p:nvPr/>
+        </p:nvCxnSpPr>
+        <p:spPr>
+          <a:xfrm>
+            <a:off x="3937639" y="4148715"/>
+            <a:ext cx="726501" cy="0"/>
+          </a:xfrm>
+          <a:prstGeom prst="line">
+            <a:avLst/>
+          </a:prstGeom>
+        </p:spPr>
+        <p:style>
+          <a:lnRef idx="1">
+            <a:schemeClr val="dk1"/>
+          </a:lnRef>
+          <a:fillRef idx="0">
+            <a:schemeClr val="dk1"/>
+          </a:fillRef>
+          <a:effectRef idx="0">
+            <a:schemeClr val="dk1"/>
+          </a:effectRef>
+          <a:fontRef idx="minor">
+            <a:schemeClr val="tx1"/>
+          </a:fontRef>
+        </p:style>
+      </p:cxnSp>
     </p:spTree>
     <p:extLst>
       <p:ext uri="{BB962C8B-B14F-4D97-AF65-F5344CB8AC3E}">

--- a/Docs/documentation/uxon_presets.pptx
+++ b/Docs/documentation/uxon_presets.pptx
@@ -253,7 +253,7 @@
           <a:p>
             <a:fld id="{2DAF1186-F1D7-440D-B156-A260D91A3611}" type="datetimeFigureOut">
               <a:rPr lang="de-DE" smtClean="0"/>
-              <a:t>17.12.2020</a:t>
+              <a:t>23.12.2020</a:t>
             </a:fld>
             <a:endParaRPr lang="de-DE"/>
           </a:p>
@@ -423,7 +423,7 @@
           <a:p>
             <a:fld id="{2DAF1186-F1D7-440D-B156-A260D91A3611}" type="datetimeFigureOut">
               <a:rPr lang="de-DE" smtClean="0"/>
-              <a:t>17.12.2020</a:t>
+              <a:t>23.12.2020</a:t>
             </a:fld>
             <a:endParaRPr lang="de-DE"/>
           </a:p>
@@ -603,7 +603,7 @@
           <a:p>
             <a:fld id="{2DAF1186-F1D7-440D-B156-A260D91A3611}" type="datetimeFigureOut">
               <a:rPr lang="de-DE" smtClean="0"/>
-              <a:t>17.12.2020</a:t>
+              <a:t>23.12.2020</a:t>
             </a:fld>
             <a:endParaRPr lang="de-DE"/>
           </a:p>
@@ -773,7 +773,7 @@
           <a:p>
             <a:fld id="{2DAF1186-F1D7-440D-B156-A260D91A3611}" type="datetimeFigureOut">
               <a:rPr lang="de-DE" smtClean="0"/>
-              <a:t>17.12.2020</a:t>
+              <a:t>23.12.2020</a:t>
             </a:fld>
             <a:endParaRPr lang="de-DE"/>
           </a:p>
@@ -1019,7 +1019,7 @@
           <a:p>
             <a:fld id="{2DAF1186-F1D7-440D-B156-A260D91A3611}" type="datetimeFigureOut">
               <a:rPr lang="de-DE" smtClean="0"/>
-              <a:t>17.12.2020</a:t>
+              <a:t>23.12.2020</a:t>
             </a:fld>
             <a:endParaRPr lang="de-DE"/>
           </a:p>
@@ -1251,7 +1251,7 @@
           <a:p>
             <a:fld id="{2DAF1186-F1D7-440D-B156-A260D91A3611}" type="datetimeFigureOut">
               <a:rPr lang="de-DE" smtClean="0"/>
-              <a:t>17.12.2020</a:t>
+              <a:t>23.12.2020</a:t>
             </a:fld>
             <a:endParaRPr lang="de-DE"/>
           </a:p>
@@ -1618,7 +1618,7 @@
           <a:p>
             <a:fld id="{2DAF1186-F1D7-440D-B156-A260D91A3611}" type="datetimeFigureOut">
               <a:rPr lang="de-DE" smtClean="0"/>
-              <a:t>17.12.2020</a:t>
+              <a:t>23.12.2020</a:t>
             </a:fld>
             <a:endParaRPr lang="de-DE"/>
           </a:p>
@@ -1736,7 +1736,7 @@
           <a:p>
             <a:fld id="{2DAF1186-F1D7-440D-B156-A260D91A3611}" type="datetimeFigureOut">
               <a:rPr lang="de-DE" smtClean="0"/>
-              <a:t>17.12.2020</a:t>
+              <a:t>23.12.2020</a:t>
             </a:fld>
             <a:endParaRPr lang="de-DE"/>
           </a:p>
@@ -1831,7 +1831,7 @@
           <a:p>
             <a:fld id="{2DAF1186-F1D7-440D-B156-A260D91A3611}" type="datetimeFigureOut">
               <a:rPr lang="de-DE" smtClean="0"/>
-              <a:t>17.12.2020</a:t>
+              <a:t>23.12.2020</a:t>
             </a:fld>
             <a:endParaRPr lang="de-DE"/>
           </a:p>
@@ -2108,7 +2108,7 @@
           <a:p>
             <a:fld id="{2DAF1186-F1D7-440D-B156-A260D91A3611}" type="datetimeFigureOut">
               <a:rPr lang="de-DE" smtClean="0"/>
-              <a:t>17.12.2020</a:t>
+              <a:t>23.12.2020</a:t>
             </a:fld>
             <a:endParaRPr lang="de-DE"/>
           </a:p>
@@ -2361,7 +2361,7 @@
           <a:p>
             <a:fld id="{2DAF1186-F1D7-440D-B156-A260D91A3611}" type="datetimeFigureOut">
               <a:rPr lang="de-DE" smtClean="0"/>
-              <a:t>17.12.2020</a:t>
+              <a:t>23.12.2020</a:t>
             </a:fld>
             <a:endParaRPr lang="de-DE"/>
           </a:p>
@@ -2574,7 +2574,7 @@
           <a:p>
             <a:fld id="{2DAF1186-F1D7-440D-B156-A260D91A3611}" type="datetimeFigureOut">
               <a:rPr lang="de-DE" smtClean="0"/>
-              <a:t>17.12.2020</a:t>
+              <a:t>23.12.2020</a:t>
             </a:fld>
             <a:endParaRPr lang="de-DE"/>
           </a:p>
@@ -40362,6 +40362,344 @@
           </a:p>
         </p:txBody>
       </p:sp>
+      <p:sp>
+        <p:nvSpPr>
+          <p:cNvPr id="69" name="Rectangle 68"/>
+          <p:cNvSpPr/>
+          <p:nvPr/>
+        </p:nvSpPr>
+        <p:spPr>
+          <a:xfrm>
+            <a:off x="5275648" y="1924005"/>
+            <a:ext cx="2029770" cy="1215450"/>
+          </a:xfrm>
+          <a:prstGeom prst="rect">
+            <a:avLst/>
+          </a:prstGeom>
+          <a:noFill/>
+          <a:ln>
+            <a:prstDash val="dash"/>
+          </a:ln>
+        </p:spPr>
+        <p:style>
+          <a:lnRef idx="2">
+            <a:schemeClr val="accent1">
+              <a:shade val="50000"/>
+            </a:schemeClr>
+          </a:lnRef>
+          <a:fillRef idx="1">
+            <a:schemeClr val="accent1"/>
+          </a:fillRef>
+          <a:effectRef idx="0">
+            <a:schemeClr val="accent1"/>
+          </a:effectRef>
+          <a:fontRef idx="minor">
+            <a:schemeClr val="lt1"/>
+          </a:fontRef>
+        </p:style>
+        <p:txBody>
+          <a:bodyPr rtlCol="0" anchor="ctr"/>
+          <a:lstStyle/>
+          <a:p>
+            <a:pPr algn="ctr"/>
+            <a:endParaRPr lang="de-DE"/>
+          </a:p>
+        </p:txBody>
+      </p:sp>
+      <p:sp>
+        <p:nvSpPr>
+          <p:cNvPr id="70" name="Rectangle 69"/>
+          <p:cNvSpPr/>
+          <p:nvPr/>
+        </p:nvSpPr>
+        <p:spPr>
+          <a:xfrm>
+            <a:off x="6017213" y="2279562"/>
+            <a:ext cx="406237" cy="122333"/>
+          </a:xfrm>
+          <a:prstGeom prst="rect">
+            <a:avLst/>
+          </a:prstGeom>
+        </p:spPr>
+        <p:style>
+          <a:lnRef idx="2">
+            <a:schemeClr val="dk1"/>
+          </a:lnRef>
+          <a:fillRef idx="1">
+            <a:schemeClr val="lt1"/>
+          </a:fillRef>
+          <a:effectRef idx="0">
+            <a:schemeClr val="dk1"/>
+          </a:effectRef>
+          <a:fontRef idx="minor">
+            <a:schemeClr val="dk1"/>
+          </a:fontRef>
+        </p:style>
+        <p:txBody>
+          <a:bodyPr rtlCol="0" anchor="ctr"/>
+          <a:lstStyle/>
+          <a:p>
+            <a:pPr algn="r"/>
+            <a:r>
+              <a:rPr lang="de-DE" sz="800" dirty="0" smtClean="0"/>
+              <a:t>=f(x)</a:t>
+            </a:r>
+            <a:endParaRPr lang="de-DE" sz="800" dirty="0"/>
+          </a:p>
+        </p:txBody>
+      </p:sp>
+      <p:sp>
+        <p:nvSpPr>
+          <p:cNvPr id="71" name="Rectangle 70"/>
+          <p:cNvSpPr/>
+          <p:nvPr/>
+        </p:nvSpPr>
+        <p:spPr>
+          <a:xfrm>
+            <a:off x="6017212" y="2163275"/>
+            <a:ext cx="406237" cy="116287"/>
+          </a:xfrm>
+          <a:prstGeom prst="rect">
+            <a:avLst/>
+          </a:prstGeom>
+          <a:solidFill>
+            <a:schemeClr val="bg1">
+              <a:lumMod val="85000"/>
+            </a:schemeClr>
+          </a:solidFill>
+        </p:spPr>
+        <p:style>
+          <a:lnRef idx="2">
+            <a:schemeClr val="dk1"/>
+          </a:lnRef>
+          <a:fillRef idx="1">
+            <a:schemeClr val="lt1"/>
+          </a:fillRef>
+          <a:effectRef idx="0">
+            <a:schemeClr val="dk1"/>
+          </a:effectRef>
+          <a:fontRef idx="minor">
+            <a:schemeClr val="dk1"/>
+          </a:fontRef>
+        </p:style>
+        <p:txBody>
+          <a:bodyPr rtlCol="0" anchor="ctr"/>
+          <a:lstStyle/>
+          <a:p>
+            <a:endParaRPr lang="de-DE" dirty="0"/>
+          </a:p>
+        </p:txBody>
+      </p:sp>
+      <p:sp>
+        <p:nvSpPr>
+          <p:cNvPr id="72" name="Rectangle 71"/>
+          <p:cNvSpPr/>
+          <p:nvPr/>
+        </p:nvSpPr>
+        <p:spPr>
+          <a:xfrm>
+            <a:off x="6017213" y="2404712"/>
+            <a:ext cx="406237" cy="122333"/>
+          </a:xfrm>
+          <a:prstGeom prst="rect">
+            <a:avLst/>
+          </a:prstGeom>
+        </p:spPr>
+        <p:style>
+          <a:lnRef idx="2">
+            <a:schemeClr val="dk1"/>
+          </a:lnRef>
+          <a:fillRef idx="1">
+            <a:schemeClr val="lt1"/>
+          </a:fillRef>
+          <a:effectRef idx="0">
+            <a:schemeClr val="dk1"/>
+          </a:effectRef>
+          <a:fontRef idx="minor">
+            <a:schemeClr val="dk1"/>
+          </a:fontRef>
+        </p:style>
+        <p:txBody>
+          <a:bodyPr rtlCol="0" anchor="ctr"/>
+          <a:lstStyle/>
+          <a:p>
+            <a:pPr algn="r"/>
+            <a:r>
+              <a:rPr lang="de-DE" sz="800"/>
+              <a:t>=f(x)</a:t>
+            </a:r>
+            <a:endParaRPr lang="de-DE" sz="800" dirty="0"/>
+          </a:p>
+        </p:txBody>
+      </p:sp>
+      <p:sp>
+        <p:nvSpPr>
+          <p:cNvPr id="73" name="Rectangle 72"/>
+          <p:cNvSpPr/>
+          <p:nvPr/>
+        </p:nvSpPr>
+        <p:spPr>
+          <a:xfrm>
+            <a:off x="6017213" y="2525111"/>
+            <a:ext cx="406237" cy="122333"/>
+          </a:xfrm>
+          <a:prstGeom prst="rect">
+            <a:avLst/>
+          </a:prstGeom>
+        </p:spPr>
+        <p:style>
+          <a:lnRef idx="2">
+            <a:schemeClr val="dk1"/>
+          </a:lnRef>
+          <a:fillRef idx="1">
+            <a:schemeClr val="lt1"/>
+          </a:fillRef>
+          <a:effectRef idx="0">
+            <a:schemeClr val="dk1"/>
+          </a:effectRef>
+          <a:fontRef idx="minor">
+            <a:schemeClr val="dk1"/>
+          </a:fontRef>
+        </p:style>
+        <p:txBody>
+          <a:bodyPr rtlCol="0" anchor="ctr"/>
+          <a:lstStyle/>
+          <a:p>
+            <a:pPr algn="r"/>
+            <a:r>
+              <a:rPr lang="de-DE" sz="800"/>
+              <a:t>=f(x)</a:t>
+            </a:r>
+            <a:endParaRPr lang="de-DE" sz="800" dirty="0"/>
+          </a:p>
+        </p:txBody>
+      </p:sp>
+      <p:sp>
+        <p:nvSpPr>
+          <p:cNvPr id="74" name="Rectangle 73"/>
+          <p:cNvSpPr/>
+          <p:nvPr/>
+        </p:nvSpPr>
+        <p:spPr>
+          <a:xfrm>
+            <a:off x="6017213" y="2644553"/>
+            <a:ext cx="406237" cy="122333"/>
+          </a:xfrm>
+          <a:prstGeom prst="rect">
+            <a:avLst/>
+          </a:prstGeom>
+        </p:spPr>
+        <p:style>
+          <a:lnRef idx="2">
+            <a:schemeClr val="dk1"/>
+          </a:lnRef>
+          <a:fillRef idx="1">
+            <a:schemeClr val="lt1"/>
+          </a:fillRef>
+          <a:effectRef idx="0">
+            <a:schemeClr val="dk1"/>
+          </a:effectRef>
+          <a:fontRef idx="minor">
+            <a:schemeClr val="dk1"/>
+          </a:fontRef>
+        </p:style>
+        <p:txBody>
+          <a:bodyPr rtlCol="0" anchor="ctr"/>
+          <a:lstStyle/>
+          <a:p>
+            <a:pPr algn="r"/>
+            <a:r>
+              <a:rPr lang="de-DE" sz="800"/>
+              <a:t>=f(x)</a:t>
+            </a:r>
+            <a:endParaRPr lang="de-DE" sz="800" dirty="0"/>
+          </a:p>
+        </p:txBody>
+      </p:sp>
+      <p:sp>
+        <p:nvSpPr>
+          <p:cNvPr id="75" name="Rectangle 74"/>
+          <p:cNvSpPr/>
+          <p:nvPr/>
+        </p:nvSpPr>
+        <p:spPr>
+          <a:xfrm>
+            <a:off x="6017213" y="2764684"/>
+            <a:ext cx="406237" cy="122333"/>
+          </a:xfrm>
+          <a:prstGeom prst="rect">
+            <a:avLst/>
+          </a:prstGeom>
+        </p:spPr>
+        <p:style>
+          <a:lnRef idx="2">
+            <a:schemeClr val="dk1"/>
+          </a:lnRef>
+          <a:fillRef idx="1">
+            <a:schemeClr val="lt1"/>
+          </a:fillRef>
+          <a:effectRef idx="0">
+            <a:schemeClr val="dk1"/>
+          </a:effectRef>
+          <a:fontRef idx="minor">
+            <a:schemeClr val="dk1"/>
+          </a:fontRef>
+        </p:style>
+        <p:txBody>
+          <a:bodyPr rtlCol="0" anchor="ctr"/>
+          <a:lstStyle/>
+          <a:p>
+            <a:pPr algn="r"/>
+            <a:r>
+              <a:rPr lang="de-DE" sz="800"/>
+              <a:t>=f(x)</a:t>
+            </a:r>
+            <a:endParaRPr lang="de-DE" sz="800" dirty="0"/>
+          </a:p>
+        </p:txBody>
+      </p:sp>
+      <p:sp>
+        <p:nvSpPr>
+          <p:cNvPr id="84" name="Rectangle 83"/>
+          <p:cNvSpPr/>
+          <p:nvPr/>
+        </p:nvSpPr>
+        <p:spPr>
+          <a:xfrm>
+            <a:off x="6017212" y="2884126"/>
+            <a:ext cx="406237" cy="122333"/>
+          </a:xfrm>
+          <a:prstGeom prst="rect">
+            <a:avLst/>
+          </a:prstGeom>
+        </p:spPr>
+        <p:style>
+          <a:lnRef idx="2">
+            <a:schemeClr val="dk1"/>
+          </a:lnRef>
+          <a:fillRef idx="1">
+            <a:schemeClr val="lt1"/>
+          </a:fillRef>
+          <a:effectRef idx="0">
+            <a:schemeClr val="dk1"/>
+          </a:effectRef>
+          <a:fontRef idx="minor">
+            <a:schemeClr val="dk1"/>
+          </a:fontRef>
+        </p:style>
+        <p:txBody>
+          <a:bodyPr rtlCol="0" anchor="ctr"/>
+          <a:lstStyle/>
+          <a:p>
+            <a:pPr algn="r"/>
+            <a:r>
+              <a:rPr lang="de-DE" sz="800"/>
+              <a:t>=f(x)</a:t>
+            </a:r>
+            <a:endParaRPr lang="de-DE" sz="800" dirty="0"/>
+          </a:p>
+        </p:txBody>
+      </p:sp>
     </p:spTree>
     <p:extLst>
       <p:ext uri="{BB962C8B-B14F-4D97-AF65-F5344CB8AC3E}">

--- a/Docs/documentation/uxon_presets.pptx
+++ b/Docs/documentation/uxon_presets.pptx
@@ -165,7 +165,7 @@
           </a:lstStyle>
           <a:p>
             <a:r>
-              <a:rPr lang="en-US" smtClean="0"/>
+              <a:rPr lang="en-US"/>
               <a:t>Click to edit Master title style</a:t>
             </a:r>
             <a:endParaRPr lang="de-DE"/>
@@ -230,7 +230,7 @@
           </a:lstStyle>
           <a:p>
             <a:r>
-              <a:rPr lang="en-US" smtClean="0"/>
+              <a:rPr lang="en-US"/>
               <a:t>Click to edit Master subtitle style</a:t>
             </a:r>
             <a:endParaRPr lang="de-DE"/>
@@ -254,7 +254,7 @@
           <a:p>
             <a:fld id="{2DAF1186-F1D7-440D-B156-A260D91A3611}" type="datetimeFigureOut">
               <a:rPr lang="de-DE" smtClean="0"/>
-              <a:t>19.03.2021</a:t>
+              <a:t>05.05.2021</a:t>
             </a:fld>
             <a:endParaRPr lang="de-DE"/>
           </a:p>
@@ -348,7 +348,7 @@
           <a:lstStyle/>
           <a:p>
             <a:r>
-              <a:rPr lang="en-US" smtClean="0"/>
+              <a:rPr lang="en-US"/>
               <a:t>Click to edit Master title style</a:t>
             </a:r>
             <a:endParaRPr lang="de-DE"/>
@@ -372,35 +372,35 @@
           <a:p>
             <a:pPr lvl="0"/>
             <a:r>
-              <a:rPr lang="en-US" smtClean="0"/>
+              <a:rPr lang="en-US"/>
               <a:t>Edit Master text styles</a:t>
             </a:r>
           </a:p>
           <a:p>
             <a:pPr lvl="1"/>
             <a:r>
-              <a:rPr lang="en-US" smtClean="0"/>
+              <a:rPr lang="en-US"/>
               <a:t>Second level</a:t>
             </a:r>
           </a:p>
           <a:p>
             <a:pPr lvl="2"/>
             <a:r>
-              <a:rPr lang="en-US" smtClean="0"/>
+              <a:rPr lang="en-US"/>
               <a:t>Third level</a:t>
             </a:r>
           </a:p>
           <a:p>
             <a:pPr lvl="3"/>
             <a:r>
-              <a:rPr lang="en-US" smtClean="0"/>
+              <a:rPr lang="en-US"/>
               <a:t>Fourth level</a:t>
             </a:r>
           </a:p>
           <a:p>
             <a:pPr lvl="4"/>
             <a:r>
-              <a:rPr lang="en-US" smtClean="0"/>
+              <a:rPr lang="en-US"/>
               <a:t>Fifth level</a:t>
             </a:r>
             <a:endParaRPr lang="de-DE"/>
@@ -424,7 +424,7 @@
           <a:p>
             <a:fld id="{2DAF1186-F1D7-440D-B156-A260D91A3611}" type="datetimeFigureOut">
               <a:rPr lang="de-DE" smtClean="0"/>
-              <a:t>19.03.2021</a:t>
+              <a:t>05.05.2021</a:t>
             </a:fld>
             <a:endParaRPr lang="de-DE"/>
           </a:p>
@@ -523,7 +523,7 @@
           <a:lstStyle/>
           <a:p>
             <a:r>
-              <a:rPr lang="en-US" smtClean="0"/>
+              <a:rPr lang="en-US"/>
               <a:t>Click to edit Master title style</a:t>
             </a:r>
             <a:endParaRPr lang="de-DE"/>
@@ -552,35 +552,35 @@
           <a:p>
             <a:pPr lvl="0"/>
             <a:r>
-              <a:rPr lang="en-US" smtClean="0"/>
+              <a:rPr lang="en-US"/>
               <a:t>Edit Master text styles</a:t>
             </a:r>
           </a:p>
           <a:p>
             <a:pPr lvl="1"/>
             <a:r>
-              <a:rPr lang="en-US" smtClean="0"/>
+              <a:rPr lang="en-US"/>
               <a:t>Second level</a:t>
             </a:r>
           </a:p>
           <a:p>
             <a:pPr lvl="2"/>
             <a:r>
-              <a:rPr lang="en-US" smtClean="0"/>
+              <a:rPr lang="en-US"/>
               <a:t>Third level</a:t>
             </a:r>
           </a:p>
           <a:p>
             <a:pPr lvl="3"/>
             <a:r>
-              <a:rPr lang="en-US" smtClean="0"/>
+              <a:rPr lang="en-US"/>
               <a:t>Fourth level</a:t>
             </a:r>
           </a:p>
           <a:p>
             <a:pPr lvl="4"/>
             <a:r>
-              <a:rPr lang="en-US" smtClean="0"/>
+              <a:rPr lang="en-US"/>
               <a:t>Fifth level</a:t>
             </a:r>
             <a:endParaRPr lang="de-DE"/>
@@ -604,7 +604,7 @@
           <a:p>
             <a:fld id="{2DAF1186-F1D7-440D-B156-A260D91A3611}" type="datetimeFigureOut">
               <a:rPr lang="de-DE" smtClean="0"/>
-              <a:t>19.03.2021</a:t>
+              <a:t>05.05.2021</a:t>
             </a:fld>
             <a:endParaRPr lang="de-DE"/>
           </a:p>
@@ -698,7 +698,7 @@
           <a:lstStyle/>
           <a:p>
             <a:r>
-              <a:rPr lang="en-US" smtClean="0"/>
+              <a:rPr lang="en-US"/>
               <a:t>Click to edit Master title style</a:t>
             </a:r>
             <a:endParaRPr lang="de-DE"/>
@@ -722,35 +722,35 @@
           <a:p>
             <a:pPr lvl="0"/>
             <a:r>
-              <a:rPr lang="en-US" smtClean="0"/>
+              <a:rPr lang="en-US"/>
               <a:t>Edit Master text styles</a:t>
             </a:r>
           </a:p>
           <a:p>
             <a:pPr lvl="1"/>
             <a:r>
-              <a:rPr lang="en-US" smtClean="0"/>
+              <a:rPr lang="en-US"/>
               <a:t>Second level</a:t>
             </a:r>
           </a:p>
           <a:p>
             <a:pPr lvl="2"/>
             <a:r>
-              <a:rPr lang="en-US" smtClean="0"/>
+              <a:rPr lang="en-US"/>
               <a:t>Third level</a:t>
             </a:r>
           </a:p>
           <a:p>
             <a:pPr lvl="3"/>
             <a:r>
-              <a:rPr lang="en-US" smtClean="0"/>
+              <a:rPr lang="en-US"/>
               <a:t>Fourth level</a:t>
             </a:r>
           </a:p>
           <a:p>
             <a:pPr lvl="4"/>
             <a:r>
-              <a:rPr lang="en-US" smtClean="0"/>
+              <a:rPr lang="en-US"/>
               <a:t>Fifth level</a:t>
             </a:r>
             <a:endParaRPr lang="de-DE"/>
@@ -774,7 +774,7 @@
           <a:p>
             <a:fld id="{2DAF1186-F1D7-440D-B156-A260D91A3611}" type="datetimeFigureOut">
               <a:rPr lang="de-DE" smtClean="0"/>
-              <a:t>19.03.2021</a:t>
+              <a:t>05.05.2021</a:t>
             </a:fld>
             <a:endParaRPr lang="de-DE"/>
           </a:p>
@@ -877,7 +877,7 @@
           </a:lstStyle>
           <a:p>
             <a:r>
-              <a:rPr lang="en-US" smtClean="0"/>
+              <a:rPr lang="en-US"/>
               <a:t>Click to edit Master title style</a:t>
             </a:r>
             <a:endParaRPr lang="de-DE"/>
@@ -997,7 +997,7 @@
           <a:p>
             <a:pPr lvl="0"/>
             <a:r>
-              <a:rPr lang="en-US" smtClean="0"/>
+              <a:rPr lang="en-US"/>
               <a:t>Edit Master text styles</a:t>
             </a:r>
           </a:p>
@@ -1020,7 +1020,7 @@
           <a:p>
             <a:fld id="{2DAF1186-F1D7-440D-B156-A260D91A3611}" type="datetimeFigureOut">
               <a:rPr lang="de-DE" smtClean="0"/>
-              <a:t>19.03.2021</a:t>
+              <a:t>05.05.2021</a:t>
             </a:fld>
             <a:endParaRPr lang="de-DE"/>
           </a:p>
@@ -1114,7 +1114,7 @@
           <a:lstStyle/>
           <a:p>
             <a:r>
-              <a:rPr lang="en-US" smtClean="0"/>
+              <a:rPr lang="en-US"/>
               <a:t>Click to edit Master title style</a:t>
             </a:r>
             <a:endParaRPr lang="de-DE"/>
@@ -1143,35 +1143,35 @@
           <a:p>
             <a:pPr lvl="0"/>
             <a:r>
-              <a:rPr lang="en-US" smtClean="0"/>
+              <a:rPr lang="en-US"/>
               <a:t>Edit Master text styles</a:t>
             </a:r>
           </a:p>
           <a:p>
             <a:pPr lvl="1"/>
             <a:r>
-              <a:rPr lang="en-US" smtClean="0"/>
+              <a:rPr lang="en-US"/>
               <a:t>Second level</a:t>
             </a:r>
           </a:p>
           <a:p>
             <a:pPr lvl="2"/>
             <a:r>
-              <a:rPr lang="en-US" smtClean="0"/>
+              <a:rPr lang="en-US"/>
               <a:t>Third level</a:t>
             </a:r>
           </a:p>
           <a:p>
             <a:pPr lvl="3"/>
             <a:r>
-              <a:rPr lang="en-US" smtClean="0"/>
+              <a:rPr lang="en-US"/>
               <a:t>Fourth level</a:t>
             </a:r>
           </a:p>
           <a:p>
             <a:pPr lvl="4"/>
             <a:r>
-              <a:rPr lang="en-US" smtClean="0"/>
+              <a:rPr lang="en-US"/>
               <a:t>Fifth level</a:t>
             </a:r>
             <a:endParaRPr lang="de-DE"/>
@@ -1200,35 +1200,35 @@
           <a:p>
             <a:pPr lvl="0"/>
             <a:r>
-              <a:rPr lang="en-US" smtClean="0"/>
+              <a:rPr lang="en-US"/>
               <a:t>Edit Master text styles</a:t>
             </a:r>
           </a:p>
           <a:p>
             <a:pPr lvl="1"/>
             <a:r>
-              <a:rPr lang="en-US" smtClean="0"/>
+              <a:rPr lang="en-US"/>
               <a:t>Second level</a:t>
             </a:r>
           </a:p>
           <a:p>
             <a:pPr lvl="2"/>
             <a:r>
-              <a:rPr lang="en-US" smtClean="0"/>
+              <a:rPr lang="en-US"/>
               <a:t>Third level</a:t>
             </a:r>
           </a:p>
           <a:p>
             <a:pPr lvl="3"/>
             <a:r>
-              <a:rPr lang="en-US" smtClean="0"/>
+              <a:rPr lang="en-US"/>
               <a:t>Fourth level</a:t>
             </a:r>
           </a:p>
           <a:p>
             <a:pPr lvl="4"/>
             <a:r>
-              <a:rPr lang="en-US" smtClean="0"/>
+              <a:rPr lang="en-US"/>
               <a:t>Fifth level</a:t>
             </a:r>
             <a:endParaRPr lang="de-DE"/>
@@ -1252,7 +1252,7 @@
           <a:p>
             <a:fld id="{2DAF1186-F1D7-440D-B156-A260D91A3611}" type="datetimeFigureOut">
               <a:rPr lang="de-DE" smtClean="0"/>
-              <a:t>19.03.2021</a:t>
+              <a:t>05.05.2021</a:t>
             </a:fld>
             <a:endParaRPr lang="de-DE"/>
           </a:p>
@@ -1351,7 +1351,7 @@
           <a:lstStyle/>
           <a:p>
             <a:r>
-              <a:rPr lang="en-US" smtClean="0"/>
+              <a:rPr lang="en-US"/>
               <a:t>Click to edit Master title style</a:t>
             </a:r>
             <a:endParaRPr lang="de-DE"/>
@@ -1417,7 +1417,7 @@
           <a:p>
             <a:pPr lvl="0"/>
             <a:r>
-              <a:rPr lang="en-US" smtClean="0"/>
+              <a:rPr lang="en-US"/>
               <a:t>Edit Master text styles</a:t>
             </a:r>
           </a:p>
@@ -1445,35 +1445,35 @@
           <a:p>
             <a:pPr lvl="0"/>
             <a:r>
-              <a:rPr lang="en-US" smtClean="0"/>
+              <a:rPr lang="en-US"/>
               <a:t>Edit Master text styles</a:t>
             </a:r>
           </a:p>
           <a:p>
             <a:pPr lvl="1"/>
             <a:r>
-              <a:rPr lang="en-US" smtClean="0"/>
+              <a:rPr lang="en-US"/>
               <a:t>Second level</a:t>
             </a:r>
           </a:p>
           <a:p>
             <a:pPr lvl="2"/>
             <a:r>
-              <a:rPr lang="en-US" smtClean="0"/>
+              <a:rPr lang="en-US"/>
               <a:t>Third level</a:t>
             </a:r>
           </a:p>
           <a:p>
             <a:pPr lvl="3"/>
             <a:r>
-              <a:rPr lang="en-US" smtClean="0"/>
+              <a:rPr lang="en-US"/>
               <a:t>Fourth level</a:t>
             </a:r>
           </a:p>
           <a:p>
             <a:pPr lvl="4"/>
             <a:r>
-              <a:rPr lang="en-US" smtClean="0"/>
+              <a:rPr lang="en-US"/>
               <a:t>Fifth level</a:t>
             </a:r>
             <a:endParaRPr lang="de-DE"/>
@@ -1539,7 +1539,7 @@
           <a:p>
             <a:pPr lvl="0"/>
             <a:r>
-              <a:rPr lang="en-US" smtClean="0"/>
+              <a:rPr lang="en-US"/>
               <a:t>Edit Master text styles</a:t>
             </a:r>
           </a:p>
@@ -1567,35 +1567,35 @@
           <a:p>
             <a:pPr lvl="0"/>
             <a:r>
-              <a:rPr lang="en-US" smtClean="0"/>
+              <a:rPr lang="en-US"/>
               <a:t>Edit Master text styles</a:t>
             </a:r>
           </a:p>
           <a:p>
             <a:pPr lvl="1"/>
             <a:r>
-              <a:rPr lang="en-US" smtClean="0"/>
+              <a:rPr lang="en-US"/>
               <a:t>Second level</a:t>
             </a:r>
           </a:p>
           <a:p>
             <a:pPr lvl="2"/>
             <a:r>
-              <a:rPr lang="en-US" smtClean="0"/>
+              <a:rPr lang="en-US"/>
               <a:t>Third level</a:t>
             </a:r>
           </a:p>
           <a:p>
             <a:pPr lvl="3"/>
             <a:r>
-              <a:rPr lang="en-US" smtClean="0"/>
+              <a:rPr lang="en-US"/>
               <a:t>Fourth level</a:t>
             </a:r>
           </a:p>
           <a:p>
             <a:pPr lvl="4"/>
             <a:r>
-              <a:rPr lang="en-US" smtClean="0"/>
+              <a:rPr lang="en-US"/>
               <a:t>Fifth level</a:t>
             </a:r>
             <a:endParaRPr lang="de-DE"/>
@@ -1619,7 +1619,7 @@
           <a:p>
             <a:fld id="{2DAF1186-F1D7-440D-B156-A260D91A3611}" type="datetimeFigureOut">
               <a:rPr lang="de-DE" smtClean="0"/>
-              <a:t>19.03.2021</a:t>
+              <a:t>05.05.2021</a:t>
             </a:fld>
             <a:endParaRPr lang="de-DE"/>
           </a:p>
@@ -1713,7 +1713,7 @@
           <a:lstStyle/>
           <a:p>
             <a:r>
-              <a:rPr lang="en-US" smtClean="0"/>
+              <a:rPr lang="en-US"/>
               <a:t>Click to edit Master title style</a:t>
             </a:r>
             <a:endParaRPr lang="de-DE"/>
@@ -1737,7 +1737,7 @@
           <a:p>
             <a:fld id="{2DAF1186-F1D7-440D-B156-A260D91A3611}" type="datetimeFigureOut">
               <a:rPr lang="de-DE" smtClean="0"/>
-              <a:t>19.03.2021</a:t>
+              <a:t>05.05.2021</a:t>
             </a:fld>
             <a:endParaRPr lang="de-DE"/>
           </a:p>
@@ -1832,7 +1832,7 @@
           <a:p>
             <a:fld id="{2DAF1186-F1D7-440D-B156-A260D91A3611}" type="datetimeFigureOut">
               <a:rPr lang="de-DE" smtClean="0"/>
-              <a:t>19.03.2021</a:t>
+              <a:t>05.05.2021</a:t>
             </a:fld>
             <a:endParaRPr lang="de-DE"/>
           </a:p>
@@ -1935,7 +1935,7 @@
           </a:lstStyle>
           <a:p>
             <a:r>
-              <a:rPr lang="en-US" smtClean="0"/>
+              <a:rPr lang="en-US"/>
               <a:t>Click to edit Master title style</a:t>
             </a:r>
             <a:endParaRPr lang="de-DE"/>
@@ -1992,35 +1992,35 @@
           <a:p>
             <a:pPr lvl="0"/>
             <a:r>
-              <a:rPr lang="en-US" smtClean="0"/>
+              <a:rPr lang="en-US"/>
               <a:t>Edit Master text styles</a:t>
             </a:r>
           </a:p>
           <a:p>
             <a:pPr lvl="1"/>
             <a:r>
-              <a:rPr lang="en-US" smtClean="0"/>
+              <a:rPr lang="en-US"/>
               <a:t>Second level</a:t>
             </a:r>
           </a:p>
           <a:p>
             <a:pPr lvl="2"/>
             <a:r>
-              <a:rPr lang="en-US" smtClean="0"/>
+              <a:rPr lang="en-US"/>
               <a:t>Third level</a:t>
             </a:r>
           </a:p>
           <a:p>
             <a:pPr lvl="3"/>
             <a:r>
-              <a:rPr lang="en-US" smtClean="0"/>
+              <a:rPr lang="en-US"/>
               <a:t>Fourth level</a:t>
             </a:r>
           </a:p>
           <a:p>
             <a:pPr lvl="4"/>
             <a:r>
-              <a:rPr lang="en-US" smtClean="0"/>
+              <a:rPr lang="en-US"/>
               <a:t>Fifth level</a:t>
             </a:r>
             <a:endParaRPr lang="de-DE"/>
@@ -2086,7 +2086,7 @@
           <a:p>
             <a:pPr lvl="0"/>
             <a:r>
-              <a:rPr lang="en-US" smtClean="0"/>
+              <a:rPr lang="en-US"/>
               <a:t>Edit Master text styles</a:t>
             </a:r>
           </a:p>
@@ -2109,7 +2109,7 @@
           <a:p>
             <a:fld id="{2DAF1186-F1D7-440D-B156-A260D91A3611}" type="datetimeFigureOut">
               <a:rPr lang="de-DE" smtClean="0"/>
-              <a:t>19.03.2021</a:t>
+              <a:t>05.05.2021</a:t>
             </a:fld>
             <a:endParaRPr lang="de-DE"/>
           </a:p>
@@ -2212,7 +2212,7 @@
           </a:lstStyle>
           <a:p>
             <a:r>
-              <a:rPr lang="en-US" smtClean="0"/>
+              <a:rPr lang="en-US"/>
               <a:t>Click to edit Master title style</a:t>
             </a:r>
             <a:endParaRPr lang="de-DE"/>
@@ -2339,7 +2339,7 @@
           <a:p>
             <a:pPr lvl="0"/>
             <a:r>
-              <a:rPr lang="en-US" smtClean="0"/>
+              <a:rPr lang="en-US"/>
               <a:t>Edit Master text styles</a:t>
             </a:r>
           </a:p>
@@ -2362,7 +2362,7 @@
           <a:p>
             <a:fld id="{2DAF1186-F1D7-440D-B156-A260D91A3611}" type="datetimeFigureOut">
               <a:rPr lang="de-DE" smtClean="0"/>
-              <a:t>19.03.2021</a:t>
+              <a:t>05.05.2021</a:t>
             </a:fld>
             <a:endParaRPr lang="de-DE"/>
           </a:p>
@@ -2471,7 +2471,7 @@
           <a:lstStyle/>
           <a:p>
             <a:r>
-              <a:rPr lang="en-US" smtClean="0"/>
+              <a:rPr lang="en-US"/>
               <a:t>Click to edit Master title style</a:t>
             </a:r>
             <a:endParaRPr lang="de-DE"/>
@@ -2505,35 +2505,35 @@
           <a:p>
             <a:pPr lvl="0"/>
             <a:r>
-              <a:rPr lang="en-US" smtClean="0"/>
+              <a:rPr lang="en-US"/>
               <a:t>Edit Master text styles</a:t>
             </a:r>
           </a:p>
           <a:p>
             <a:pPr lvl="1"/>
             <a:r>
-              <a:rPr lang="en-US" smtClean="0"/>
+              <a:rPr lang="en-US"/>
               <a:t>Second level</a:t>
             </a:r>
           </a:p>
           <a:p>
             <a:pPr lvl="2"/>
             <a:r>
-              <a:rPr lang="en-US" smtClean="0"/>
+              <a:rPr lang="en-US"/>
               <a:t>Third level</a:t>
             </a:r>
           </a:p>
           <a:p>
             <a:pPr lvl="3"/>
             <a:r>
-              <a:rPr lang="en-US" smtClean="0"/>
+              <a:rPr lang="en-US"/>
               <a:t>Fourth level</a:t>
             </a:r>
           </a:p>
           <a:p>
             <a:pPr lvl="4"/>
             <a:r>
-              <a:rPr lang="en-US" smtClean="0"/>
+              <a:rPr lang="en-US"/>
               <a:t>Fifth level</a:t>
             </a:r>
             <a:endParaRPr lang="de-DE"/>
@@ -2575,7 +2575,7 @@
           <a:p>
             <a:fld id="{2DAF1186-F1D7-440D-B156-A260D91A3611}" type="datetimeFigureOut">
               <a:rPr lang="de-DE" smtClean="0"/>
-              <a:t>19.03.2021</a:t>
+              <a:t>05.05.2021</a:t>
             </a:fld>
             <a:endParaRPr lang="de-DE"/>
           </a:p>
@@ -2996,23 +2996,19 @@
           <a:lstStyle/>
           <a:p>
             <a:r>
-              <a:rPr lang="de-DE" dirty="0" err="1" smtClean="0"/>
-              <a:t>Widget</a:t>
+              <a:rPr lang="de-DE" dirty="0"/>
+              <a:t>Widget </a:t>
             </a:r>
             <a:r>
-              <a:rPr lang="de-DE" dirty="0" smtClean="0"/>
+              <a:rPr lang="en-US" dirty="0"/>
+              <a:t>preset</a:t>
+            </a:r>
+            <a:r>
+              <a:rPr lang="de-DE" dirty="0"/>
               <a:t> </a:t>
             </a:r>
             <a:r>
-              <a:rPr lang="de-DE" dirty="0" err="1" smtClean="0"/>
-              <a:t>preset</a:t>
-            </a:r>
-            <a:r>
-              <a:rPr lang="de-DE" dirty="0" smtClean="0"/>
-              <a:t> </a:t>
-            </a:r>
-            <a:r>
-              <a:rPr lang="de-DE" dirty="0" err="1" smtClean="0"/>
+              <a:rPr lang="de-DE" dirty="0" err="1"/>
               <a:t>thumbnails</a:t>
             </a:r>
             <a:endParaRPr lang="de-DE" dirty="0"/>
@@ -3038,28 +3034,8 @@
               <a:buNone/>
             </a:pPr>
             <a:r>
-              <a:rPr lang="de-DE" dirty="0" err="1" smtClean="0"/>
-              <a:t>How</a:t>
-            </a:r>
-            <a:r>
-              <a:rPr lang="de-DE" dirty="0" smtClean="0"/>
-              <a:t> </a:t>
-            </a:r>
-            <a:r>
-              <a:rPr lang="de-DE" dirty="0" err="1" smtClean="0"/>
-              <a:t>to</a:t>
-            </a:r>
-            <a:r>
-              <a:rPr lang="de-DE" dirty="0" smtClean="0"/>
-              <a:t> </a:t>
-            </a:r>
-            <a:r>
-              <a:rPr lang="de-DE" dirty="0" err="1" smtClean="0"/>
-              <a:t>use</a:t>
-            </a:r>
-            <a:r>
-              <a:rPr lang="de-DE" dirty="0" smtClean="0"/>
-              <a:t>:</a:t>
+              <a:rPr lang="en-US" dirty="0"/>
+              <a:t>How to use:</a:t>
             </a:r>
           </a:p>
           <a:p>
@@ -3068,76 +3044,16 @@
               <a:buAutoNum type="arabicPeriod"/>
             </a:pPr>
             <a:r>
-              <a:rPr lang="de-DE" sz="2000" dirty="0" err="1" smtClean="0"/>
-              <a:t>Copy</a:t>
+              <a:rPr lang="en-US" sz="2000" dirty="0"/>
+              <a:t>Copy a thumbnail (e.g., select and </a:t>
             </a:r>
             <a:r>
-              <a:rPr lang="de-DE" sz="2000" dirty="0" smtClean="0"/>
-              <a:t> a </a:t>
+              <a:rPr lang="en-US" sz="2000" dirty="0" err="1"/>
+              <a:t>CTRL+drag</a:t>
             </a:r>
             <a:r>
-              <a:rPr lang="de-DE" sz="2000" dirty="0" err="1" smtClean="0"/>
-              <a:t>thumbnail</a:t>
-            </a:r>
-            <a:r>
-              <a:rPr lang="de-DE" sz="2000" dirty="0" smtClean="0"/>
-              <a:t> (e.g. </a:t>
-            </a:r>
-            <a:r>
-              <a:rPr lang="de-DE" sz="2000" dirty="0" err="1" smtClean="0"/>
-              <a:t>select</a:t>
-            </a:r>
-            <a:r>
-              <a:rPr lang="de-DE" sz="2000" dirty="0" smtClean="0"/>
-              <a:t> </a:t>
-            </a:r>
-            <a:r>
-              <a:rPr lang="de-DE" sz="2000" dirty="0" err="1" smtClean="0"/>
-              <a:t>and</a:t>
-            </a:r>
-            <a:r>
-              <a:rPr lang="de-DE" sz="2000" dirty="0" smtClean="0"/>
-              <a:t> </a:t>
-            </a:r>
-            <a:r>
-              <a:rPr lang="de-DE" sz="2000" dirty="0" err="1" smtClean="0"/>
-              <a:t>ctrl+drag</a:t>
-            </a:r>
-            <a:r>
-              <a:rPr lang="de-DE" sz="2000" dirty="0" smtClean="0"/>
-              <a:t> </a:t>
-            </a:r>
-            <a:r>
-              <a:rPr lang="de-DE" sz="2000" dirty="0" err="1" smtClean="0"/>
-              <a:t>it</a:t>
-            </a:r>
-            <a:r>
-              <a:rPr lang="de-DE" sz="2000" dirty="0" smtClean="0"/>
-              <a:t> </a:t>
-            </a:r>
-            <a:r>
-              <a:rPr lang="de-DE" sz="2000" dirty="0" err="1" smtClean="0"/>
-              <a:t>to</a:t>
-            </a:r>
-            <a:r>
-              <a:rPr lang="de-DE" sz="2000" dirty="0" smtClean="0"/>
-              <a:t> a </a:t>
-            </a:r>
-            <a:r>
-              <a:rPr lang="de-DE" sz="2000" dirty="0" err="1" smtClean="0"/>
-              <a:t>new</a:t>
-            </a:r>
-            <a:r>
-              <a:rPr lang="de-DE" sz="2000" dirty="0" smtClean="0"/>
-              <a:t> </a:t>
-            </a:r>
-            <a:r>
-              <a:rPr lang="de-DE" sz="2000" dirty="0" err="1" smtClean="0"/>
-              <a:t>slot</a:t>
-            </a:r>
-            <a:r>
-              <a:rPr lang="de-DE" sz="2000" dirty="0" smtClean="0"/>
-              <a:t>)</a:t>
+              <a:rPr lang="en-US" sz="2000" dirty="0"/>
+              <a:t> it to a new slot)</a:t>
             </a:r>
           </a:p>
           <a:p>
@@ -3146,18 +3062,9 @@
               <a:buAutoNum type="arabicPeriod"/>
             </a:pPr>
             <a:r>
-              <a:rPr lang="de-DE" sz="2000" dirty="0" err="1" smtClean="0"/>
-              <a:t>Make</a:t>
+              <a:rPr lang="en-US" sz="2000" dirty="0"/>
+              <a:t>Make changes</a:t>
             </a:r>
-            <a:r>
-              <a:rPr lang="de-DE" sz="2000" dirty="0" smtClean="0"/>
-              <a:t> </a:t>
-            </a:r>
-            <a:r>
-              <a:rPr lang="de-DE" sz="2000" dirty="0" err="1" smtClean="0"/>
-              <a:t>changes</a:t>
-            </a:r>
-            <a:endParaRPr lang="de-DE" sz="2000" dirty="0" smtClean="0"/>
           </a:p>
           <a:p>
             <a:pPr marL="514350" indent="-514350">
@@ -3165,96 +3072,8 @@
               <a:buAutoNum type="arabicPeriod"/>
             </a:pPr>
             <a:r>
-              <a:rPr lang="de-DE" sz="2000" dirty="0" smtClean="0"/>
-              <a:t>Mark </a:t>
-            </a:r>
-            <a:r>
-              <a:rPr lang="de-DE" sz="2000" dirty="0" err="1" smtClean="0"/>
-              <a:t>the</a:t>
-            </a:r>
-            <a:r>
-              <a:rPr lang="de-DE" sz="2000" dirty="0" smtClean="0"/>
-              <a:t> </a:t>
-            </a:r>
-            <a:r>
-              <a:rPr lang="de-DE" sz="2000" dirty="0" err="1" smtClean="0"/>
-              <a:t>dashed</a:t>
-            </a:r>
-            <a:r>
-              <a:rPr lang="de-DE" sz="2000" dirty="0" smtClean="0"/>
-              <a:t> </a:t>
-            </a:r>
-            <a:r>
-              <a:rPr lang="de-DE" sz="2000" dirty="0" err="1" smtClean="0"/>
-              <a:t>rectangle</a:t>
-            </a:r>
-            <a:r>
-              <a:rPr lang="de-DE" sz="2000" dirty="0" smtClean="0"/>
-              <a:t> </a:t>
-            </a:r>
-            <a:r>
-              <a:rPr lang="de-DE" sz="2000" dirty="0" err="1" smtClean="0"/>
-              <a:t>border</a:t>
-            </a:r>
-            <a:r>
-              <a:rPr lang="de-DE" sz="2000" dirty="0" smtClean="0"/>
-              <a:t> </a:t>
-            </a:r>
-            <a:r>
-              <a:rPr lang="de-DE" sz="2000" dirty="0" err="1" smtClean="0"/>
-              <a:t>and</a:t>
-            </a:r>
-            <a:r>
-              <a:rPr lang="de-DE" sz="2000" dirty="0" smtClean="0"/>
-              <a:t> </a:t>
-            </a:r>
-            <a:r>
-              <a:rPr lang="de-DE" sz="2000" dirty="0" err="1" smtClean="0"/>
-              <a:t>change</a:t>
-            </a:r>
-            <a:r>
-              <a:rPr lang="de-DE" sz="2000" dirty="0" smtClean="0"/>
-              <a:t> </a:t>
-            </a:r>
-            <a:r>
-              <a:rPr lang="de-DE" sz="2000" dirty="0" err="1" smtClean="0"/>
-              <a:t>it‘s</a:t>
-            </a:r>
-            <a:r>
-              <a:rPr lang="de-DE" sz="2000" dirty="0" smtClean="0"/>
-              <a:t> </a:t>
-            </a:r>
-            <a:r>
-              <a:rPr lang="de-DE" sz="2000" dirty="0" err="1" smtClean="0"/>
-              <a:t>outline</a:t>
-            </a:r>
-            <a:r>
-              <a:rPr lang="de-DE" sz="2000" dirty="0" smtClean="0"/>
-              <a:t> </a:t>
-            </a:r>
-            <a:r>
-              <a:rPr lang="de-DE" sz="2000" dirty="0" err="1" smtClean="0"/>
-              <a:t>to</a:t>
-            </a:r>
-            <a:r>
-              <a:rPr lang="de-DE" sz="2000" dirty="0" smtClean="0"/>
-              <a:t> „</a:t>
-            </a:r>
-            <a:r>
-              <a:rPr lang="de-DE" sz="2000" dirty="0" err="1" smtClean="0"/>
-              <a:t>no</a:t>
-            </a:r>
-            <a:r>
-              <a:rPr lang="de-DE" sz="2000" dirty="0" smtClean="0"/>
-              <a:t> </a:t>
-            </a:r>
-            <a:r>
-              <a:rPr lang="de-DE" sz="2000" dirty="0" err="1" smtClean="0"/>
-              <a:t>outline</a:t>
-            </a:r>
-            <a:r>
-              <a:rPr lang="de-DE" sz="2000" dirty="0" smtClean="0"/>
-              <a:t>“</a:t>
+              <a:rPr lang="en-US" sz="2000" dirty="0"/>
+              <a:t>Mark the dashed rectangle border and change it‘s outline to „no outline“</a:t>
             </a:r>
           </a:p>
           <a:p>
@@ -3263,30 +3082,9 @@
               <a:buAutoNum type="arabicPeriod"/>
             </a:pPr>
             <a:r>
-              <a:rPr lang="de-DE" sz="2000" dirty="0" smtClean="0"/>
-              <a:t>Select </a:t>
+              <a:rPr lang="en-US" sz="2000" dirty="0"/>
+              <a:t>Select the entire thumbnail</a:t>
             </a:r>
-            <a:r>
-              <a:rPr lang="de-DE" sz="2000" dirty="0" err="1" smtClean="0"/>
-              <a:t>the</a:t>
-            </a:r>
-            <a:r>
-              <a:rPr lang="de-DE" sz="2000" dirty="0" smtClean="0"/>
-              <a:t> </a:t>
-            </a:r>
-            <a:r>
-              <a:rPr lang="de-DE" sz="2000" dirty="0" err="1" smtClean="0"/>
-              <a:t>entire</a:t>
-            </a:r>
-            <a:r>
-              <a:rPr lang="de-DE" sz="2000" dirty="0" smtClean="0"/>
-              <a:t> </a:t>
-            </a:r>
-            <a:r>
-              <a:rPr lang="de-DE" sz="2000" dirty="0" err="1" smtClean="0"/>
-              <a:t>thumbnail</a:t>
-            </a:r>
-            <a:endParaRPr lang="de-DE" sz="2000" dirty="0" smtClean="0"/>
           </a:p>
           <a:p>
             <a:pPr marL="514350" indent="-514350">
@@ -3294,44 +3092,27 @@
               <a:buAutoNum type="arabicPeriod"/>
             </a:pPr>
             <a:r>
-              <a:rPr lang="de-DE" sz="2000" dirty="0" err="1" smtClean="0"/>
-              <a:t>Right-click</a:t>
+              <a:rPr lang="en-US" sz="2000" dirty="0"/>
+              <a:t>Right-click it, select „Save as Picture“ and save as </a:t>
             </a:r>
             <a:r>
-              <a:rPr lang="de-DE" sz="2000" dirty="0" smtClean="0"/>
-              <a:t> </a:t>
+              <a:rPr lang="en-US" sz="2000" b="1" dirty="0"/>
+              <a:t>.gif </a:t>
             </a:r>
+            <a:endParaRPr lang="en-US" sz="1200" dirty="0"/>
+          </a:p>
+          <a:p>
+            <a:pPr lvl="1"/>
             <a:r>
-              <a:rPr lang="de-DE" sz="2000" dirty="0" err="1" smtClean="0"/>
-              <a:t>it</a:t>
+              <a:rPr lang="en-US" sz="1600" dirty="0"/>
+              <a:t>NOTE: if saving as GIF is not possible use a screenshot-tool to screenshot the thumbnail at 100%. This still yields better quality than PowerPoints PNG or JPEG exports</a:t>
             </a:r>
+          </a:p>
+          <a:p>
+            <a:pPr lvl="1"/>
             <a:r>
-              <a:rPr lang="de-DE" sz="2000" dirty="0" smtClean="0"/>
-              <a:t> </a:t>
-            </a:r>
-            <a:r>
-              <a:rPr lang="de-DE" sz="2000" dirty="0" err="1" smtClean="0"/>
-              <a:t>and</a:t>
-            </a:r>
-            <a:r>
-              <a:rPr lang="de-DE" sz="2000" dirty="0" smtClean="0"/>
-              <a:t> </a:t>
-            </a:r>
-            <a:r>
-              <a:rPr lang="de-DE" sz="2000" dirty="0" err="1" smtClean="0"/>
-              <a:t>select</a:t>
-            </a:r>
-            <a:r>
-              <a:rPr lang="de-DE" sz="2000" dirty="0" smtClean="0"/>
-              <a:t> „Save </a:t>
-            </a:r>
-            <a:r>
-              <a:rPr lang="de-DE" sz="2000" dirty="0" err="1" smtClean="0"/>
-              <a:t>as</a:t>
-            </a:r>
-            <a:r>
-              <a:rPr lang="de-DE" sz="2000" dirty="0" smtClean="0"/>
-              <a:t> Picture“</a:t>
+              <a:rPr lang="en-US" sz="1600" dirty="0"/>
+              <a:t>The resulting image should be somewhere around 213 pixels wide</a:t>
             </a:r>
           </a:p>
           <a:p>
@@ -3340,85 +3121,17 @@
               <a:buAutoNum type="arabicPeriod"/>
             </a:pPr>
             <a:r>
-              <a:rPr lang="de-DE" sz="2000" dirty="0" smtClean="0"/>
-              <a:t>Save </a:t>
-            </a:r>
-            <a:r>
-              <a:rPr lang="de-DE" sz="2000" dirty="0" err="1" smtClean="0"/>
-              <a:t>as</a:t>
-            </a:r>
-            <a:r>
-              <a:rPr lang="de-DE" sz="2000" dirty="0" smtClean="0"/>
-              <a:t> .</a:t>
-            </a:r>
-            <a:r>
-              <a:rPr lang="de-DE" sz="2000" dirty="0" err="1" smtClean="0"/>
-              <a:t>gif</a:t>
-            </a:r>
-            <a:endParaRPr lang="de-DE" sz="2000" dirty="0" smtClean="0"/>
-          </a:p>
-          <a:p>
-            <a:pPr marL="514350" indent="-514350">
-              <a:buFont typeface="+mj-lt"/>
-              <a:buAutoNum type="arabicPeriod"/>
-            </a:pPr>
-            <a:r>
-              <a:rPr lang="de-DE" sz="2000" dirty="0" smtClean="0"/>
+              <a:rPr lang="en-US" sz="2000" dirty="0"/>
               <a:t>Press </a:t>
             </a:r>
             <a:r>
-              <a:rPr lang="de-DE" sz="2000" dirty="0" err="1" smtClean="0"/>
+              <a:rPr lang="en-US" sz="2000" dirty="0" err="1"/>
               <a:t>ctrl+z</a:t>
             </a:r>
             <a:r>
-              <a:rPr lang="de-DE" sz="2000" dirty="0" smtClean="0"/>
-              <a:t> </a:t>
+              <a:rPr lang="en-US" sz="2000" dirty="0"/>
+              <a:t> to get the dashed border back in place</a:t>
             </a:r>
-            <a:r>
-              <a:rPr lang="de-DE" sz="2000" dirty="0" err="1" smtClean="0"/>
-              <a:t>to</a:t>
-            </a:r>
-            <a:r>
-              <a:rPr lang="de-DE" sz="2000" dirty="0" smtClean="0"/>
-              <a:t> </a:t>
-            </a:r>
-            <a:r>
-              <a:rPr lang="de-DE" sz="2000" dirty="0" err="1" smtClean="0"/>
-              <a:t>get</a:t>
-            </a:r>
-            <a:r>
-              <a:rPr lang="de-DE" sz="2000" dirty="0" smtClean="0"/>
-              <a:t> </a:t>
-            </a:r>
-            <a:r>
-              <a:rPr lang="de-DE" sz="2000" dirty="0" err="1" smtClean="0"/>
-              <a:t>the</a:t>
-            </a:r>
-            <a:r>
-              <a:rPr lang="de-DE" sz="2000" dirty="0" smtClean="0"/>
-              <a:t> </a:t>
-            </a:r>
-            <a:r>
-              <a:rPr lang="de-DE" sz="2000" dirty="0" err="1" smtClean="0"/>
-              <a:t>dashed</a:t>
-            </a:r>
-            <a:r>
-              <a:rPr lang="de-DE" sz="2000" dirty="0" smtClean="0"/>
-              <a:t> </a:t>
-            </a:r>
-            <a:r>
-              <a:rPr lang="de-DE" sz="2000" dirty="0" err="1" smtClean="0"/>
-              <a:t>border</a:t>
-            </a:r>
-            <a:r>
-              <a:rPr lang="de-DE" sz="2000" dirty="0" smtClean="0"/>
-              <a:t> back in </a:t>
-            </a:r>
-            <a:r>
-              <a:rPr lang="de-DE" sz="2000" smtClean="0"/>
-              <a:t>place</a:t>
-            </a:r>
-            <a:endParaRPr lang="de-DE" sz="2000" dirty="0"/>
           </a:p>
         </p:txBody>
       </p:sp>
@@ -3432,13 +3145,6 @@
   <p:clrMapOvr>
     <a:masterClrMapping/>
   </p:clrMapOvr>
-  <p:timing>
-    <p:tnLst>
-      <p:par>
-        <p:cTn id="1" dur="indefinite" restart="never" nodeType="tmRoot"/>
-      </p:par>
-    </p:tnLst>
-  </p:timing>
 </p:sld>
 </file>
 
@@ -5630,10 +5336,9 @@
           <a:lstStyle/>
           <a:p>
             <a:r>
-              <a:rPr lang="de-DE" sz="800" dirty="0" smtClean="0"/>
+              <a:rPr lang="de-DE" sz="800" dirty="0"/>
               <a:t>Abc</a:t>
             </a:r>
-            <a:endParaRPr lang="de-DE" sz="800" dirty="0"/>
           </a:p>
         </p:txBody>
       </p:sp>
@@ -7373,13 +7078,6 @@
   <p:clrMapOvr>
     <a:masterClrMapping/>
   </p:clrMapOvr>
-  <p:timing>
-    <p:tnLst>
-      <p:par>
-        <p:cTn id="1" dur="indefinite" restart="never" nodeType="tmRoot"/>
-      </p:par>
-    </p:tnLst>
-  </p:timing>
 </p:sld>
 </file>
 
@@ -7660,10 +7358,9 @@
           <a:lstStyle/>
           <a:p>
             <a:r>
-              <a:rPr lang="de-DE" sz="800" dirty="0" smtClean="0"/>
+              <a:rPr lang="de-DE" sz="800" dirty="0"/>
               <a:t>Abc</a:t>
             </a:r>
-            <a:endParaRPr lang="de-DE" sz="800" dirty="0"/>
           </a:p>
         </p:txBody>
       </p:sp>
@@ -7690,10 +7387,9 @@
           <a:lstStyle/>
           <a:p>
             <a:r>
-              <a:rPr lang="de-DE" sz="1400" b="1" dirty="0" smtClean="0"/>
+              <a:rPr lang="de-DE" sz="1400" b="1" dirty="0"/>
               <a:t>12</a:t>
             </a:r>
-            <a:endParaRPr lang="de-DE" sz="1400" b="1" dirty="0"/>
           </a:p>
         </p:txBody>
       </p:sp>
@@ -7789,10 +7485,9 @@
             <a:lstStyle/>
             <a:p>
               <a:r>
-                <a:rPr lang="de-DE" sz="800" dirty="0" smtClean="0"/>
+                <a:rPr lang="de-DE" sz="800" dirty="0"/>
                 <a:t>Abc</a:t>
               </a:r>
-              <a:endParaRPr lang="de-DE" sz="800" dirty="0"/>
             </a:p>
           </p:txBody>
         </p:sp>
@@ -7819,10 +7514,9 @@
             <a:lstStyle/>
             <a:p>
               <a:r>
-                <a:rPr lang="de-DE" sz="1400" b="1" dirty="0" smtClean="0"/>
+                <a:rPr lang="de-DE" sz="1400" b="1" dirty="0"/>
                 <a:t>12</a:t>
               </a:r>
-              <a:endParaRPr lang="de-DE" sz="1400" b="1" dirty="0"/>
             </a:p>
           </p:txBody>
         </p:sp>
@@ -7919,10 +7613,9 @@
             <a:lstStyle/>
             <a:p>
               <a:r>
-                <a:rPr lang="de-DE" sz="800" dirty="0" smtClean="0"/>
+                <a:rPr lang="de-DE" sz="800" dirty="0"/>
                 <a:t>Abc</a:t>
               </a:r>
-              <a:endParaRPr lang="de-DE" sz="800" dirty="0"/>
             </a:p>
           </p:txBody>
         </p:sp>
@@ -7949,10 +7642,9 @@
             <a:lstStyle/>
             <a:p>
               <a:r>
-                <a:rPr lang="de-DE" sz="1400" b="1" dirty="0" smtClean="0"/>
+                <a:rPr lang="de-DE" sz="1400" b="1" dirty="0"/>
                 <a:t>12</a:t>
               </a:r>
-              <a:endParaRPr lang="de-DE" sz="1400" b="1" dirty="0"/>
             </a:p>
           </p:txBody>
         </p:sp>
@@ -8049,10 +7741,9 @@
             <a:lstStyle/>
             <a:p>
               <a:r>
-                <a:rPr lang="de-DE" sz="800" b="1" dirty="0" smtClean="0"/>
+                <a:rPr lang="de-DE" sz="800" b="1" dirty="0"/>
                 <a:t>Abc</a:t>
               </a:r>
-              <a:endParaRPr lang="de-DE" sz="800" b="1" dirty="0"/>
             </a:p>
           </p:txBody>
         </p:sp>
@@ -8079,10 +7770,9 @@
             <a:lstStyle/>
             <a:p>
               <a:r>
-                <a:rPr lang="de-DE" sz="700" dirty="0" smtClean="0"/>
+                <a:rPr lang="de-DE" sz="700" dirty="0"/>
                 <a:t>xyz</a:t>
               </a:r>
-              <a:endParaRPr lang="de-DE" sz="700" dirty="0"/>
             </a:p>
           </p:txBody>
         </p:sp>
@@ -8179,10 +7869,9 @@
             <a:lstStyle/>
             <a:p>
               <a:r>
-                <a:rPr lang="de-DE" sz="800" b="1" dirty="0" smtClean="0"/>
+                <a:rPr lang="de-DE" sz="800" b="1" dirty="0"/>
                 <a:t>Abc</a:t>
               </a:r>
-              <a:endParaRPr lang="de-DE" sz="800" b="1" dirty="0"/>
             </a:p>
           </p:txBody>
         </p:sp>
@@ -8209,10 +7898,9 @@
             <a:lstStyle/>
             <a:p>
               <a:r>
-                <a:rPr lang="de-DE" sz="700" dirty="0" smtClean="0"/>
+                <a:rPr lang="de-DE" sz="700" dirty="0"/>
                 <a:t>xyz</a:t>
               </a:r>
-              <a:endParaRPr lang="de-DE" sz="700" dirty="0"/>
             </a:p>
           </p:txBody>
         </p:sp>
@@ -8309,10 +7997,9 @@
             <a:lstStyle/>
             <a:p>
               <a:r>
-                <a:rPr lang="de-DE" sz="800" b="1" dirty="0" smtClean="0"/>
+                <a:rPr lang="de-DE" sz="800" b="1" dirty="0"/>
                 <a:t>Abc</a:t>
               </a:r>
-              <a:endParaRPr lang="de-DE" sz="800" b="1" dirty="0"/>
             </a:p>
           </p:txBody>
         </p:sp>
@@ -8339,10 +8026,9 @@
             <a:lstStyle/>
             <a:p>
               <a:r>
-                <a:rPr lang="de-DE" sz="700" dirty="0" smtClean="0"/>
+                <a:rPr lang="de-DE" sz="700" dirty="0"/>
                 <a:t>xyz</a:t>
               </a:r>
-              <a:endParaRPr lang="de-DE" sz="700" dirty="0"/>
             </a:p>
           </p:txBody>
         </p:sp>
@@ -8439,10 +8125,9 @@
             <a:lstStyle/>
             <a:p>
               <a:r>
-                <a:rPr lang="de-DE" sz="800" b="1" dirty="0" smtClean="0"/>
+                <a:rPr lang="de-DE" sz="800" b="1" dirty="0"/>
                 <a:t>Abc</a:t>
               </a:r>
-              <a:endParaRPr lang="de-DE" sz="800" b="1" dirty="0"/>
             </a:p>
           </p:txBody>
         </p:sp>
@@ -8469,10 +8154,9 @@
             <a:lstStyle/>
             <a:p>
               <a:r>
-                <a:rPr lang="de-DE" sz="700" dirty="0" smtClean="0"/>
+                <a:rPr lang="de-DE" sz="700" dirty="0"/>
                 <a:t>xyz</a:t>
               </a:r>
-              <a:endParaRPr lang="de-DE" sz="700" dirty="0"/>
             </a:p>
           </p:txBody>
         </p:sp>
@@ -8613,10 +8297,9 @@
             <a:lstStyle/>
             <a:p>
               <a:r>
-                <a:rPr lang="de-DE" sz="800" b="1" dirty="0" smtClean="0"/>
+                <a:rPr lang="de-DE" sz="800" b="1" dirty="0"/>
                 <a:t>Abc</a:t>
               </a:r>
-              <a:endParaRPr lang="de-DE" sz="800" b="1" dirty="0"/>
             </a:p>
           </p:txBody>
         </p:sp>
@@ -8643,10 +8326,9 @@
             <a:lstStyle/>
             <a:p>
               <a:r>
-                <a:rPr lang="de-DE" sz="700" dirty="0" smtClean="0"/>
+                <a:rPr lang="de-DE" sz="700" dirty="0"/>
                 <a:t>xyz</a:t>
               </a:r>
-              <a:endParaRPr lang="de-DE" sz="700" dirty="0"/>
             </a:p>
           </p:txBody>
         </p:sp>
@@ -8743,10 +8425,9 @@
             <a:lstStyle/>
             <a:p>
               <a:r>
-                <a:rPr lang="de-DE" sz="800" b="1" dirty="0" smtClean="0"/>
+                <a:rPr lang="de-DE" sz="800" b="1" dirty="0"/>
                 <a:t>Abc</a:t>
               </a:r>
-              <a:endParaRPr lang="de-DE" sz="800" b="1" dirty="0"/>
             </a:p>
           </p:txBody>
         </p:sp>
@@ -8773,10 +8454,9 @@
             <a:lstStyle/>
             <a:p>
               <a:r>
-                <a:rPr lang="de-DE" sz="700" dirty="0" smtClean="0"/>
+                <a:rPr lang="de-DE" sz="700" dirty="0"/>
                 <a:t>xyz</a:t>
               </a:r>
-              <a:endParaRPr lang="de-DE" sz="700" dirty="0"/>
             </a:p>
           </p:txBody>
         </p:sp>
@@ -8873,10 +8553,9 @@
             <a:lstStyle/>
             <a:p>
               <a:r>
-                <a:rPr lang="de-DE" sz="800" b="1" dirty="0" smtClean="0"/>
+                <a:rPr lang="de-DE" sz="800" b="1" dirty="0"/>
                 <a:t>Abc</a:t>
               </a:r>
-              <a:endParaRPr lang="de-DE" sz="800" b="1" dirty="0"/>
             </a:p>
           </p:txBody>
         </p:sp>
@@ -8903,10 +8582,9 @@
             <a:lstStyle/>
             <a:p>
               <a:r>
-                <a:rPr lang="de-DE" sz="700" dirty="0" smtClean="0"/>
+                <a:rPr lang="de-DE" sz="700" dirty="0"/>
                 <a:t>xyz</a:t>
               </a:r>
-              <a:endParaRPr lang="de-DE" sz="700" dirty="0"/>
             </a:p>
           </p:txBody>
         </p:sp>
@@ -9003,10 +8681,9 @@
             <a:lstStyle/>
             <a:p>
               <a:r>
-                <a:rPr lang="de-DE" sz="800" b="1" dirty="0" smtClean="0"/>
+                <a:rPr lang="de-DE" sz="800" b="1" dirty="0"/>
                 <a:t>Abc</a:t>
               </a:r>
-              <a:endParaRPr lang="de-DE" sz="800" b="1" dirty="0"/>
             </a:p>
           </p:txBody>
         </p:sp>
@@ -9033,10 +8710,9 @@
             <a:lstStyle/>
             <a:p>
               <a:r>
-                <a:rPr lang="de-DE" sz="700" dirty="0" smtClean="0"/>
+                <a:rPr lang="de-DE" sz="700" dirty="0"/>
                 <a:t>xyz</a:t>
               </a:r>
-              <a:endParaRPr lang="de-DE" sz="700" dirty="0"/>
             </a:p>
           </p:txBody>
         </p:sp>
@@ -9171,10 +8847,9 @@
             <a:lstStyle/>
             <a:p>
               <a:r>
-                <a:rPr lang="de-DE" sz="800" b="1" dirty="0" smtClean="0"/>
+                <a:rPr lang="de-DE" sz="800" b="1" dirty="0"/>
                 <a:t>Abc</a:t>
               </a:r>
-              <a:endParaRPr lang="de-DE" sz="800" b="1" dirty="0"/>
             </a:p>
           </p:txBody>
         </p:sp>
@@ -9201,10 +8876,9 @@
             <a:lstStyle/>
             <a:p>
               <a:r>
-                <a:rPr lang="de-DE" sz="700" dirty="0" smtClean="0"/>
+                <a:rPr lang="de-DE" sz="700" dirty="0"/>
                 <a:t>xyz</a:t>
               </a:r>
-              <a:endParaRPr lang="de-DE" sz="700" dirty="0"/>
             </a:p>
           </p:txBody>
         </p:sp>
@@ -9230,17 +8904,6 @@
           </a:bodyPr>
           <a:lstStyle/>
           <a:p>
-            <a:r>
-              <a:rPr lang="de-DE" sz="900" dirty="0">
-                <a:solidFill>
-                  <a:schemeClr val="bg1">
-                    <a:lumMod val="50000"/>
-                  </a:schemeClr>
-                </a:solidFill>
-                <a:latin typeface="Font Awesome 5 Free Solid" panose="02000503000000000000" pitchFamily="50" charset="0"/>
-              </a:rPr>
-              <a:t/>
-            </a:r>
             <a:br>
               <a:rPr lang="de-DE" sz="900" dirty="0">
                 <a:solidFill>
@@ -9294,17 +8957,6 @@
           </a:bodyPr>
           <a:lstStyle/>
           <a:p>
-            <a:r>
-              <a:rPr lang="de-DE" sz="900" dirty="0">
-                <a:solidFill>
-                  <a:schemeClr val="bg1">
-                    <a:lumMod val="50000"/>
-                  </a:schemeClr>
-                </a:solidFill>
-                <a:latin typeface="Font Awesome 5 Free Solid" panose="02000503000000000000" pitchFamily="50" charset="0"/>
-              </a:rPr>
-              <a:t/>
-            </a:r>
             <a:br>
               <a:rPr lang="de-DE" sz="900" dirty="0">
                 <a:solidFill>
@@ -9358,17 +9010,6 @@
           </a:bodyPr>
           <a:lstStyle/>
           <a:p>
-            <a:r>
-              <a:rPr lang="de-DE" sz="900" dirty="0">
-                <a:solidFill>
-                  <a:schemeClr val="bg1">
-                    <a:lumMod val="50000"/>
-                  </a:schemeClr>
-                </a:solidFill>
-                <a:latin typeface="Font Awesome 5 Free Solid" panose="02000503000000000000" pitchFamily="50" charset="0"/>
-              </a:rPr>
-              <a:t/>
-            </a:r>
             <a:br>
               <a:rPr lang="de-DE" sz="900" dirty="0">
                 <a:solidFill>
@@ -9422,17 +9063,6 @@
           </a:bodyPr>
           <a:lstStyle/>
           <a:p>
-            <a:r>
-              <a:rPr lang="de-DE" sz="900" dirty="0">
-                <a:solidFill>
-                  <a:schemeClr val="bg1">
-                    <a:lumMod val="50000"/>
-                  </a:schemeClr>
-                </a:solidFill>
-                <a:latin typeface="Font Awesome 5 Free Solid" panose="02000503000000000000" pitchFamily="50" charset="0"/>
-              </a:rPr>
-              <a:t/>
-            </a:r>
             <a:br>
               <a:rPr lang="de-DE" sz="900" dirty="0">
                 <a:solidFill>
@@ -9486,17 +9116,6 @@
           </a:bodyPr>
           <a:lstStyle/>
           <a:p>
-            <a:r>
-              <a:rPr lang="de-DE" sz="900" dirty="0">
-                <a:solidFill>
-                  <a:schemeClr val="bg1">
-                    <a:lumMod val="50000"/>
-                  </a:schemeClr>
-                </a:solidFill>
-                <a:latin typeface="Font Awesome 5 Free Solid" panose="02000503000000000000" pitchFamily="50" charset="0"/>
-              </a:rPr>
-              <a:t/>
-            </a:r>
             <a:br>
               <a:rPr lang="de-DE" sz="900" dirty="0">
                 <a:solidFill>
@@ -9550,17 +9169,6 @@
           </a:bodyPr>
           <a:lstStyle/>
           <a:p>
-            <a:r>
-              <a:rPr lang="de-DE" sz="900" dirty="0">
-                <a:solidFill>
-                  <a:schemeClr val="bg1">
-                    <a:lumMod val="50000"/>
-                  </a:schemeClr>
-                </a:solidFill>
-                <a:latin typeface="Font Awesome 5 Free Solid" panose="02000503000000000000" pitchFamily="50" charset="0"/>
-              </a:rPr>
-              <a:t/>
-            </a:r>
             <a:br>
               <a:rPr lang="de-DE" sz="900" dirty="0">
                 <a:solidFill>
@@ -9614,17 +9222,6 @@
           </a:bodyPr>
           <a:lstStyle/>
           <a:p>
-            <a:r>
-              <a:rPr lang="de-DE" sz="900" dirty="0">
-                <a:solidFill>
-                  <a:schemeClr val="bg1">
-                    <a:lumMod val="50000"/>
-                  </a:schemeClr>
-                </a:solidFill>
-                <a:latin typeface="Font Awesome 5 Free Solid" panose="02000503000000000000" pitchFamily="50" charset="0"/>
-              </a:rPr>
-              <a:t/>
-            </a:r>
             <a:br>
               <a:rPr lang="de-DE" sz="900" dirty="0">
                 <a:solidFill>
@@ -9678,17 +9275,6 @@
           </a:bodyPr>
           <a:lstStyle/>
           <a:p>
-            <a:r>
-              <a:rPr lang="de-DE" sz="900" dirty="0">
-                <a:solidFill>
-                  <a:schemeClr val="bg1">
-                    <a:lumMod val="50000"/>
-                  </a:schemeClr>
-                </a:solidFill>
-                <a:latin typeface="Font Awesome 5 Free Solid" panose="02000503000000000000" pitchFamily="50" charset="0"/>
-              </a:rPr>
-              <a:t/>
-            </a:r>
             <a:br>
               <a:rPr lang="de-DE" sz="900" dirty="0">
                 <a:solidFill>
@@ -9742,17 +9328,6 @@
           </a:bodyPr>
           <a:lstStyle/>
           <a:p>
-            <a:r>
-              <a:rPr lang="de-DE" sz="900" dirty="0">
-                <a:solidFill>
-                  <a:schemeClr val="bg1">
-                    <a:lumMod val="50000"/>
-                  </a:schemeClr>
-                </a:solidFill>
-                <a:latin typeface="Font Awesome 5 Free Solid" panose="02000503000000000000" pitchFamily="50" charset="0"/>
-              </a:rPr>
-              <a:t/>
-            </a:r>
             <a:br>
               <a:rPr lang="de-DE" sz="900" dirty="0">
                 <a:solidFill>
@@ -9921,10 +9496,9 @@
             <a:lstStyle/>
             <a:p>
               <a:r>
-                <a:rPr lang="de-DE" sz="800" b="1" dirty="0" smtClean="0"/>
+                <a:rPr lang="de-DE" sz="800" b="1" dirty="0"/>
                 <a:t>Abc</a:t>
               </a:r>
-              <a:endParaRPr lang="de-DE" sz="800" b="1" dirty="0"/>
             </a:p>
           </p:txBody>
         </p:sp>
@@ -9951,10 +9525,9 @@
             <a:lstStyle/>
             <a:p>
               <a:r>
-                <a:rPr lang="de-DE" sz="700" dirty="0" smtClean="0"/>
+                <a:rPr lang="de-DE" sz="700" dirty="0"/>
                 <a:t>xyz</a:t>
               </a:r>
-              <a:endParaRPr lang="de-DE" sz="700" dirty="0"/>
             </a:p>
           </p:txBody>
         </p:sp>
@@ -10051,10 +9624,9 @@
             <a:lstStyle/>
             <a:p>
               <a:r>
-                <a:rPr lang="de-DE" sz="800" b="1" dirty="0" smtClean="0"/>
+                <a:rPr lang="de-DE" sz="800" b="1" dirty="0"/>
                 <a:t>Abc</a:t>
               </a:r>
-              <a:endParaRPr lang="de-DE" sz="800" b="1" dirty="0"/>
             </a:p>
           </p:txBody>
         </p:sp>
@@ -10081,10 +9653,9 @@
             <a:lstStyle/>
             <a:p>
               <a:r>
-                <a:rPr lang="de-DE" sz="700" dirty="0" smtClean="0"/>
+                <a:rPr lang="de-DE" sz="700" dirty="0"/>
                 <a:t>xyz</a:t>
               </a:r>
-              <a:endParaRPr lang="de-DE" sz="700" dirty="0"/>
             </a:p>
           </p:txBody>
         </p:sp>
@@ -10181,10 +9752,9 @@
             <a:lstStyle/>
             <a:p>
               <a:r>
-                <a:rPr lang="de-DE" sz="800" b="1" dirty="0" smtClean="0"/>
+                <a:rPr lang="de-DE" sz="800" b="1" dirty="0"/>
                 <a:t>Abc</a:t>
               </a:r>
-              <a:endParaRPr lang="de-DE" sz="800" b="1" dirty="0"/>
             </a:p>
           </p:txBody>
         </p:sp>
@@ -10211,10 +9781,9 @@
             <a:lstStyle/>
             <a:p>
               <a:r>
-                <a:rPr lang="de-DE" sz="700" dirty="0" smtClean="0"/>
+                <a:rPr lang="de-DE" sz="700" dirty="0"/>
                 <a:t>xyz</a:t>
               </a:r>
-              <a:endParaRPr lang="de-DE" sz="700" dirty="0"/>
             </a:p>
           </p:txBody>
         </p:sp>
@@ -10240,17 +9809,6 @@
           </a:bodyPr>
           <a:lstStyle/>
           <a:p>
-            <a:r>
-              <a:rPr lang="de-DE" sz="900" dirty="0">
-                <a:solidFill>
-                  <a:schemeClr val="bg1">
-                    <a:lumMod val="50000"/>
-                  </a:schemeClr>
-                </a:solidFill>
-                <a:latin typeface="Font Awesome 5 Free Solid" panose="02000503000000000000" pitchFamily="50" charset="0"/>
-              </a:rPr>
-              <a:t/>
-            </a:r>
             <a:br>
               <a:rPr lang="de-DE" sz="900" dirty="0">
                 <a:solidFill>
@@ -10261,17 +9819,6 @@
                 <a:latin typeface="Font Awesome 5 Free Solid" panose="02000503000000000000" pitchFamily="50" charset="0"/>
               </a:rPr>
             </a:br>
-            <a:r>
-              <a:rPr lang="de-DE" sz="900" dirty="0">
-                <a:solidFill>
-                  <a:schemeClr val="bg1">
-                    <a:lumMod val="50000"/>
-                  </a:schemeClr>
-                </a:solidFill>
-                <a:latin typeface="Font Awesome 5 Free Solid" panose="02000503000000000000" pitchFamily="50" charset="0"/>
-              </a:rPr>
-              <a:t/>
-            </a:r>
             <a:br>
               <a:rPr lang="de-DE" sz="900" dirty="0">
                 <a:solidFill>
@@ -10317,17 +9864,6 @@
           </a:bodyPr>
           <a:lstStyle/>
           <a:p>
-            <a:r>
-              <a:rPr lang="de-DE" sz="900" dirty="0">
-                <a:solidFill>
-                  <a:schemeClr val="bg1">
-                    <a:lumMod val="50000"/>
-                  </a:schemeClr>
-                </a:solidFill>
-                <a:latin typeface="Font Awesome 5 Free Solid" panose="02000503000000000000" pitchFamily="50" charset="0"/>
-              </a:rPr>
-              <a:t/>
-            </a:r>
             <a:br>
               <a:rPr lang="de-DE" sz="900" dirty="0">
                 <a:solidFill>
@@ -10381,17 +9917,6 @@
           </a:bodyPr>
           <a:lstStyle/>
           <a:p>
-            <a:r>
-              <a:rPr lang="de-DE" sz="900" dirty="0">
-                <a:solidFill>
-                  <a:schemeClr val="bg1">
-                    <a:lumMod val="50000"/>
-                  </a:schemeClr>
-                </a:solidFill>
-                <a:latin typeface="Font Awesome 5 Free Solid" panose="02000503000000000000" pitchFamily="50" charset="0"/>
-              </a:rPr>
-              <a:t/>
-            </a:r>
             <a:br>
               <a:rPr lang="de-DE" sz="900" dirty="0">
                 <a:solidFill>
@@ -10502,10 +10027,9 @@
           <a:lstStyle/>
           <a:p>
             <a:r>
-              <a:rPr lang="de-DE" sz="800" dirty="0" smtClean="0"/>
+              <a:rPr lang="de-DE" sz="800" dirty="0"/>
               <a:t>Abc</a:t>
             </a:r>
-            <a:endParaRPr lang="de-DE" sz="800" dirty="0"/>
           </a:p>
         </p:txBody>
       </p:sp>
@@ -10532,10 +10056,9 @@
           <a:lstStyle/>
           <a:p>
             <a:r>
-              <a:rPr lang="de-DE" sz="1400" b="1" dirty="0" smtClean="0"/>
+              <a:rPr lang="de-DE" sz="1400" b="1" dirty="0"/>
               <a:t>12</a:t>
             </a:r>
-            <a:endParaRPr lang="de-DE" sz="1400" b="1" dirty="0"/>
           </a:p>
         </p:txBody>
       </p:sp>
@@ -10617,10 +10140,9 @@
           <a:lstStyle/>
           <a:p>
             <a:r>
-              <a:rPr lang="de-DE" sz="800" dirty="0" smtClean="0"/>
+              <a:rPr lang="de-DE" sz="800" dirty="0"/>
               <a:t>Abc</a:t>
             </a:r>
-            <a:endParaRPr lang="de-DE" sz="800" dirty="0"/>
           </a:p>
         </p:txBody>
       </p:sp>
@@ -10647,10 +10169,9 @@
           <a:lstStyle/>
           <a:p>
             <a:r>
-              <a:rPr lang="de-DE" sz="1400" b="1" dirty="0" smtClean="0"/>
+              <a:rPr lang="de-DE" sz="1400" b="1" dirty="0"/>
               <a:t>12</a:t>
             </a:r>
-            <a:endParaRPr lang="de-DE" sz="1400" b="1" dirty="0"/>
           </a:p>
         </p:txBody>
       </p:sp>
@@ -10732,10 +10253,9 @@
           <a:lstStyle/>
           <a:p>
             <a:r>
-              <a:rPr lang="de-DE" sz="800" dirty="0" smtClean="0"/>
+              <a:rPr lang="de-DE" sz="800" dirty="0"/>
               <a:t>Abc</a:t>
             </a:r>
-            <a:endParaRPr lang="de-DE" sz="800" dirty="0"/>
           </a:p>
         </p:txBody>
       </p:sp>
@@ -10762,10 +10282,9 @@
           <a:lstStyle/>
           <a:p>
             <a:r>
-              <a:rPr lang="de-DE" sz="1400" b="1" dirty="0" smtClean="0"/>
+              <a:rPr lang="de-DE" sz="1400" b="1" dirty="0"/>
               <a:t>12</a:t>
             </a:r>
-            <a:endParaRPr lang="de-DE" sz="1400" b="1" dirty="0"/>
           </a:p>
         </p:txBody>
       </p:sp>
@@ -10847,10 +10366,9 @@
           <a:lstStyle/>
           <a:p>
             <a:r>
-              <a:rPr lang="de-DE" sz="800" dirty="0" smtClean="0"/>
+              <a:rPr lang="de-DE" sz="800" dirty="0"/>
               <a:t>Abc</a:t>
             </a:r>
-            <a:endParaRPr lang="de-DE" sz="800" dirty="0"/>
           </a:p>
         </p:txBody>
       </p:sp>
@@ -10877,10 +10395,9 @@
           <a:lstStyle/>
           <a:p>
             <a:r>
-              <a:rPr lang="de-DE" sz="1400" b="1" dirty="0" smtClean="0"/>
+              <a:rPr lang="de-DE" sz="1400" b="1" dirty="0"/>
               <a:t>12</a:t>
             </a:r>
-            <a:endParaRPr lang="de-DE" sz="1400" b="1" dirty="0"/>
           </a:p>
         </p:txBody>
       </p:sp>
@@ -10976,10 +10493,9 @@
             <a:lstStyle/>
             <a:p>
               <a:r>
-                <a:rPr lang="de-DE" sz="800" b="1" dirty="0" smtClean="0"/>
+                <a:rPr lang="de-DE" sz="800" b="1" dirty="0"/>
                 <a:t>Abc</a:t>
               </a:r>
-              <a:endParaRPr lang="de-DE" sz="800" b="1" dirty="0"/>
             </a:p>
           </p:txBody>
         </p:sp>
@@ -11006,10 +10522,9 @@
             <a:lstStyle/>
             <a:p>
               <a:r>
-                <a:rPr lang="de-DE" sz="700" dirty="0" smtClean="0"/>
+                <a:rPr lang="de-DE" sz="700" dirty="0"/>
                 <a:t>xyz</a:t>
               </a:r>
-              <a:endParaRPr lang="de-DE" sz="700" dirty="0"/>
             </a:p>
           </p:txBody>
         </p:sp>
@@ -11035,17 +10550,6 @@
           </a:bodyPr>
           <a:lstStyle/>
           <a:p>
-            <a:r>
-              <a:rPr lang="de-DE" sz="900" dirty="0">
-                <a:solidFill>
-                  <a:schemeClr val="bg1">
-                    <a:lumMod val="50000"/>
-                  </a:schemeClr>
-                </a:solidFill>
-                <a:latin typeface="Font Awesome 5 Free Solid" panose="02000503000000000000" pitchFamily="50" charset="0"/>
-              </a:rPr>
-              <a:t/>
-            </a:r>
             <a:br>
               <a:rPr lang="de-DE" sz="900" dirty="0">
                 <a:solidFill>
@@ -11170,10 +10674,9 @@
             <a:lstStyle/>
             <a:p>
               <a:r>
-                <a:rPr lang="de-DE" sz="800" b="1" dirty="0" smtClean="0"/>
+                <a:rPr lang="de-DE" sz="800" b="1" dirty="0"/>
                 <a:t>Abc</a:t>
               </a:r>
-              <a:endParaRPr lang="de-DE" sz="800" b="1" dirty="0"/>
             </a:p>
           </p:txBody>
         </p:sp>
@@ -11200,10 +10703,9 @@
             <a:lstStyle/>
             <a:p>
               <a:r>
-                <a:rPr lang="de-DE" sz="700" dirty="0" smtClean="0"/>
+                <a:rPr lang="de-DE" sz="700" dirty="0"/>
                 <a:t>xyz</a:t>
               </a:r>
-              <a:endParaRPr lang="de-DE" sz="700" dirty="0"/>
             </a:p>
           </p:txBody>
         </p:sp>
@@ -11229,17 +10731,6 @@
           </a:bodyPr>
           <a:lstStyle/>
           <a:p>
-            <a:r>
-              <a:rPr lang="de-DE" sz="900" dirty="0">
-                <a:solidFill>
-                  <a:schemeClr val="bg1">
-                    <a:lumMod val="50000"/>
-                  </a:schemeClr>
-                </a:solidFill>
-                <a:latin typeface="Font Awesome 5 Free Solid" panose="02000503000000000000" pitchFamily="50" charset="0"/>
-              </a:rPr>
-              <a:t/>
-            </a:r>
             <a:br>
               <a:rPr lang="de-DE" sz="900" dirty="0">
                 <a:solidFill>
@@ -11282,13 +10773,6 @@
   <p:clrMapOvr>
     <a:masterClrMapping/>
   </p:clrMapOvr>
-  <p:timing>
-    <p:tnLst>
-      <p:par>
-        <p:cTn id="1" dur="indefinite" restart="never" nodeType="tmRoot"/>
-      </p:par>
-    </p:tnLst>
-  </p:timing>
 </p:sld>
 </file>
 
@@ -12953,18 +12437,13 @@
           <a:lstStyle/>
           <a:p>
             <a:r>
-              <a:rPr lang="de-DE" sz="1000" dirty="0" smtClean="0">
+              <a:rPr lang="de-DE" sz="1000" dirty="0">
                 <a:solidFill>
                   <a:schemeClr val="bg1"/>
                 </a:solidFill>
               </a:rPr>
               <a:t>&gt;_</a:t>
             </a:r>
-            <a:endParaRPr lang="de-DE" sz="1000" dirty="0">
-              <a:solidFill>
-                <a:schemeClr val="bg1"/>
-              </a:solidFill>
-            </a:endParaRPr>
           </a:p>
         </p:txBody>
       </p:sp>
@@ -13837,18 +13316,13 @@
           <a:lstStyle/>
           <a:p>
             <a:r>
-              <a:rPr lang="de-DE" sz="1000" dirty="0" smtClean="0">
+              <a:rPr lang="de-DE" sz="1000" dirty="0">
                 <a:solidFill>
                   <a:schemeClr val="bg1"/>
                 </a:solidFill>
               </a:rPr>
               <a:t>&gt;_</a:t>
             </a:r>
-            <a:endParaRPr lang="de-DE" sz="1000" dirty="0">
-              <a:solidFill>
-                <a:schemeClr val="bg1"/>
-              </a:solidFill>
-            </a:endParaRPr>
           </a:p>
         </p:txBody>
       </p:sp>
@@ -17078,10 +16552,9 @@
           <a:lstStyle/>
           <a:p>
             <a:r>
-              <a:rPr lang="de-DE" sz="700" b="1" dirty="0" smtClean="0"/>
+              <a:rPr lang="de-DE" sz="700" b="1" dirty="0"/>
               <a:t>1.</a:t>
             </a:r>
-            <a:endParaRPr lang="de-DE" sz="700" b="1" dirty="0"/>
           </a:p>
         </p:txBody>
       </p:sp>
@@ -17120,10 +16593,9 @@
           <a:lstStyle/>
           <a:p>
             <a:r>
-              <a:rPr lang="de-DE" sz="700" b="1" dirty="0" smtClean="0"/>
+              <a:rPr lang="de-DE" sz="700" b="1" dirty="0"/>
               <a:t>2.</a:t>
             </a:r>
-            <a:endParaRPr lang="de-DE" sz="700" b="1" dirty="0"/>
           </a:p>
         </p:txBody>
       </p:sp>
@@ -17162,10 +16634,9 @@
           <a:lstStyle/>
           <a:p>
             <a:r>
-              <a:rPr lang="de-DE" sz="700" b="1" dirty="0" smtClean="0"/>
+              <a:rPr lang="de-DE" sz="700" b="1" dirty="0"/>
               <a:t>3.</a:t>
             </a:r>
-            <a:endParaRPr lang="de-DE" sz="700" b="1" dirty="0"/>
           </a:p>
         </p:txBody>
       </p:sp>
@@ -17666,7 +17137,7 @@
         </p:nvSpPr>
         <p:spPr>
           <a:xfrm>
-            <a:off x="1075766" y="603164"/>
+            <a:off x="1075766" y="4710380"/>
             <a:ext cx="2029770" cy="1215450"/>
           </a:xfrm>
           <a:prstGeom prst="rect">
@@ -17922,10 +17393,9 @@
           <a:lstStyle/>
           <a:p>
             <a:r>
-              <a:rPr lang="de-DE" dirty="0" smtClean="0"/>
+              <a:rPr lang="de-DE" dirty="0"/>
               <a:t>Aa</a:t>
             </a:r>
-            <a:endParaRPr lang="de-DE" dirty="0"/>
           </a:p>
         </p:txBody>
       </p:sp>
@@ -18006,16 +17476,15 @@
           <a:lstStyle/>
           <a:p>
             <a:r>
-              <a:rPr lang="de-DE" dirty="0" smtClean="0"/>
+              <a:rPr lang="de-DE" dirty="0"/>
               <a:t>…</a:t>
             </a:r>
           </a:p>
           <a:p>
             <a:r>
-              <a:rPr lang="de-DE" dirty="0" smtClean="0"/>
+              <a:rPr lang="de-DE" dirty="0"/>
               <a:t>…</a:t>
             </a:r>
-            <a:endParaRPr lang="de-DE" dirty="0"/>
           </a:p>
         </p:txBody>
       </p:sp>
@@ -18053,10 +17522,9 @@
           <a:lstStyle/>
           <a:p>
             <a:r>
-              <a:rPr lang="de-DE" dirty="0" smtClean="0"/>
+              <a:rPr lang="de-DE" dirty="0"/>
               <a:t>Aa</a:t>
             </a:r>
-            <a:endParaRPr lang="de-DE" dirty="0"/>
           </a:p>
         </p:txBody>
       </p:sp>
@@ -18068,7 +17536,7 @@
         </p:nvSpPr>
         <p:spPr>
           <a:xfrm>
-            <a:off x="1255222" y="756786"/>
+            <a:off x="1255222" y="4864002"/>
             <a:ext cx="1670858" cy="249382"/>
           </a:xfrm>
           <a:prstGeom prst="rect">
@@ -18094,10 +17562,9 @@
           <a:lstStyle/>
           <a:p>
             <a:r>
-              <a:rPr lang="de-DE" dirty="0" smtClean="0"/>
+              <a:rPr lang="de-DE" dirty="0"/>
               <a:t>Aa</a:t>
             </a:r>
-            <a:endParaRPr lang="de-DE" dirty="0"/>
           </a:p>
         </p:txBody>
       </p:sp>
@@ -18109,7 +17576,7 @@
         </p:nvSpPr>
         <p:spPr>
           <a:xfrm flipV="1">
-            <a:off x="2658768" y="819131"/>
+            <a:off x="2658768" y="4926347"/>
             <a:ext cx="180055" cy="124691"/>
           </a:xfrm>
           <a:prstGeom prst="triangle">
@@ -18152,7 +17619,7 @@
         </p:nvSpPr>
         <p:spPr>
           <a:xfrm>
-            <a:off x="1255222" y="1219200"/>
+            <a:off x="1255222" y="5326416"/>
             <a:ext cx="406237" cy="447775"/>
           </a:xfrm>
           <a:prstGeom prst="rect">
@@ -18189,7 +17656,7 @@
         </p:nvSpPr>
         <p:spPr>
           <a:xfrm>
-            <a:off x="1661459" y="1219200"/>
+            <a:off x="1661459" y="5326416"/>
             <a:ext cx="406237" cy="447775"/>
           </a:xfrm>
           <a:prstGeom prst="rect">
@@ -18226,7 +17693,7 @@
         </p:nvSpPr>
         <p:spPr>
           <a:xfrm>
-            <a:off x="2067696" y="1219200"/>
+            <a:off x="2067696" y="5326416"/>
             <a:ext cx="406237" cy="447775"/>
           </a:xfrm>
           <a:prstGeom prst="rect">
@@ -18263,7 +17730,7 @@
         </p:nvSpPr>
         <p:spPr>
           <a:xfrm>
-            <a:off x="2473933" y="1219200"/>
+            <a:off x="2473933" y="5326416"/>
             <a:ext cx="179455" cy="447775"/>
           </a:xfrm>
           <a:prstGeom prst="rect">
@@ -18300,7 +17767,7 @@
         </p:nvSpPr>
         <p:spPr>
           <a:xfrm>
-            <a:off x="1255222" y="1026948"/>
+            <a:off x="1255222" y="5134164"/>
             <a:ext cx="406237" cy="192252"/>
           </a:xfrm>
           <a:prstGeom prst="rect">
@@ -18342,7 +17809,7 @@
         </p:nvSpPr>
         <p:spPr>
           <a:xfrm>
-            <a:off x="1661458" y="1026948"/>
+            <a:off x="1661458" y="5134164"/>
             <a:ext cx="406237" cy="192252"/>
           </a:xfrm>
           <a:prstGeom prst="rect">
@@ -18384,7 +17851,7 @@
         </p:nvSpPr>
         <p:spPr>
           <a:xfrm>
-            <a:off x="2067695" y="1026948"/>
+            <a:off x="2067695" y="5134164"/>
             <a:ext cx="406237" cy="192252"/>
           </a:xfrm>
           <a:prstGeom prst="rect">
@@ -18426,7 +17893,7 @@
         </p:nvSpPr>
         <p:spPr>
           <a:xfrm>
-            <a:off x="2473931" y="1026948"/>
+            <a:off x="2473931" y="5134164"/>
             <a:ext cx="179457" cy="192252"/>
           </a:xfrm>
           <a:prstGeom prst="rect">
@@ -18471,7 +17938,7 @@
         </p:nvCxnSpPr>
         <p:spPr>
           <a:xfrm>
-            <a:off x="1255222" y="1443088"/>
+            <a:off x="1255222" y="5550304"/>
             <a:ext cx="1398166" cy="0"/>
           </a:xfrm>
           <a:prstGeom prst="line">
@@ -18528,10 +17995,9 @@
           <a:p>
             <a:pPr algn="r"/>
             <a:r>
-              <a:rPr lang="de-DE" dirty="0" smtClean="0"/>
+              <a:rPr lang="de-DE" dirty="0"/>
               <a:t>123</a:t>
             </a:r>
-            <a:endParaRPr lang="de-DE" dirty="0"/>
           </a:p>
         </p:txBody>
       </p:sp>
@@ -18570,10 +18036,9 @@
           <a:p>
             <a:pPr algn="r"/>
             <a:r>
-              <a:rPr lang="de-DE" dirty="0" smtClean="0"/>
+              <a:rPr lang="de-DE" dirty="0"/>
               <a:t>123</a:t>
             </a:r>
-            <a:endParaRPr lang="de-DE" dirty="0"/>
           </a:p>
         </p:txBody>
       </p:sp>
@@ -18656,10 +18121,9 @@
           <a:p>
             <a:pPr algn="r"/>
             <a:r>
-              <a:rPr lang="de-DE" dirty="0" smtClean="0"/>
+              <a:rPr lang="de-DE" dirty="0"/>
               <a:t>123</a:t>
             </a:r>
-            <a:endParaRPr lang="de-DE" dirty="0"/>
           </a:p>
         </p:txBody>
       </p:sp>
@@ -18697,10 +18161,9 @@
           <a:lstStyle/>
           <a:p>
             <a:r>
-              <a:rPr lang="de-DE" dirty="0" smtClean="0"/>
+              <a:rPr lang="de-DE" dirty="0"/>
               <a:t>xx</a:t>
             </a:r>
-            <a:endParaRPr lang="de-DE" dirty="0"/>
           </a:p>
         </p:txBody>
       </p:sp>
@@ -18739,10 +18202,9 @@
           <a:p>
             <a:pPr algn="r"/>
             <a:r>
-              <a:rPr lang="de-DE" dirty="0" smtClean="0"/>
+              <a:rPr lang="de-DE" dirty="0"/>
               <a:t>123</a:t>
             </a:r>
-            <a:endParaRPr lang="de-DE" dirty="0"/>
           </a:p>
         </p:txBody>
       </p:sp>
@@ -18827,10 +18289,9 @@
           <a:p>
             <a:pPr algn="ctr"/>
             <a:r>
-              <a:rPr lang="de-DE" dirty="0" smtClean="0"/>
+              <a:rPr lang="de-DE" dirty="0"/>
               <a:t>x</a:t>
             </a:r>
-            <a:endParaRPr lang="de-DE" dirty="0"/>
           </a:p>
         </p:txBody>
       </p:sp>
@@ -18869,10 +18330,9 @@
           <a:p>
             <a:pPr algn="r"/>
             <a:r>
-              <a:rPr lang="de-DE" dirty="0" smtClean="0"/>
+              <a:rPr lang="de-DE" dirty="0"/>
               <a:t>1</a:t>
             </a:r>
-            <a:endParaRPr lang="de-DE" dirty="0"/>
           </a:p>
         </p:txBody>
       </p:sp>
@@ -18914,10 +18374,9 @@
           <a:p>
             <a:pPr algn="ctr"/>
             <a:r>
-              <a:rPr lang="de-DE" dirty="0" smtClean="0"/>
+              <a:rPr lang="de-DE" dirty="0"/>
               <a:t>x</a:t>
             </a:r>
-            <a:endParaRPr lang="de-DE" dirty="0"/>
           </a:p>
         </p:txBody>
       </p:sp>
@@ -18956,10 +18415,9 @@
           <a:p>
             <a:pPr algn="r"/>
             <a:r>
-              <a:rPr lang="de-DE" dirty="0" smtClean="0"/>
+              <a:rPr lang="de-DE" dirty="0"/>
               <a:t>2</a:t>
             </a:r>
-            <a:endParaRPr lang="de-DE" dirty="0"/>
           </a:p>
         </p:txBody>
       </p:sp>
@@ -18998,10 +18456,9 @@
           <a:p>
             <a:pPr algn="r"/>
             <a:r>
-              <a:rPr lang="de-DE" dirty="0" smtClean="0"/>
+              <a:rPr lang="de-DE" dirty="0"/>
               <a:t>3</a:t>
             </a:r>
-            <a:endParaRPr lang="de-DE" dirty="0"/>
           </a:p>
         </p:txBody>
       </p:sp>
@@ -19086,10 +18543,9 @@
           <a:p>
             <a:pPr algn="r"/>
             <a:r>
-              <a:rPr lang="de-DE" dirty="0" smtClean="0"/>
+              <a:rPr lang="de-DE" dirty="0"/>
               <a:t>123</a:t>
             </a:r>
-            <a:endParaRPr lang="de-DE" dirty="0"/>
           </a:p>
         </p:txBody>
       </p:sp>
@@ -19169,10 +18625,9 @@
           <a:p>
             <a:pPr algn="ctr"/>
             <a:r>
-              <a:rPr lang="de-DE" dirty="0" smtClean="0"/>
+              <a:rPr lang="de-DE" dirty="0"/>
               <a:t>+</a:t>
             </a:r>
-            <a:endParaRPr lang="de-DE" dirty="0"/>
           </a:p>
         </p:txBody>
       </p:sp>
@@ -19184,7 +18639,7 @@
         </p:nvSpPr>
         <p:spPr>
           <a:xfrm>
-            <a:off x="3284992" y="1972236"/>
+            <a:off x="7702655" y="1972236"/>
             <a:ext cx="2029770" cy="1215450"/>
           </a:xfrm>
           <a:prstGeom prst="rect">
@@ -19230,7 +18685,7 @@
         </p:nvSpPr>
         <p:spPr>
           <a:xfrm>
-            <a:off x="3464448" y="2125858"/>
+            <a:off x="7882111" y="2125858"/>
             <a:ext cx="1670858" cy="249382"/>
           </a:xfrm>
           <a:prstGeom prst="rect">
@@ -19267,7 +18722,7 @@
         </p:nvSpPr>
         <p:spPr>
           <a:xfrm flipV="1">
-            <a:off x="4867994" y="2188203"/>
+            <a:off x="9285657" y="2188203"/>
             <a:ext cx="180055" cy="124691"/>
           </a:xfrm>
           <a:prstGeom prst="triangle">
@@ -19310,7 +18765,7 @@
         </p:nvSpPr>
         <p:spPr>
           <a:xfrm>
-            <a:off x="3464448" y="2396020"/>
+            <a:off x="7882111" y="2396020"/>
             <a:ext cx="1670858" cy="640027"/>
           </a:xfrm>
           <a:prstGeom prst="rect">
@@ -19336,16 +18791,15 @@
           <a:lstStyle/>
           <a:p>
             <a:r>
-              <a:rPr lang="de-DE" dirty="0" smtClean="0"/>
-              <a:t>…</a:t>
+              <a:rPr lang="de-DE" dirty="0"/>
+              <a:t>   …</a:t>
             </a:r>
           </a:p>
           <a:p>
             <a:r>
-              <a:rPr lang="de-DE" dirty="0" smtClean="0"/>
-              <a:t>…</a:t>
+              <a:rPr lang="de-DE" dirty="0"/>
+              <a:t>   …</a:t>
             </a:r>
-            <a:endParaRPr lang="de-DE" dirty="0"/>
           </a:p>
         </p:txBody>
       </p:sp>
@@ -19434,10 +18888,9 @@
           <a:lstStyle/>
           <a:p>
             <a:r>
-              <a:rPr lang="de-DE" dirty="0" smtClean="0"/>
+              <a:rPr lang="de-DE" dirty="0"/>
               <a:t>xx</a:t>
             </a:r>
-            <a:endParaRPr lang="de-DE" dirty="0"/>
           </a:p>
         </p:txBody>
       </p:sp>
@@ -19481,10 +18934,9 @@
           <a:p>
             <a:pPr algn="r"/>
             <a:r>
-              <a:rPr lang="de-DE" dirty="0" smtClean="0"/>
+              <a:rPr lang="de-DE" dirty="0"/>
               <a:t>123</a:t>
             </a:r>
-            <a:endParaRPr lang="de-DE" dirty="0"/>
           </a:p>
         </p:txBody>
       </p:sp>
@@ -19554,6 +19006,1358 @@
           </a:fontRef>
         </p:style>
       </p:cxnSp>
+      <p:sp>
+        <p:nvSpPr>
+          <p:cNvPr id="49" name="Rectangle 48">
+            <a:extLst>
+              <a:ext uri="{FF2B5EF4-FFF2-40B4-BE49-F238E27FC236}">
+                <a16:creationId xmlns:a16="http://schemas.microsoft.com/office/drawing/2014/main" id="{91772362-1DA1-4CFD-9A11-56C4F2E93F55}"/>
+              </a:ext>
+            </a:extLst>
+          </p:cNvPr>
+          <p:cNvSpPr/>
+          <p:nvPr/>
+        </p:nvSpPr>
+        <p:spPr>
+          <a:xfrm>
+            <a:off x="9904664" y="1972236"/>
+            <a:ext cx="2029770" cy="1215450"/>
+          </a:xfrm>
+          <a:prstGeom prst="rect">
+            <a:avLst/>
+          </a:prstGeom>
+          <a:solidFill>
+            <a:schemeClr val="bg1"/>
+          </a:solidFill>
+          <a:ln>
+            <a:prstDash val="dash"/>
+          </a:ln>
+        </p:spPr>
+        <p:style>
+          <a:lnRef idx="2">
+            <a:schemeClr val="accent1">
+              <a:shade val="50000"/>
+            </a:schemeClr>
+          </a:lnRef>
+          <a:fillRef idx="1">
+            <a:schemeClr val="accent1"/>
+          </a:fillRef>
+          <a:effectRef idx="0">
+            <a:schemeClr val="accent1"/>
+          </a:effectRef>
+          <a:fontRef idx="minor">
+            <a:schemeClr val="lt1"/>
+          </a:fontRef>
+        </p:style>
+        <p:txBody>
+          <a:bodyPr rtlCol="0" anchor="ctr"/>
+          <a:lstStyle/>
+          <a:p>
+            <a:pPr algn="ctr"/>
+            <a:endParaRPr lang="de-DE"/>
+          </a:p>
+        </p:txBody>
+      </p:sp>
+      <p:sp>
+        <p:nvSpPr>
+          <p:cNvPr id="51" name="Rectangle 50">
+            <a:extLst>
+              <a:ext uri="{FF2B5EF4-FFF2-40B4-BE49-F238E27FC236}">
+                <a16:creationId xmlns:a16="http://schemas.microsoft.com/office/drawing/2014/main" id="{C53845BE-C644-4663-891C-93E0910F43E3}"/>
+              </a:ext>
+            </a:extLst>
+          </p:cNvPr>
+          <p:cNvSpPr/>
+          <p:nvPr/>
+        </p:nvSpPr>
+        <p:spPr>
+          <a:xfrm>
+            <a:off x="10084120" y="2125858"/>
+            <a:ext cx="1670858" cy="249382"/>
+          </a:xfrm>
+          <a:prstGeom prst="rect">
+            <a:avLst/>
+          </a:prstGeom>
+        </p:spPr>
+        <p:style>
+          <a:lnRef idx="2">
+            <a:schemeClr val="dk1"/>
+          </a:lnRef>
+          <a:fillRef idx="1">
+            <a:schemeClr val="lt1"/>
+          </a:fillRef>
+          <a:effectRef idx="0">
+            <a:schemeClr val="dk1"/>
+          </a:effectRef>
+          <a:fontRef idx="minor">
+            <a:schemeClr val="dk1"/>
+          </a:fontRef>
+        </p:style>
+        <p:txBody>
+          <a:bodyPr rtlCol="0" anchor="ctr"/>
+          <a:lstStyle/>
+          <a:p>
+            <a:endParaRPr lang="de-DE" dirty="0"/>
+          </a:p>
+        </p:txBody>
+      </p:sp>
+      <p:sp>
+        <p:nvSpPr>
+          <p:cNvPr id="60" name="Isosceles Triangle 59">
+            <a:extLst>
+              <a:ext uri="{FF2B5EF4-FFF2-40B4-BE49-F238E27FC236}">
+                <a16:creationId xmlns:a16="http://schemas.microsoft.com/office/drawing/2014/main" id="{F4EF2021-D967-4C45-9EA5-3238BD9D15C7}"/>
+              </a:ext>
+            </a:extLst>
+          </p:cNvPr>
+          <p:cNvSpPr/>
+          <p:nvPr/>
+        </p:nvSpPr>
+        <p:spPr>
+          <a:xfrm flipV="1">
+            <a:off x="11487666" y="2188203"/>
+            <a:ext cx="180055" cy="124691"/>
+          </a:xfrm>
+          <a:prstGeom prst="triangle">
+            <a:avLst/>
+          </a:prstGeom>
+          <a:solidFill>
+            <a:schemeClr val="bg1">
+              <a:lumMod val="85000"/>
+            </a:schemeClr>
+          </a:solidFill>
+        </p:spPr>
+        <p:style>
+          <a:lnRef idx="2">
+            <a:schemeClr val="dk1"/>
+          </a:lnRef>
+          <a:fillRef idx="1">
+            <a:schemeClr val="lt1"/>
+          </a:fillRef>
+          <a:effectRef idx="0">
+            <a:schemeClr val="dk1"/>
+          </a:effectRef>
+          <a:fontRef idx="minor">
+            <a:schemeClr val="dk1"/>
+          </a:fontRef>
+        </p:style>
+        <p:txBody>
+          <a:bodyPr rtlCol="0" anchor="ctr"/>
+          <a:lstStyle/>
+          <a:p>
+            <a:pPr algn="ctr"/>
+            <a:endParaRPr lang="de-DE"/>
+          </a:p>
+        </p:txBody>
+      </p:sp>
+      <p:sp>
+        <p:nvSpPr>
+          <p:cNvPr id="61" name="Rectangle 60">
+            <a:extLst>
+              <a:ext uri="{FF2B5EF4-FFF2-40B4-BE49-F238E27FC236}">
+                <a16:creationId xmlns:a16="http://schemas.microsoft.com/office/drawing/2014/main" id="{A191A5A3-6BD7-4845-84AA-FA936DB8C6AC}"/>
+              </a:ext>
+            </a:extLst>
+          </p:cNvPr>
+          <p:cNvSpPr/>
+          <p:nvPr/>
+        </p:nvSpPr>
+        <p:spPr>
+          <a:xfrm>
+            <a:off x="10084120" y="2396020"/>
+            <a:ext cx="1403546" cy="640027"/>
+          </a:xfrm>
+          <a:prstGeom prst="rect">
+            <a:avLst/>
+          </a:prstGeom>
+        </p:spPr>
+        <p:style>
+          <a:lnRef idx="2">
+            <a:schemeClr val="dk1"/>
+          </a:lnRef>
+          <a:fillRef idx="1">
+            <a:schemeClr val="lt1"/>
+          </a:fillRef>
+          <a:effectRef idx="0">
+            <a:schemeClr val="dk1"/>
+          </a:effectRef>
+          <a:fontRef idx="minor">
+            <a:schemeClr val="dk1"/>
+          </a:fontRef>
+        </p:style>
+        <p:txBody>
+          <a:bodyPr rtlCol="0" anchor="ctr"/>
+          <a:lstStyle/>
+          <a:p>
+            <a:r>
+              <a:rPr lang="de-DE" dirty="0"/>
+              <a:t>…</a:t>
+            </a:r>
+          </a:p>
+          <a:p>
+            <a:r>
+              <a:rPr lang="de-DE" dirty="0"/>
+              <a:t>…</a:t>
+            </a:r>
+          </a:p>
+        </p:txBody>
+      </p:sp>
+      <p:sp>
+        <p:nvSpPr>
+          <p:cNvPr id="2" name="Rectangle 1">
+            <a:extLst>
+              <a:ext uri="{FF2B5EF4-FFF2-40B4-BE49-F238E27FC236}">
+                <a16:creationId xmlns:a16="http://schemas.microsoft.com/office/drawing/2014/main" id="{6696D7E9-49C2-4A0C-A79D-86756CCBAE1C}"/>
+              </a:ext>
+            </a:extLst>
+          </p:cNvPr>
+          <p:cNvSpPr/>
+          <p:nvPr/>
+        </p:nvSpPr>
+        <p:spPr>
+          <a:xfrm>
+            <a:off x="10123655" y="2167424"/>
+            <a:ext cx="441732" cy="166250"/>
+          </a:xfrm>
+          <a:prstGeom prst="rect">
+            <a:avLst/>
+          </a:prstGeom>
+          <a:solidFill>
+            <a:schemeClr val="bg1">
+              <a:lumMod val="85000"/>
+            </a:schemeClr>
+          </a:solidFill>
+        </p:spPr>
+        <p:style>
+          <a:lnRef idx="2">
+            <a:schemeClr val="dk1"/>
+          </a:lnRef>
+          <a:fillRef idx="1">
+            <a:schemeClr val="lt1"/>
+          </a:fillRef>
+          <a:effectRef idx="0">
+            <a:schemeClr val="dk1"/>
+          </a:effectRef>
+          <a:fontRef idx="minor">
+            <a:schemeClr val="dk1"/>
+          </a:fontRef>
+        </p:style>
+        <p:txBody>
+          <a:bodyPr lIns="36000" rtlCol="0" anchor="ctr"/>
+          <a:lstStyle/>
+          <a:p>
+            <a:r>
+              <a:rPr lang="de-DE" sz="1200" dirty="0"/>
+              <a:t>Aa</a:t>
+            </a:r>
+            <a:endParaRPr lang="de-DE" sz="1200" dirty="0">
+              <a:solidFill>
+                <a:schemeClr val="dk1"/>
+              </a:solidFill>
+            </a:endParaRPr>
+          </a:p>
+        </p:txBody>
+      </p:sp>
+      <p:sp>
+        <p:nvSpPr>
+          <p:cNvPr id="6" name="TextBox 5">
+            <a:extLst>
+              <a:ext uri="{FF2B5EF4-FFF2-40B4-BE49-F238E27FC236}">
+                <a16:creationId xmlns:a16="http://schemas.microsoft.com/office/drawing/2014/main" id="{96C9E90B-FD48-4C6F-8D94-3988864E2B4E}"/>
+              </a:ext>
+            </a:extLst>
+          </p:cNvPr>
+          <p:cNvSpPr txBox="1"/>
+          <p:nvPr/>
+        </p:nvSpPr>
+        <p:spPr>
+          <a:xfrm>
+            <a:off x="10375705" y="2121118"/>
+            <a:ext cx="245580" cy="261610"/>
+          </a:xfrm>
+          <a:prstGeom prst="rect">
+            <a:avLst/>
+          </a:prstGeom>
+          <a:noFill/>
+        </p:spPr>
+        <p:txBody>
+          <a:bodyPr wrap="none" rtlCol="0">
+            <a:spAutoFit/>
+          </a:bodyPr>
+          <a:lstStyle/>
+          <a:p>
+            <a:r>
+              <a:rPr lang="de-DE" sz="1050" dirty="0">
+                <a:solidFill>
+                  <a:schemeClr val="tx1">
+                    <a:lumMod val="50000"/>
+                    <a:lumOff val="50000"/>
+                  </a:schemeClr>
+                </a:solidFill>
+              </a:rPr>
+              <a:t>x</a:t>
+            </a:r>
+          </a:p>
+        </p:txBody>
+      </p:sp>
+      <p:sp>
+        <p:nvSpPr>
+          <p:cNvPr id="63" name="Rectangle 62">
+            <a:extLst>
+              <a:ext uri="{FF2B5EF4-FFF2-40B4-BE49-F238E27FC236}">
+                <a16:creationId xmlns:a16="http://schemas.microsoft.com/office/drawing/2014/main" id="{0E739E7A-23C8-44FD-8DA1-67955B227241}"/>
+              </a:ext>
+            </a:extLst>
+          </p:cNvPr>
+          <p:cNvSpPr/>
+          <p:nvPr/>
+        </p:nvSpPr>
+        <p:spPr>
+          <a:xfrm>
+            <a:off x="10621285" y="2167424"/>
+            <a:ext cx="441732" cy="166250"/>
+          </a:xfrm>
+          <a:prstGeom prst="rect">
+            <a:avLst/>
+          </a:prstGeom>
+          <a:solidFill>
+            <a:schemeClr val="bg1">
+              <a:lumMod val="85000"/>
+            </a:schemeClr>
+          </a:solidFill>
+        </p:spPr>
+        <p:style>
+          <a:lnRef idx="2">
+            <a:schemeClr val="dk1"/>
+          </a:lnRef>
+          <a:fillRef idx="1">
+            <a:schemeClr val="lt1"/>
+          </a:fillRef>
+          <a:effectRef idx="0">
+            <a:schemeClr val="dk1"/>
+          </a:effectRef>
+          <a:fontRef idx="minor">
+            <a:schemeClr val="dk1"/>
+          </a:fontRef>
+        </p:style>
+        <p:txBody>
+          <a:bodyPr lIns="36000" rtlCol="0" anchor="ctr"/>
+          <a:lstStyle/>
+          <a:p>
+            <a:r>
+              <a:rPr lang="de-DE" sz="1200" noProof="1"/>
+              <a:t>Bb</a:t>
+            </a:r>
+            <a:endParaRPr lang="de-DE" sz="1200" noProof="1">
+              <a:solidFill>
+                <a:schemeClr val="dk1"/>
+              </a:solidFill>
+            </a:endParaRPr>
+          </a:p>
+        </p:txBody>
+      </p:sp>
+      <p:sp>
+        <p:nvSpPr>
+          <p:cNvPr id="64" name="TextBox 63">
+            <a:extLst>
+              <a:ext uri="{FF2B5EF4-FFF2-40B4-BE49-F238E27FC236}">
+                <a16:creationId xmlns:a16="http://schemas.microsoft.com/office/drawing/2014/main" id="{671F03B3-E6D6-4E10-95FB-5202105C9031}"/>
+              </a:ext>
+            </a:extLst>
+          </p:cNvPr>
+          <p:cNvSpPr txBox="1"/>
+          <p:nvPr/>
+        </p:nvSpPr>
+        <p:spPr>
+          <a:xfrm>
+            <a:off x="10873335" y="2121118"/>
+            <a:ext cx="245580" cy="261610"/>
+          </a:xfrm>
+          <a:prstGeom prst="rect">
+            <a:avLst/>
+          </a:prstGeom>
+          <a:noFill/>
+        </p:spPr>
+        <p:txBody>
+          <a:bodyPr wrap="none" rtlCol="0">
+            <a:spAutoFit/>
+          </a:bodyPr>
+          <a:lstStyle/>
+          <a:p>
+            <a:r>
+              <a:rPr lang="de-DE" sz="1050" dirty="0">
+                <a:solidFill>
+                  <a:schemeClr val="tx1">
+                    <a:lumMod val="50000"/>
+                    <a:lumOff val="50000"/>
+                  </a:schemeClr>
+                </a:solidFill>
+              </a:rPr>
+              <a:t>x</a:t>
+            </a:r>
+          </a:p>
+        </p:txBody>
+      </p:sp>
+      <p:sp>
+        <p:nvSpPr>
+          <p:cNvPr id="65" name="Rectangle 64">
+            <a:extLst>
+              <a:ext uri="{FF2B5EF4-FFF2-40B4-BE49-F238E27FC236}">
+                <a16:creationId xmlns:a16="http://schemas.microsoft.com/office/drawing/2014/main" id="{7A1D7D5A-7344-4EFC-8BF6-A4C31918781B}"/>
+              </a:ext>
+            </a:extLst>
+          </p:cNvPr>
+          <p:cNvSpPr/>
+          <p:nvPr/>
+        </p:nvSpPr>
+        <p:spPr>
+          <a:xfrm>
+            <a:off x="3284992" y="4710380"/>
+            <a:ext cx="2029770" cy="1215450"/>
+          </a:xfrm>
+          <a:prstGeom prst="rect">
+            <a:avLst/>
+          </a:prstGeom>
+          <a:solidFill>
+            <a:schemeClr val="bg1"/>
+          </a:solidFill>
+          <a:ln>
+            <a:prstDash val="dash"/>
+          </a:ln>
+        </p:spPr>
+        <p:style>
+          <a:lnRef idx="2">
+            <a:schemeClr val="accent1">
+              <a:shade val="50000"/>
+            </a:schemeClr>
+          </a:lnRef>
+          <a:fillRef idx="1">
+            <a:schemeClr val="accent1"/>
+          </a:fillRef>
+          <a:effectRef idx="0">
+            <a:schemeClr val="accent1"/>
+          </a:effectRef>
+          <a:fontRef idx="minor">
+            <a:schemeClr val="lt1"/>
+          </a:fontRef>
+        </p:style>
+        <p:txBody>
+          <a:bodyPr rtlCol="0" anchor="ctr"/>
+          <a:lstStyle/>
+          <a:p>
+            <a:pPr algn="ctr"/>
+            <a:endParaRPr lang="de-DE"/>
+          </a:p>
+        </p:txBody>
+      </p:sp>
+      <p:sp>
+        <p:nvSpPr>
+          <p:cNvPr id="66" name="Rectangle 65">
+            <a:extLst>
+              <a:ext uri="{FF2B5EF4-FFF2-40B4-BE49-F238E27FC236}">
+                <a16:creationId xmlns:a16="http://schemas.microsoft.com/office/drawing/2014/main" id="{F57D25BD-BF7B-4995-8948-06FBCD9EC69F}"/>
+              </a:ext>
+            </a:extLst>
+          </p:cNvPr>
+          <p:cNvSpPr/>
+          <p:nvPr/>
+        </p:nvSpPr>
+        <p:spPr>
+          <a:xfrm>
+            <a:off x="3464448" y="4864002"/>
+            <a:ext cx="1670858" cy="249382"/>
+          </a:xfrm>
+          <a:prstGeom prst="rect">
+            <a:avLst/>
+          </a:prstGeom>
+        </p:spPr>
+        <p:style>
+          <a:lnRef idx="2">
+            <a:schemeClr val="dk1"/>
+          </a:lnRef>
+          <a:fillRef idx="1">
+            <a:schemeClr val="lt1"/>
+          </a:fillRef>
+          <a:effectRef idx="0">
+            <a:schemeClr val="dk1"/>
+          </a:effectRef>
+          <a:fontRef idx="minor">
+            <a:schemeClr val="dk1"/>
+          </a:fontRef>
+        </p:style>
+        <p:txBody>
+          <a:bodyPr rtlCol="0" anchor="ctr"/>
+          <a:lstStyle/>
+          <a:p>
+            <a:r>
+              <a:rPr lang="de-DE" dirty="0"/>
+              <a:t>Aa, </a:t>
+            </a:r>
+            <a:r>
+              <a:rPr lang="de-DE" dirty="0" err="1"/>
+              <a:t>Bb</a:t>
+            </a:r>
+            <a:endParaRPr lang="de-DE" dirty="0"/>
+          </a:p>
+        </p:txBody>
+      </p:sp>
+      <p:sp>
+        <p:nvSpPr>
+          <p:cNvPr id="67" name="Isosceles Triangle 66">
+            <a:extLst>
+              <a:ext uri="{FF2B5EF4-FFF2-40B4-BE49-F238E27FC236}">
+                <a16:creationId xmlns:a16="http://schemas.microsoft.com/office/drawing/2014/main" id="{851CA22D-0EA3-4FBD-AFFC-A48459FA792F}"/>
+              </a:ext>
+            </a:extLst>
+          </p:cNvPr>
+          <p:cNvSpPr/>
+          <p:nvPr/>
+        </p:nvSpPr>
+        <p:spPr>
+          <a:xfrm flipV="1">
+            <a:off x="4867994" y="4926347"/>
+            <a:ext cx="180055" cy="124691"/>
+          </a:xfrm>
+          <a:prstGeom prst="triangle">
+            <a:avLst/>
+          </a:prstGeom>
+          <a:solidFill>
+            <a:schemeClr val="bg1">
+              <a:lumMod val="85000"/>
+            </a:schemeClr>
+          </a:solidFill>
+        </p:spPr>
+        <p:style>
+          <a:lnRef idx="2">
+            <a:schemeClr val="dk1"/>
+          </a:lnRef>
+          <a:fillRef idx="1">
+            <a:schemeClr val="lt1"/>
+          </a:fillRef>
+          <a:effectRef idx="0">
+            <a:schemeClr val="dk1"/>
+          </a:effectRef>
+          <a:fontRef idx="minor">
+            <a:schemeClr val="dk1"/>
+          </a:fontRef>
+        </p:style>
+        <p:txBody>
+          <a:bodyPr rtlCol="0" anchor="ctr"/>
+          <a:lstStyle/>
+          <a:p>
+            <a:pPr algn="ctr"/>
+            <a:endParaRPr lang="de-DE"/>
+          </a:p>
+        </p:txBody>
+      </p:sp>
+      <p:sp>
+        <p:nvSpPr>
+          <p:cNvPr id="68" name="Rectangle 67">
+            <a:extLst>
+              <a:ext uri="{FF2B5EF4-FFF2-40B4-BE49-F238E27FC236}">
+                <a16:creationId xmlns:a16="http://schemas.microsoft.com/office/drawing/2014/main" id="{5DF9A61E-BCE6-48D7-B814-EAED69CA0560}"/>
+              </a:ext>
+            </a:extLst>
+          </p:cNvPr>
+          <p:cNvSpPr/>
+          <p:nvPr/>
+        </p:nvSpPr>
+        <p:spPr>
+          <a:xfrm>
+            <a:off x="3464449" y="5326416"/>
+            <a:ext cx="226780" cy="447775"/>
+          </a:xfrm>
+          <a:prstGeom prst="rect">
+            <a:avLst/>
+          </a:prstGeom>
+        </p:spPr>
+        <p:style>
+          <a:lnRef idx="2">
+            <a:schemeClr val="dk1"/>
+          </a:lnRef>
+          <a:fillRef idx="1">
+            <a:schemeClr val="lt1"/>
+          </a:fillRef>
+          <a:effectRef idx="0">
+            <a:schemeClr val="dk1"/>
+          </a:effectRef>
+          <a:fontRef idx="minor">
+            <a:schemeClr val="dk1"/>
+          </a:fontRef>
+        </p:style>
+        <p:txBody>
+          <a:bodyPr rtlCol="0" anchor="ctr"/>
+          <a:lstStyle/>
+          <a:p>
+            <a:endParaRPr lang="de-DE" dirty="0"/>
+          </a:p>
+        </p:txBody>
+      </p:sp>
+      <p:sp>
+        <p:nvSpPr>
+          <p:cNvPr id="69" name="Rectangle 68">
+            <a:extLst>
+              <a:ext uri="{FF2B5EF4-FFF2-40B4-BE49-F238E27FC236}">
+                <a16:creationId xmlns:a16="http://schemas.microsoft.com/office/drawing/2014/main" id="{905BBF87-A89C-4EFE-8D58-12ADF222D11F}"/>
+              </a:ext>
+            </a:extLst>
+          </p:cNvPr>
+          <p:cNvSpPr/>
+          <p:nvPr/>
+        </p:nvSpPr>
+        <p:spPr>
+          <a:xfrm>
+            <a:off x="3691229" y="5326416"/>
+            <a:ext cx="406237" cy="447775"/>
+          </a:xfrm>
+          <a:prstGeom prst="rect">
+            <a:avLst/>
+          </a:prstGeom>
+        </p:spPr>
+        <p:style>
+          <a:lnRef idx="2">
+            <a:schemeClr val="dk1"/>
+          </a:lnRef>
+          <a:fillRef idx="1">
+            <a:schemeClr val="lt1"/>
+          </a:fillRef>
+          <a:effectRef idx="0">
+            <a:schemeClr val="dk1"/>
+          </a:effectRef>
+          <a:fontRef idx="minor">
+            <a:schemeClr val="dk1"/>
+          </a:fontRef>
+        </p:style>
+        <p:txBody>
+          <a:bodyPr rtlCol="0" anchor="ctr"/>
+          <a:lstStyle/>
+          <a:p>
+            <a:endParaRPr lang="de-DE" dirty="0"/>
+          </a:p>
+        </p:txBody>
+      </p:sp>
+      <p:sp>
+        <p:nvSpPr>
+          <p:cNvPr id="70" name="Rectangle 69">
+            <a:extLst>
+              <a:ext uri="{FF2B5EF4-FFF2-40B4-BE49-F238E27FC236}">
+                <a16:creationId xmlns:a16="http://schemas.microsoft.com/office/drawing/2014/main" id="{D20D938F-E5B8-4E84-879F-4DBD1C1609DA}"/>
+              </a:ext>
+            </a:extLst>
+          </p:cNvPr>
+          <p:cNvSpPr/>
+          <p:nvPr/>
+        </p:nvSpPr>
+        <p:spPr>
+          <a:xfrm>
+            <a:off x="4097466" y="5326416"/>
+            <a:ext cx="406237" cy="447775"/>
+          </a:xfrm>
+          <a:prstGeom prst="rect">
+            <a:avLst/>
+          </a:prstGeom>
+        </p:spPr>
+        <p:style>
+          <a:lnRef idx="2">
+            <a:schemeClr val="dk1"/>
+          </a:lnRef>
+          <a:fillRef idx="1">
+            <a:schemeClr val="lt1"/>
+          </a:fillRef>
+          <a:effectRef idx="0">
+            <a:schemeClr val="dk1"/>
+          </a:effectRef>
+          <a:fontRef idx="minor">
+            <a:schemeClr val="dk1"/>
+          </a:fontRef>
+        </p:style>
+        <p:txBody>
+          <a:bodyPr rtlCol="0" anchor="ctr"/>
+          <a:lstStyle/>
+          <a:p>
+            <a:endParaRPr lang="de-DE" dirty="0"/>
+          </a:p>
+        </p:txBody>
+      </p:sp>
+      <p:sp>
+        <p:nvSpPr>
+          <p:cNvPr id="71" name="Rectangle 70">
+            <a:extLst>
+              <a:ext uri="{FF2B5EF4-FFF2-40B4-BE49-F238E27FC236}">
+                <a16:creationId xmlns:a16="http://schemas.microsoft.com/office/drawing/2014/main" id="{A3A77A6A-FB5C-4DEA-8C91-AD1DDFE9F471}"/>
+              </a:ext>
+            </a:extLst>
+          </p:cNvPr>
+          <p:cNvSpPr/>
+          <p:nvPr/>
+        </p:nvSpPr>
+        <p:spPr>
+          <a:xfrm>
+            <a:off x="4503705" y="5326416"/>
+            <a:ext cx="358909" cy="447775"/>
+          </a:xfrm>
+          <a:prstGeom prst="rect">
+            <a:avLst/>
+          </a:prstGeom>
+        </p:spPr>
+        <p:style>
+          <a:lnRef idx="2">
+            <a:schemeClr val="dk1"/>
+          </a:lnRef>
+          <a:fillRef idx="1">
+            <a:schemeClr val="lt1"/>
+          </a:fillRef>
+          <a:effectRef idx="0">
+            <a:schemeClr val="dk1"/>
+          </a:effectRef>
+          <a:fontRef idx="minor">
+            <a:schemeClr val="dk1"/>
+          </a:fontRef>
+        </p:style>
+        <p:txBody>
+          <a:bodyPr rtlCol="0" anchor="ctr"/>
+          <a:lstStyle/>
+          <a:p>
+            <a:endParaRPr lang="de-DE" dirty="0"/>
+          </a:p>
+        </p:txBody>
+      </p:sp>
+      <p:sp>
+        <p:nvSpPr>
+          <p:cNvPr id="72" name="Rectangle 71">
+            <a:extLst>
+              <a:ext uri="{FF2B5EF4-FFF2-40B4-BE49-F238E27FC236}">
+                <a16:creationId xmlns:a16="http://schemas.microsoft.com/office/drawing/2014/main" id="{3B87CE43-96C3-45BD-8677-85174C12BA00}"/>
+              </a:ext>
+            </a:extLst>
+          </p:cNvPr>
+          <p:cNvSpPr/>
+          <p:nvPr/>
+        </p:nvSpPr>
+        <p:spPr>
+          <a:xfrm>
+            <a:off x="3464449" y="5134164"/>
+            <a:ext cx="226780" cy="192252"/>
+          </a:xfrm>
+          <a:prstGeom prst="rect">
+            <a:avLst/>
+          </a:prstGeom>
+          <a:solidFill>
+            <a:schemeClr val="bg1">
+              <a:lumMod val="85000"/>
+            </a:schemeClr>
+          </a:solidFill>
+        </p:spPr>
+        <p:style>
+          <a:lnRef idx="2">
+            <a:schemeClr val="dk1"/>
+          </a:lnRef>
+          <a:fillRef idx="1">
+            <a:schemeClr val="lt1"/>
+          </a:fillRef>
+          <a:effectRef idx="0">
+            <a:schemeClr val="dk1"/>
+          </a:effectRef>
+          <a:fontRef idx="minor">
+            <a:schemeClr val="dk1"/>
+          </a:fontRef>
+        </p:style>
+        <p:txBody>
+          <a:bodyPr rtlCol="0" anchor="ctr"/>
+          <a:lstStyle/>
+          <a:p>
+            <a:endParaRPr lang="de-DE" dirty="0"/>
+          </a:p>
+        </p:txBody>
+      </p:sp>
+      <p:sp>
+        <p:nvSpPr>
+          <p:cNvPr id="73" name="Rectangle 72">
+            <a:extLst>
+              <a:ext uri="{FF2B5EF4-FFF2-40B4-BE49-F238E27FC236}">
+                <a16:creationId xmlns:a16="http://schemas.microsoft.com/office/drawing/2014/main" id="{A1B6A4BB-20FA-44B3-846D-C0E0BE0F7CFF}"/>
+              </a:ext>
+            </a:extLst>
+          </p:cNvPr>
+          <p:cNvSpPr/>
+          <p:nvPr/>
+        </p:nvSpPr>
+        <p:spPr>
+          <a:xfrm>
+            <a:off x="3691228" y="5134164"/>
+            <a:ext cx="406237" cy="192252"/>
+          </a:xfrm>
+          <a:prstGeom prst="rect">
+            <a:avLst/>
+          </a:prstGeom>
+          <a:solidFill>
+            <a:schemeClr val="bg1">
+              <a:lumMod val="85000"/>
+            </a:schemeClr>
+          </a:solidFill>
+        </p:spPr>
+        <p:style>
+          <a:lnRef idx="2">
+            <a:schemeClr val="dk1"/>
+          </a:lnRef>
+          <a:fillRef idx="1">
+            <a:schemeClr val="lt1"/>
+          </a:fillRef>
+          <a:effectRef idx="0">
+            <a:schemeClr val="dk1"/>
+          </a:effectRef>
+          <a:fontRef idx="minor">
+            <a:schemeClr val="dk1"/>
+          </a:fontRef>
+        </p:style>
+        <p:txBody>
+          <a:bodyPr rtlCol="0" anchor="ctr"/>
+          <a:lstStyle/>
+          <a:p>
+            <a:endParaRPr lang="de-DE" dirty="0"/>
+          </a:p>
+        </p:txBody>
+      </p:sp>
+      <p:sp>
+        <p:nvSpPr>
+          <p:cNvPr id="74" name="Rectangle 73">
+            <a:extLst>
+              <a:ext uri="{FF2B5EF4-FFF2-40B4-BE49-F238E27FC236}">
+                <a16:creationId xmlns:a16="http://schemas.microsoft.com/office/drawing/2014/main" id="{67B9E392-8B3C-4A33-B100-379730698A82}"/>
+              </a:ext>
+            </a:extLst>
+          </p:cNvPr>
+          <p:cNvSpPr/>
+          <p:nvPr/>
+        </p:nvSpPr>
+        <p:spPr>
+          <a:xfrm>
+            <a:off x="4097465" y="5134164"/>
+            <a:ext cx="406237" cy="192252"/>
+          </a:xfrm>
+          <a:prstGeom prst="rect">
+            <a:avLst/>
+          </a:prstGeom>
+          <a:solidFill>
+            <a:schemeClr val="bg1">
+              <a:lumMod val="85000"/>
+            </a:schemeClr>
+          </a:solidFill>
+        </p:spPr>
+        <p:style>
+          <a:lnRef idx="2">
+            <a:schemeClr val="dk1"/>
+          </a:lnRef>
+          <a:fillRef idx="1">
+            <a:schemeClr val="lt1"/>
+          </a:fillRef>
+          <a:effectRef idx="0">
+            <a:schemeClr val="dk1"/>
+          </a:effectRef>
+          <a:fontRef idx="minor">
+            <a:schemeClr val="dk1"/>
+          </a:fontRef>
+        </p:style>
+        <p:txBody>
+          <a:bodyPr rtlCol="0" anchor="ctr"/>
+          <a:lstStyle/>
+          <a:p>
+            <a:endParaRPr lang="de-DE" dirty="0"/>
+          </a:p>
+        </p:txBody>
+      </p:sp>
+      <p:sp>
+        <p:nvSpPr>
+          <p:cNvPr id="75" name="Rectangle 74">
+            <a:extLst>
+              <a:ext uri="{FF2B5EF4-FFF2-40B4-BE49-F238E27FC236}">
+                <a16:creationId xmlns:a16="http://schemas.microsoft.com/office/drawing/2014/main" id="{22848659-AF75-4B6E-8C2B-4F18A853B108}"/>
+              </a:ext>
+            </a:extLst>
+          </p:cNvPr>
+          <p:cNvSpPr/>
+          <p:nvPr/>
+        </p:nvSpPr>
+        <p:spPr>
+          <a:xfrm>
+            <a:off x="4503701" y="5134164"/>
+            <a:ext cx="358913" cy="192252"/>
+          </a:xfrm>
+          <a:prstGeom prst="rect">
+            <a:avLst/>
+          </a:prstGeom>
+          <a:solidFill>
+            <a:schemeClr val="bg1">
+              <a:lumMod val="85000"/>
+            </a:schemeClr>
+          </a:solidFill>
+        </p:spPr>
+        <p:style>
+          <a:lnRef idx="2">
+            <a:schemeClr val="dk1"/>
+          </a:lnRef>
+          <a:fillRef idx="1">
+            <a:schemeClr val="lt1"/>
+          </a:fillRef>
+          <a:effectRef idx="0">
+            <a:schemeClr val="dk1"/>
+          </a:effectRef>
+          <a:fontRef idx="minor">
+            <a:schemeClr val="dk1"/>
+          </a:fontRef>
+        </p:style>
+        <p:txBody>
+          <a:bodyPr rtlCol="0" anchor="ctr"/>
+          <a:lstStyle/>
+          <a:p>
+            <a:endParaRPr lang="de-DE" dirty="0"/>
+          </a:p>
+        </p:txBody>
+      </p:sp>
+      <p:cxnSp>
+        <p:nvCxnSpPr>
+          <p:cNvPr id="76" name="Straight Connector 75">
+            <a:extLst>
+              <a:ext uri="{FF2B5EF4-FFF2-40B4-BE49-F238E27FC236}">
+                <a16:creationId xmlns:a16="http://schemas.microsoft.com/office/drawing/2014/main" id="{15341883-AAE1-4E59-A0CF-078B4DA94AB9}"/>
+              </a:ext>
+            </a:extLst>
+          </p:cNvPr>
+          <p:cNvCxnSpPr>
+            <a:cxnSpLocks/>
+            <a:stCxn id="68" idx="1"/>
+            <a:endCxn id="71" idx="3"/>
+          </p:cNvCxnSpPr>
+          <p:nvPr/>
+        </p:nvCxnSpPr>
+        <p:spPr>
+          <a:xfrm>
+            <a:off x="3464449" y="5550304"/>
+            <a:ext cx="1398165" cy="0"/>
+          </a:xfrm>
+          <a:prstGeom prst="line">
+            <a:avLst/>
+          </a:prstGeom>
+        </p:spPr>
+        <p:style>
+          <a:lnRef idx="1">
+            <a:schemeClr val="dk1"/>
+          </a:lnRef>
+          <a:fillRef idx="0">
+            <a:schemeClr val="dk1"/>
+          </a:fillRef>
+          <a:effectRef idx="0">
+            <a:schemeClr val="dk1"/>
+          </a:effectRef>
+          <a:fontRef idx="minor">
+            <a:schemeClr val="tx1"/>
+          </a:fontRef>
+        </p:style>
+      </p:cxnSp>
+      <p:sp>
+        <p:nvSpPr>
+          <p:cNvPr id="9" name="Rectangle 8">
+            <a:extLst>
+              <a:ext uri="{FF2B5EF4-FFF2-40B4-BE49-F238E27FC236}">
+                <a16:creationId xmlns:a16="http://schemas.microsoft.com/office/drawing/2014/main" id="{ADA0289E-2E3A-47E0-86BF-77C87AC724DF}"/>
+              </a:ext>
+            </a:extLst>
+          </p:cNvPr>
+          <p:cNvSpPr/>
+          <p:nvPr/>
+        </p:nvSpPr>
+        <p:spPr>
+          <a:xfrm>
+            <a:off x="3524250" y="5384800"/>
+            <a:ext cx="107950" cy="103981"/>
+          </a:xfrm>
+          <a:prstGeom prst="rect">
+            <a:avLst/>
+          </a:prstGeom>
+          <a:noFill/>
+          <a:ln>
+            <a:solidFill>
+              <a:schemeClr val="tx1"/>
+            </a:solidFill>
+          </a:ln>
+        </p:spPr>
+        <p:style>
+          <a:lnRef idx="2">
+            <a:schemeClr val="accent1">
+              <a:shade val="50000"/>
+            </a:schemeClr>
+          </a:lnRef>
+          <a:fillRef idx="1">
+            <a:schemeClr val="accent1"/>
+          </a:fillRef>
+          <a:effectRef idx="0">
+            <a:schemeClr val="accent1"/>
+          </a:effectRef>
+          <a:fontRef idx="minor">
+            <a:schemeClr val="lt1"/>
+          </a:fontRef>
+        </p:style>
+        <p:txBody>
+          <a:bodyPr rtlCol="0" anchor="ctr"/>
+          <a:lstStyle/>
+          <a:p>
+            <a:pPr algn="ctr"/>
+            <a:endParaRPr lang="de-DE"/>
+          </a:p>
+        </p:txBody>
+      </p:sp>
+      <p:sp>
+        <p:nvSpPr>
+          <p:cNvPr id="80" name="Rectangle 79">
+            <a:extLst>
+              <a:ext uri="{FF2B5EF4-FFF2-40B4-BE49-F238E27FC236}">
+                <a16:creationId xmlns:a16="http://schemas.microsoft.com/office/drawing/2014/main" id="{66B35699-CAB7-43DA-87C8-F18C9F8005D3}"/>
+              </a:ext>
+            </a:extLst>
+          </p:cNvPr>
+          <p:cNvSpPr/>
+          <p:nvPr/>
+        </p:nvSpPr>
+        <p:spPr>
+          <a:xfrm>
+            <a:off x="3524250" y="5607893"/>
+            <a:ext cx="107950" cy="103981"/>
+          </a:xfrm>
+          <a:prstGeom prst="rect">
+            <a:avLst/>
+          </a:prstGeom>
+          <a:noFill/>
+          <a:ln>
+            <a:solidFill>
+              <a:schemeClr val="tx1"/>
+            </a:solidFill>
+          </a:ln>
+        </p:spPr>
+        <p:style>
+          <a:lnRef idx="2">
+            <a:schemeClr val="accent1">
+              <a:shade val="50000"/>
+            </a:schemeClr>
+          </a:lnRef>
+          <a:fillRef idx="1">
+            <a:schemeClr val="accent1"/>
+          </a:fillRef>
+          <a:effectRef idx="0">
+            <a:schemeClr val="accent1"/>
+          </a:effectRef>
+          <a:fontRef idx="minor">
+            <a:schemeClr val="lt1"/>
+          </a:fontRef>
+        </p:style>
+        <p:txBody>
+          <a:bodyPr rtlCol="0" anchor="ctr"/>
+          <a:lstStyle/>
+          <a:p>
+            <a:pPr algn="ctr"/>
+            <a:endParaRPr lang="de-DE"/>
+          </a:p>
+        </p:txBody>
+      </p:sp>
+      <p:sp>
+        <p:nvSpPr>
+          <p:cNvPr id="81" name="Rectangle 80">
+            <a:extLst>
+              <a:ext uri="{FF2B5EF4-FFF2-40B4-BE49-F238E27FC236}">
+                <a16:creationId xmlns:a16="http://schemas.microsoft.com/office/drawing/2014/main" id="{C9A004A1-E89B-4A3C-89BC-996150EF8317}"/>
+              </a:ext>
+            </a:extLst>
+          </p:cNvPr>
+          <p:cNvSpPr/>
+          <p:nvPr/>
+        </p:nvSpPr>
+        <p:spPr>
+          <a:xfrm>
+            <a:off x="5494218" y="1972236"/>
+            <a:ext cx="2029770" cy="1215450"/>
+          </a:xfrm>
+          <a:prstGeom prst="rect">
+            <a:avLst/>
+          </a:prstGeom>
+          <a:solidFill>
+            <a:schemeClr val="bg1"/>
+          </a:solidFill>
+          <a:ln>
+            <a:prstDash val="dash"/>
+          </a:ln>
+        </p:spPr>
+        <p:style>
+          <a:lnRef idx="2">
+            <a:schemeClr val="accent1">
+              <a:shade val="50000"/>
+            </a:schemeClr>
+          </a:lnRef>
+          <a:fillRef idx="1">
+            <a:schemeClr val="accent1"/>
+          </a:fillRef>
+          <a:effectRef idx="0">
+            <a:schemeClr val="accent1"/>
+          </a:effectRef>
+          <a:fontRef idx="minor">
+            <a:schemeClr val="lt1"/>
+          </a:fontRef>
+        </p:style>
+        <p:txBody>
+          <a:bodyPr rtlCol="0" anchor="ctr"/>
+          <a:lstStyle/>
+          <a:p>
+            <a:pPr algn="ctr"/>
+            <a:endParaRPr lang="de-DE"/>
+          </a:p>
+        </p:txBody>
+      </p:sp>
+      <p:sp>
+        <p:nvSpPr>
+          <p:cNvPr id="82" name="Rectangle 81">
+            <a:extLst>
+              <a:ext uri="{FF2B5EF4-FFF2-40B4-BE49-F238E27FC236}">
+                <a16:creationId xmlns:a16="http://schemas.microsoft.com/office/drawing/2014/main" id="{C63684C2-BB79-4F44-A128-652BA87BBADE}"/>
+              </a:ext>
+            </a:extLst>
+          </p:cNvPr>
+          <p:cNvSpPr/>
+          <p:nvPr/>
+        </p:nvSpPr>
+        <p:spPr>
+          <a:xfrm>
+            <a:off x="5673674" y="2125858"/>
+            <a:ext cx="1670858" cy="249382"/>
+          </a:xfrm>
+          <a:prstGeom prst="rect">
+            <a:avLst/>
+          </a:prstGeom>
+        </p:spPr>
+        <p:style>
+          <a:lnRef idx="2">
+            <a:schemeClr val="dk1"/>
+          </a:lnRef>
+          <a:fillRef idx="1">
+            <a:schemeClr val="lt1"/>
+          </a:fillRef>
+          <a:effectRef idx="0">
+            <a:schemeClr val="dk1"/>
+          </a:effectRef>
+          <a:fontRef idx="minor">
+            <a:schemeClr val="dk1"/>
+          </a:fontRef>
+        </p:style>
+        <p:txBody>
+          <a:bodyPr rtlCol="0" anchor="ctr"/>
+          <a:lstStyle/>
+          <a:p>
+            <a:endParaRPr lang="de-DE" dirty="0"/>
+          </a:p>
+        </p:txBody>
+      </p:sp>
+      <p:sp>
+        <p:nvSpPr>
+          <p:cNvPr id="83" name="Isosceles Triangle 82">
+            <a:extLst>
+              <a:ext uri="{FF2B5EF4-FFF2-40B4-BE49-F238E27FC236}">
+                <a16:creationId xmlns:a16="http://schemas.microsoft.com/office/drawing/2014/main" id="{A8608FB0-1FBE-4A1F-8CE1-73B00FF6DD4C}"/>
+              </a:ext>
+            </a:extLst>
+          </p:cNvPr>
+          <p:cNvSpPr/>
+          <p:nvPr/>
+        </p:nvSpPr>
+        <p:spPr>
+          <a:xfrm flipV="1">
+            <a:off x="7077220" y="2188203"/>
+            <a:ext cx="180055" cy="124691"/>
+          </a:xfrm>
+          <a:prstGeom prst="triangle">
+            <a:avLst/>
+          </a:prstGeom>
+          <a:solidFill>
+            <a:schemeClr val="bg1">
+              <a:lumMod val="85000"/>
+            </a:schemeClr>
+          </a:solidFill>
+        </p:spPr>
+        <p:style>
+          <a:lnRef idx="2">
+            <a:schemeClr val="dk1"/>
+          </a:lnRef>
+          <a:fillRef idx="1">
+            <a:schemeClr val="lt1"/>
+          </a:fillRef>
+          <a:effectRef idx="0">
+            <a:schemeClr val="dk1"/>
+          </a:effectRef>
+          <a:fontRef idx="minor">
+            <a:schemeClr val="dk1"/>
+          </a:fontRef>
+        </p:style>
+        <p:txBody>
+          <a:bodyPr rtlCol="0" anchor="ctr"/>
+          <a:lstStyle/>
+          <a:p>
+            <a:pPr algn="ctr"/>
+            <a:endParaRPr lang="de-DE"/>
+          </a:p>
+        </p:txBody>
+      </p:sp>
+      <p:sp>
+        <p:nvSpPr>
+          <p:cNvPr id="84" name="Rectangle 83">
+            <a:extLst>
+              <a:ext uri="{FF2B5EF4-FFF2-40B4-BE49-F238E27FC236}">
+                <a16:creationId xmlns:a16="http://schemas.microsoft.com/office/drawing/2014/main" id="{9D78B0F0-4343-4262-BA21-A887372B5105}"/>
+              </a:ext>
+            </a:extLst>
+          </p:cNvPr>
+          <p:cNvSpPr/>
+          <p:nvPr/>
+        </p:nvSpPr>
+        <p:spPr>
+          <a:xfrm>
+            <a:off x="5673674" y="2396020"/>
+            <a:ext cx="1670858" cy="640027"/>
+          </a:xfrm>
+          <a:prstGeom prst="rect">
+            <a:avLst/>
+          </a:prstGeom>
+        </p:spPr>
+        <p:style>
+          <a:lnRef idx="2">
+            <a:schemeClr val="dk1"/>
+          </a:lnRef>
+          <a:fillRef idx="1">
+            <a:schemeClr val="lt1"/>
+          </a:fillRef>
+          <a:effectRef idx="0">
+            <a:schemeClr val="dk1"/>
+          </a:effectRef>
+          <a:fontRef idx="minor">
+            <a:schemeClr val="dk1"/>
+          </a:fontRef>
+        </p:style>
+        <p:txBody>
+          <a:bodyPr rtlCol="0" anchor="ctr"/>
+          <a:lstStyle/>
+          <a:p>
+            <a:r>
+              <a:rPr lang="de-DE" dirty="0"/>
+              <a:t>…</a:t>
+            </a:r>
+          </a:p>
+          <a:p>
+            <a:r>
+              <a:rPr lang="de-DE" dirty="0"/>
+              <a:t>…</a:t>
+            </a:r>
+          </a:p>
+        </p:txBody>
+      </p:sp>
+      <p:sp>
+        <p:nvSpPr>
+          <p:cNvPr id="85" name="Rectangle 84">
+            <a:extLst>
+              <a:ext uri="{FF2B5EF4-FFF2-40B4-BE49-F238E27FC236}">
+                <a16:creationId xmlns:a16="http://schemas.microsoft.com/office/drawing/2014/main" id="{B112364C-9C72-406F-8A01-492791763AFE}"/>
+              </a:ext>
+            </a:extLst>
+          </p:cNvPr>
+          <p:cNvSpPr/>
+          <p:nvPr/>
+        </p:nvSpPr>
+        <p:spPr>
+          <a:xfrm>
+            <a:off x="7956550" y="2497411"/>
+            <a:ext cx="107950" cy="103981"/>
+          </a:xfrm>
+          <a:prstGeom prst="rect">
+            <a:avLst/>
+          </a:prstGeom>
+          <a:noFill/>
+          <a:ln>
+            <a:solidFill>
+              <a:schemeClr val="tx1"/>
+            </a:solidFill>
+          </a:ln>
+        </p:spPr>
+        <p:style>
+          <a:lnRef idx="2">
+            <a:schemeClr val="accent1">
+              <a:shade val="50000"/>
+            </a:schemeClr>
+          </a:lnRef>
+          <a:fillRef idx="1">
+            <a:schemeClr val="accent1"/>
+          </a:fillRef>
+          <a:effectRef idx="0">
+            <a:schemeClr val="accent1"/>
+          </a:effectRef>
+          <a:fontRef idx="minor">
+            <a:schemeClr val="lt1"/>
+          </a:fontRef>
+        </p:style>
+        <p:txBody>
+          <a:bodyPr rtlCol="0" anchor="ctr"/>
+          <a:lstStyle/>
+          <a:p>
+            <a:pPr algn="ctr"/>
+            <a:endParaRPr lang="de-DE"/>
+          </a:p>
+        </p:txBody>
+      </p:sp>
+      <p:sp>
+        <p:nvSpPr>
+          <p:cNvPr id="86" name="Rectangle 85">
+            <a:extLst>
+              <a:ext uri="{FF2B5EF4-FFF2-40B4-BE49-F238E27FC236}">
+                <a16:creationId xmlns:a16="http://schemas.microsoft.com/office/drawing/2014/main" id="{94C3805D-6812-4F54-8FD7-DF73ADADEDC3}"/>
+              </a:ext>
+            </a:extLst>
+          </p:cNvPr>
+          <p:cNvSpPr/>
+          <p:nvPr/>
+        </p:nvSpPr>
+        <p:spPr>
+          <a:xfrm>
+            <a:off x="7956550" y="2787640"/>
+            <a:ext cx="107950" cy="103981"/>
+          </a:xfrm>
+          <a:prstGeom prst="rect">
+            <a:avLst/>
+          </a:prstGeom>
+          <a:noFill/>
+          <a:ln>
+            <a:solidFill>
+              <a:schemeClr val="tx1"/>
+            </a:solidFill>
+          </a:ln>
+        </p:spPr>
+        <p:style>
+          <a:lnRef idx="2">
+            <a:schemeClr val="accent1">
+              <a:shade val="50000"/>
+            </a:schemeClr>
+          </a:lnRef>
+          <a:fillRef idx="1">
+            <a:schemeClr val="accent1"/>
+          </a:fillRef>
+          <a:effectRef idx="0">
+            <a:schemeClr val="accent1"/>
+          </a:effectRef>
+          <a:fontRef idx="minor">
+            <a:schemeClr val="lt1"/>
+          </a:fontRef>
+        </p:style>
+        <p:txBody>
+          <a:bodyPr rtlCol="0" anchor="ctr"/>
+          <a:lstStyle/>
+          <a:p>
+            <a:pPr algn="ctr"/>
+            <a:endParaRPr lang="de-DE"/>
+          </a:p>
+        </p:txBody>
+      </p:sp>
     </p:spTree>
     <p:extLst>
       <p:ext uri="{BB962C8B-B14F-4D97-AF65-F5344CB8AC3E}">
@@ -19564,13 +20368,6 @@
   <p:clrMapOvr>
     <a:masterClrMapping/>
   </p:clrMapOvr>
-  <p:timing>
-    <p:tnLst>
-      <p:par>
-        <p:cTn id="1" dur="indefinite" restart="never" nodeType="tmRoot"/>
-      </p:par>
-    </p:tnLst>
-  </p:timing>
 </p:sld>
 </file>
 
@@ -19678,18 +20475,13 @@
           <a:p>
             <a:pPr algn="ctr"/>
             <a:r>
-              <a:rPr lang="de-DE" sz="1400" dirty="0" smtClean="0">
+              <a:rPr lang="de-DE" sz="1400" dirty="0">
                 <a:solidFill>
                   <a:schemeClr val="bg1"/>
                 </a:solidFill>
               </a:rPr>
               <a:t>10</a:t>
             </a:r>
-            <a:endParaRPr lang="de-DE" sz="1400" dirty="0">
-              <a:solidFill>
-                <a:schemeClr val="bg1"/>
-              </a:solidFill>
-            </a:endParaRPr>
           </a:p>
         </p:txBody>
       </p:sp>
@@ -19739,21 +20531,8 @@
                   <a:schemeClr val="bg1"/>
                 </a:solidFill>
               </a:rPr>
-              <a:t>2</a:t>
+              <a:t>20</a:t>
             </a:r>
-            <a:r>
-              <a:rPr lang="de-DE" sz="1400" dirty="0" smtClean="0">
-                <a:solidFill>
-                  <a:schemeClr val="bg1"/>
-                </a:solidFill>
-              </a:rPr>
-              <a:t>0</a:t>
-            </a:r>
-            <a:endParaRPr lang="de-DE" sz="1400" dirty="0">
-              <a:solidFill>
-                <a:schemeClr val="bg1"/>
-              </a:solidFill>
-            </a:endParaRPr>
           </a:p>
         </p:txBody>
       </p:sp>
@@ -19798,18 +20577,13 @@
           <a:p>
             <a:pPr algn="ctr"/>
             <a:r>
-              <a:rPr lang="de-DE" sz="1400" dirty="0" smtClean="0">
+              <a:rPr lang="de-DE" sz="1400" dirty="0">
                 <a:solidFill>
                   <a:schemeClr val="bg1"/>
                 </a:solidFill>
               </a:rPr>
               <a:t>100</a:t>
             </a:r>
-            <a:endParaRPr lang="de-DE" sz="1400" dirty="0">
-              <a:solidFill>
-                <a:schemeClr val="bg1"/>
-              </a:solidFill>
-            </a:endParaRPr>
           </a:p>
         </p:txBody>
       </p:sp>
@@ -19900,18 +20674,13 @@
           <a:p>
             <a:pPr algn="ctr"/>
             <a:r>
-              <a:rPr lang="de-DE" sz="1400" dirty="0" smtClean="0">
+              <a:rPr lang="de-DE" sz="1400" dirty="0">
                 <a:solidFill>
                   <a:schemeClr val="bg1"/>
                 </a:solidFill>
               </a:rPr>
               <a:t>Error</a:t>
             </a:r>
-            <a:endParaRPr lang="de-DE" sz="1400" dirty="0">
-              <a:solidFill>
-                <a:schemeClr val="bg1"/>
-              </a:solidFill>
-            </a:endParaRPr>
           </a:p>
         </p:txBody>
       </p:sp>
@@ -19956,7 +20725,7 @@
           <a:p>
             <a:pPr algn="ctr"/>
             <a:r>
-              <a:rPr lang="de-DE" sz="1400" dirty="0" err="1" smtClean="0">
+              <a:rPr lang="de-DE" sz="1400" dirty="0" err="1">
                 <a:solidFill>
                   <a:schemeClr val="bg1"/>
                 </a:solidFill>
@@ -20012,7 +20781,7 @@
           <a:p>
             <a:pPr algn="ctr"/>
             <a:r>
-              <a:rPr lang="de-DE" sz="1400" dirty="0" err="1" smtClean="0">
+              <a:rPr lang="de-DE" sz="1400" dirty="0" err="1">
                 <a:solidFill>
                   <a:schemeClr val="bg1"/>
                 </a:solidFill>
@@ -20304,18 +21073,13 @@
           <a:p>
             <a:pPr algn="ctr"/>
             <a:r>
-              <a:rPr lang="de-DE" sz="1400" dirty="0" smtClean="0">
+              <a:rPr lang="de-DE" sz="1400" dirty="0">
                 <a:solidFill>
                   <a:srgbClr val="FF0000"/>
                 </a:solidFill>
               </a:rPr>
               <a:t>Error</a:t>
             </a:r>
-            <a:endParaRPr lang="de-DE" sz="1400" dirty="0">
-              <a:solidFill>
-                <a:srgbClr val="FF0000"/>
-              </a:solidFill>
-            </a:endParaRPr>
           </a:p>
         </p:txBody>
       </p:sp>
@@ -20360,7 +21124,7 @@
           <a:p>
             <a:pPr algn="ctr"/>
             <a:r>
-              <a:rPr lang="de-DE" sz="1400" dirty="0" err="1" smtClean="0">
+              <a:rPr lang="de-DE" sz="1400" dirty="0" err="1">
                 <a:solidFill>
                   <a:srgbClr val="FFC000"/>
                 </a:solidFill>
@@ -20416,7 +21180,7 @@
           <a:p>
             <a:pPr algn="ctr"/>
             <a:r>
-              <a:rPr lang="de-DE" sz="1400" dirty="0" err="1" smtClean="0">
+              <a:rPr lang="de-DE" sz="1400" dirty="0" err="1">
                 <a:solidFill>
                   <a:srgbClr val="00B050"/>
                 </a:solidFill>
@@ -20554,18 +21318,13 @@
           <a:lstStyle/>
           <a:p>
             <a:r>
-              <a:rPr lang="de-DE" sz="1400" dirty="0" smtClean="0">
+              <a:rPr lang="de-DE" sz="1400" dirty="0">
                 <a:solidFill>
                   <a:schemeClr val="bg1"/>
                 </a:solidFill>
               </a:rPr>
               <a:t>70</a:t>
             </a:r>
-            <a:endParaRPr lang="de-DE" sz="1400" dirty="0">
-              <a:solidFill>
-                <a:schemeClr val="bg1"/>
-              </a:solidFill>
-            </a:endParaRPr>
           </a:p>
         </p:txBody>
       </p:sp>
@@ -20692,18 +21451,13 @@
           <a:lstStyle/>
           <a:p>
             <a:r>
-              <a:rPr lang="de-DE" sz="1400" dirty="0" smtClean="0">
+              <a:rPr lang="de-DE" sz="1400" dirty="0">
                 <a:solidFill>
                   <a:schemeClr val="bg1"/>
                 </a:solidFill>
               </a:rPr>
               <a:t>70</a:t>
             </a:r>
-            <a:endParaRPr lang="de-DE" sz="1400" dirty="0">
-              <a:solidFill>
-                <a:schemeClr val="bg1"/>
-              </a:solidFill>
-            </a:endParaRPr>
           </a:p>
         </p:txBody>
       </p:sp>
@@ -20830,18 +21584,13 @@
           <a:lstStyle/>
           <a:p>
             <a:r>
-              <a:rPr lang="de-DE" sz="1400" dirty="0" smtClean="0">
+              <a:rPr lang="de-DE" sz="1400" dirty="0">
                 <a:solidFill>
                   <a:schemeClr val="bg1"/>
                 </a:solidFill>
               </a:rPr>
               <a:t>70</a:t>
             </a:r>
-            <a:endParaRPr lang="de-DE" sz="1400" dirty="0">
-              <a:solidFill>
-                <a:schemeClr val="bg1"/>
-              </a:solidFill>
-            </a:endParaRPr>
           </a:p>
         </p:txBody>
       </p:sp>
@@ -21030,13 +21779,6 @@
   <p:clrMapOvr>
     <a:masterClrMapping/>
   </p:clrMapOvr>
-  <p:timing>
-    <p:tnLst>
-      <p:par>
-        <p:cTn id="1" dur="indefinite" restart="never" nodeType="tmRoot"/>
-      </p:par>
-    </p:tnLst>
-  </p:timing>
 </p:sld>
 </file>
 
@@ -21989,10 +22731,9 @@
           <a:lstStyle/>
           <a:p>
             <a:r>
-              <a:rPr lang="de-DE" sz="800" dirty="0" smtClean="0"/>
+              <a:rPr lang="de-DE" sz="800" dirty="0"/>
               <a:t>&lt; 1 &gt;</a:t>
             </a:r>
-            <a:endParaRPr lang="de-DE" sz="800" dirty="0"/>
           </a:p>
         </p:txBody>
       </p:sp>
@@ -22490,10 +23231,9 @@
           <a:lstStyle/>
           <a:p>
             <a:r>
-              <a:rPr lang="de-DE" sz="800" dirty="0" smtClean="0"/>
+              <a:rPr lang="de-DE" sz="800" dirty="0"/>
               <a:t>&lt; 1 &gt;</a:t>
             </a:r>
-            <a:endParaRPr lang="de-DE" sz="800" dirty="0"/>
           </a:p>
         </p:txBody>
       </p:sp>
@@ -23917,10 +24657,9 @@
           <a:lstStyle/>
           <a:p>
             <a:r>
-              <a:rPr lang="de-DE" sz="800" dirty="0" smtClean="0"/>
+              <a:rPr lang="de-DE" sz="800" dirty="0"/>
               <a:t>&lt; 1 &gt;</a:t>
             </a:r>
-            <a:endParaRPr lang="de-DE" sz="800" dirty="0"/>
           </a:p>
         </p:txBody>
       </p:sp>
@@ -24265,10 +25004,9 @@
           <a:lstStyle/>
           <a:p>
             <a:r>
-              <a:rPr lang="de-DE" sz="800" dirty="0" smtClean="0"/>
+              <a:rPr lang="de-DE" sz="800" dirty="0"/>
               <a:t>&lt; 1 &gt;</a:t>
             </a:r>
-            <a:endParaRPr lang="de-DE" sz="800" dirty="0"/>
           </a:p>
         </p:txBody>
       </p:sp>
@@ -26066,10 +26804,9 @@
           <a:lstStyle/>
           <a:p>
             <a:r>
-              <a:rPr lang="de-DE" sz="800" dirty="0" smtClean="0"/>
+              <a:rPr lang="de-DE" sz="800" dirty="0"/>
               <a:t>&lt; 1 &gt;</a:t>
             </a:r>
-            <a:endParaRPr lang="de-DE" sz="800" dirty="0"/>
           </a:p>
         </p:txBody>
       </p:sp>
@@ -26155,7 +26892,7 @@
           <a:lstStyle/>
           <a:p>
             <a:r>
-              <a:rPr lang="de-DE" sz="1000" dirty="0" smtClean="0">
+              <a:rPr lang="de-DE" sz="1000" dirty="0">
                 <a:solidFill>
                   <a:schemeClr val="bg1">
                     <a:lumMod val="50000"/>
@@ -26165,14 +26902,6 @@
               </a:rPr>
               <a:t></a:t>
             </a:r>
-            <a:endParaRPr lang="de-DE" sz="1000" dirty="0">
-              <a:solidFill>
-                <a:schemeClr val="bg1">
-                  <a:lumMod val="50000"/>
-                </a:schemeClr>
-              </a:solidFill>
-              <a:latin typeface="Font Awesome 5 Free Solid" panose="02000503000000000000" pitchFamily="50" charset="0"/>
-            </a:endParaRPr>
           </a:p>
         </p:txBody>
       </p:sp>
@@ -26739,10 +27468,9 @@
           <a:lstStyle/>
           <a:p>
             <a:r>
-              <a:rPr lang="de-DE" sz="800" dirty="0" smtClean="0"/>
+              <a:rPr lang="de-DE" sz="800" dirty="0"/>
               <a:t>&lt; 1 &gt;                                                               </a:t>
             </a:r>
-            <a:endParaRPr lang="de-DE" sz="800" dirty="0"/>
           </a:p>
         </p:txBody>
       </p:sp>
@@ -28065,10 +28793,9 @@
           <a:lstStyle/>
           <a:p>
             <a:r>
-              <a:rPr lang="de-DE" sz="800" dirty="0" smtClean="0"/>
+              <a:rPr lang="de-DE" sz="800" dirty="0"/>
               <a:t>&lt; 1 &gt;                                                               ?</a:t>
             </a:r>
-            <a:endParaRPr lang="de-DE" sz="800" dirty="0"/>
           </a:p>
         </p:txBody>
       </p:sp>
@@ -28739,10 +29466,9 @@
           <a:p>
             <a:pPr algn="r"/>
             <a:r>
-              <a:rPr lang="de-DE" sz="900" dirty="0" smtClean="0"/>
+              <a:rPr lang="de-DE" sz="900" dirty="0"/>
               <a:t> </a:t>
             </a:r>
-            <a:endParaRPr lang="de-DE" sz="900" dirty="0"/>
           </a:p>
         </p:txBody>
       </p:sp>
@@ -29379,10 +30105,9 @@
           <a:lstStyle/>
           <a:p>
             <a:r>
-              <a:rPr lang="de-DE" sz="800" dirty="0" smtClean="0"/>
+              <a:rPr lang="de-DE" sz="800" dirty="0"/>
               <a:t>&lt; 1 &gt;                                                               </a:t>
             </a:r>
-            <a:endParaRPr lang="de-DE" sz="800" dirty="0"/>
           </a:p>
         </p:txBody>
       </p:sp>
@@ -30053,10 +30778,9 @@
           <a:p>
             <a:pPr algn="r"/>
             <a:r>
-              <a:rPr lang="de-DE" sz="900" dirty="0" smtClean="0"/>
+              <a:rPr lang="de-DE" sz="900" dirty="0"/>
               <a:t> </a:t>
             </a:r>
-            <a:endParaRPr lang="de-DE" sz="900" dirty="0"/>
           </a:p>
         </p:txBody>
       </p:sp>
@@ -30368,10 +31092,9 @@
           <a:lstStyle/>
           <a:p>
             <a:r>
-              <a:rPr lang="de-DE" sz="1000" b="1" dirty="0" smtClean="0"/>
+              <a:rPr lang="de-DE" sz="1000" b="1" dirty="0"/>
               <a:t>-</a:t>
             </a:r>
-            <a:endParaRPr lang="de-DE" sz="1000" b="1" dirty="0"/>
           </a:p>
         </p:txBody>
       </p:sp>
@@ -30689,10 +31412,9 @@
           <a:lstStyle/>
           <a:p>
             <a:r>
-              <a:rPr lang="de-DE" sz="1000" b="1" dirty="0" smtClean="0"/>
+              <a:rPr lang="de-DE" sz="1000" b="1" dirty="0"/>
               <a:t>   -</a:t>
             </a:r>
-            <a:endParaRPr lang="de-DE" sz="1000" b="1" dirty="0"/>
           </a:p>
         </p:txBody>
       </p:sp>
@@ -30842,10 +31564,9 @@
           <a:lstStyle/>
           <a:p>
             <a:r>
-              <a:rPr lang="de-DE" sz="1000" b="1" dirty="0" smtClean="0"/>
+              <a:rPr lang="de-DE" sz="1000" b="1" dirty="0"/>
               <a:t>      -</a:t>
             </a:r>
-            <a:endParaRPr lang="de-DE" sz="1000" b="1" dirty="0"/>
           </a:p>
         </p:txBody>
       </p:sp>
@@ -31148,92 +31869,86 @@
           <a:p>
             <a:r>
               <a:rPr lang="de-DE" sz="1000" b="1" dirty="0"/>
+              <a:t>   -</a:t>
+            </a:r>
+          </a:p>
+        </p:txBody>
+      </p:sp>
+      <p:sp>
+        <p:nvSpPr>
+          <p:cNvPr id="678" name="Rectangle 677"/>
+          <p:cNvSpPr/>
+          <p:nvPr/>
+        </p:nvSpPr>
+        <p:spPr>
+          <a:xfrm>
+            <a:off x="3362026" y="5915182"/>
+            <a:ext cx="406237" cy="122333"/>
+          </a:xfrm>
+          <a:prstGeom prst="rect">
+            <a:avLst/>
+          </a:prstGeom>
+        </p:spPr>
+        <p:style>
+          <a:lnRef idx="2">
+            <a:schemeClr val="dk1"/>
+          </a:lnRef>
+          <a:fillRef idx="1">
+            <a:schemeClr val="lt1"/>
+          </a:fillRef>
+          <a:effectRef idx="0">
+            <a:schemeClr val="dk1"/>
+          </a:effectRef>
+          <a:fontRef idx="minor">
+            <a:schemeClr val="dk1"/>
+          </a:fontRef>
+        </p:style>
+        <p:txBody>
+          <a:bodyPr rtlCol="0" anchor="ctr"/>
+          <a:lstStyle/>
+          <a:p>
+            <a:endParaRPr lang="de-DE" dirty="0"/>
+          </a:p>
+        </p:txBody>
+      </p:sp>
+      <p:sp>
+        <p:nvSpPr>
+          <p:cNvPr id="679" name="Rectangle 678"/>
+          <p:cNvSpPr/>
+          <p:nvPr/>
+        </p:nvSpPr>
+        <p:spPr>
+          <a:xfrm>
+            <a:off x="3768263" y="5915182"/>
+            <a:ext cx="406237" cy="122333"/>
+          </a:xfrm>
+          <a:prstGeom prst="rect">
+            <a:avLst/>
+          </a:prstGeom>
+        </p:spPr>
+        <p:style>
+          <a:lnRef idx="2">
+            <a:schemeClr val="dk1"/>
+          </a:lnRef>
+          <a:fillRef idx="1">
+            <a:schemeClr val="lt1"/>
+          </a:fillRef>
+          <a:effectRef idx="0">
+            <a:schemeClr val="dk1"/>
+          </a:effectRef>
+          <a:fontRef idx="minor">
+            <a:schemeClr val="dk1"/>
+          </a:fontRef>
+        </p:style>
+        <p:txBody>
+          <a:bodyPr rtlCol="0" anchor="ctr"/>
+          <a:lstStyle/>
+          <a:p>
+            <a:pPr algn="r"/>
+            <a:r>
+              <a:rPr lang="de-DE" sz="900" dirty="0"/>
               <a:t> </a:t>
             </a:r>
-            <a:r>
-              <a:rPr lang="de-DE" sz="1000" b="1" dirty="0" smtClean="0"/>
-              <a:t>  -</a:t>
-            </a:r>
-            <a:endParaRPr lang="de-DE" sz="1000" b="1" dirty="0"/>
-          </a:p>
-        </p:txBody>
-      </p:sp>
-      <p:sp>
-        <p:nvSpPr>
-          <p:cNvPr id="678" name="Rectangle 677"/>
-          <p:cNvSpPr/>
-          <p:nvPr/>
-        </p:nvSpPr>
-        <p:spPr>
-          <a:xfrm>
-            <a:off x="3362026" y="5915182"/>
-            <a:ext cx="406237" cy="122333"/>
-          </a:xfrm>
-          <a:prstGeom prst="rect">
-            <a:avLst/>
-          </a:prstGeom>
-        </p:spPr>
-        <p:style>
-          <a:lnRef idx="2">
-            <a:schemeClr val="dk1"/>
-          </a:lnRef>
-          <a:fillRef idx="1">
-            <a:schemeClr val="lt1"/>
-          </a:fillRef>
-          <a:effectRef idx="0">
-            <a:schemeClr val="dk1"/>
-          </a:effectRef>
-          <a:fontRef idx="minor">
-            <a:schemeClr val="dk1"/>
-          </a:fontRef>
-        </p:style>
-        <p:txBody>
-          <a:bodyPr rtlCol="0" anchor="ctr"/>
-          <a:lstStyle/>
-          <a:p>
-            <a:endParaRPr lang="de-DE" dirty="0"/>
-          </a:p>
-        </p:txBody>
-      </p:sp>
-      <p:sp>
-        <p:nvSpPr>
-          <p:cNvPr id="679" name="Rectangle 678"/>
-          <p:cNvSpPr/>
-          <p:nvPr/>
-        </p:nvSpPr>
-        <p:spPr>
-          <a:xfrm>
-            <a:off x="3768263" y="5915182"/>
-            <a:ext cx="406237" cy="122333"/>
-          </a:xfrm>
-          <a:prstGeom prst="rect">
-            <a:avLst/>
-          </a:prstGeom>
-        </p:spPr>
-        <p:style>
-          <a:lnRef idx="2">
-            <a:schemeClr val="dk1"/>
-          </a:lnRef>
-          <a:fillRef idx="1">
-            <a:schemeClr val="lt1"/>
-          </a:fillRef>
-          <a:effectRef idx="0">
-            <a:schemeClr val="dk1"/>
-          </a:effectRef>
-          <a:fontRef idx="minor">
-            <a:schemeClr val="dk1"/>
-          </a:fontRef>
-        </p:style>
-        <p:txBody>
-          <a:bodyPr rtlCol="0" anchor="ctr"/>
-          <a:lstStyle/>
-          <a:p>
-            <a:pPr algn="r"/>
-            <a:r>
-              <a:rPr lang="de-DE" sz="900" dirty="0" smtClean="0"/>
-              <a:t> </a:t>
-            </a:r>
-            <a:endParaRPr lang="de-DE" sz="900" dirty="0"/>
           </a:p>
         </p:txBody>
       </p:sp>
@@ -31386,10 +32101,9 @@
           <a:p>
             <a:pPr algn="r"/>
             <a:r>
-              <a:rPr lang="de-DE" sz="900" dirty="0" smtClean="0"/>
+              <a:rPr lang="de-DE" sz="900" dirty="0"/>
               <a:t> </a:t>
             </a:r>
-            <a:endParaRPr lang="de-DE" sz="900" dirty="0"/>
           </a:p>
         </p:txBody>
       </p:sp>
@@ -31588,10 +32302,9 @@
           <a:lstStyle/>
           <a:p>
             <a:r>
-              <a:rPr lang="de-DE" sz="1000" b="1" dirty="0" smtClean="0"/>
+              <a:rPr lang="de-DE" sz="1000" b="1" dirty="0"/>
               <a:t>-</a:t>
             </a:r>
-            <a:endParaRPr lang="de-DE" sz="1000" b="1" dirty="0"/>
           </a:p>
         </p:txBody>
       </p:sp>
@@ -31909,10 +32622,9 @@
           <a:lstStyle/>
           <a:p>
             <a:r>
-              <a:rPr lang="de-DE" sz="1000" b="1" dirty="0" smtClean="0"/>
+              <a:rPr lang="de-DE" sz="1000" b="1" dirty="0"/>
               <a:t>   -</a:t>
             </a:r>
-            <a:endParaRPr lang="de-DE" sz="1000" b="1" dirty="0"/>
           </a:p>
         </p:txBody>
       </p:sp>
@@ -32062,10 +32774,9 @@
           <a:lstStyle/>
           <a:p>
             <a:r>
-              <a:rPr lang="de-DE" sz="1000" b="1" dirty="0" smtClean="0"/>
+              <a:rPr lang="de-DE" sz="1000" b="1" dirty="0"/>
               <a:t>      -</a:t>
             </a:r>
-            <a:endParaRPr lang="de-DE" sz="1000" b="1" dirty="0"/>
           </a:p>
         </p:txBody>
       </p:sp>
@@ -32215,10 +32926,9 @@
           <a:lstStyle/>
           <a:p>
             <a:r>
-              <a:rPr lang="de-DE" sz="1000" b="1" dirty="0" smtClean="0"/>
+              <a:rPr lang="de-DE" sz="1000" b="1" dirty="0"/>
               <a:t>  +</a:t>
             </a:r>
-            <a:endParaRPr lang="de-DE" sz="1000" b="1" dirty="0"/>
           </a:p>
         </p:txBody>
       </p:sp>
@@ -32368,10 +33078,9 @@
           <a:lstStyle/>
           <a:p>
             <a:r>
-              <a:rPr lang="de-DE" sz="1000" b="1" dirty="0" smtClean="0"/>
+              <a:rPr lang="de-DE" sz="1000" b="1" dirty="0"/>
               <a:t>+</a:t>
             </a:r>
-            <a:endParaRPr lang="de-DE" sz="1000" b="1" dirty="0"/>
           </a:p>
         </p:txBody>
       </p:sp>
@@ -32447,10 +33156,9 @@
           <a:p>
             <a:pPr algn="r"/>
             <a:r>
-              <a:rPr lang="de-DE" sz="900" dirty="0" smtClean="0"/>
+              <a:rPr lang="de-DE" sz="900" dirty="0"/>
               <a:t> </a:t>
             </a:r>
-            <a:endParaRPr lang="de-DE" sz="900" dirty="0"/>
           </a:p>
         </p:txBody>
       </p:sp>
@@ -32525,10 +33233,9 @@
           <a:lstStyle/>
           <a:p>
             <a:r>
-              <a:rPr lang="de-DE" sz="1000" b="1" dirty="0" smtClean="0"/>
+              <a:rPr lang="de-DE" sz="1000" b="1" dirty="0"/>
               <a:t>+</a:t>
             </a:r>
-            <a:endParaRPr lang="de-DE" sz="1000" b="1" dirty="0"/>
           </a:p>
         </p:txBody>
       </p:sp>
@@ -32604,10 +33311,9 @@
           <a:p>
             <a:pPr algn="r"/>
             <a:r>
-              <a:rPr lang="de-DE" sz="900" dirty="0" smtClean="0"/>
+              <a:rPr lang="de-DE" sz="900" dirty="0"/>
               <a:t> </a:t>
             </a:r>
-            <a:endParaRPr lang="de-DE" sz="900" dirty="0"/>
           </a:p>
         </p:txBody>
       </p:sp>
@@ -33063,10 +33769,9 @@
           <a:lstStyle/>
           <a:p>
             <a:r>
-              <a:rPr lang="de-DE" sz="800" dirty="0" smtClean="0"/>
+              <a:rPr lang="de-DE" sz="800" dirty="0"/>
               <a:t>&lt; 1 &gt;                                                             </a:t>
             </a:r>
-            <a:endParaRPr lang="de-DE" sz="800" dirty="0"/>
           </a:p>
         </p:txBody>
       </p:sp>
@@ -33737,10 +34442,9 @@
           <a:p>
             <a:pPr algn="r"/>
             <a:r>
-              <a:rPr lang="de-DE" sz="900" dirty="0" smtClean="0"/>
+              <a:rPr lang="de-DE" sz="900" dirty="0"/>
               <a:t> </a:t>
             </a:r>
-            <a:endParaRPr lang="de-DE" sz="900" dirty="0"/>
           </a:p>
         </p:txBody>
       </p:sp>
@@ -34377,10 +35081,9 @@
           <a:lstStyle/>
           <a:p>
             <a:r>
-              <a:rPr lang="de-DE" sz="800" dirty="0" smtClean="0"/>
+              <a:rPr lang="de-DE" sz="800" dirty="0"/>
               <a:t>&lt; 1 &gt;                                                               </a:t>
             </a:r>
-            <a:endParaRPr lang="de-DE" sz="800" dirty="0"/>
           </a:p>
         </p:txBody>
       </p:sp>
@@ -35051,10 +35754,9 @@
           <a:p>
             <a:pPr algn="r"/>
             <a:r>
-              <a:rPr lang="de-DE" sz="900" dirty="0" smtClean="0"/>
+              <a:rPr lang="de-DE" sz="900" dirty="0"/>
               <a:t> </a:t>
             </a:r>
-            <a:endParaRPr lang="de-DE" sz="900" dirty="0"/>
           </a:p>
         </p:txBody>
       </p:sp>
@@ -35820,10 +36522,9 @@
           <a:lstStyle/>
           <a:p>
             <a:r>
-              <a:rPr lang="de-DE" sz="800" dirty="0" smtClean="0"/>
+              <a:rPr lang="de-DE" sz="800" dirty="0"/>
               <a:t>&lt; 1 &gt;                                                               </a:t>
             </a:r>
-            <a:endParaRPr lang="de-DE" sz="800" dirty="0"/>
           </a:p>
         </p:txBody>
       </p:sp>
@@ -37879,6 +38580,2242 @@
           </a:p>
         </p:txBody>
       </p:sp>
+      <p:sp>
+        <p:nvSpPr>
+          <p:cNvPr id="443" name="Rectangle 442">
+            <a:extLst>
+              <a:ext uri="{FF2B5EF4-FFF2-40B4-BE49-F238E27FC236}">
+                <a16:creationId xmlns:a16="http://schemas.microsoft.com/office/drawing/2014/main" id="{841E33F8-2318-488D-8F7D-4BD534D22517}"/>
+              </a:ext>
+            </a:extLst>
+          </p:cNvPr>
+          <p:cNvSpPr/>
+          <p:nvPr/>
+        </p:nvSpPr>
+        <p:spPr>
+          <a:xfrm>
+            <a:off x="9354569" y="3573144"/>
+            <a:ext cx="1871906" cy="216034"/>
+          </a:xfrm>
+          <a:prstGeom prst="rect">
+            <a:avLst/>
+          </a:prstGeom>
+        </p:spPr>
+        <p:style>
+          <a:lnRef idx="2">
+            <a:schemeClr val="dk1"/>
+          </a:lnRef>
+          <a:fillRef idx="1">
+            <a:schemeClr val="lt1"/>
+          </a:fillRef>
+          <a:effectRef idx="0">
+            <a:schemeClr val="dk1"/>
+          </a:effectRef>
+          <a:fontRef idx="minor">
+            <a:schemeClr val="dk1"/>
+          </a:fontRef>
+        </p:style>
+        <p:txBody>
+          <a:bodyPr rtlCol="0" anchor="ctr"/>
+          <a:lstStyle>
+            <a:defPPr>
+              <a:defRPr lang="de-DE"/>
+            </a:defPPr>
+            <a:lvl1pPr marL="0" algn="l" defTabSz="914400" rtl="0" eaLnBrk="1" latinLnBrk="0" hangingPunct="1">
+              <a:defRPr sz="1800" kern="1200">
+                <a:solidFill>
+                  <a:schemeClr val="dk1"/>
+                </a:solidFill>
+                <a:latin typeface="+mn-lt"/>
+                <a:ea typeface="+mn-ea"/>
+                <a:cs typeface="+mn-cs"/>
+              </a:defRPr>
+            </a:lvl1pPr>
+            <a:lvl2pPr marL="457200" algn="l" defTabSz="914400" rtl="0" eaLnBrk="1" latinLnBrk="0" hangingPunct="1">
+              <a:defRPr sz="1800" kern="1200">
+                <a:solidFill>
+                  <a:schemeClr val="dk1"/>
+                </a:solidFill>
+                <a:latin typeface="+mn-lt"/>
+                <a:ea typeface="+mn-ea"/>
+                <a:cs typeface="+mn-cs"/>
+              </a:defRPr>
+            </a:lvl2pPr>
+            <a:lvl3pPr marL="914400" algn="l" defTabSz="914400" rtl="0" eaLnBrk="1" latinLnBrk="0" hangingPunct="1">
+              <a:defRPr sz="1800" kern="1200">
+                <a:solidFill>
+                  <a:schemeClr val="dk1"/>
+                </a:solidFill>
+                <a:latin typeface="+mn-lt"/>
+                <a:ea typeface="+mn-ea"/>
+                <a:cs typeface="+mn-cs"/>
+              </a:defRPr>
+            </a:lvl3pPr>
+            <a:lvl4pPr marL="1371600" algn="l" defTabSz="914400" rtl="0" eaLnBrk="1" latinLnBrk="0" hangingPunct="1">
+              <a:defRPr sz="1800" kern="1200">
+                <a:solidFill>
+                  <a:schemeClr val="dk1"/>
+                </a:solidFill>
+                <a:latin typeface="+mn-lt"/>
+                <a:ea typeface="+mn-ea"/>
+                <a:cs typeface="+mn-cs"/>
+              </a:defRPr>
+            </a:lvl4pPr>
+            <a:lvl5pPr marL="1828800" algn="l" defTabSz="914400" rtl="0" eaLnBrk="1" latinLnBrk="0" hangingPunct="1">
+              <a:defRPr sz="1800" kern="1200">
+                <a:solidFill>
+                  <a:schemeClr val="dk1"/>
+                </a:solidFill>
+                <a:latin typeface="+mn-lt"/>
+                <a:ea typeface="+mn-ea"/>
+                <a:cs typeface="+mn-cs"/>
+              </a:defRPr>
+            </a:lvl5pPr>
+            <a:lvl6pPr marL="2286000" algn="l" defTabSz="914400" rtl="0" eaLnBrk="1" latinLnBrk="0" hangingPunct="1">
+              <a:defRPr sz="1800" kern="1200">
+                <a:solidFill>
+                  <a:schemeClr val="dk1"/>
+                </a:solidFill>
+                <a:latin typeface="+mn-lt"/>
+                <a:ea typeface="+mn-ea"/>
+                <a:cs typeface="+mn-cs"/>
+              </a:defRPr>
+            </a:lvl6pPr>
+            <a:lvl7pPr marL="2743200" algn="l" defTabSz="914400" rtl="0" eaLnBrk="1" latinLnBrk="0" hangingPunct="1">
+              <a:defRPr sz="1800" kern="1200">
+                <a:solidFill>
+                  <a:schemeClr val="dk1"/>
+                </a:solidFill>
+                <a:latin typeface="+mn-lt"/>
+                <a:ea typeface="+mn-ea"/>
+                <a:cs typeface="+mn-cs"/>
+              </a:defRPr>
+            </a:lvl7pPr>
+            <a:lvl8pPr marL="3200400" algn="l" defTabSz="914400" rtl="0" eaLnBrk="1" latinLnBrk="0" hangingPunct="1">
+              <a:defRPr sz="1800" kern="1200">
+                <a:solidFill>
+                  <a:schemeClr val="dk1"/>
+                </a:solidFill>
+                <a:latin typeface="+mn-lt"/>
+                <a:ea typeface="+mn-ea"/>
+                <a:cs typeface="+mn-cs"/>
+              </a:defRPr>
+            </a:lvl8pPr>
+            <a:lvl9pPr marL="3657600" algn="l" defTabSz="914400" rtl="0" eaLnBrk="1" latinLnBrk="0" hangingPunct="1">
+              <a:defRPr sz="1800" kern="1200">
+                <a:solidFill>
+                  <a:schemeClr val="dk1"/>
+                </a:solidFill>
+                <a:latin typeface="+mn-lt"/>
+                <a:ea typeface="+mn-ea"/>
+                <a:cs typeface="+mn-cs"/>
+              </a:defRPr>
+            </a:lvl9pPr>
+          </a:lstStyle>
+          <a:p>
+            <a:endParaRPr lang="de-DE"/>
+          </a:p>
+        </p:txBody>
+      </p:sp>
+      <p:sp>
+        <p:nvSpPr>
+          <p:cNvPr id="447" name="Rectangle 446">
+            <a:extLst>
+              <a:ext uri="{FF2B5EF4-FFF2-40B4-BE49-F238E27FC236}">
+                <a16:creationId xmlns:a16="http://schemas.microsoft.com/office/drawing/2014/main" id="{849B76C3-ADAE-451C-8AD9-984F5D895E53}"/>
+              </a:ext>
+            </a:extLst>
+          </p:cNvPr>
+          <p:cNvSpPr/>
+          <p:nvPr/>
+        </p:nvSpPr>
+        <p:spPr>
+          <a:xfrm>
+            <a:off x="9280621" y="3501284"/>
+            <a:ext cx="2029770" cy="1215450"/>
+          </a:xfrm>
+          <a:prstGeom prst="rect">
+            <a:avLst/>
+          </a:prstGeom>
+          <a:noFill/>
+          <a:ln>
+            <a:prstDash val="dash"/>
+          </a:ln>
+        </p:spPr>
+        <p:style>
+          <a:lnRef idx="2">
+            <a:schemeClr val="accent1">
+              <a:shade val="50000"/>
+            </a:schemeClr>
+          </a:lnRef>
+          <a:fillRef idx="1">
+            <a:schemeClr val="accent1"/>
+          </a:fillRef>
+          <a:effectRef idx="0">
+            <a:schemeClr val="accent1"/>
+          </a:effectRef>
+          <a:fontRef idx="minor">
+            <a:schemeClr val="lt1"/>
+          </a:fontRef>
+        </p:style>
+        <p:txBody>
+          <a:bodyPr rtlCol="0" anchor="ctr"/>
+          <a:lstStyle>
+            <a:defPPr>
+              <a:defRPr lang="de-DE"/>
+            </a:defPPr>
+            <a:lvl1pPr marL="0" algn="l" defTabSz="914400" rtl="0" eaLnBrk="1" latinLnBrk="0" hangingPunct="1">
+              <a:defRPr sz="1800" kern="1200">
+                <a:solidFill>
+                  <a:schemeClr val="lt1"/>
+                </a:solidFill>
+                <a:latin typeface="+mn-lt"/>
+                <a:ea typeface="+mn-ea"/>
+                <a:cs typeface="+mn-cs"/>
+              </a:defRPr>
+            </a:lvl1pPr>
+            <a:lvl2pPr marL="457200" algn="l" defTabSz="914400" rtl="0" eaLnBrk="1" latinLnBrk="0" hangingPunct="1">
+              <a:defRPr sz="1800" kern="1200">
+                <a:solidFill>
+                  <a:schemeClr val="lt1"/>
+                </a:solidFill>
+                <a:latin typeface="+mn-lt"/>
+                <a:ea typeface="+mn-ea"/>
+                <a:cs typeface="+mn-cs"/>
+              </a:defRPr>
+            </a:lvl2pPr>
+            <a:lvl3pPr marL="914400" algn="l" defTabSz="914400" rtl="0" eaLnBrk="1" latinLnBrk="0" hangingPunct="1">
+              <a:defRPr sz="1800" kern="1200">
+                <a:solidFill>
+                  <a:schemeClr val="lt1"/>
+                </a:solidFill>
+                <a:latin typeface="+mn-lt"/>
+                <a:ea typeface="+mn-ea"/>
+                <a:cs typeface="+mn-cs"/>
+              </a:defRPr>
+            </a:lvl3pPr>
+            <a:lvl4pPr marL="1371600" algn="l" defTabSz="914400" rtl="0" eaLnBrk="1" latinLnBrk="0" hangingPunct="1">
+              <a:defRPr sz="1800" kern="1200">
+                <a:solidFill>
+                  <a:schemeClr val="lt1"/>
+                </a:solidFill>
+                <a:latin typeface="+mn-lt"/>
+                <a:ea typeface="+mn-ea"/>
+                <a:cs typeface="+mn-cs"/>
+              </a:defRPr>
+            </a:lvl4pPr>
+            <a:lvl5pPr marL="1828800" algn="l" defTabSz="914400" rtl="0" eaLnBrk="1" latinLnBrk="0" hangingPunct="1">
+              <a:defRPr sz="1800" kern="1200">
+                <a:solidFill>
+                  <a:schemeClr val="lt1"/>
+                </a:solidFill>
+                <a:latin typeface="+mn-lt"/>
+                <a:ea typeface="+mn-ea"/>
+                <a:cs typeface="+mn-cs"/>
+              </a:defRPr>
+            </a:lvl5pPr>
+            <a:lvl6pPr marL="2286000" algn="l" defTabSz="914400" rtl="0" eaLnBrk="1" latinLnBrk="0" hangingPunct="1">
+              <a:defRPr sz="1800" kern="1200">
+                <a:solidFill>
+                  <a:schemeClr val="lt1"/>
+                </a:solidFill>
+                <a:latin typeface="+mn-lt"/>
+                <a:ea typeface="+mn-ea"/>
+                <a:cs typeface="+mn-cs"/>
+              </a:defRPr>
+            </a:lvl6pPr>
+            <a:lvl7pPr marL="2743200" algn="l" defTabSz="914400" rtl="0" eaLnBrk="1" latinLnBrk="0" hangingPunct="1">
+              <a:defRPr sz="1800" kern="1200">
+                <a:solidFill>
+                  <a:schemeClr val="lt1"/>
+                </a:solidFill>
+                <a:latin typeface="+mn-lt"/>
+                <a:ea typeface="+mn-ea"/>
+                <a:cs typeface="+mn-cs"/>
+              </a:defRPr>
+            </a:lvl7pPr>
+            <a:lvl8pPr marL="3200400" algn="l" defTabSz="914400" rtl="0" eaLnBrk="1" latinLnBrk="0" hangingPunct="1">
+              <a:defRPr sz="1800" kern="1200">
+                <a:solidFill>
+                  <a:schemeClr val="lt1"/>
+                </a:solidFill>
+                <a:latin typeface="+mn-lt"/>
+                <a:ea typeface="+mn-ea"/>
+                <a:cs typeface="+mn-cs"/>
+              </a:defRPr>
+            </a:lvl8pPr>
+            <a:lvl9pPr marL="3657600" algn="l" defTabSz="914400" rtl="0" eaLnBrk="1" latinLnBrk="0" hangingPunct="1">
+              <a:defRPr sz="1800" kern="1200">
+                <a:solidFill>
+                  <a:schemeClr val="lt1"/>
+                </a:solidFill>
+                <a:latin typeface="+mn-lt"/>
+                <a:ea typeface="+mn-ea"/>
+                <a:cs typeface="+mn-cs"/>
+              </a:defRPr>
+            </a:lvl9pPr>
+          </a:lstStyle>
+          <a:p>
+            <a:pPr algn="ctr"/>
+            <a:endParaRPr lang="de-DE"/>
+          </a:p>
+        </p:txBody>
+      </p:sp>
+      <p:sp>
+        <p:nvSpPr>
+          <p:cNvPr id="448" name="Rectangle 447">
+            <a:extLst>
+              <a:ext uri="{FF2B5EF4-FFF2-40B4-BE49-F238E27FC236}">
+                <a16:creationId xmlns:a16="http://schemas.microsoft.com/office/drawing/2014/main" id="{17CCD6F6-8E99-49A2-810A-3A8BFC73837F}"/>
+              </a:ext>
+            </a:extLst>
+          </p:cNvPr>
+          <p:cNvSpPr/>
+          <p:nvPr/>
+        </p:nvSpPr>
+        <p:spPr>
+          <a:xfrm>
+            <a:off x="10893427" y="3625126"/>
+            <a:ext cx="246961" cy="102100"/>
+          </a:xfrm>
+          <a:prstGeom prst="rect">
+            <a:avLst/>
+          </a:prstGeom>
+          <a:solidFill>
+            <a:schemeClr val="bg1">
+              <a:lumMod val="85000"/>
+            </a:schemeClr>
+          </a:solidFill>
+        </p:spPr>
+        <p:style>
+          <a:lnRef idx="2">
+            <a:schemeClr val="dk1"/>
+          </a:lnRef>
+          <a:fillRef idx="1">
+            <a:schemeClr val="lt1"/>
+          </a:fillRef>
+          <a:effectRef idx="0">
+            <a:schemeClr val="dk1"/>
+          </a:effectRef>
+          <a:fontRef idx="minor">
+            <a:schemeClr val="dk1"/>
+          </a:fontRef>
+        </p:style>
+        <p:txBody>
+          <a:bodyPr rtlCol="0" anchor="ctr"/>
+          <a:lstStyle>
+            <a:defPPr>
+              <a:defRPr lang="de-DE"/>
+            </a:defPPr>
+            <a:lvl1pPr marL="0" algn="l" defTabSz="914400" rtl="0" eaLnBrk="1" latinLnBrk="0" hangingPunct="1">
+              <a:defRPr sz="1800" kern="1200">
+                <a:solidFill>
+                  <a:schemeClr val="dk1"/>
+                </a:solidFill>
+                <a:latin typeface="+mn-lt"/>
+                <a:ea typeface="+mn-ea"/>
+                <a:cs typeface="+mn-cs"/>
+              </a:defRPr>
+            </a:lvl1pPr>
+            <a:lvl2pPr marL="457200" algn="l" defTabSz="914400" rtl="0" eaLnBrk="1" latinLnBrk="0" hangingPunct="1">
+              <a:defRPr sz="1800" kern="1200">
+                <a:solidFill>
+                  <a:schemeClr val="dk1"/>
+                </a:solidFill>
+                <a:latin typeface="+mn-lt"/>
+                <a:ea typeface="+mn-ea"/>
+                <a:cs typeface="+mn-cs"/>
+              </a:defRPr>
+            </a:lvl2pPr>
+            <a:lvl3pPr marL="914400" algn="l" defTabSz="914400" rtl="0" eaLnBrk="1" latinLnBrk="0" hangingPunct="1">
+              <a:defRPr sz="1800" kern="1200">
+                <a:solidFill>
+                  <a:schemeClr val="dk1"/>
+                </a:solidFill>
+                <a:latin typeface="+mn-lt"/>
+                <a:ea typeface="+mn-ea"/>
+                <a:cs typeface="+mn-cs"/>
+              </a:defRPr>
+            </a:lvl3pPr>
+            <a:lvl4pPr marL="1371600" algn="l" defTabSz="914400" rtl="0" eaLnBrk="1" latinLnBrk="0" hangingPunct="1">
+              <a:defRPr sz="1800" kern="1200">
+                <a:solidFill>
+                  <a:schemeClr val="dk1"/>
+                </a:solidFill>
+                <a:latin typeface="+mn-lt"/>
+                <a:ea typeface="+mn-ea"/>
+                <a:cs typeface="+mn-cs"/>
+              </a:defRPr>
+            </a:lvl4pPr>
+            <a:lvl5pPr marL="1828800" algn="l" defTabSz="914400" rtl="0" eaLnBrk="1" latinLnBrk="0" hangingPunct="1">
+              <a:defRPr sz="1800" kern="1200">
+                <a:solidFill>
+                  <a:schemeClr val="dk1"/>
+                </a:solidFill>
+                <a:latin typeface="+mn-lt"/>
+                <a:ea typeface="+mn-ea"/>
+                <a:cs typeface="+mn-cs"/>
+              </a:defRPr>
+            </a:lvl5pPr>
+            <a:lvl6pPr marL="2286000" algn="l" defTabSz="914400" rtl="0" eaLnBrk="1" latinLnBrk="0" hangingPunct="1">
+              <a:defRPr sz="1800" kern="1200">
+                <a:solidFill>
+                  <a:schemeClr val="dk1"/>
+                </a:solidFill>
+                <a:latin typeface="+mn-lt"/>
+                <a:ea typeface="+mn-ea"/>
+                <a:cs typeface="+mn-cs"/>
+              </a:defRPr>
+            </a:lvl6pPr>
+            <a:lvl7pPr marL="2743200" algn="l" defTabSz="914400" rtl="0" eaLnBrk="1" latinLnBrk="0" hangingPunct="1">
+              <a:defRPr sz="1800" kern="1200">
+                <a:solidFill>
+                  <a:schemeClr val="dk1"/>
+                </a:solidFill>
+                <a:latin typeface="+mn-lt"/>
+                <a:ea typeface="+mn-ea"/>
+                <a:cs typeface="+mn-cs"/>
+              </a:defRPr>
+            </a:lvl7pPr>
+            <a:lvl8pPr marL="3200400" algn="l" defTabSz="914400" rtl="0" eaLnBrk="1" latinLnBrk="0" hangingPunct="1">
+              <a:defRPr sz="1800" kern="1200">
+                <a:solidFill>
+                  <a:schemeClr val="dk1"/>
+                </a:solidFill>
+                <a:latin typeface="+mn-lt"/>
+                <a:ea typeface="+mn-ea"/>
+                <a:cs typeface="+mn-cs"/>
+              </a:defRPr>
+            </a:lvl8pPr>
+            <a:lvl9pPr marL="3657600" algn="l" defTabSz="914400" rtl="0" eaLnBrk="1" latinLnBrk="0" hangingPunct="1">
+              <a:defRPr sz="1800" kern="1200">
+                <a:solidFill>
+                  <a:schemeClr val="dk1"/>
+                </a:solidFill>
+                <a:latin typeface="+mn-lt"/>
+                <a:ea typeface="+mn-ea"/>
+                <a:cs typeface="+mn-cs"/>
+              </a:defRPr>
+            </a:lvl9pPr>
+          </a:lstStyle>
+          <a:p>
+            <a:pPr algn="ctr"/>
+            <a:endParaRPr lang="de-DE"/>
+          </a:p>
+        </p:txBody>
+      </p:sp>
+      <p:sp>
+        <p:nvSpPr>
+          <p:cNvPr id="449" name="Rectangle 448">
+            <a:extLst>
+              <a:ext uri="{FF2B5EF4-FFF2-40B4-BE49-F238E27FC236}">
+                <a16:creationId xmlns:a16="http://schemas.microsoft.com/office/drawing/2014/main" id="{F87CCC90-69F6-44B6-B6AB-FA9E588D0B09}"/>
+              </a:ext>
+            </a:extLst>
+          </p:cNvPr>
+          <p:cNvSpPr/>
+          <p:nvPr/>
+        </p:nvSpPr>
+        <p:spPr>
+          <a:xfrm>
+            <a:off x="9354568" y="3945749"/>
+            <a:ext cx="406237" cy="692926"/>
+          </a:xfrm>
+          <a:prstGeom prst="rect">
+            <a:avLst/>
+          </a:prstGeom>
+        </p:spPr>
+        <p:style>
+          <a:lnRef idx="2">
+            <a:schemeClr val="dk1"/>
+          </a:lnRef>
+          <a:fillRef idx="1">
+            <a:schemeClr val="lt1"/>
+          </a:fillRef>
+          <a:effectRef idx="0">
+            <a:schemeClr val="dk1"/>
+          </a:effectRef>
+          <a:fontRef idx="minor">
+            <a:schemeClr val="dk1"/>
+          </a:fontRef>
+        </p:style>
+        <p:txBody>
+          <a:bodyPr rtlCol="0" anchor="ctr"/>
+          <a:lstStyle>
+            <a:defPPr>
+              <a:defRPr lang="de-DE"/>
+            </a:defPPr>
+            <a:lvl1pPr marL="0" algn="l" defTabSz="914400" rtl="0" eaLnBrk="1" latinLnBrk="0" hangingPunct="1">
+              <a:defRPr sz="1800" kern="1200">
+                <a:solidFill>
+                  <a:schemeClr val="dk1"/>
+                </a:solidFill>
+                <a:latin typeface="+mn-lt"/>
+                <a:ea typeface="+mn-ea"/>
+                <a:cs typeface="+mn-cs"/>
+              </a:defRPr>
+            </a:lvl1pPr>
+            <a:lvl2pPr marL="457200" algn="l" defTabSz="914400" rtl="0" eaLnBrk="1" latinLnBrk="0" hangingPunct="1">
+              <a:defRPr sz="1800" kern="1200">
+                <a:solidFill>
+                  <a:schemeClr val="dk1"/>
+                </a:solidFill>
+                <a:latin typeface="+mn-lt"/>
+                <a:ea typeface="+mn-ea"/>
+                <a:cs typeface="+mn-cs"/>
+              </a:defRPr>
+            </a:lvl2pPr>
+            <a:lvl3pPr marL="914400" algn="l" defTabSz="914400" rtl="0" eaLnBrk="1" latinLnBrk="0" hangingPunct="1">
+              <a:defRPr sz="1800" kern="1200">
+                <a:solidFill>
+                  <a:schemeClr val="dk1"/>
+                </a:solidFill>
+                <a:latin typeface="+mn-lt"/>
+                <a:ea typeface="+mn-ea"/>
+                <a:cs typeface="+mn-cs"/>
+              </a:defRPr>
+            </a:lvl3pPr>
+            <a:lvl4pPr marL="1371600" algn="l" defTabSz="914400" rtl="0" eaLnBrk="1" latinLnBrk="0" hangingPunct="1">
+              <a:defRPr sz="1800" kern="1200">
+                <a:solidFill>
+                  <a:schemeClr val="dk1"/>
+                </a:solidFill>
+                <a:latin typeface="+mn-lt"/>
+                <a:ea typeface="+mn-ea"/>
+                <a:cs typeface="+mn-cs"/>
+              </a:defRPr>
+            </a:lvl4pPr>
+            <a:lvl5pPr marL="1828800" algn="l" defTabSz="914400" rtl="0" eaLnBrk="1" latinLnBrk="0" hangingPunct="1">
+              <a:defRPr sz="1800" kern="1200">
+                <a:solidFill>
+                  <a:schemeClr val="dk1"/>
+                </a:solidFill>
+                <a:latin typeface="+mn-lt"/>
+                <a:ea typeface="+mn-ea"/>
+                <a:cs typeface="+mn-cs"/>
+              </a:defRPr>
+            </a:lvl5pPr>
+            <a:lvl6pPr marL="2286000" algn="l" defTabSz="914400" rtl="0" eaLnBrk="1" latinLnBrk="0" hangingPunct="1">
+              <a:defRPr sz="1800" kern="1200">
+                <a:solidFill>
+                  <a:schemeClr val="dk1"/>
+                </a:solidFill>
+                <a:latin typeface="+mn-lt"/>
+                <a:ea typeface="+mn-ea"/>
+                <a:cs typeface="+mn-cs"/>
+              </a:defRPr>
+            </a:lvl6pPr>
+            <a:lvl7pPr marL="2743200" algn="l" defTabSz="914400" rtl="0" eaLnBrk="1" latinLnBrk="0" hangingPunct="1">
+              <a:defRPr sz="1800" kern="1200">
+                <a:solidFill>
+                  <a:schemeClr val="dk1"/>
+                </a:solidFill>
+                <a:latin typeface="+mn-lt"/>
+                <a:ea typeface="+mn-ea"/>
+                <a:cs typeface="+mn-cs"/>
+              </a:defRPr>
+            </a:lvl7pPr>
+            <a:lvl8pPr marL="3200400" algn="l" defTabSz="914400" rtl="0" eaLnBrk="1" latinLnBrk="0" hangingPunct="1">
+              <a:defRPr sz="1800" kern="1200">
+                <a:solidFill>
+                  <a:schemeClr val="dk1"/>
+                </a:solidFill>
+                <a:latin typeface="+mn-lt"/>
+                <a:ea typeface="+mn-ea"/>
+                <a:cs typeface="+mn-cs"/>
+              </a:defRPr>
+            </a:lvl8pPr>
+            <a:lvl9pPr marL="3657600" algn="l" defTabSz="914400" rtl="0" eaLnBrk="1" latinLnBrk="0" hangingPunct="1">
+              <a:defRPr sz="1800" kern="1200">
+                <a:solidFill>
+                  <a:schemeClr val="dk1"/>
+                </a:solidFill>
+                <a:latin typeface="+mn-lt"/>
+                <a:ea typeface="+mn-ea"/>
+                <a:cs typeface="+mn-cs"/>
+              </a:defRPr>
+            </a:lvl9pPr>
+          </a:lstStyle>
+          <a:p>
+            <a:endParaRPr lang="de-DE"/>
+          </a:p>
+        </p:txBody>
+      </p:sp>
+      <p:sp>
+        <p:nvSpPr>
+          <p:cNvPr id="451" name="Rectangle 450">
+            <a:extLst>
+              <a:ext uri="{FF2B5EF4-FFF2-40B4-BE49-F238E27FC236}">
+                <a16:creationId xmlns:a16="http://schemas.microsoft.com/office/drawing/2014/main" id="{0E41ADD9-010D-49B4-A0AF-19D5F587BD8C}"/>
+              </a:ext>
+            </a:extLst>
+          </p:cNvPr>
+          <p:cNvSpPr/>
+          <p:nvPr/>
+        </p:nvSpPr>
+        <p:spPr>
+          <a:xfrm>
+            <a:off x="9760805" y="3945749"/>
+            <a:ext cx="406237" cy="692926"/>
+          </a:xfrm>
+          <a:prstGeom prst="rect">
+            <a:avLst/>
+          </a:prstGeom>
+        </p:spPr>
+        <p:style>
+          <a:lnRef idx="2">
+            <a:schemeClr val="dk1"/>
+          </a:lnRef>
+          <a:fillRef idx="1">
+            <a:schemeClr val="lt1"/>
+          </a:fillRef>
+          <a:effectRef idx="0">
+            <a:schemeClr val="dk1"/>
+          </a:effectRef>
+          <a:fontRef idx="minor">
+            <a:schemeClr val="dk1"/>
+          </a:fontRef>
+        </p:style>
+        <p:txBody>
+          <a:bodyPr rtlCol="0" anchor="ctr"/>
+          <a:lstStyle>
+            <a:defPPr>
+              <a:defRPr lang="de-DE"/>
+            </a:defPPr>
+            <a:lvl1pPr marL="0" algn="l" defTabSz="914400" rtl="0" eaLnBrk="1" latinLnBrk="0" hangingPunct="1">
+              <a:defRPr sz="1800" kern="1200">
+                <a:solidFill>
+                  <a:schemeClr val="dk1"/>
+                </a:solidFill>
+                <a:latin typeface="+mn-lt"/>
+                <a:ea typeface="+mn-ea"/>
+                <a:cs typeface="+mn-cs"/>
+              </a:defRPr>
+            </a:lvl1pPr>
+            <a:lvl2pPr marL="457200" algn="l" defTabSz="914400" rtl="0" eaLnBrk="1" latinLnBrk="0" hangingPunct="1">
+              <a:defRPr sz="1800" kern="1200">
+                <a:solidFill>
+                  <a:schemeClr val="dk1"/>
+                </a:solidFill>
+                <a:latin typeface="+mn-lt"/>
+                <a:ea typeface="+mn-ea"/>
+                <a:cs typeface="+mn-cs"/>
+              </a:defRPr>
+            </a:lvl2pPr>
+            <a:lvl3pPr marL="914400" algn="l" defTabSz="914400" rtl="0" eaLnBrk="1" latinLnBrk="0" hangingPunct="1">
+              <a:defRPr sz="1800" kern="1200">
+                <a:solidFill>
+                  <a:schemeClr val="dk1"/>
+                </a:solidFill>
+                <a:latin typeface="+mn-lt"/>
+                <a:ea typeface="+mn-ea"/>
+                <a:cs typeface="+mn-cs"/>
+              </a:defRPr>
+            </a:lvl3pPr>
+            <a:lvl4pPr marL="1371600" algn="l" defTabSz="914400" rtl="0" eaLnBrk="1" latinLnBrk="0" hangingPunct="1">
+              <a:defRPr sz="1800" kern="1200">
+                <a:solidFill>
+                  <a:schemeClr val="dk1"/>
+                </a:solidFill>
+                <a:latin typeface="+mn-lt"/>
+                <a:ea typeface="+mn-ea"/>
+                <a:cs typeface="+mn-cs"/>
+              </a:defRPr>
+            </a:lvl4pPr>
+            <a:lvl5pPr marL="1828800" algn="l" defTabSz="914400" rtl="0" eaLnBrk="1" latinLnBrk="0" hangingPunct="1">
+              <a:defRPr sz="1800" kern="1200">
+                <a:solidFill>
+                  <a:schemeClr val="dk1"/>
+                </a:solidFill>
+                <a:latin typeface="+mn-lt"/>
+                <a:ea typeface="+mn-ea"/>
+                <a:cs typeface="+mn-cs"/>
+              </a:defRPr>
+            </a:lvl5pPr>
+            <a:lvl6pPr marL="2286000" algn="l" defTabSz="914400" rtl="0" eaLnBrk="1" latinLnBrk="0" hangingPunct="1">
+              <a:defRPr sz="1800" kern="1200">
+                <a:solidFill>
+                  <a:schemeClr val="dk1"/>
+                </a:solidFill>
+                <a:latin typeface="+mn-lt"/>
+                <a:ea typeface="+mn-ea"/>
+                <a:cs typeface="+mn-cs"/>
+              </a:defRPr>
+            </a:lvl6pPr>
+            <a:lvl7pPr marL="2743200" algn="l" defTabSz="914400" rtl="0" eaLnBrk="1" latinLnBrk="0" hangingPunct="1">
+              <a:defRPr sz="1800" kern="1200">
+                <a:solidFill>
+                  <a:schemeClr val="dk1"/>
+                </a:solidFill>
+                <a:latin typeface="+mn-lt"/>
+                <a:ea typeface="+mn-ea"/>
+                <a:cs typeface="+mn-cs"/>
+              </a:defRPr>
+            </a:lvl7pPr>
+            <a:lvl8pPr marL="3200400" algn="l" defTabSz="914400" rtl="0" eaLnBrk="1" latinLnBrk="0" hangingPunct="1">
+              <a:defRPr sz="1800" kern="1200">
+                <a:solidFill>
+                  <a:schemeClr val="dk1"/>
+                </a:solidFill>
+                <a:latin typeface="+mn-lt"/>
+                <a:ea typeface="+mn-ea"/>
+                <a:cs typeface="+mn-cs"/>
+              </a:defRPr>
+            </a:lvl8pPr>
+            <a:lvl9pPr marL="3657600" algn="l" defTabSz="914400" rtl="0" eaLnBrk="1" latinLnBrk="0" hangingPunct="1">
+              <a:defRPr sz="1800" kern="1200">
+                <a:solidFill>
+                  <a:schemeClr val="dk1"/>
+                </a:solidFill>
+                <a:latin typeface="+mn-lt"/>
+                <a:ea typeface="+mn-ea"/>
+                <a:cs typeface="+mn-cs"/>
+              </a:defRPr>
+            </a:lvl9pPr>
+          </a:lstStyle>
+          <a:p>
+            <a:endParaRPr lang="de-DE"/>
+          </a:p>
+        </p:txBody>
+      </p:sp>
+      <p:sp>
+        <p:nvSpPr>
+          <p:cNvPr id="452" name="Rectangle 451">
+            <a:extLst>
+              <a:ext uri="{FF2B5EF4-FFF2-40B4-BE49-F238E27FC236}">
+                <a16:creationId xmlns:a16="http://schemas.microsoft.com/office/drawing/2014/main" id="{30722641-0C04-410D-84F6-1CC23DCE9C07}"/>
+              </a:ext>
+            </a:extLst>
+          </p:cNvPr>
+          <p:cNvSpPr/>
+          <p:nvPr/>
+        </p:nvSpPr>
+        <p:spPr>
+          <a:xfrm>
+            <a:off x="10167042" y="3945749"/>
+            <a:ext cx="406237" cy="692926"/>
+          </a:xfrm>
+          <a:prstGeom prst="rect">
+            <a:avLst/>
+          </a:prstGeom>
+        </p:spPr>
+        <p:style>
+          <a:lnRef idx="2">
+            <a:schemeClr val="dk1"/>
+          </a:lnRef>
+          <a:fillRef idx="1">
+            <a:schemeClr val="lt1"/>
+          </a:fillRef>
+          <a:effectRef idx="0">
+            <a:schemeClr val="dk1"/>
+          </a:effectRef>
+          <a:fontRef idx="minor">
+            <a:schemeClr val="dk1"/>
+          </a:fontRef>
+        </p:style>
+        <p:txBody>
+          <a:bodyPr rtlCol="0" anchor="ctr"/>
+          <a:lstStyle>
+            <a:defPPr>
+              <a:defRPr lang="de-DE"/>
+            </a:defPPr>
+            <a:lvl1pPr marL="0" algn="l" defTabSz="914400" rtl="0" eaLnBrk="1" latinLnBrk="0" hangingPunct="1">
+              <a:defRPr sz="1800" kern="1200">
+                <a:solidFill>
+                  <a:schemeClr val="dk1"/>
+                </a:solidFill>
+                <a:latin typeface="+mn-lt"/>
+                <a:ea typeface="+mn-ea"/>
+                <a:cs typeface="+mn-cs"/>
+              </a:defRPr>
+            </a:lvl1pPr>
+            <a:lvl2pPr marL="457200" algn="l" defTabSz="914400" rtl="0" eaLnBrk="1" latinLnBrk="0" hangingPunct="1">
+              <a:defRPr sz="1800" kern="1200">
+                <a:solidFill>
+                  <a:schemeClr val="dk1"/>
+                </a:solidFill>
+                <a:latin typeface="+mn-lt"/>
+                <a:ea typeface="+mn-ea"/>
+                <a:cs typeface="+mn-cs"/>
+              </a:defRPr>
+            </a:lvl2pPr>
+            <a:lvl3pPr marL="914400" algn="l" defTabSz="914400" rtl="0" eaLnBrk="1" latinLnBrk="0" hangingPunct="1">
+              <a:defRPr sz="1800" kern="1200">
+                <a:solidFill>
+                  <a:schemeClr val="dk1"/>
+                </a:solidFill>
+                <a:latin typeface="+mn-lt"/>
+                <a:ea typeface="+mn-ea"/>
+                <a:cs typeface="+mn-cs"/>
+              </a:defRPr>
+            </a:lvl3pPr>
+            <a:lvl4pPr marL="1371600" algn="l" defTabSz="914400" rtl="0" eaLnBrk="1" latinLnBrk="0" hangingPunct="1">
+              <a:defRPr sz="1800" kern="1200">
+                <a:solidFill>
+                  <a:schemeClr val="dk1"/>
+                </a:solidFill>
+                <a:latin typeface="+mn-lt"/>
+                <a:ea typeface="+mn-ea"/>
+                <a:cs typeface="+mn-cs"/>
+              </a:defRPr>
+            </a:lvl4pPr>
+            <a:lvl5pPr marL="1828800" algn="l" defTabSz="914400" rtl="0" eaLnBrk="1" latinLnBrk="0" hangingPunct="1">
+              <a:defRPr sz="1800" kern="1200">
+                <a:solidFill>
+                  <a:schemeClr val="dk1"/>
+                </a:solidFill>
+                <a:latin typeface="+mn-lt"/>
+                <a:ea typeface="+mn-ea"/>
+                <a:cs typeface="+mn-cs"/>
+              </a:defRPr>
+            </a:lvl5pPr>
+            <a:lvl6pPr marL="2286000" algn="l" defTabSz="914400" rtl="0" eaLnBrk="1" latinLnBrk="0" hangingPunct="1">
+              <a:defRPr sz="1800" kern="1200">
+                <a:solidFill>
+                  <a:schemeClr val="dk1"/>
+                </a:solidFill>
+                <a:latin typeface="+mn-lt"/>
+                <a:ea typeface="+mn-ea"/>
+                <a:cs typeface="+mn-cs"/>
+              </a:defRPr>
+            </a:lvl6pPr>
+            <a:lvl7pPr marL="2743200" algn="l" defTabSz="914400" rtl="0" eaLnBrk="1" latinLnBrk="0" hangingPunct="1">
+              <a:defRPr sz="1800" kern="1200">
+                <a:solidFill>
+                  <a:schemeClr val="dk1"/>
+                </a:solidFill>
+                <a:latin typeface="+mn-lt"/>
+                <a:ea typeface="+mn-ea"/>
+                <a:cs typeface="+mn-cs"/>
+              </a:defRPr>
+            </a:lvl7pPr>
+            <a:lvl8pPr marL="3200400" algn="l" defTabSz="914400" rtl="0" eaLnBrk="1" latinLnBrk="0" hangingPunct="1">
+              <a:defRPr sz="1800" kern="1200">
+                <a:solidFill>
+                  <a:schemeClr val="dk1"/>
+                </a:solidFill>
+                <a:latin typeface="+mn-lt"/>
+                <a:ea typeface="+mn-ea"/>
+                <a:cs typeface="+mn-cs"/>
+              </a:defRPr>
+            </a:lvl8pPr>
+            <a:lvl9pPr marL="3657600" algn="l" defTabSz="914400" rtl="0" eaLnBrk="1" latinLnBrk="0" hangingPunct="1">
+              <a:defRPr sz="1800" kern="1200">
+                <a:solidFill>
+                  <a:schemeClr val="dk1"/>
+                </a:solidFill>
+                <a:latin typeface="+mn-lt"/>
+                <a:ea typeface="+mn-ea"/>
+                <a:cs typeface="+mn-cs"/>
+              </a:defRPr>
+            </a:lvl9pPr>
+          </a:lstStyle>
+          <a:p>
+            <a:endParaRPr lang="de-DE"/>
+          </a:p>
+        </p:txBody>
+      </p:sp>
+      <p:sp>
+        <p:nvSpPr>
+          <p:cNvPr id="453" name="Rectangle 452">
+            <a:extLst>
+              <a:ext uri="{FF2B5EF4-FFF2-40B4-BE49-F238E27FC236}">
+                <a16:creationId xmlns:a16="http://schemas.microsoft.com/office/drawing/2014/main" id="{52EDC5DE-F069-4D1A-A626-91779990319A}"/>
+              </a:ext>
+            </a:extLst>
+          </p:cNvPr>
+          <p:cNvSpPr/>
+          <p:nvPr/>
+        </p:nvSpPr>
+        <p:spPr>
+          <a:xfrm>
+            <a:off x="10979515" y="3945749"/>
+            <a:ext cx="246959" cy="692926"/>
+          </a:xfrm>
+          <a:prstGeom prst="rect">
+            <a:avLst/>
+          </a:prstGeom>
+        </p:spPr>
+        <p:style>
+          <a:lnRef idx="2">
+            <a:schemeClr val="dk1"/>
+          </a:lnRef>
+          <a:fillRef idx="1">
+            <a:schemeClr val="lt1"/>
+          </a:fillRef>
+          <a:effectRef idx="0">
+            <a:schemeClr val="dk1"/>
+          </a:effectRef>
+          <a:fontRef idx="minor">
+            <a:schemeClr val="dk1"/>
+          </a:fontRef>
+        </p:style>
+        <p:txBody>
+          <a:bodyPr rtlCol="0" anchor="ctr"/>
+          <a:lstStyle>
+            <a:defPPr>
+              <a:defRPr lang="de-DE"/>
+            </a:defPPr>
+            <a:lvl1pPr marL="0" algn="l" defTabSz="914400" rtl="0" eaLnBrk="1" latinLnBrk="0" hangingPunct="1">
+              <a:defRPr sz="1800" kern="1200">
+                <a:solidFill>
+                  <a:schemeClr val="dk1"/>
+                </a:solidFill>
+                <a:latin typeface="+mn-lt"/>
+                <a:ea typeface="+mn-ea"/>
+                <a:cs typeface="+mn-cs"/>
+              </a:defRPr>
+            </a:lvl1pPr>
+            <a:lvl2pPr marL="457200" algn="l" defTabSz="914400" rtl="0" eaLnBrk="1" latinLnBrk="0" hangingPunct="1">
+              <a:defRPr sz="1800" kern="1200">
+                <a:solidFill>
+                  <a:schemeClr val="dk1"/>
+                </a:solidFill>
+                <a:latin typeface="+mn-lt"/>
+                <a:ea typeface="+mn-ea"/>
+                <a:cs typeface="+mn-cs"/>
+              </a:defRPr>
+            </a:lvl2pPr>
+            <a:lvl3pPr marL="914400" algn="l" defTabSz="914400" rtl="0" eaLnBrk="1" latinLnBrk="0" hangingPunct="1">
+              <a:defRPr sz="1800" kern="1200">
+                <a:solidFill>
+                  <a:schemeClr val="dk1"/>
+                </a:solidFill>
+                <a:latin typeface="+mn-lt"/>
+                <a:ea typeface="+mn-ea"/>
+                <a:cs typeface="+mn-cs"/>
+              </a:defRPr>
+            </a:lvl3pPr>
+            <a:lvl4pPr marL="1371600" algn="l" defTabSz="914400" rtl="0" eaLnBrk="1" latinLnBrk="0" hangingPunct="1">
+              <a:defRPr sz="1800" kern="1200">
+                <a:solidFill>
+                  <a:schemeClr val="dk1"/>
+                </a:solidFill>
+                <a:latin typeface="+mn-lt"/>
+                <a:ea typeface="+mn-ea"/>
+                <a:cs typeface="+mn-cs"/>
+              </a:defRPr>
+            </a:lvl4pPr>
+            <a:lvl5pPr marL="1828800" algn="l" defTabSz="914400" rtl="0" eaLnBrk="1" latinLnBrk="0" hangingPunct="1">
+              <a:defRPr sz="1800" kern="1200">
+                <a:solidFill>
+                  <a:schemeClr val="dk1"/>
+                </a:solidFill>
+                <a:latin typeface="+mn-lt"/>
+                <a:ea typeface="+mn-ea"/>
+                <a:cs typeface="+mn-cs"/>
+              </a:defRPr>
+            </a:lvl5pPr>
+            <a:lvl6pPr marL="2286000" algn="l" defTabSz="914400" rtl="0" eaLnBrk="1" latinLnBrk="0" hangingPunct="1">
+              <a:defRPr sz="1800" kern="1200">
+                <a:solidFill>
+                  <a:schemeClr val="dk1"/>
+                </a:solidFill>
+                <a:latin typeface="+mn-lt"/>
+                <a:ea typeface="+mn-ea"/>
+                <a:cs typeface="+mn-cs"/>
+              </a:defRPr>
+            </a:lvl6pPr>
+            <a:lvl7pPr marL="2743200" algn="l" defTabSz="914400" rtl="0" eaLnBrk="1" latinLnBrk="0" hangingPunct="1">
+              <a:defRPr sz="1800" kern="1200">
+                <a:solidFill>
+                  <a:schemeClr val="dk1"/>
+                </a:solidFill>
+                <a:latin typeface="+mn-lt"/>
+                <a:ea typeface="+mn-ea"/>
+                <a:cs typeface="+mn-cs"/>
+              </a:defRPr>
+            </a:lvl7pPr>
+            <a:lvl8pPr marL="3200400" algn="l" defTabSz="914400" rtl="0" eaLnBrk="1" latinLnBrk="0" hangingPunct="1">
+              <a:defRPr sz="1800" kern="1200">
+                <a:solidFill>
+                  <a:schemeClr val="dk1"/>
+                </a:solidFill>
+                <a:latin typeface="+mn-lt"/>
+                <a:ea typeface="+mn-ea"/>
+                <a:cs typeface="+mn-cs"/>
+              </a:defRPr>
+            </a:lvl8pPr>
+            <a:lvl9pPr marL="3657600" algn="l" defTabSz="914400" rtl="0" eaLnBrk="1" latinLnBrk="0" hangingPunct="1">
+              <a:defRPr sz="1800" kern="1200">
+                <a:solidFill>
+                  <a:schemeClr val="dk1"/>
+                </a:solidFill>
+                <a:latin typeface="+mn-lt"/>
+                <a:ea typeface="+mn-ea"/>
+                <a:cs typeface="+mn-cs"/>
+              </a:defRPr>
+            </a:lvl9pPr>
+          </a:lstStyle>
+          <a:p>
+            <a:endParaRPr lang="de-DE"/>
+          </a:p>
+        </p:txBody>
+      </p:sp>
+      <p:sp>
+        <p:nvSpPr>
+          <p:cNvPr id="454" name="Rectangle 453">
+            <a:extLst>
+              <a:ext uri="{FF2B5EF4-FFF2-40B4-BE49-F238E27FC236}">
+                <a16:creationId xmlns:a16="http://schemas.microsoft.com/office/drawing/2014/main" id="{B763972B-FC58-4396-AD99-CF6F32E12F58}"/>
+              </a:ext>
+            </a:extLst>
+          </p:cNvPr>
+          <p:cNvSpPr/>
+          <p:nvPr/>
+        </p:nvSpPr>
+        <p:spPr>
+          <a:xfrm>
+            <a:off x="9354568" y="3816565"/>
+            <a:ext cx="406237" cy="129184"/>
+          </a:xfrm>
+          <a:prstGeom prst="rect">
+            <a:avLst/>
+          </a:prstGeom>
+          <a:solidFill>
+            <a:schemeClr val="bg1">
+              <a:lumMod val="85000"/>
+            </a:schemeClr>
+          </a:solidFill>
+        </p:spPr>
+        <p:style>
+          <a:lnRef idx="2">
+            <a:schemeClr val="dk1"/>
+          </a:lnRef>
+          <a:fillRef idx="1">
+            <a:schemeClr val="lt1"/>
+          </a:fillRef>
+          <a:effectRef idx="0">
+            <a:schemeClr val="dk1"/>
+          </a:effectRef>
+          <a:fontRef idx="minor">
+            <a:schemeClr val="dk1"/>
+          </a:fontRef>
+        </p:style>
+        <p:txBody>
+          <a:bodyPr rtlCol="0" anchor="ctr"/>
+          <a:lstStyle>
+            <a:defPPr>
+              <a:defRPr lang="de-DE"/>
+            </a:defPPr>
+            <a:lvl1pPr marL="0" algn="l" defTabSz="914400" rtl="0" eaLnBrk="1" latinLnBrk="0" hangingPunct="1">
+              <a:defRPr sz="1800" kern="1200">
+                <a:solidFill>
+                  <a:schemeClr val="dk1"/>
+                </a:solidFill>
+                <a:latin typeface="+mn-lt"/>
+                <a:ea typeface="+mn-ea"/>
+                <a:cs typeface="+mn-cs"/>
+              </a:defRPr>
+            </a:lvl1pPr>
+            <a:lvl2pPr marL="457200" algn="l" defTabSz="914400" rtl="0" eaLnBrk="1" latinLnBrk="0" hangingPunct="1">
+              <a:defRPr sz="1800" kern="1200">
+                <a:solidFill>
+                  <a:schemeClr val="dk1"/>
+                </a:solidFill>
+                <a:latin typeface="+mn-lt"/>
+                <a:ea typeface="+mn-ea"/>
+                <a:cs typeface="+mn-cs"/>
+              </a:defRPr>
+            </a:lvl2pPr>
+            <a:lvl3pPr marL="914400" algn="l" defTabSz="914400" rtl="0" eaLnBrk="1" latinLnBrk="0" hangingPunct="1">
+              <a:defRPr sz="1800" kern="1200">
+                <a:solidFill>
+                  <a:schemeClr val="dk1"/>
+                </a:solidFill>
+                <a:latin typeface="+mn-lt"/>
+                <a:ea typeface="+mn-ea"/>
+                <a:cs typeface="+mn-cs"/>
+              </a:defRPr>
+            </a:lvl3pPr>
+            <a:lvl4pPr marL="1371600" algn="l" defTabSz="914400" rtl="0" eaLnBrk="1" latinLnBrk="0" hangingPunct="1">
+              <a:defRPr sz="1800" kern="1200">
+                <a:solidFill>
+                  <a:schemeClr val="dk1"/>
+                </a:solidFill>
+                <a:latin typeface="+mn-lt"/>
+                <a:ea typeface="+mn-ea"/>
+                <a:cs typeface="+mn-cs"/>
+              </a:defRPr>
+            </a:lvl4pPr>
+            <a:lvl5pPr marL="1828800" algn="l" defTabSz="914400" rtl="0" eaLnBrk="1" latinLnBrk="0" hangingPunct="1">
+              <a:defRPr sz="1800" kern="1200">
+                <a:solidFill>
+                  <a:schemeClr val="dk1"/>
+                </a:solidFill>
+                <a:latin typeface="+mn-lt"/>
+                <a:ea typeface="+mn-ea"/>
+                <a:cs typeface="+mn-cs"/>
+              </a:defRPr>
+            </a:lvl5pPr>
+            <a:lvl6pPr marL="2286000" algn="l" defTabSz="914400" rtl="0" eaLnBrk="1" latinLnBrk="0" hangingPunct="1">
+              <a:defRPr sz="1800" kern="1200">
+                <a:solidFill>
+                  <a:schemeClr val="dk1"/>
+                </a:solidFill>
+                <a:latin typeface="+mn-lt"/>
+                <a:ea typeface="+mn-ea"/>
+                <a:cs typeface="+mn-cs"/>
+              </a:defRPr>
+            </a:lvl6pPr>
+            <a:lvl7pPr marL="2743200" algn="l" defTabSz="914400" rtl="0" eaLnBrk="1" latinLnBrk="0" hangingPunct="1">
+              <a:defRPr sz="1800" kern="1200">
+                <a:solidFill>
+                  <a:schemeClr val="dk1"/>
+                </a:solidFill>
+                <a:latin typeface="+mn-lt"/>
+                <a:ea typeface="+mn-ea"/>
+                <a:cs typeface="+mn-cs"/>
+              </a:defRPr>
+            </a:lvl7pPr>
+            <a:lvl8pPr marL="3200400" algn="l" defTabSz="914400" rtl="0" eaLnBrk="1" latinLnBrk="0" hangingPunct="1">
+              <a:defRPr sz="1800" kern="1200">
+                <a:solidFill>
+                  <a:schemeClr val="dk1"/>
+                </a:solidFill>
+                <a:latin typeface="+mn-lt"/>
+                <a:ea typeface="+mn-ea"/>
+                <a:cs typeface="+mn-cs"/>
+              </a:defRPr>
+            </a:lvl8pPr>
+            <a:lvl9pPr marL="3657600" algn="l" defTabSz="914400" rtl="0" eaLnBrk="1" latinLnBrk="0" hangingPunct="1">
+              <a:defRPr sz="1800" kern="1200">
+                <a:solidFill>
+                  <a:schemeClr val="dk1"/>
+                </a:solidFill>
+                <a:latin typeface="+mn-lt"/>
+                <a:ea typeface="+mn-ea"/>
+                <a:cs typeface="+mn-cs"/>
+              </a:defRPr>
+            </a:lvl9pPr>
+          </a:lstStyle>
+          <a:p>
+            <a:endParaRPr lang="de-DE"/>
+          </a:p>
+        </p:txBody>
+      </p:sp>
+      <p:sp>
+        <p:nvSpPr>
+          <p:cNvPr id="456" name="Rectangle 455">
+            <a:extLst>
+              <a:ext uri="{FF2B5EF4-FFF2-40B4-BE49-F238E27FC236}">
+                <a16:creationId xmlns:a16="http://schemas.microsoft.com/office/drawing/2014/main" id="{A09AB4F5-3B43-4073-B92F-4379678461F2}"/>
+              </a:ext>
+            </a:extLst>
+          </p:cNvPr>
+          <p:cNvSpPr/>
+          <p:nvPr/>
+        </p:nvSpPr>
+        <p:spPr>
+          <a:xfrm>
+            <a:off x="9760804" y="3816565"/>
+            <a:ext cx="406237" cy="124847"/>
+          </a:xfrm>
+          <a:prstGeom prst="rect">
+            <a:avLst/>
+          </a:prstGeom>
+          <a:solidFill>
+            <a:schemeClr val="bg1">
+              <a:lumMod val="85000"/>
+            </a:schemeClr>
+          </a:solidFill>
+        </p:spPr>
+        <p:style>
+          <a:lnRef idx="2">
+            <a:schemeClr val="dk1"/>
+          </a:lnRef>
+          <a:fillRef idx="1">
+            <a:schemeClr val="lt1"/>
+          </a:fillRef>
+          <a:effectRef idx="0">
+            <a:schemeClr val="dk1"/>
+          </a:effectRef>
+          <a:fontRef idx="minor">
+            <a:schemeClr val="dk1"/>
+          </a:fontRef>
+        </p:style>
+        <p:txBody>
+          <a:bodyPr rtlCol="0" anchor="ctr"/>
+          <a:lstStyle>
+            <a:defPPr>
+              <a:defRPr lang="de-DE"/>
+            </a:defPPr>
+            <a:lvl1pPr marL="0" algn="l" defTabSz="914400" rtl="0" eaLnBrk="1" latinLnBrk="0" hangingPunct="1">
+              <a:defRPr sz="1800" kern="1200">
+                <a:solidFill>
+                  <a:schemeClr val="dk1"/>
+                </a:solidFill>
+                <a:latin typeface="+mn-lt"/>
+                <a:ea typeface="+mn-ea"/>
+                <a:cs typeface="+mn-cs"/>
+              </a:defRPr>
+            </a:lvl1pPr>
+            <a:lvl2pPr marL="457200" algn="l" defTabSz="914400" rtl="0" eaLnBrk="1" latinLnBrk="0" hangingPunct="1">
+              <a:defRPr sz="1800" kern="1200">
+                <a:solidFill>
+                  <a:schemeClr val="dk1"/>
+                </a:solidFill>
+                <a:latin typeface="+mn-lt"/>
+                <a:ea typeface="+mn-ea"/>
+                <a:cs typeface="+mn-cs"/>
+              </a:defRPr>
+            </a:lvl2pPr>
+            <a:lvl3pPr marL="914400" algn="l" defTabSz="914400" rtl="0" eaLnBrk="1" latinLnBrk="0" hangingPunct="1">
+              <a:defRPr sz="1800" kern="1200">
+                <a:solidFill>
+                  <a:schemeClr val="dk1"/>
+                </a:solidFill>
+                <a:latin typeface="+mn-lt"/>
+                <a:ea typeface="+mn-ea"/>
+                <a:cs typeface="+mn-cs"/>
+              </a:defRPr>
+            </a:lvl3pPr>
+            <a:lvl4pPr marL="1371600" algn="l" defTabSz="914400" rtl="0" eaLnBrk="1" latinLnBrk="0" hangingPunct="1">
+              <a:defRPr sz="1800" kern="1200">
+                <a:solidFill>
+                  <a:schemeClr val="dk1"/>
+                </a:solidFill>
+                <a:latin typeface="+mn-lt"/>
+                <a:ea typeface="+mn-ea"/>
+                <a:cs typeface="+mn-cs"/>
+              </a:defRPr>
+            </a:lvl4pPr>
+            <a:lvl5pPr marL="1828800" algn="l" defTabSz="914400" rtl="0" eaLnBrk="1" latinLnBrk="0" hangingPunct="1">
+              <a:defRPr sz="1800" kern="1200">
+                <a:solidFill>
+                  <a:schemeClr val="dk1"/>
+                </a:solidFill>
+                <a:latin typeface="+mn-lt"/>
+                <a:ea typeface="+mn-ea"/>
+                <a:cs typeface="+mn-cs"/>
+              </a:defRPr>
+            </a:lvl5pPr>
+            <a:lvl6pPr marL="2286000" algn="l" defTabSz="914400" rtl="0" eaLnBrk="1" latinLnBrk="0" hangingPunct="1">
+              <a:defRPr sz="1800" kern="1200">
+                <a:solidFill>
+                  <a:schemeClr val="dk1"/>
+                </a:solidFill>
+                <a:latin typeface="+mn-lt"/>
+                <a:ea typeface="+mn-ea"/>
+                <a:cs typeface="+mn-cs"/>
+              </a:defRPr>
+            </a:lvl6pPr>
+            <a:lvl7pPr marL="2743200" algn="l" defTabSz="914400" rtl="0" eaLnBrk="1" latinLnBrk="0" hangingPunct="1">
+              <a:defRPr sz="1800" kern="1200">
+                <a:solidFill>
+                  <a:schemeClr val="dk1"/>
+                </a:solidFill>
+                <a:latin typeface="+mn-lt"/>
+                <a:ea typeface="+mn-ea"/>
+                <a:cs typeface="+mn-cs"/>
+              </a:defRPr>
+            </a:lvl7pPr>
+            <a:lvl8pPr marL="3200400" algn="l" defTabSz="914400" rtl="0" eaLnBrk="1" latinLnBrk="0" hangingPunct="1">
+              <a:defRPr sz="1800" kern="1200">
+                <a:solidFill>
+                  <a:schemeClr val="dk1"/>
+                </a:solidFill>
+                <a:latin typeface="+mn-lt"/>
+                <a:ea typeface="+mn-ea"/>
+                <a:cs typeface="+mn-cs"/>
+              </a:defRPr>
+            </a:lvl8pPr>
+            <a:lvl9pPr marL="3657600" algn="l" defTabSz="914400" rtl="0" eaLnBrk="1" latinLnBrk="0" hangingPunct="1">
+              <a:defRPr sz="1800" kern="1200">
+                <a:solidFill>
+                  <a:schemeClr val="dk1"/>
+                </a:solidFill>
+                <a:latin typeface="+mn-lt"/>
+                <a:ea typeface="+mn-ea"/>
+                <a:cs typeface="+mn-cs"/>
+              </a:defRPr>
+            </a:lvl9pPr>
+          </a:lstStyle>
+          <a:p>
+            <a:endParaRPr lang="de-DE"/>
+          </a:p>
+        </p:txBody>
+      </p:sp>
+      <p:sp>
+        <p:nvSpPr>
+          <p:cNvPr id="457" name="Rectangle 456">
+            <a:extLst>
+              <a:ext uri="{FF2B5EF4-FFF2-40B4-BE49-F238E27FC236}">
+                <a16:creationId xmlns:a16="http://schemas.microsoft.com/office/drawing/2014/main" id="{2E251AC5-B183-4AE1-A905-E1ECD5DF58DA}"/>
+              </a:ext>
+            </a:extLst>
+          </p:cNvPr>
+          <p:cNvSpPr/>
+          <p:nvPr/>
+        </p:nvSpPr>
+        <p:spPr>
+          <a:xfrm>
+            <a:off x="10167041" y="3816565"/>
+            <a:ext cx="406237" cy="124847"/>
+          </a:xfrm>
+          <a:prstGeom prst="rect">
+            <a:avLst/>
+          </a:prstGeom>
+          <a:solidFill>
+            <a:schemeClr val="bg1">
+              <a:lumMod val="85000"/>
+            </a:schemeClr>
+          </a:solidFill>
+        </p:spPr>
+        <p:style>
+          <a:lnRef idx="2">
+            <a:schemeClr val="dk1"/>
+          </a:lnRef>
+          <a:fillRef idx="1">
+            <a:schemeClr val="lt1"/>
+          </a:fillRef>
+          <a:effectRef idx="0">
+            <a:schemeClr val="dk1"/>
+          </a:effectRef>
+          <a:fontRef idx="minor">
+            <a:schemeClr val="dk1"/>
+          </a:fontRef>
+        </p:style>
+        <p:txBody>
+          <a:bodyPr rtlCol="0" anchor="ctr"/>
+          <a:lstStyle>
+            <a:defPPr>
+              <a:defRPr lang="de-DE"/>
+            </a:defPPr>
+            <a:lvl1pPr marL="0" algn="l" defTabSz="914400" rtl="0" eaLnBrk="1" latinLnBrk="0" hangingPunct="1">
+              <a:defRPr sz="1800" kern="1200">
+                <a:solidFill>
+                  <a:schemeClr val="dk1"/>
+                </a:solidFill>
+                <a:latin typeface="+mn-lt"/>
+                <a:ea typeface="+mn-ea"/>
+                <a:cs typeface="+mn-cs"/>
+              </a:defRPr>
+            </a:lvl1pPr>
+            <a:lvl2pPr marL="457200" algn="l" defTabSz="914400" rtl="0" eaLnBrk="1" latinLnBrk="0" hangingPunct="1">
+              <a:defRPr sz="1800" kern="1200">
+                <a:solidFill>
+                  <a:schemeClr val="dk1"/>
+                </a:solidFill>
+                <a:latin typeface="+mn-lt"/>
+                <a:ea typeface="+mn-ea"/>
+                <a:cs typeface="+mn-cs"/>
+              </a:defRPr>
+            </a:lvl2pPr>
+            <a:lvl3pPr marL="914400" algn="l" defTabSz="914400" rtl="0" eaLnBrk="1" latinLnBrk="0" hangingPunct="1">
+              <a:defRPr sz="1800" kern="1200">
+                <a:solidFill>
+                  <a:schemeClr val="dk1"/>
+                </a:solidFill>
+                <a:latin typeface="+mn-lt"/>
+                <a:ea typeface="+mn-ea"/>
+                <a:cs typeface="+mn-cs"/>
+              </a:defRPr>
+            </a:lvl3pPr>
+            <a:lvl4pPr marL="1371600" algn="l" defTabSz="914400" rtl="0" eaLnBrk="1" latinLnBrk="0" hangingPunct="1">
+              <a:defRPr sz="1800" kern="1200">
+                <a:solidFill>
+                  <a:schemeClr val="dk1"/>
+                </a:solidFill>
+                <a:latin typeface="+mn-lt"/>
+                <a:ea typeface="+mn-ea"/>
+                <a:cs typeface="+mn-cs"/>
+              </a:defRPr>
+            </a:lvl4pPr>
+            <a:lvl5pPr marL="1828800" algn="l" defTabSz="914400" rtl="0" eaLnBrk="1" latinLnBrk="0" hangingPunct="1">
+              <a:defRPr sz="1800" kern="1200">
+                <a:solidFill>
+                  <a:schemeClr val="dk1"/>
+                </a:solidFill>
+                <a:latin typeface="+mn-lt"/>
+                <a:ea typeface="+mn-ea"/>
+                <a:cs typeface="+mn-cs"/>
+              </a:defRPr>
+            </a:lvl5pPr>
+            <a:lvl6pPr marL="2286000" algn="l" defTabSz="914400" rtl="0" eaLnBrk="1" latinLnBrk="0" hangingPunct="1">
+              <a:defRPr sz="1800" kern="1200">
+                <a:solidFill>
+                  <a:schemeClr val="dk1"/>
+                </a:solidFill>
+                <a:latin typeface="+mn-lt"/>
+                <a:ea typeface="+mn-ea"/>
+                <a:cs typeface="+mn-cs"/>
+              </a:defRPr>
+            </a:lvl6pPr>
+            <a:lvl7pPr marL="2743200" algn="l" defTabSz="914400" rtl="0" eaLnBrk="1" latinLnBrk="0" hangingPunct="1">
+              <a:defRPr sz="1800" kern="1200">
+                <a:solidFill>
+                  <a:schemeClr val="dk1"/>
+                </a:solidFill>
+                <a:latin typeface="+mn-lt"/>
+                <a:ea typeface="+mn-ea"/>
+                <a:cs typeface="+mn-cs"/>
+              </a:defRPr>
+            </a:lvl7pPr>
+            <a:lvl8pPr marL="3200400" algn="l" defTabSz="914400" rtl="0" eaLnBrk="1" latinLnBrk="0" hangingPunct="1">
+              <a:defRPr sz="1800" kern="1200">
+                <a:solidFill>
+                  <a:schemeClr val="dk1"/>
+                </a:solidFill>
+                <a:latin typeface="+mn-lt"/>
+                <a:ea typeface="+mn-ea"/>
+                <a:cs typeface="+mn-cs"/>
+              </a:defRPr>
+            </a:lvl8pPr>
+            <a:lvl9pPr marL="3657600" algn="l" defTabSz="914400" rtl="0" eaLnBrk="1" latinLnBrk="0" hangingPunct="1">
+              <a:defRPr sz="1800" kern="1200">
+                <a:solidFill>
+                  <a:schemeClr val="dk1"/>
+                </a:solidFill>
+                <a:latin typeface="+mn-lt"/>
+                <a:ea typeface="+mn-ea"/>
+                <a:cs typeface="+mn-cs"/>
+              </a:defRPr>
+            </a:lvl9pPr>
+          </a:lstStyle>
+          <a:p>
+            <a:endParaRPr lang="de-DE"/>
+          </a:p>
+        </p:txBody>
+      </p:sp>
+      <p:sp>
+        <p:nvSpPr>
+          <p:cNvPr id="462" name="Rectangle 461">
+            <a:extLst>
+              <a:ext uri="{FF2B5EF4-FFF2-40B4-BE49-F238E27FC236}">
+                <a16:creationId xmlns:a16="http://schemas.microsoft.com/office/drawing/2014/main" id="{27437E3C-D700-4B0A-9E6D-E241B064E78E}"/>
+              </a:ext>
+            </a:extLst>
+          </p:cNvPr>
+          <p:cNvSpPr/>
+          <p:nvPr/>
+        </p:nvSpPr>
+        <p:spPr>
+          <a:xfrm>
+            <a:off x="10979513" y="3816564"/>
+            <a:ext cx="246962" cy="129185"/>
+          </a:xfrm>
+          <a:prstGeom prst="rect">
+            <a:avLst/>
+          </a:prstGeom>
+          <a:solidFill>
+            <a:schemeClr val="bg1">
+              <a:lumMod val="85000"/>
+            </a:schemeClr>
+          </a:solidFill>
+        </p:spPr>
+        <p:style>
+          <a:lnRef idx="2">
+            <a:schemeClr val="dk1"/>
+          </a:lnRef>
+          <a:fillRef idx="1">
+            <a:schemeClr val="lt1"/>
+          </a:fillRef>
+          <a:effectRef idx="0">
+            <a:schemeClr val="dk1"/>
+          </a:effectRef>
+          <a:fontRef idx="minor">
+            <a:schemeClr val="dk1"/>
+          </a:fontRef>
+        </p:style>
+        <p:txBody>
+          <a:bodyPr rtlCol="0" anchor="ctr"/>
+          <a:lstStyle>
+            <a:defPPr>
+              <a:defRPr lang="de-DE"/>
+            </a:defPPr>
+            <a:lvl1pPr marL="0" algn="l" defTabSz="914400" rtl="0" eaLnBrk="1" latinLnBrk="0" hangingPunct="1">
+              <a:defRPr sz="1800" kern="1200">
+                <a:solidFill>
+                  <a:schemeClr val="dk1"/>
+                </a:solidFill>
+                <a:latin typeface="+mn-lt"/>
+                <a:ea typeface="+mn-ea"/>
+                <a:cs typeface="+mn-cs"/>
+              </a:defRPr>
+            </a:lvl1pPr>
+            <a:lvl2pPr marL="457200" algn="l" defTabSz="914400" rtl="0" eaLnBrk="1" latinLnBrk="0" hangingPunct="1">
+              <a:defRPr sz="1800" kern="1200">
+                <a:solidFill>
+                  <a:schemeClr val="dk1"/>
+                </a:solidFill>
+                <a:latin typeface="+mn-lt"/>
+                <a:ea typeface="+mn-ea"/>
+                <a:cs typeface="+mn-cs"/>
+              </a:defRPr>
+            </a:lvl2pPr>
+            <a:lvl3pPr marL="914400" algn="l" defTabSz="914400" rtl="0" eaLnBrk="1" latinLnBrk="0" hangingPunct="1">
+              <a:defRPr sz="1800" kern="1200">
+                <a:solidFill>
+                  <a:schemeClr val="dk1"/>
+                </a:solidFill>
+                <a:latin typeface="+mn-lt"/>
+                <a:ea typeface="+mn-ea"/>
+                <a:cs typeface="+mn-cs"/>
+              </a:defRPr>
+            </a:lvl3pPr>
+            <a:lvl4pPr marL="1371600" algn="l" defTabSz="914400" rtl="0" eaLnBrk="1" latinLnBrk="0" hangingPunct="1">
+              <a:defRPr sz="1800" kern="1200">
+                <a:solidFill>
+                  <a:schemeClr val="dk1"/>
+                </a:solidFill>
+                <a:latin typeface="+mn-lt"/>
+                <a:ea typeface="+mn-ea"/>
+                <a:cs typeface="+mn-cs"/>
+              </a:defRPr>
+            </a:lvl4pPr>
+            <a:lvl5pPr marL="1828800" algn="l" defTabSz="914400" rtl="0" eaLnBrk="1" latinLnBrk="0" hangingPunct="1">
+              <a:defRPr sz="1800" kern="1200">
+                <a:solidFill>
+                  <a:schemeClr val="dk1"/>
+                </a:solidFill>
+                <a:latin typeface="+mn-lt"/>
+                <a:ea typeface="+mn-ea"/>
+                <a:cs typeface="+mn-cs"/>
+              </a:defRPr>
+            </a:lvl5pPr>
+            <a:lvl6pPr marL="2286000" algn="l" defTabSz="914400" rtl="0" eaLnBrk="1" latinLnBrk="0" hangingPunct="1">
+              <a:defRPr sz="1800" kern="1200">
+                <a:solidFill>
+                  <a:schemeClr val="dk1"/>
+                </a:solidFill>
+                <a:latin typeface="+mn-lt"/>
+                <a:ea typeface="+mn-ea"/>
+                <a:cs typeface="+mn-cs"/>
+              </a:defRPr>
+            </a:lvl6pPr>
+            <a:lvl7pPr marL="2743200" algn="l" defTabSz="914400" rtl="0" eaLnBrk="1" latinLnBrk="0" hangingPunct="1">
+              <a:defRPr sz="1800" kern="1200">
+                <a:solidFill>
+                  <a:schemeClr val="dk1"/>
+                </a:solidFill>
+                <a:latin typeface="+mn-lt"/>
+                <a:ea typeface="+mn-ea"/>
+                <a:cs typeface="+mn-cs"/>
+              </a:defRPr>
+            </a:lvl7pPr>
+            <a:lvl8pPr marL="3200400" algn="l" defTabSz="914400" rtl="0" eaLnBrk="1" latinLnBrk="0" hangingPunct="1">
+              <a:defRPr sz="1800" kern="1200">
+                <a:solidFill>
+                  <a:schemeClr val="dk1"/>
+                </a:solidFill>
+                <a:latin typeface="+mn-lt"/>
+                <a:ea typeface="+mn-ea"/>
+                <a:cs typeface="+mn-cs"/>
+              </a:defRPr>
+            </a:lvl8pPr>
+            <a:lvl9pPr marL="3657600" algn="l" defTabSz="914400" rtl="0" eaLnBrk="1" latinLnBrk="0" hangingPunct="1">
+              <a:defRPr sz="1800" kern="1200">
+                <a:solidFill>
+                  <a:schemeClr val="dk1"/>
+                </a:solidFill>
+                <a:latin typeface="+mn-lt"/>
+                <a:ea typeface="+mn-ea"/>
+                <a:cs typeface="+mn-cs"/>
+              </a:defRPr>
+            </a:lvl9pPr>
+          </a:lstStyle>
+          <a:p>
+            <a:endParaRPr lang="de-DE"/>
+          </a:p>
+        </p:txBody>
+      </p:sp>
+      <p:sp>
+        <p:nvSpPr>
+          <p:cNvPr id="478" name="Rectangle 477">
+            <a:extLst>
+              <a:ext uri="{FF2B5EF4-FFF2-40B4-BE49-F238E27FC236}">
+                <a16:creationId xmlns:a16="http://schemas.microsoft.com/office/drawing/2014/main" id="{0E9B8DDD-A107-4599-95F3-F17A9CE3A340}"/>
+              </a:ext>
+            </a:extLst>
+          </p:cNvPr>
+          <p:cNvSpPr/>
+          <p:nvPr/>
+        </p:nvSpPr>
+        <p:spPr>
+          <a:xfrm>
+            <a:off x="10573277" y="3945749"/>
+            <a:ext cx="406237" cy="692926"/>
+          </a:xfrm>
+          <a:prstGeom prst="rect">
+            <a:avLst/>
+          </a:prstGeom>
+        </p:spPr>
+        <p:style>
+          <a:lnRef idx="2">
+            <a:schemeClr val="dk1"/>
+          </a:lnRef>
+          <a:fillRef idx="1">
+            <a:schemeClr val="lt1"/>
+          </a:fillRef>
+          <a:effectRef idx="0">
+            <a:schemeClr val="dk1"/>
+          </a:effectRef>
+          <a:fontRef idx="minor">
+            <a:schemeClr val="dk1"/>
+          </a:fontRef>
+        </p:style>
+        <p:txBody>
+          <a:bodyPr rtlCol="0" anchor="ctr"/>
+          <a:lstStyle>
+            <a:defPPr>
+              <a:defRPr lang="de-DE"/>
+            </a:defPPr>
+            <a:lvl1pPr marL="0" algn="l" defTabSz="914400" rtl="0" eaLnBrk="1" latinLnBrk="0" hangingPunct="1">
+              <a:defRPr sz="1800" kern="1200">
+                <a:solidFill>
+                  <a:schemeClr val="dk1"/>
+                </a:solidFill>
+                <a:latin typeface="+mn-lt"/>
+                <a:ea typeface="+mn-ea"/>
+                <a:cs typeface="+mn-cs"/>
+              </a:defRPr>
+            </a:lvl1pPr>
+            <a:lvl2pPr marL="457200" algn="l" defTabSz="914400" rtl="0" eaLnBrk="1" latinLnBrk="0" hangingPunct="1">
+              <a:defRPr sz="1800" kern="1200">
+                <a:solidFill>
+                  <a:schemeClr val="dk1"/>
+                </a:solidFill>
+                <a:latin typeface="+mn-lt"/>
+                <a:ea typeface="+mn-ea"/>
+                <a:cs typeface="+mn-cs"/>
+              </a:defRPr>
+            </a:lvl2pPr>
+            <a:lvl3pPr marL="914400" algn="l" defTabSz="914400" rtl="0" eaLnBrk="1" latinLnBrk="0" hangingPunct="1">
+              <a:defRPr sz="1800" kern="1200">
+                <a:solidFill>
+                  <a:schemeClr val="dk1"/>
+                </a:solidFill>
+                <a:latin typeface="+mn-lt"/>
+                <a:ea typeface="+mn-ea"/>
+                <a:cs typeface="+mn-cs"/>
+              </a:defRPr>
+            </a:lvl3pPr>
+            <a:lvl4pPr marL="1371600" algn="l" defTabSz="914400" rtl="0" eaLnBrk="1" latinLnBrk="0" hangingPunct="1">
+              <a:defRPr sz="1800" kern="1200">
+                <a:solidFill>
+                  <a:schemeClr val="dk1"/>
+                </a:solidFill>
+                <a:latin typeface="+mn-lt"/>
+                <a:ea typeface="+mn-ea"/>
+                <a:cs typeface="+mn-cs"/>
+              </a:defRPr>
+            </a:lvl4pPr>
+            <a:lvl5pPr marL="1828800" algn="l" defTabSz="914400" rtl="0" eaLnBrk="1" latinLnBrk="0" hangingPunct="1">
+              <a:defRPr sz="1800" kern="1200">
+                <a:solidFill>
+                  <a:schemeClr val="dk1"/>
+                </a:solidFill>
+                <a:latin typeface="+mn-lt"/>
+                <a:ea typeface="+mn-ea"/>
+                <a:cs typeface="+mn-cs"/>
+              </a:defRPr>
+            </a:lvl5pPr>
+            <a:lvl6pPr marL="2286000" algn="l" defTabSz="914400" rtl="0" eaLnBrk="1" latinLnBrk="0" hangingPunct="1">
+              <a:defRPr sz="1800" kern="1200">
+                <a:solidFill>
+                  <a:schemeClr val="dk1"/>
+                </a:solidFill>
+                <a:latin typeface="+mn-lt"/>
+                <a:ea typeface="+mn-ea"/>
+                <a:cs typeface="+mn-cs"/>
+              </a:defRPr>
+            </a:lvl6pPr>
+            <a:lvl7pPr marL="2743200" algn="l" defTabSz="914400" rtl="0" eaLnBrk="1" latinLnBrk="0" hangingPunct="1">
+              <a:defRPr sz="1800" kern="1200">
+                <a:solidFill>
+                  <a:schemeClr val="dk1"/>
+                </a:solidFill>
+                <a:latin typeface="+mn-lt"/>
+                <a:ea typeface="+mn-ea"/>
+                <a:cs typeface="+mn-cs"/>
+              </a:defRPr>
+            </a:lvl7pPr>
+            <a:lvl8pPr marL="3200400" algn="l" defTabSz="914400" rtl="0" eaLnBrk="1" latinLnBrk="0" hangingPunct="1">
+              <a:defRPr sz="1800" kern="1200">
+                <a:solidFill>
+                  <a:schemeClr val="dk1"/>
+                </a:solidFill>
+                <a:latin typeface="+mn-lt"/>
+                <a:ea typeface="+mn-ea"/>
+                <a:cs typeface="+mn-cs"/>
+              </a:defRPr>
+            </a:lvl8pPr>
+            <a:lvl9pPr marL="3657600" algn="l" defTabSz="914400" rtl="0" eaLnBrk="1" latinLnBrk="0" hangingPunct="1">
+              <a:defRPr sz="1800" kern="1200">
+                <a:solidFill>
+                  <a:schemeClr val="dk1"/>
+                </a:solidFill>
+                <a:latin typeface="+mn-lt"/>
+                <a:ea typeface="+mn-ea"/>
+                <a:cs typeface="+mn-cs"/>
+              </a:defRPr>
+            </a:lvl9pPr>
+          </a:lstStyle>
+          <a:p>
+            <a:endParaRPr lang="de-DE"/>
+          </a:p>
+        </p:txBody>
+      </p:sp>
+      <p:sp>
+        <p:nvSpPr>
+          <p:cNvPr id="480" name="Rectangle 479">
+            <a:extLst>
+              <a:ext uri="{FF2B5EF4-FFF2-40B4-BE49-F238E27FC236}">
+                <a16:creationId xmlns:a16="http://schemas.microsoft.com/office/drawing/2014/main" id="{931DC5F1-EC05-494A-BD43-A0E559720A7B}"/>
+              </a:ext>
+            </a:extLst>
+          </p:cNvPr>
+          <p:cNvSpPr/>
+          <p:nvPr/>
+        </p:nvSpPr>
+        <p:spPr>
+          <a:xfrm>
+            <a:off x="10573276" y="3816564"/>
+            <a:ext cx="406237" cy="129185"/>
+          </a:xfrm>
+          <a:prstGeom prst="rect">
+            <a:avLst/>
+          </a:prstGeom>
+          <a:solidFill>
+            <a:schemeClr val="bg1">
+              <a:lumMod val="85000"/>
+            </a:schemeClr>
+          </a:solidFill>
+        </p:spPr>
+        <p:style>
+          <a:lnRef idx="2">
+            <a:schemeClr val="dk1"/>
+          </a:lnRef>
+          <a:fillRef idx="1">
+            <a:schemeClr val="lt1"/>
+          </a:fillRef>
+          <a:effectRef idx="0">
+            <a:schemeClr val="dk1"/>
+          </a:effectRef>
+          <a:fontRef idx="minor">
+            <a:schemeClr val="dk1"/>
+          </a:fontRef>
+        </p:style>
+        <p:txBody>
+          <a:bodyPr rtlCol="0" anchor="ctr"/>
+          <a:lstStyle>
+            <a:defPPr>
+              <a:defRPr lang="de-DE"/>
+            </a:defPPr>
+            <a:lvl1pPr marL="0" algn="l" defTabSz="914400" rtl="0" eaLnBrk="1" latinLnBrk="0" hangingPunct="1">
+              <a:defRPr sz="1800" kern="1200">
+                <a:solidFill>
+                  <a:schemeClr val="dk1"/>
+                </a:solidFill>
+                <a:latin typeface="+mn-lt"/>
+                <a:ea typeface="+mn-ea"/>
+                <a:cs typeface="+mn-cs"/>
+              </a:defRPr>
+            </a:lvl1pPr>
+            <a:lvl2pPr marL="457200" algn="l" defTabSz="914400" rtl="0" eaLnBrk="1" latinLnBrk="0" hangingPunct="1">
+              <a:defRPr sz="1800" kern="1200">
+                <a:solidFill>
+                  <a:schemeClr val="dk1"/>
+                </a:solidFill>
+                <a:latin typeface="+mn-lt"/>
+                <a:ea typeface="+mn-ea"/>
+                <a:cs typeface="+mn-cs"/>
+              </a:defRPr>
+            </a:lvl2pPr>
+            <a:lvl3pPr marL="914400" algn="l" defTabSz="914400" rtl="0" eaLnBrk="1" latinLnBrk="0" hangingPunct="1">
+              <a:defRPr sz="1800" kern="1200">
+                <a:solidFill>
+                  <a:schemeClr val="dk1"/>
+                </a:solidFill>
+                <a:latin typeface="+mn-lt"/>
+                <a:ea typeface="+mn-ea"/>
+                <a:cs typeface="+mn-cs"/>
+              </a:defRPr>
+            </a:lvl3pPr>
+            <a:lvl4pPr marL="1371600" algn="l" defTabSz="914400" rtl="0" eaLnBrk="1" latinLnBrk="0" hangingPunct="1">
+              <a:defRPr sz="1800" kern="1200">
+                <a:solidFill>
+                  <a:schemeClr val="dk1"/>
+                </a:solidFill>
+                <a:latin typeface="+mn-lt"/>
+                <a:ea typeface="+mn-ea"/>
+                <a:cs typeface="+mn-cs"/>
+              </a:defRPr>
+            </a:lvl4pPr>
+            <a:lvl5pPr marL="1828800" algn="l" defTabSz="914400" rtl="0" eaLnBrk="1" latinLnBrk="0" hangingPunct="1">
+              <a:defRPr sz="1800" kern="1200">
+                <a:solidFill>
+                  <a:schemeClr val="dk1"/>
+                </a:solidFill>
+                <a:latin typeface="+mn-lt"/>
+                <a:ea typeface="+mn-ea"/>
+                <a:cs typeface="+mn-cs"/>
+              </a:defRPr>
+            </a:lvl5pPr>
+            <a:lvl6pPr marL="2286000" algn="l" defTabSz="914400" rtl="0" eaLnBrk="1" latinLnBrk="0" hangingPunct="1">
+              <a:defRPr sz="1800" kern="1200">
+                <a:solidFill>
+                  <a:schemeClr val="dk1"/>
+                </a:solidFill>
+                <a:latin typeface="+mn-lt"/>
+                <a:ea typeface="+mn-ea"/>
+                <a:cs typeface="+mn-cs"/>
+              </a:defRPr>
+            </a:lvl6pPr>
+            <a:lvl7pPr marL="2743200" algn="l" defTabSz="914400" rtl="0" eaLnBrk="1" latinLnBrk="0" hangingPunct="1">
+              <a:defRPr sz="1800" kern="1200">
+                <a:solidFill>
+                  <a:schemeClr val="dk1"/>
+                </a:solidFill>
+                <a:latin typeface="+mn-lt"/>
+                <a:ea typeface="+mn-ea"/>
+                <a:cs typeface="+mn-cs"/>
+              </a:defRPr>
+            </a:lvl7pPr>
+            <a:lvl8pPr marL="3200400" algn="l" defTabSz="914400" rtl="0" eaLnBrk="1" latinLnBrk="0" hangingPunct="1">
+              <a:defRPr sz="1800" kern="1200">
+                <a:solidFill>
+                  <a:schemeClr val="dk1"/>
+                </a:solidFill>
+                <a:latin typeface="+mn-lt"/>
+                <a:ea typeface="+mn-ea"/>
+                <a:cs typeface="+mn-cs"/>
+              </a:defRPr>
+            </a:lvl8pPr>
+            <a:lvl9pPr marL="3657600" algn="l" defTabSz="914400" rtl="0" eaLnBrk="1" latinLnBrk="0" hangingPunct="1">
+              <a:defRPr sz="1800" kern="1200">
+                <a:solidFill>
+                  <a:schemeClr val="dk1"/>
+                </a:solidFill>
+                <a:latin typeface="+mn-lt"/>
+                <a:ea typeface="+mn-ea"/>
+                <a:cs typeface="+mn-cs"/>
+              </a:defRPr>
+            </a:lvl9pPr>
+          </a:lstStyle>
+          <a:p>
+            <a:endParaRPr lang="de-DE"/>
+          </a:p>
+        </p:txBody>
+      </p:sp>
+      <p:cxnSp>
+        <p:nvCxnSpPr>
+          <p:cNvPr id="481" name="Straight Connector 480">
+            <a:extLst>
+              <a:ext uri="{FF2B5EF4-FFF2-40B4-BE49-F238E27FC236}">
+                <a16:creationId xmlns:a16="http://schemas.microsoft.com/office/drawing/2014/main" id="{4E66B7A2-3C2B-4375-8C1E-7095E88BDABA}"/>
+              </a:ext>
+            </a:extLst>
+          </p:cNvPr>
+          <p:cNvCxnSpPr/>
+          <p:nvPr/>
+        </p:nvCxnSpPr>
+        <p:spPr>
+          <a:xfrm>
+            <a:off x="9354568" y="4066030"/>
+            <a:ext cx="1871906" cy="0"/>
+          </a:xfrm>
+          <a:prstGeom prst="line">
+            <a:avLst/>
+          </a:prstGeom>
+        </p:spPr>
+        <p:style>
+          <a:lnRef idx="1">
+            <a:schemeClr val="dk1"/>
+          </a:lnRef>
+          <a:fillRef idx="0">
+            <a:schemeClr val="dk1"/>
+          </a:fillRef>
+          <a:effectRef idx="0">
+            <a:schemeClr val="dk1"/>
+          </a:effectRef>
+          <a:fontRef idx="minor">
+            <a:schemeClr val="tx1"/>
+          </a:fontRef>
+        </p:style>
+      </p:cxnSp>
+      <p:cxnSp>
+        <p:nvCxnSpPr>
+          <p:cNvPr id="482" name="Straight Connector 481">
+            <a:extLst>
+              <a:ext uri="{FF2B5EF4-FFF2-40B4-BE49-F238E27FC236}">
+                <a16:creationId xmlns:a16="http://schemas.microsoft.com/office/drawing/2014/main" id="{57CF2DC2-B647-4EB4-9B2C-A981EFCAD586}"/>
+              </a:ext>
+            </a:extLst>
+          </p:cNvPr>
+          <p:cNvCxnSpPr/>
+          <p:nvPr/>
+        </p:nvCxnSpPr>
+        <p:spPr>
+          <a:xfrm>
+            <a:off x="9354568" y="4410778"/>
+            <a:ext cx="1871906" cy="0"/>
+          </a:xfrm>
+          <a:prstGeom prst="line">
+            <a:avLst/>
+          </a:prstGeom>
+        </p:spPr>
+        <p:style>
+          <a:lnRef idx="1">
+            <a:schemeClr val="dk1"/>
+          </a:lnRef>
+          <a:fillRef idx="0">
+            <a:schemeClr val="dk1"/>
+          </a:fillRef>
+          <a:effectRef idx="0">
+            <a:schemeClr val="dk1"/>
+          </a:effectRef>
+          <a:fontRef idx="minor">
+            <a:schemeClr val="tx1"/>
+          </a:fontRef>
+        </p:style>
+      </p:cxnSp>
+      <p:cxnSp>
+        <p:nvCxnSpPr>
+          <p:cNvPr id="483" name="Straight Connector 482">
+            <a:extLst>
+              <a:ext uri="{FF2B5EF4-FFF2-40B4-BE49-F238E27FC236}">
+                <a16:creationId xmlns:a16="http://schemas.microsoft.com/office/drawing/2014/main" id="{18DB246C-0716-4959-91FC-B82E0EFCBFF9}"/>
+              </a:ext>
+            </a:extLst>
+          </p:cNvPr>
+          <p:cNvCxnSpPr/>
+          <p:nvPr/>
+        </p:nvCxnSpPr>
+        <p:spPr>
+          <a:xfrm>
+            <a:off x="9355992" y="4303573"/>
+            <a:ext cx="1871906" cy="0"/>
+          </a:xfrm>
+          <a:prstGeom prst="line">
+            <a:avLst/>
+          </a:prstGeom>
+        </p:spPr>
+        <p:style>
+          <a:lnRef idx="1">
+            <a:schemeClr val="dk1"/>
+          </a:lnRef>
+          <a:fillRef idx="0">
+            <a:schemeClr val="dk1"/>
+          </a:fillRef>
+          <a:effectRef idx="0">
+            <a:schemeClr val="dk1"/>
+          </a:effectRef>
+          <a:fontRef idx="minor">
+            <a:schemeClr val="tx1"/>
+          </a:fontRef>
+        </p:style>
+      </p:cxnSp>
+      <p:cxnSp>
+        <p:nvCxnSpPr>
+          <p:cNvPr id="485" name="Straight Connector 484">
+            <a:extLst>
+              <a:ext uri="{FF2B5EF4-FFF2-40B4-BE49-F238E27FC236}">
+                <a16:creationId xmlns:a16="http://schemas.microsoft.com/office/drawing/2014/main" id="{5421B1F8-3240-4C53-985C-A3656559BDD0}"/>
+              </a:ext>
+            </a:extLst>
+          </p:cNvPr>
+          <p:cNvCxnSpPr/>
+          <p:nvPr/>
+        </p:nvCxnSpPr>
+        <p:spPr>
+          <a:xfrm>
+            <a:off x="9355992" y="4181794"/>
+            <a:ext cx="1871906" cy="0"/>
+          </a:xfrm>
+          <a:prstGeom prst="line">
+            <a:avLst/>
+          </a:prstGeom>
+        </p:spPr>
+        <p:style>
+          <a:lnRef idx="1">
+            <a:schemeClr val="dk1"/>
+          </a:lnRef>
+          <a:fillRef idx="0">
+            <a:schemeClr val="dk1"/>
+          </a:fillRef>
+          <a:effectRef idx="0">
+            <a:schemeClr val="dk1"/>
+          </a:effectRef>
+          <a:fontRef idx="minor">
+            <a:schemeClr val="tx1"/>
+          </a:fontRef>
+        </p:style>
+      </p:cxnSp>
+      <p:cxnSp>
+        <p:nvCxnSpPr>
+          <p:cNvPr id="486" name="Straight Connector 485">
+            <a:extLst>
+              <a:ext uri="{FF2B5EF4-FFF2-40B4-BE49-F238E27FC236}">
+                <a16:creationId xmlns:a16="http://schemas.microsoft.com/office/drawing/2014/main" id="{9F3A75E0-D0B2-400D-8500-49C424575C41}"/>
+              </a:ext>
+            </a:extLst>
+          </p:cNvPr>
+          <p:cNvCxnSpPr/>
+          <p:nvPr/>
+        </p:nvCxnSpPr>
+        <p:spPr>
+          <a:xfrm>
+            <a:off x="9354568" y="4525078"/>
+            <a:ext cx="1871906" cy="0"/>
+          </a:xfrm>
+          <a:prstGeom prst="line">
+            <a:avLst/>
+          </a:prstGeom>
+        </p:spPr>
+        <p:style>
+          <a:lnRef idx="1">
+            <a:schemeClr val="dk1"/>
+          </a:lnRef>
+          <a:fillRef idx="0">
+            <a:schemeClr val="dk1"/>
+          </a:fillRef>
+          <a:effectRef idx="0">
+            <a:schemeClr val="dk1"/>
+          </a:effectRef>
+          <a:fontRef idx="minor">
+            <a:schemeClr val="tx1"/>
+          </a:fontRef>
+        </p:style>
+      </p:cxnSp>
+      <p:sp>
+        <p:nvSpPr>
+          <p:cNvPr id="487" name="Rectangle 486">
+            <a:extLst>
+              <a:ext uri="{FF2B5EF4-FFF2-40B4-BE49-F238E27FC236}">
+                <a16:creationId xmlns:a16="http://schemas.microsoft.com/office/drawing/2014/main" id="{B74DEC34-3C01-4E40-B7A1-8F121636967E}"/>
+              </a:ext>
+            </a:extLst>
+          </p:cNvPr>
+          <p:cNvSpPr/>
+          <p:nvPr/>
+        </p:nvSpPr>
+        <p:spPr>
+          <a:xfrm>
+            <a:off x="9760804" y="4063190"/>
+            <a:ext cx="404814" cy="342830"/>
+          </a:xfrm>
+          <a:prstGeom prst="rect">
+            <a:avLst/>
+          </a:prstGeom>
+          <a:solidFill>
+            <a:schemeClr val="bg1">
+              <a:lumMod val="95000"/>
+              <a:alpha val="61000"/>
+            </a:schemeClr>
+          </a:solidFill>
+          <a:ln w="19050">
+            <a:solidFill>
+              <a:schemeClr val="tx1"/>
+            </a:solidFill>
+          </a:ln>
+        </p:spPr>
+        <p:style>
+          <a:lnRef idx="2">
+            <a:schemeClr val="accent1">
+              <a:shade val="50000"/>
+            </a:schemeClr>
+          </a:lnRef>
+          <a:fillRef idx="1">
+            <a:schemeClr val="accent1"/>
+          </a:fillRef>
+          <a:effectRef idx="0">
+            <a:schemeClr val="accent1"/>
+          </a:effectRef>
+          <a:fontRef idx="minor">
+            <a:schemeClr val="lt1"/>
+          </a:fontRef>
+        </p:style>
+        <p:txBody>
+          <a:bodyPr rtlCol="0" anchor="ctr"/>
+          <a:lstStyle>
+            <a:defPPr>
+              <a:defRPr lang="de-DE"/>
+            </a:defPPr>
+            <a:lvl1pPr marL="0" algn="l" defTabSz="914400" rtl="0" eaLnBrk="1" latinLnBrk="0" hangingPunct="1">
+              <a:defRPr sz="1800" kern="1200">
+                <a:solidFill>
+                  <a:schemeClr val="lt1"/>
+                </a:solidFill>
+                <a:latin typeface="+mn-lt"/>
+                <a:ea typeface="+mn-ea"/>
+                <a:cs typeface="+mn-cs"/>
+              </a:defRPr>
+            </a:lvl1pPr>
+            <a:lvl2pPr marL="457200" algn="l" defTabSz="914400" rtl="0" eaLnBrk="1" latinLnBrk="0" hangingPunct="1">
+              <a:defRPr sz="1800" kern="1200">
+                <a:solidFill>
+                  <a:schemeClr val="lt1"/>
+                </a:solidFill>
+                <a:latin typeface="+mn-lt"/>
+                <a:ea typeface="+mn-ea"/>
+                <a:cs typeface="+mn-cs"/>
+              </a:defRPr>
+            </a:lvl2pPr>
+            <a:lvl3pPr marL="914400" algn="l" defTabSz="914400" rtl="0" eaLnBrk="1" latinLnBrk="0" hangingPunct="1">
+              <a:defRPr sz="1800" kern="1200">
+                <a:solidFill>
+                  <a:schemeClr val="lt1"/>
+                </a:solidFill>
+                <a:latin typeface="+mn-lt"/>
+                <a:ea typeface="+mn-ea"/>
+                <a:cs typeface="+mn-cs"/>
+              </a:defRPr>
+            </a:lvl3pPr>
+            <a:lvl4pPr marL="1371600" algn="l" defTabSz="914400" rtl="0" eaLnBrk="1" latinLnBrk="0" hangingPunct="1">
+              <a:defRPr sz="1800" kern="1200">
+                <a:solidFill>
+                  <a:schemeClr val="lt1"/>
+                </a:solidFill>
+                <a:latin typeface="+mn-lt"/>
+                <a:ea typeface="+mn-ea"/>
+                <a:cs typeface="+mn-cs"/>
+              </a:defRPr>
+            </a:lvl4pPr>
+            <a:lvl5pPr marL="1828800" algn="l" defTabSz="914400" rtl="0" eaLnBrk="1" latinLnBrk="0" hangingPunct="1">
+              <a:defRPr sz="1800" kern="1200">
+                <a:solidFill>
+                  <a:schemeClr val="lt1"/>
+                </a:solidFill>
+                <a:latin typeface="+mn-lt"/>
+                <a:ea typeface="+mn-ea"/>
+                <a:cs typeface="+mn-cs"/>
+              </a:defRPr>
+            </a:lvl5pPr>
+            <a:lvl6pPr marL="2286000" algn="l" defTabSz="914400" rtl="0" eaLnBrk="1" latinLnBrk="0" hangingPunct="1">
+              <a:defRPr sz="1800" kern="1200">
+                <a:solidFill>
+                  <a:schemeClr val="lt1"/>
+                </a:solidFill>
+                <a:latin typeface="+mn-lt"/>
+                <a:ea typeface="+mn-ea"/>
+                <a:cs typeface="+mn-cs"/>
+              </a:defRPr>
+            </a:lvl6pPr>
+            <a:lvl7pPr marL="2743200" algn="l" defTabSz="914400" rtl="0" eaLnBrk="1" latinLnBrk="0" hangingPunct="1">
+              <a:defRPr sz="1800" kern="1200">
+                <a:solidFill>
+                  <a:schemeClr val="lt1"/>
+                </a:solidFill>
+                <a:latin typeface="+mn-lt"/>
+                <a:ea typeface="+mn-ea"/>
+                <a:cs typeface="+mn-cs"/>
+              </a:defRPr>
+            </a:lvl7pPr>
+            <a:lvl8pPr marL="3200400" algn="l" defTabSz="914400" rtl="0" eaLnBrk="1" latinLnBrk="0" hangingPunct="1">
+              <a:defRPr sz="1800" kern="1200">
+                <a:solidFill>
+                  <a:schemeClr val="lt1"/>
+                </a:solidFill>
+                <a:latin typeface="+mn-lt"/>
+                <a:ea typeface="+mn-ea"/>
+                <a:cs typeface="+mn-cs"/>
+              </a:defRPr>
+            </a:lvl8pPr>
+            <a:lvl9pPr marL="3657600" algn="l" defTabSz="914400" rtl="0" eaLnBrk="1" latinLnBrk="0" hangingPunct="1">
+              <a:defRPr sz="1800" kern="1200">
+                <a:solidFill>
+                  <a:schemeClr val="lt1"/>
+                </a:solidFill>
+                <a:latin typeface="+mn-lt"/>
+                <a:ea typeface="+mn-ea"/>
+                <a:cs typeface="+mn-cs"/>
+              </a:defRPr>
+            </a:lvl9pPr>
+          </a:lstStyle>
+          <a:p>
+            <a:pPr algn="ctr"/>
+            <a:endParaRPr lang="de-DE"/>
+          </a:p>
+        </p:txBody>
+      </p:sp>
+      <p:cxnSp>
+        <p:nvCxnSpPr>
+          <p:cNvPr id="488" name="Straight Connector 487">
+            <a:extLst>
+              <a:ext uri="{FF2B5EF4-FFF2-40B4-BE49-F238E27FC236}">
+                <a16:creationId xmlns:a16="http://schemas.microsoft.com/office/drawing/2014/main" id="{5CC6723F-611B-4554-926E-A5E4143A119B}"/>
+              </a:ext>
+            </a:extLst>
+          </p:cNvPr>
+          <p:cNvCxnSpPr>
+            <a:cxnSpLocks/>
+          </p:cNvCxnSpPr>
+          <p:nvPr/>
+        </p:nvCxnSpPr>
+        <p:spPr>
+          <a:xfrm>
+            <a:off x="10079638" y="4404854"/>
+            <a:ext cx="188119" cy="0"/>
+          </a:xfrm>
+          <a:prstGeom prst="line">
+            <a:avLst/>
+          </a:prstGeom>
+          <a:ln w="38100">
+            <a:solidFill>
+              <a:schemeClr val="tx1"/>
+            </a:solidFill>
+          </a:ln>
+        </p:spPr>
+        <p:style>
+          <a:lnRef idx="1">
+            <a:schemeClr val="accent1"/>
+          </a:lnRef>
+          <a:fillRef idx="0">
+            <a:schemeClr val="accent1"/>
+          </a:fillRef>
+          <a:effectRef idx="0">
+            <a:schemeClr val="accent1"/>
+          </a:effectRef>
+          <a:fontRef idx="minor">
+            <a:schemeClr val="tx1"/>
+          </a:fontRef>
+        </p:style>
+      </p:cxnSp>
+      <p:cxnSp>
+        <p:nvCxnSpPr>
+          <p:cNvPr id="502" name="Straight Connector 501">
+            <a:extLst>
+              <a:ext uri="{FF2B5EF4-FFF2-40B4-BE49-F238E27FC236}">
+                <a16:creationId xmlns:a16="http://schemas.microsoft.com/office/drawing/2014/main" id="{435DC060-8AEA-4290-862E-3783B4E685EB}"/>
+              </a:ext>
+            </a:extLst>
+          </p:cNvPr>
+          <p:cNvCxnSpPr>
+            <a:cxnSpLocks/>
+          </p:cNvCxnSpPr>
+          <p:nvPr/>
+        </p:nvCxnSpPr>
+        <p:spPr>
+          <a:xfrm>
+            <a:off x="10167745" y="4314366"/>
+            <a:ext cx="528" cy="183357"/>
+          </a:xfrm>
+          <a:prstGeom prst="line">
+            <a:avLst/>
+          </a:prstGeom>
+          <a:ln w="38100">
+            <a:solidFill>
+              <a:schemeClr val="tx1"/>
+            </a:solidFill>
+          </a:ln>
+        </p:spPr>
+        <p:style>
+          <a:lnRef idx="1">
+            <a:schemeClr val="accent1"/>
+          </a:lnRef>
+          <a:fillRef idx="0">
+            <a:schemeClr val="accent1"/>
+          </a:fillRef>
+          <a:effectRef idx="0">
+            <a:schemeClr val="accent1"/>
+          </a:effectRef>
+          <a:fontRef idx="minor">
+            <a:schemeClr val="tx1"/>
+          </a:fontRef>
+        </p:style>
+      </p:cxnSp>
     </p:spTree>
     <p:extLst>
       <p:ext uri="{BB962C8B-B14F-4D97-AF65-F5344CB8AC3E}">
@@ -37889,13 +40826,6 @@
   <p:clrMapOvr>
     <a:masterClrMapping/>
   </p:clrMapOvr>
-  <p:timing>
-    <p:tnLst>
-      <p:par>
-        <p:cTn id="1" dur="indefinite" restart="never" nodeType="tmRoot"/>
-      </p:par>
-    </p:tnLst>
-  </p:timing>
 </p:sld>
 </file>
 
@@ -41529,6 +44459,960 @@
           </a:fontRef>
         </p:style>
       </p:cxnSp>
+      <p:sp>
+        <p:nvSpPr>
+          <p:cNvPr id="122" name="Rectangle 121">
+            <a:extLst>
+              <a:ext uri="{FF2B5EF4-FFF2-40B4-BE49-F238E27FC236}">
+                <a16:creationId xmlns:a16="http://schemas.microsoft.com/office/drawing/2014/main" id="{0D22918F-AC95-457E-8D7D-670755F9F7B0}"/>
+              </a:ext>
+            </a:extLst>
+          </p:cNvPr>
+          <p:cNvSpPr/>
+          <p:nvPr/>
+        </p:nvSpPr>
+        <p:spPr>
+          <a:xfrm>
+            <a:off x="717239" y="5066274"/>
+            <a:ext cx="2029770" cy="1215450"/>
+          </a:xfrm>
+          <a:prstGeom prst="rect">
+            <a:avLst/>
+          </a:prstGeom>
+          <a:noFill/>
+          <a:ln>
+            <a:prstDash val="dash"/>
+          </a:ln>
+        </p:spPr>
+        <p:style>
+          <a:lnRef idx="2">
+            <a:schemeClr val="accent1">
+              <a:shade val="50000"/>
+            </a:schemeClr>
+          </a:lnRef>
+          <a:fillRef idx="1">
+            <a:schemeClr val="accent1"/>
+          </a:fillRef>
+          <a:effectRef idx="0">
+            <a:schemeClr val="accent1"/>
+          </a:effectRef>
+          <a:fontRef idx="minor">
+            <a:schemeClr val="lt1"/>
+          </a:fontRef>
+        </p:style>
+        <p:txBody>
+          <a:bodyPr rtlCol="0" anchor="ctr"/>
+          <a:lstStyle/>
+          <a:p>
+            <a:pPr algn="ctr"/>
+            <a:endParaRPr lang="de-DE"/>
+          </a:p>
+        </p:txBody>
+      </p:sp>
+      <p:sp>
+        <p:nvSpPr>
+          <p:cNvPr id="135" name="Rectangle 134">
+            <a:extLst>
+              <a:ext uri="{FF2B5EF4-FFF2-40B4-BE49-F238E27FC236}">
+                <a16:creationId xmlns:a16="http://schemas.microsoft.com/office/drawing/2014/main" id="{97C7AD7C-6DAB-4ED0-8B57-0C0B8DE268D7}"/>
+              </a:ext>
+            </a:extLst>
+          </p:cNvPr>
+          <p:cNvSpPr/>
+          <p:nvPr/>
+        </p:nvSpPr>
+        <p:spPr>
+          <a:xfrm>
+            <a:off x="1117356" y="5498363"/>
+            <a:ext cx="406237" cy="122333"/>
+          </a:xfrm>
+          <a:prstGeom prst="rect">
+            <a:avLst/>
+          </a:prstGeom>
+        </p:spPr>
+        <p:style>
+          <a:lnRef idx="2">
+            <a:schemeClr val="dk1"/>
+          </a:lnRef>
+          <a:fillRef idx="1">
+            <a:schemeClr val="lt1"/>
+          </a:fillRef>
+          <a:effectRef idx="0">
+            <a:schemeClr val="dk1"/>
+          </a:effectRef>
+          <a:fontRef idx="minor">
+            <a:schemeClr val="dk1"/>
+          </a:fontRef>
+        </p:style>
+        <p:txBody>
+          <a:bodyPr rtlCol="0" anchor="ctr"/>
+          <a:lstStyle/>
+          <a:p>
+            <a:endParaRPr lang="de-DE" dirty="0"/>
+          </a:p>
+        </p:txBody>
+      </p:sp>
+      <p:sp>
+        <p:nvSpPr>
+          <p:cNvPr id="136" name="Rectangle 135">
+            <a:extLst>
+              <a:ext uri="{FF2B5EF4-FFF2-40B4-BE49-F238E27FC236}">
+                <a16:creationId xmlns:a16="http://schemas.microsoft.com/office/drawing/2014/main" id="{A6D5D557-4BBD-420D-A1AD-6D0C9E9AC41E}"/>
+              </a:ext>
+            </a:extLst>
+          </p:cNvPr>
+          <p:cNvSpPr/>
+          <p:nvPr/>
+        </p:nvSpPr>
+        <p:spPr>
+          <a:xfrm>
+            <a:off x="1523593" y="5498363"/>
+            <a:ext cx="406237" cy="122333"/>
+          </a:xfrm>
+          <a:prstGeom prst="rect">
+            <a:avLst/>
+          </a:prstGeom>
+        </p:spPr>
+        <p:style>
+          <a:lnRef idx="2">
+            <a:schemeClr val="dk1"/>
+          </a:lnRef>
+          <a:fillRef idx="1">
+            <a:schemeClr val="lt1"/>
+          </a:fillRef>
+          <a:effectRef idx="0">
+            <a:schemeClr val="dk1"/>
+          </a:effectRef>
+          <a:fontRef idx="minor">
+            <a:schemeClr val="dk1"/>
+          </a:fontRef>
+        </p:style>
+        <p:txBody>
+          <a:bodyPr rtlCol="0" anchor="ctr"/>
+          <a:lstStyle/>
+          <a:p>
+            <a:endParaRPr lang="de-DE" dirty="0"/>
+          </a:p>
+        </p:txBody>
+      </p:sp>
+      <p:sp>
+        <p:nvSpPr>
+          <p:cNvPr id="137" name="Rectangle 136">
+            <a:extLst>
+              <a:ext uri="{FF2B5EF4-FFF2-40B4-BE49-F238E27FC236}">
+                <a16:creationId xmlns:a16="http://schemas.microsoft.com/office/drawing/2014/main" id="{29A01A0A-533D-4517-B68C-7D06D2167C9F}"/>
+              </a:ext>
+            </a:extLst>
+          </p:cNvPr>
+          <p:cNvSpPr/>
+          <p:nvPr/>
+        </p:nvSpPr>
+        <p:spPr>
+          <a:xfrm>
+            <a:off x="1929830" y="5498363"/>
+            <a:ext cx="406237" cy="122333"/>
+          </a:xfrm>
+          <a:prstGeom prst="rect">
+            <a:avLst/>
+          </a:prstGeom>
+        </p:spPr>
+        <p:style>
+          <a:lnRef idx="2">
+            <a:schemeClr val="dk1"/>
+          </a:lnRef>
+          <a:fillRef idx="1">
+            <a:schemeClr val="lt1"/>
+          </a:fillRef>
+          <a:effectRef idx="0">
+            <a:schemeClr val="dk1"/>
+          </a:effectRef>
+          <a:fontRef idx="minor">
+            <a:schemeClr val="dk1"/>
+          </a:fontRef>
+        </p:style>
+        <p:txBody>
+          <a:bodyPr rtlCol="0" anchor="ctr"/>
+          <a:lstStyle/>
+          <a:p>
+            <a:pPr algn="r"/>
+            <a:endParaRPr lang="de-DE" sz="900" dirty="0"/>
+          </a:p>
+        </p:txBody>
+      </p:sp>
+      <p:sp>
+        <p:nvSpPr>
+          <p:cNvPr id="140" name="Rectangle 139">
+            <a:extLst>
+              <a:ext uri="{FF2B5EF4-FFF2-40B4-BE49-F238E27FC236}">
+                <a16:creationId xmlns:a16="http://schemas.microsoft.com/office/drawing/2014/main" id="{70C5B0E0-3F86-4D96-B625-4E89A2A4309A}"/>
+              </a:ext>
+            </a:extLst>
+          </p:cNvPr>
+          <p:cNvSpPr/>
+          <p:nvPr/>
+        </p:nvSpPr>
+        <p:spPr>
+          <a:xfrm>
+            <a:off x="1117356" y="5618762"/>
+            <a:ext cx="406237" cy="122333"/>
+          </a:xfrm>
+          <a:prstGeom prst="rect">
+            <a:avLst/>
+          </a:prstGeom>
+        </p:spPr>
+        <p:style>
+          <a:lnRef idx="2">
+            <a:schemeClr val="dk1"/>
+          </a:lnRef>
+          <a:fillRef idx="1">
+            <a:schemeClr val="lt1"/>
+          </a:fillRef>
+          <a:effectRef idx="0">
+            <a:schemeClr val="dk1"/>
+          </a:effectRef>
+          <a:fontRef idx="minor">
+            <a:schemeClr val="dk1"/>
+          </a:fontRef>
+        </p:style>
+        <p:txBody>
+          <a:bodyPr rtlCol="0" anchor="ctr"/>
+          <a:lstStyle/>
+          <a:p>
+            <a:endParaRPr lang="de-DE" dirty="0"/>
+          </a:p>
+        </p:txBody>
+      </p:sp>
+      <p:sp>
+        <p:nvSpPr>
+          <p:cNvPr id="141" name="Rectangle 140">
+            <a:extLst>
+              <a:ext uri="{FF2B5EF4-FFF2-40B4-BE49-F238E27FC236}">
+                <a16:creationId xmlns:a16="http://schemas.microsoft.com/office/drawing/2014/main" id="{FBE17873-7D68-4B9B-B9E7-7C5CB037B078}"/>
+              </a:ext>
+            </a:extLst>
+          </p:cNvPr>
+          <p:cNvSpPr/>
+          <p:nvPr/>
+        </p:nvSpPr>
+        <p:spPr>
+          <a:xfrm>
+            <a:off x="1523593" y="5618762"/>
+            <a:ext cx="406237" cy="122333"/>
+          </a:xfrm>
+          <a:prstGeom prst="rect">
+            <a:avLst/>
+          </a:prstGeom>
+        </p:spPr>
+        <p:style>
+          <a:lnRef idx="2">
+            <a:schemeClr val="dk1"/>
+          </a:lnRef>
+          <a:fillRef idx="1">
+            <a:schemeClr val="lt1"/>
+          </a:fillRef>
+          <a:effectRef idx="0">
+            <a:schemeClr val="dk1"/>
+          </a:effectRef>
+          <a:fontRef idx="minor">
+            <a:schemeClr val="dk1"/>
+          </a:fontRef>
+        </p:style>
+        <p:txBody>
+          <a:bodyPr rtlCol="0" anchor="ctr"/>
+          <a:lstStyle/>
+          <a:p>
+            <a:endParaRPr lang="de-DE" dirty="0"/>
+          </a:p>
+        </p:txBody>
+      </p:sp>
+      <p:sp>
+        <p:nvSpPr>
+          <p:cNvPr id="142" name="Rectangle 141">
+            <a:extLst>
+              <a:ext uri="{FF2B5EF4-FFF2-40B4-BE49-F238E27FC236}">
+                <a16:creationId xmlns:a16="http://schemas.microsoft.com/office/drawing/2014/main" id="{96334102-4E47-4E32-B0B1-B0F4C98A5F0E}"/>
+              </a:ext>
+            </a:extLst>
+          </p:cNvPr>
+          <p:cNvSpPr/>
+          <p:nvPr/>
+        </p:nvSpPr>
+        <p:spPr>
+          <a:xfrm>
+            <a:off x="1929830" y="5618762"/>
+            <a:ext cx="406237" cy="122333"/>
+          </a:xfrm>
+          <a:prstGeom prst="rect">
+            <a:avLst/>
+          </a:prstGeom>
+        </p:spPr>
+        <p:style>
+          <a:lnRef idx="2">
+            <a:schemeClr val="dk1"/>
+          </a:lnRef>
+          <a:fillRef idx="1">
+            <a:schemeClr val="lt1"/>
+          </a:fillRef>
+          <a:effectRef idx="0">
+            <a:schemeClr val="dk1"/>
+          </a:effectRef>
+          <a:fontRef idx="minor">
+            <a:schemeClr val="dk1"/>
+          </a:fontRef>
+        </p:style>
+        <p:txBody>
+          <a:bodyPr rtlCol="0" anchor="ctr"/>
+          <a:lstStyle/>
+          <a:p>
+            <a:pPr algn="r"/>
+            <a:endParaRPr lang="de-DE" sz="900" dirty="0"/>
+          </a:p>
+        </p:txBody>
+      </p:sp>
+      <p:sp>
+        <p:nvSpPr>
+          <p:cNvPr id="145" name="Rectangle 144">
+            <a:extLst>
+              <a:ext uri="{FF2B5EF4-FFF2-40B4-BE49-F238E27FC236}">
+                <a16:creationId xmlns:a16="http://schemas.microsoft.com/office/drawing/2014/main" id="{1400BA83-001A-40DC-979E-1C4389DA7386}"/>
+              </a:ext>
+            </a:extLst>
+          </p:cNvPr>
+          <p:cNvSpPr/>
+          <p:nvPr/>
+        </p:nvSpPr>
+        <p:spPr>
+          <a:xfrm>
+            <a:off x="1117356" y="5738204"/>
+            <a:ext cx="406237" cy="122333"/>
+          </a:xfrm>
+          <a:prstGeom prst="rect">
+            <a:avLst/>
+          </a:prstGeom>
+        </p:spPr>
+        <p:style>
+          <a:lnRef idx="2">
+            <a:schemeClr val="dk1"/>
+          </a:lnRef>
+          <a:fillRef idx="1">
+            <a:schemeClr val="lt1"/>
+          </a:fillRef>
+          <a:effectRef idx="0">
+            <a:schemeClr val="dk1"/>
+          </a:effectRef>
+          <a:fontRef idx="minor">
+            <a:schemeClr val="dk1"/>
+          </a:fontRef>
+        </p:style>
+        <p:txBody>
+          <a:bodyPr rtlCol="0" anchor="ctr"/>
+          <a:lstStyle/>
+          <a:p>
+            <a:endParaRPr lang="de-DE" dirty="0"/>
+          </a:p>
+        </p:txBody>
+      </p:sp>
+      <p:sp>
+        <p:nvSpPr>
+          <p:cNvPr id="146" name="Rectangle 145">
+            <a:extLst>
+              <a:ext uri="{FF2B5EF4-FFF2-40B4-BE49-F238E27FC236}">
+                <a16:creationId xmlns:a16="http://schemas.microsoft.com/office/drawing/2014/main" id="{78479DAF-D627-449C-AA4D-3E1995E81041}"/>
+              </a:ext>
+            </a:extLst>
+          </p:cNvPr>
+          <p:cNvSpPr/>
+          <p:nvPr/>
+        </p:nvSpPr>
+        <p:spPr>
+          <a:xfrm>
+            <a:off x="1523593" y="5738204"/>
+            <a:ext cx="406237" cy="122333"/>
+          </a:xfrm>
+          <a:prstGeom prst="rect">
+            <a:avLst/>
+          </a:prstGeom>
+        </p:spPr>
+        <p:style>
+          <a:lnRef idx="2">
+            <a:schemeClr val="dk1"/>
+          </a:lnRef>
+          <a:fillRef idx="1">
+            <a:schemeClr val="lt1"/>
+          </a:fillRef>
+          <a:effectRef idx="0">
+            <a:schemeClr val="dk1"/>
+          </a:effectRef>
+          <a:fontRef idx="minor">
+            <a:schemeClr val="dk1"/>
+          </a:fontRef>
+        </p:style>
+        <p:txBody>
+          <a:bodyPr rtlCol="0" anchor="ctr"/>
+          <a:lstStyle/>
+          <a:p>
+            <a:endParaRPr lang="de-DE" dirty="0"/>
+          </a:p>
+        </p:txBody>
+      </p:sp>
+      <p:sp>
+        <p:nvSpPr>
+          <p:cNvPr id="147" name="Rectangle 146">
+            <a:extLst>
+              <a:ext uri="{FF2B5EF4-FFF2-40B4-BE49-F238E27FC236}">
+                <a16:creationId xmlns:a16="http://schemas.microsoft.com/office/drawing/2014/main" id="{04A8CD45-D255-4C23-BCC8-BEB98E4232C4}"/>
+              </a:ext>
+            </a:extLst>
+          </p:cNvPr>
+          <p:cNvSpPr/>
+          <p:nvPr/>
+        </p:nvSpPr>
+        <p:spPr>
+          <a:xfrm>
+            <a:off x="1929830" y="5738204"/>
+            <a:ext cx="406237" cy="122333"/>
+          </a:xfrm>
+          <a:prstGeom prst="rect">
+            <a:avLst/>
+          </a:prstGeom>
+        </p:spPr>
+        <p:style>
+          <a:lnRef idx="2">
+            <a:schemeClr val="dk1"/>
+          </a:lnRef>
+          <a:fillRef idx="1">
+            <a:schemeClr val="lt1"/>
+          </a:fillRef>
+          <a:effectRef idx="0">
+            <a:schemeClr val="dk1"/>
+          </a:effectRef>
+          <a:fontRef idx="minor">
+            <a:schemeClr val="dk1"/>
+          </a:fontRef>
+        </p:style>
+        <p:txBody>
+          <a:bodyPr rtlCol="0" anchor="ctr"/>
+          <a:lstStyle/>
+          <a:p>
+            <a:pPr algn="r"/>
+            <a:endParaRPr lang="de-DE" sz="900" dirty="0"/>
+          </a:p>
+        </p:txBody>
+      </p:sp>
+      <p:sp>
+        <p:nvSpPr>
+          <p:cNvPr id="150" name="Rectangle 149">
+            <a:extLst>
+              <a:ext uri="{FF2B5EF4-FFF2-40B4-BE49-F238E27FC236}">
+                <a16:creationId xmlns:a16="http://schemas.microsoft.com/office/drawing/2014/main" id="{CFB855D7-EE61-4EB2-AFAD-87ED718E85E4}"/>
+              </a:ext>
+            </a:extLst>
+          </p:cNvPr>
+          <p:cNvSpPr/>
+          <p:nvPr/>
+        </p:nvSpPr>
+        <p:spPr>
+          <a:xfrm>
+            <a:off x="1117356" y="5858335"/>
+            <a:ext cx="406237" cy="122333"/>
+          </a:xfrm>
+          <a:prstGeom prst="rect">
+            <a:avLst/>
+          </a:prstGeom>
+        </p:spPr>
+        <p:style>
+          <a:lnRef idx="2">
+            <a:schemeClr val="dk1"/>
+          </a:lnRef>
+          <a:fillRef idx="1">
+            <a:schemeClr val="lt1"/>
+          </a:fillRef>
+          <a:effectRef idx="0">
+            <a:schemeClr val="dk1"/>
+          </a:effectRef>
+          <a:fontRef idx="minor">
+            <a:schemeClr val="dk1"/>
+          </a:fontRef>
+        </p:style>
+        <p:txBody>
+          <a:bodyPr rtlCol="0" anchor="ctr"/>
+          <a:lstStyle/>
+          <a:p>
+            <a:endParaRPr lang="de-DE" dirty="0"/>
+          </a:p>
+        </p:txBody>
+      </p:sp>
+      <p:sp>
+        <p:nvSpPr>
+          <p:cNvPr id="151" name="Rectangle 150">
+            <a:extLst>
+              <a:ext uri="{FF2B5EF4-FFF2-40B4-BE49-F238E27FC236}">
+                <a16:creationId xmlns:a16="http://schemas.microsoft.com/office/drawing/2014/main" id="{03696468-FAB8-41B4-9B4F-297A98F98D15}"/>
+              </a:ext>
+            </a:extLst>
+          </p:cNvPr>
+          <p:cNvSpPr/>
+          <p:nvPr/>
+        </p:nvSpPr>
+        <p:spPr>
+          <a:xfrm>
+            <a:off x="1523593" y="5858335"/>
+            <a:ext cx="406237" cy="122333"/>
+          </a:xfrm>
+          <a:prstGeom prst="rect">
+            <a:avLst/>
+          </a:prstGeom>
+        </p:spPr>
+        <p:style>
+          <a:lnRef idx="2">
+            <a:schemeClr val="dk1"/>
+          </a:lnRef>
+          <a:fillRef idx="1">
+            <a:schemeClr val="lt1"/>
+          </a:fillRef>
+          <a:effectRef idx="0">
+            <a:schemeClr val="dk1"/>
+          </a:effectRef>
+          <a:fontRef idx="minor">
+            <a:schemeClr val="dk1"/>
+          </a:fontRef>
+        </p:style>
+        <p:txBody>
+          <a:bodyPr rtlCol="0" anchor="ctr"/>
+          <a:lstStyle/>
+          <a:p>
+            <a:endParaRPr lang="de-DE" dirty="0"/>
+          </a:p>
+        </p:txBody>
+      </p:sp>
+      <p:sp>
+        <p:nvSpPr>
+          <p:cNvPr id="152" name="Rectangle 151">
+            <a:extLst>
+              <a:ext uri="{FF2B5EF4-FFF2-40B4-BE49-F238E27FC236}">
+                <a16:creationId xmlns:a16="http://schemas.microsoft.com/office/drawing/2014/main" id="{55D54647-86C3-47EA-B2B8-66B7CF94B596}"/>
+              </a:ext>
+            </a:extLst>
+          </p:cNvPr>
+          <p:cNvSpPr/>
+          <p:nvPr/>
+        </p:nvSpPr>
+        <p:spPr>
+          <a:xfrm>
+            <a:off x="1929830" y="5858335"/>
+            <a:ext cx="406237" cy="122333"/>
+          </a:xfrm>
+          <a:prstGeom prst="rect">
+            <a:avLst/>
+          </a:prstGeom>
+        </p:spPr>
+        <p:style>
+          <a:lnRef idx="2">
+            <a:schemeClr val="dk1"/>
+          </a:lnRef>
+          <a:fillRef idx="1">
+            <a:schemeClr val="lt1"/>
+          </a:fillRef>
+          <a:effectRef idx="0">
+            <a:schemeClr val="dk1"/>
+          </a:effectRef>
+          <a:fontRef idx="minor">
+            <a:schemeClr val="dk1"/>
+          </a:fontRef>
+        </p:style>
+        <p:txBody>
+          <a:bodyPr rtlCol="0" anchor="ctr"/>
+          <a:lstStyle/>
+          <a:p>
+            <a:pPr algn="r"/>
+            <a:r>
+              <a:rPr lang="de-DE" sz="900" dirty="0"/>
+              <a:t> </a:t>
+            </a:r>
+          </a:p>
+        </p:txBody>
+      </p:sp>
+      <p:sp>
+        <p:nvSpPr>
+          <p:cNvPr id="158" name="Rectangle 157">
+            <a:extLst>
+              <a:ext uri="{FF2B5EF4-FFF2-40B4-BE49-F238E27FC236}">
+                <a16:creationId xmlns:a16="http://schemas.microsoft.com/office/drawing/2014/main" id="{283D35B7-4982-49DF-BF94-A92D5E58E713}"/>
+              </a:ext>
+            </a:extLst>
+          </p:cNvPr>
+          <p:cNvSpPr/>
+          <p:nvPr/>
+        </p:nvSpPr>
+        <p:spPr>
+          <a:xfrm>
+            <a:off x="1117241" y="5385401"/>
+            <a:ext cx="406237" cy="116287"/>
+          </a:xfrm>
+          <a:prstGeom prst="rect">
+            <a:avLst/>
+          </a:prstGeom>
+          <a:solidFill>
+            <a:schemeClr val="bg1">
+              <a:lumMod val="85000"/>
+            </a:schemeClr>
+          </a:solidFill>
+        </p:spPr>
+        <p:style>
+          <a:lnRef idx="2">
+            <a:schemeClr val="dk1"/>
+          </a:lnRef>
+          <a:fillRef idx="1">
+            <a:schemeClr val="lt1"/>
+          </a:fillRef>
+          <a:effectRef idx="0">
+            <a:schemeClr val="dk1"/>
+          </a:effectRef>
+          <a:fontRef idx="minor">
+            <a:schemeClr val="dk1"/>
+          </a:fontRef>
+        </p:style>
+        <p:txBody>
+          <a:bodyPr rtlCol="0" anchor="ctr"/>
+          <a:lstStyle/>
+          <a:p>
+            <a:endParaRPr lang="de-DE" dirty="0"/>
+          </a:p>
+        </p:txBody>
+      </p:sp>
+      <p:sp>
+        <p:nvSpPr>
+          <p:cNvPr id="159" name="Rectangle 158">
+            <a:extLst>
+              <a:ext uri="{FF2B5EF4-FFF2-40B4-BE49-F238E27FC236}">
+                <a16:creationId xmlns:a16="http://schemas.microsoft.com/office/drawing/2014/main" id="{5DD9C61B-1E41-4D85-81E8-C3E93FA037FA}"/>
+              </a:ext>
+            </a:extLst>
+          </p:cNvPr>
+          <p:cNvSpPr/>
+          <p:nvPr/>
+        </p:nvSpPr>
+        <p:spPr>
+          <a:xfrm>
+            <a:off x="1523478" y="5385401"/>
+            <a:ext cx="406237" cy="116287"/>
+          </a:xfrm>
+          <a:prstGeom prst="rect">
+            <a:avLst/>
+          </a:prstGeom>
+          <a:solidFill>
+            <a:schemeClr val="bg1">
+              <a:lumMod val="85000"/>
+            </a:schemeClr>
+          </a:solidFill>
+        </p:spPr>
+        <p:style>
+          <a:lnRef idx="2">
+            <a:schemeClr val="dk1"/>
+          </a:lnRef>
+          <a:fillRef idx="1">
+            <a:schemeClr val="lt1"/>
+          </a:fillRef>
+          <a:effectRef idx="0">
+            <a:schemeClr val="dk1"/>
+          </a:effectRef>
+          <a:fontRef idx="minor">
+            <a:schemeClr val="dk1"/>
+          </a:fontRef>
+        </p:style>
+        <p:txBody>
+          <a:bodyPr rtlCol="0" anchor="ctr"/>
+          <a:lstStyle/>
+          <a:p>
+            <a:endParaRPr lang="de-DE" dirty="0"/>
+          </a:p>
+        </p:txBody>
+      </p:sp>
+      <p:sp>
+        <p:nvSpPr>
+          <p:cNvPr id="160" name="Rectangle 159">
+            <a:extLst>
+              <a:ext uri="{FF2B5EF4-FFF2-40B4-BE49-F238E27FC236}">
+                <a16:creationId xmlns:a16="http://schemas.microsoft.com/office/drawing/2014/main" id="{CE574A95-EDA1-4BEA-B8CF-08D8BEC24371}"/>
+              </a:ext>
+            </a:extLst>
+          </p:cNvPr>
+          <p:cNvSpPr/>
+          <p:nvPr/>
+        </p:nvSpPr>
+        <p:spPr>
+          <a:xfrm>
+            <a:off x="1929713" y="5385401"/>
+            <a:ext cx="406237" cy="116287"/>
+          </a:xfrm>
+          <a:prstGeom prst="rect">
+            <a:avLst/>
+          </a:prstGeom>
+          <a:solidFill>
+            <a:schemeClr val="bg1">
+              <a:lumMod val="85000"/>
+            </a:schemeClr>
+          </a:solidFill>
+        </p:spPr>
+        <p:style>
+          <a:lnRef idx="2">
+            <a:schemeClr val="dk1"/>
+          </a:lnRef>
+          <a:fillRef idx="1">
+            <a:schemeClr val="lt1"/>
+          </a:fillRef>
+          <a:effectRef idx="0">
+            <a:schemeClr val="dk1"/>
+          </a:effectRef>
+          <a:fontRef idx="minor">
+            <a:schemeClr val="dk1"/>
+          </a:fontRef>
+        </p:style>
+        <p:txBody>
+          <a:bodyPr rtlCol="0" anchor="ctr"/>
+          <a:lstStyle/>
+          <a:p>
+            <a:endParaRPr lang="de-DE" dirty="0"/>
+          </a:p>
+        </p:txBody>
+      </p:sp>
+      <p:sp>
+        <p:nvSpPr>
+          <p:cNvPr id="155" name="Rectangle 154">
+            <a:extLst>
+              <a:ext uri="{FF2B5EF4-FFF2-40B4-BE49-F238E27FC236}">
+                <a16:creationId xmlns:a16="http://schemas.microsoft.com/office/drawing/2014/main" id="{43634429-8B68-4598-B616-3787868EC045}"/>
+              </a:ext>
+            </a:extLst>
+          </p:cNvPr>
+          <p:cNvSpPr/>
+          <p:nvPr/>
+        </p:nvSpPr>
+        <p:spPr>
+          <a:xfrm>
+            <a:off x="1526647" y="5494441"/>
+            <a:ext cx="403183" cy="359968"/>
+          </a:xfrm>
+          <a:prstGeom prst="rect">
+            <a:avLst/>
+          </a:prstGeom>
+          <a:solidFill>
+            <a:schemeClr val="bg1">
+              <a:lumMod val="95000"/>
+              <a:alpha val="61000"/>
+            </a:schemeClr>
+          </a:solidFill>
+          <a:ln w="19050">
+            <a:solidFill>
+              <a:schemeClr val="tx1"/>
+            </a:solidFill>
+          </a:ln>
+        </p:spPr>
+        <p:style>
+          <a:lnRef idx="2">
+            <a:schemeClr val="accent1">
+              <a:shade val="50000"/>
+            </a:schemeClr>
+          </a:lnRef>
+          <a:fillRef idx="1">
+            <a:schemeClr val="accent1"/>
+          </a:fillRef>
+          <a:effectRef idx="0">
+            <a:schemeClr val="accent1"/>
+          </a:effectRef>
+          <a:fontRef idx="minor">
+            <a:schemeClr val="lt1"/>
+          </a:fontRef>
+        </p:style>
+        <p:txBody>
+          <a:bodyPr rtlCol="0" anchor="ctr"/>
+          <a:lstStyle>
+            <a:defPPr>
+              <a:defRPr lang="de-DE"/>
+            </a:defPPr>
+            <a:lvl1pPr marL="0" algn="l" defTabSz="914400" rtl="0" eaLnBrk="1" latinLnBrk="0" hangingPunct="1">
+              <a:defRPr sz="1800" kern="1200">
+                <a:solidFill>
+                  <a:schemeClr val="lt1"/>
+                </a:solidFill>
+                <a:latin typeface="+mn-lt"/>
+                <a:ea typeface="+mn-ea"/>
+                <a:cs typeface="+mn-cs"/>
+              </a:defRPr>
+            </a:lvl1pPr>
+            <a:lvl2pPr marL="457200" algn="l" defTabSz="914400" rtl="0" eaLnBrk="1" latinLnBrk="0" hangingPunct="1">
+              <a:defRPr sz="1800" kern="1200">
+                <a:solidFill>
+                  <a:schemeClr val="lt1"/>
+                </a:solidFill>
+                <a:latin typeface="+mn-lt"/>
+                <a:ea typeface="+mn-ea"/>
+                <a:cs typeface="+mn-cs"/>
+              </a:defRPr>
+            </a:lvl2pPr>
+            <a:lvl3pPr marL="914400" algn="l" defTabSz="914400" rtl="0" eaLnBrk="1" latinLnBrk="0" hangingPunct="1">
+              <a:defRPr sz="1800" kern="1200">
+                <a:solidFill>
+                  <a:schemeClr val="lt1"/>
+                </a:solidFill>
+                <a:latin typeface="+mn-lt"/>
+                <a:ea typeface="+mn-ea"/>
+                <a:cs typeface="+mn-cs"/>
+              </a:defRPr>
+            </a:lvl3pPr>
+            <a:lvl4pPr marL="1371600" algn="l" defTabSz="914400" rtl="0" eaLnBrk="1" latinLnBrk="0" hangingPunct="1">
+              <a:defRPr sz="1800" kern="1200">
+                <a:solidFill>
+                  <a:schemeClr val="lt1"/>
+                </a:solidFill>
+                <a:latin typeface="+mn-lt"/>
+                <a:ea typeface="+mn-ea"/>
+                <a:cs typeface="+mn-cs"/>
+              </a:defRPr>
+            </a:lvl4pPr>
+            <a:lvl5pPr marL="1828800" algn="l" defTabSz="914400" rtl="0" eaLnBrk="1" latinLnBrk="0" hangingPunct="1">
+              <a:defRPr sz="1800" kern="1200">
+                <a:solidFill>
+                  <a:schemeClr val="lt1"/>
+                </a:solidFill>
+                <a:latin typeface="+mn-lt"/>
+                <a:ea typeface="+mn-ea"/>
+                <a:cs typeface="+mn-cs"/>
+              </a:defRPr>
+            </a:lvl5pPr>
+            <a:lvl6pPr marL="2286000" algn="l" defTabSz="914400" rtl="0" eaLnBrk="1" latinLnBrk="0" hangingPunct="1">
+              <a:defRPr sz="1800" kern="1200">
+                <a:solidFill>
+                  <a:schemeClr val="lt1"/>
+                </a:solidFill>
+                <a:latin typeface="+mn-lt"/>
+                <a:ea typeface="+mn-ea"/>
+                <a:cs typeface="+mn-cs"/>
+              </a:defRPr>
+            </a:lvl6pPr>
+            <a:lvl7pPr marL="2743200" algn="l" defTabSz="914400" rtl="0" eaLnBrk="1" latinLnBrk="0" hangingPunct="1">
+              <a:defRPr sz="1800" kern="1200">
+                <a:solidFill>
+                  <a:schemeClr val="lt1"/>
+                </a:solidFill>
+                <a:latin typeface="+mn-lt"/>
+                <a:ea typeface="+mn-ea"/>
+                <a:cs typeface="+mn-cs"/>
+              </a:defRPr>
+            </a:lvl7pPr>
+            <a:lvl8pPr marL="3200400" algn="l" defTabSz="914400" rtl="0" eaLnBrk="1" latinLnBrk="0" hangingPunct="1">
+              <a:defRPr sz="1800" kern="1200">
+                <a:solidFill>
+                  <a:schemeClr val="lt1"/>
+                </a:solidFill>
+                <a:latin typeface="+mn-lt"/>
+                <a:ea typeface="+mn-ea"/>
+                <a:cs typeface="+mn-cs"/>
+              </a:defRPr>
+            </a:lvl8pPr>
+            <a:lvl9pPr marL="3657600" algn="l" defTabSz="914400" rtl="0" eaLnBrk="1" latinLnBrk="0" hangingPunct="1">
+              <a:defRPr sz="1800" kern="1200">
+                <a:solidFill>
+                  <a:schemeClr val="lt1"/>
+                </a:solidFill>
+                <a:latin typeface="+mn-lt"/>
+                <a:ea typeface="+mn-ea"/>
+                <a:cs typeface="+mn-cs"/>
+              </a:defRPr>
+            </a:lvl9pPr>
+          </a:lstStyle>
+          <a:p>
+            <a:pPr algn="ctr"/>
+            <a:endParaRPr lang="de-DE"/>
+          </a:p>
+        </p:txBody>
+      </p:sp>
+      <p:cxnSp>
+        <p:nvCxnSpPr>
+          <p:cNvPr id="156" name="Straight Connector 155">
+            <a:extLst>
+              <a:ext uri="{FF2B5EF4-FFF2-40B4-BE49-F238E27FC236}">
+                <a16:creationId xmlns:a16="http://schemas.microsoft.com/office/drawing/2014/main" id="{54FEC86D-2404-46C1-B4C7-B07A1F8C9A27}"/>
+              </a:ext>
+            </a:extLst>
+          </p:cNvPr>
+          <p:cNvCxnSpPr>
+            <a:cxnSpLocks/>
+          </p:cNvCxnSpPr>
+          <p:nvPr/>
+        </p:nvCxnSpPr>
+        <p:spPr>
+          <a:xfrm>
+            <a:off x="1842903" y="5854410"/>
+            <a:ext cx="188119" cy="0"/>
+          </a:xfrm>
+          <a:prstGeom prst="line">
+            <a:avLst/>
+          </a:prstGeom>
+          <a:ln w="38100">
+            <a:solidFill>
+              <a:schemeClr val="tx1"/>
+            </a:solidFill>
+          </a:ln>
+        </p:spPr>
+        <p:style>
+          <a:lnRef idx="1">
+            <a:schemeClr val="accent1"/>
+          </a:lnRef>
+          <a:fillRef idx="0">
+            <a:schemeClr val="accent1"/>
+          </a:fillRef>
+          <a:effectRef idx="0">
+            <a:schemeClr val="accent1"/>
+          </a:effectRef>
+          <a:fontRef idx="minor">
+            <a:schemeClr val="tx1"/>
+          </a:fontRef>
+        </p:style>
+      </p:cxnSp>
+      <p:cxnSp>
+        <p:nvCxnSpPr>
+          <p:cNvPr id="157" name="Straight Connector 156">
+            <a:extLst>
+              <a:ext uri="{FF2B5EF4-FFF2-40B4-BE49-F238E27FC236}">
+                <a16:creationId xmlns:a16="http://schemas.microsoft.com/office/drawing/2014/main" id="{26C4DDD2-6C7C-4DC7-9F06-15CE07AE71D7}"/>
+              </a:ext>
+            </a:extLst>
+          </p:cNvPr>
+          <p:cNvCxnSpPr>
+            <a:cxnSpLocks/>
+          </p:cNvCxnSpPr>
+          <p:nvPr/>
+        </p:nvCxnSpPr>
+        <p:spPr>
+          <a:xfrm>
+            <a:off x="1931010" y="5763922"/>
+            <a:ext cx="528" cy="183357"/>
+          </a:xfrm>
+          <a:prstGeom prst="line">
+            <a:avLst/>
+          </a:prstGeom>
+          <a:ln w="38100">
+            <a:solidFill>
+              <a:schemeClr val="tx1"/>
+            </a:solidFill>
+          </a:ln>
+        </p:spPr>
+        <p:style>
+          <a:lnRef idx="1">
+            <a:schemeClr val="accent1"/>
+          </a:lnRef>
+          <a:fillRef idx="0">
+            <a:schemeClr val="accent1"/>
+          </a:fillRef>
+          <a:effectRef idx="0">
+            <a:schemeClr val="accent1"/>
+          </a:effectRef>
+          <a:fontRef idx="minor">
+            <a:schemeClr val="tx1"/>
+          </a:fontRef>
+        </p:style>
+      </p:cxnSp>
     </p:spTree>
     <p:extLst>
       <p:ext uri="{BB962C8B-B14F-4D97-AF65-F5344CB8AC3E}">
@@ -41539,13 +45423,6 @@
   <p:clrMapOvr>
     <a:masterClrMapping/>
   </p:clrMapOvr>
-  <p:timing>
-    <p:tnLst>
-      <p:par>
-        <p:cTn id="1" dur="indefinite" restart="never" nodeType="tmRoot"/>
-      </p:par>
-    </p:tnLst>
-  </p:timing>
 </p:sld>
 </file>
 
@@ -41839,10 +45716,9 @@
           <a:p>
             <a:pPr algn="r"/>
             <a:r>
-              <a:rPr lang="de-DE" sz="900" dirty="0" smtClean="0"/>
+              <a:rPr lang="de-DE" sz="900" dirty="0"/>
               <a:t> </a:t>
             </a:r>
-            <a:endParaRPr lang="de-DE" sz="900" dirty="0"/>
           </a:p>
         </p:txBody>
       </p:sp>
@@ -42386,10 +46262,9 @@
           <a:p>
             <a:pPr algn="r"/>
             <a:r>
-              <a:rPr lang="de-DE" sz="900" dirty="0" smtClean="0"/>
+              <a:rPr lang="de-DE" sz="900" dirty="0"/>
               <a:t> </a:t>
             </a:r>
-            <a:endParaRPr lang="de-DE" sz="900" dirty="0"/>
           </a:p>
         </p:txBody>
       </p:sp>
@@ -42465,10 +46340,9 @@
           <a:p>
             <a:pPr algn="r"/>
             <a:r>
-              <a:rPr lang="de-DE" sz="900" dirty="0" smtClean="0"/>
+              <a:rPr lang="de-DE" sz="900" dirty="0"/>
               <a:t> </a:t>
             </a:r>
-            <a:endParaRPr lang="de-DE" sz="900" dirty="0"/>
           </a:p>
         </p:txBody>
       </p:sp>
@@ -42550,10 +46424,9 @@
           <a:lstStyle/>
           <a:p>
             <a:r>
-              <a:rPr lang="de-DE" sz="900" b="1" dirty="0" smtClean="0"/>
+              <a:rPr lang="de-DE" sz="900" b="1" dirty="0"/>
               <a:t>Abc</a:t>
             </a:r>
-            <a:endParaRPr lang="de-DE" sz="900" b="1" dirty="0"/>
           </a:p>
         </p:txBody>
       </p:sp>
@@ -42591,10 +46464,9 @@
           <a:lstStyle/>
           <a:p>
             <a:r>
-              <a:rPr lang="de-DE" sz="900" b="1" dirty="0" smtClean="0"/>
+              <a:rPr lang="de-DE" sz="900" b="1" dirty="0"/>
               <a:t>Abc</a:t>
             </a:r>
-            <a:endParaRPr lang="de-DE" sz="900" b="1" dirty="0"/>
           </a:p>
         </p:txBody>
       </p:sp>
@@ -42632,10 +46504,9 @@
           <a:lstStyle/>
           <a:p>
             <a:r>
-              <a:rPr lang="de-DE" sz="900" b="1" dirty="0" smtClean="0"/>
+              <a:rPr lang="de-DE" sz="900" b="1" dirty="0"/>
               <a:t>Abc</a:t>
             </a:r>
-            <a:endParaRPr lang="de-DE" sz="900" b="1" dirty="0"/>
           </a:p>
         </p:txBody>
       </p:sp>
@@ -42673,10 +46544,9 @@
           <a:lstStyle/>
           <a:p>
             <a:r>
-              <a:rPr lang="de-DE" sz="900" b="1" dirty="0" smtClean="0"/>
+              <a:rPr lang="de-DE" sz="900" b="1" dirty="0"/>
               <a:t>Abc</a:t>
             </a:r>
-            <a:endParaRPr lang="de-DE" sz="900" b="1" dirty="0"/>
           </a:p>
         </p:txBody>
       </p:sp>
@@ -42714,10 +46584,9 @@
           <a:lstStyle/>
           <a:p>
             <a:r>
-              <a:rPr lang="de-DE" sz="900" b="1" dirty="0" smtClean="0"/>
+              <a:rPr lang="de-DE" sz="900" b="1" dirty="0"/>
               <a:t>Abc</a:t>
             </a:r>
-            <a:endParaRPr lang="de-DE" sz="900" b="1" dirty="0"/>
           </a:p>
         </p:txBody>
       </p:sp>
@@ -42755,10 +46624,9 @@
           <a:lstStyle/>
           <a:p>
             <a:r>
-              <a:rPr lang="de-DE" sz="900" b="1" dirty="0" smtClean="0"/>
+              <a:rPr lang="de-DE" sz="900" b="1" dirty="0"/>
               <a:t>Abc</a:t>
             </a:r>
-            <a:endParaRPr lang="de-DE" sz="900" b="1" dirty="0"/>
           </a:p>
         </p:txBody>
       </p:sp>
@@ -42796,10 +46664,9 @@
           <a:lstStyle/>
           <a:p>
             <a:r>
-              <a:rPr lang="de-DE" sz="900" dirty="0" smtClean="0"/>
+              <a:rPr lang="de-DE" sz="900" dirty="0"/>
               <a:t>Abc</a:t>
             </a:r>
-            <a:endParaRPr lang="de-DE" sz="900" dirty="0"/>
           </a:p>
         </p:txBody>
       </p:sp>
@@ -42837,10 +46704,9 @@
           <a:lstStyle/>
           <a:p>
             <a:r>
-              <a:rPr lang="de-DE" sz="900" dirty="0" smtClean="0"/>
+              <a:rPr lang="de-DE" sz="900" dirty="0"/>
               <a:t>Abc</a:t>
             </a:r>
-            <a:endParaRPr lang="de-DE" sz="900" dirty="0"/>
           </a:p>
         </p:txBody>
       </p:sp>
@@ -42878,10 +46744,9 @@
           <a:lstStyle/>
           <a:p>
             <a:r>
-              <a:rPr lang="de-DE" sz="900" dirty="0" smtClean="0"/>
+              <a:rPr lang="de-DE" sz="900" dirty="0"/>
               <a:t>Abc</a:t>
             </a:r>
-            <a:endParaRPr lang="de-DE" sz="900" dirty="0"/>
           </a:p>
         </p:txBody>
       </p:sp>
@@ -42919,10 +46784,9 @@
           <a:lstStyle/>
           <a:p>
             <a:r>
-              <a:rPr lang="de-DE" sz="900" dirty="0" smtClean="0"/>
+              <a:rPr lang="de-DE" sz="900" dirty="0"/>
               <a:t>Abc</a:t>
             </a:r>
-            <a:endParaRPr lang="de-DE" sz="900" dirty="0"/>
           </a:p>
         </p:txBody>
       </p:sp>
@@ -42960,10 +46824,9 @@
           <a:lstStyle/>
           <a:p>
             <a:r>
-              <a:rPr lang="de-DE" sz="900" dirty="0" smtClean="0"/>
+              <a:rPr lang="de-DE" sz="900" dirty="0"/>
               <a:t>Abc</a:t>
             </a:r>
-            <a:endParaRPr lang="de-DE" sz="900" dirty="0"/>
           </a:p>
         </p:txBody>
       </p:sp>
@@ -43001,10 +46864,9 @@
           <a:lstStyle/>
           <a:p>
             <a:r>
-              <a:rPr lang="de-DE" sz="900" dirty="0" smtClean="0"/>
+              <a:rPr lang="de-DE" sz="900" dirty="0"/>
               <a:t>Abc</a:t>
             </a:r>
-            <a:endParaRPr lang="de-DE" sz="900" dirty="0"/>
           </a:p>
         </p:txBody>
       </p:sp>
@@ -43042,10 +46904,9 @@
           <a:lstStyle/>
           <a:p>
             <a:r>
-              <a:rPr lang="de-DE" sz="900" dirty="0" smtClean="0"/>
+              <a:rPr lang="de-DE" sz="900" dirty="0"/>
               <a:t>Abc</a:t>
             </a:r>
-            <a:endParaRPr lang="de-DE" sz="900" dirty="0"/>
           </a:p>
         </p:txBody>
       </p:sp>
@@ -43083,10 +46944,9 @@
           <a:lstStyle/>
           <a:p>
             <a:r>
-              <a:rPr lang="de-DE" sz="900" dirty="0" smtClean="0"/>
+              <a:rPr lang="de-DE" sz="900" dirty="0"/>
               <a:t>Abc</a:t>
             </a:r>
-            <a:endParaRPr lang="de-DE" sz="900" dirty="0"/>
           </a:p>
         </p:txBody>
       </p:sp>
@@ -43124,10 +46984,9 @@
           <a:lstStyle/>
           <a:p>
             <a:r>
-              <a:rPr lang="de-DE" sz="900" dirty="0" smtClean="0"/>
+              <a:rPr lang="de-DE" sz="900" dirty="0"/>
               <a:t>Abc</a:t>
             </a:r>
-            <a:endParaRPr lang="de-DE" sz="900" dirty="0"/>
           </a:p>
         </p:txBody>
       </p:sp>
@@ -43165,10 +47024,9 @@
           <a:lstStyle/>
           <a:p>
             <a:r>
-              <a:rPr lang="de-DE" sz="900" dirty="0" smtClean="0"/>
+              <a:rPr lang="de-DE" sz="900" dirty="0"/>
               <a:t>Abc</a:t>
             </a:r>
-            <a:endParaRPr lang="de-DE" sz="900" dirty="0"/>
           </a:p>
         </p:txBody>
       </p:sp>
@@ -43206,10 +47064,9 @@
           <a:lstStyle/>
           <a:p>
             <a:r>
-              <a:rPr lang="de-DE" sz="900" dirty="0" smtClean="0"/>
+              <a:rPr lang="de-DE" sz="900" dirty="0"/>
               <a:t>Abc</a:t>
             </a:r>
-            <a:endParaRPr lang="de-DE" sz="900" dirty="0"/>
           </a:p>
         </p:txBody>
       </p:sp>
@@ -43247,10 +47104,9 @@
           <a:lstStyle/>
           <a:p>
             <a:r>
-              <a:rPr lang="de-DE" sz="900" dirty="0" smtClean="0"/>
+              <a:rPr lang="de-DE" sz="900" dirty="0"/>
               <a:t>Abc</a:t>
             </a:r>
-            <a:endParaRPr lang="de-DE" sz="900" dirty="0"/>
           </a:p>
         </p:txBody>
       </p:sp>
@@ -43653,10 +47509,9 @@
           <a:p>
             <a:pPr algn="r"/>
             <a:r>
-              <a:rPr lang="de-DE" sz="900" dirty="0" smtClean="0"/>
+              <a:rPr lang="de-DE" sz="900" dirty="0"/>
               <a:t> </a:t>
             </a:r>
-            <a:endParaRPr lang="de-DE" sz="900" dirty="0"/>
           </a:p>
         </p:txBody>
       </p:sp>
@@ -44259,10 +48114,9 @@
           <a:p>
             <a:pPr algn="r"/>
             <a:r>
-              <a:rPr lang="de-DE" sz="900" dirty="0" smtClean="0"/>
+              <a:rPr lang="de-DE" sz="900" dirty="0"/>
               <a:t> </a:t>
             </a:r>
-            <a:endParaRPr lang="de-DE" sz="900" dirty="0"/>
           </a:p>
         </p:txBody>
       </p:sp>
@@ -44383,10 +48237,9 @@
           <a:p>
             <a:pPr algn="r"/>
             <a:r>
-              <a:rPr lang="de-DE" sz="800" dirty="0" smtClean="0"/>
+              <a:rPr lang="de-DE" sz="800" dirty="0"/>
               <a:t>=f(x)</a:t>
             </a:r>
-            <a:endParaRPr lang="de-DE" sz="800" dirty="0"/>
           </a:p>
         </p:txBody>
       </p:sp>
@@ -44652,13 +48505,6 @@
   <p:clrMapOvr>
     <a:masterClrMapping/>
   </p:clrMapOvr>
-  <p:timing>
-    <p:tnLst>
-      <p:par>
-        <p:cTn id="1" dur="indefinite" restart="never" nodeType="tmRoot"/>
-      </p:par>
-    </p:tnLst>
-  </p:timing>
 </p:sld>
 </file>
 
@@ -44851,9 +48697,6 @@
               </a:rPr>
               <a:t></a:t>
             </a:r>
-            <a:endParaRPr lang="de-DE" sz="4400" dirty="0" smtClean="0">
-              <a:latin typeface="FontAwesome" pitchFamily="50" charset="0"/>
-            </a:endParaRPr>
           </a:p>
         </p:txBody>
       </p:sp>
@@ -44897,10 +48740,9 @@
           <a:p>
             <a:pPr algn="ctr"/>
             <a:r>
-              <a:rPr lang="de-DE" sz="700" b="1" dirty="0" smtClean="0"/>
+              <a:rPr lang="de-DE" sz="700" b="1" dirty="0"/>
               <a:t>&lt;</a:t>
             </a:r>
-            <a:endParaRPr lang="de-DE" sz="700" b="1" dirty="0"/>
           </a:p>
         </p:txBody>
       </p:sp>
@@ -44944,10 +48786,9 @@
           <a:p>
             <a:pPr algn="ctr"/>
             <a:r>
-              <a:rPr lang="de-DE" sz="700" b="1" dirty="0" smtClean="0"/>
+              <a:rPr lang="de-DE" sz="700" b="1" dirty="0"/>
               <a:t>&gt;</a:t>
             </a:r>
-            <a:endParaRPr lang="de-DE" sz="700" b="1" dirty="0"/>
           </a:p>
         </p:txBody>
       </p:sp>
@@ -44991,10 +48832,9 @@
           <a:p>
             <a:pPr algn="ctr"/>
             <a:r>
-              <a:rPr lang="de-DE" sz="700" b="1" dirty="0" smtClean="0"/>
+              <a:rPr lang="de-DE" sz="700" b="1" dirty="0"/>
               <a:t>+</a:t>
             </a:r>
-            <a:endParaRPr lang="de-DE" sz="700" b="1" dirty="0"/>
           </a:p>
         </p:txBody>
       </p:sp>
@@ -45038,10 +48878,9 @@
           <a:p>
             <a:pPr algn="ctr"/>
             <a:r>
-              <a:rPr lang="de-DE" sz="700" b="1" dirty="0" smtClean="0"/>
+              <a:rPr lang="de-DE" sz="700" b="1" dirty="0"/>
               <a:t>-</a:t>
             </a:r>
-            <a:endParaRPr lang="de-DE" sz="700" b="1" dirty="0"/>
           </a:p>
         </p:txBody>
       </p:sp>
@@ -45055,13 +48894,6 @@
   <p:clrMapOvr>
     <a:masterClrMapping/>
   </p:clrMapOvr>
-  <p:timing>
-    <p:tnLst>
-      <p:par>
-        <p:cTn id="1" dur="indefinite" restart="never" nodeType="tmRoot"/>
-      </p:par>
-    </p:tnLst>
-  </p:timing>
 </p:sld>
 </file>
 
@@ -46567,7 +50399,7 @@
           <a:lstStyle/>
           <a:p>
             <a:r>
-              <a:rPr lang="de-DE" sz="2400" dirty="0" smtClean="0">
+              <a:rPr lang="de-DE" sz="2400" dirty="0">
                 <a:solidFill>
                   <a:schemeClr val="bg1">
                     <a:lumMod val="50000"/>
@@ -46577,14 +50409,6 @@
               </a:rPr>
               <a:t></a:t>
             </a:r>
-            <a:endParaRPr lang="de-DE" sz="2400" dirty="0">
-              <a:solidFill>
-                <a:schemeClr val="bg1">
-                  <a:lumMod val="50000"/>
-                </a:schemeClr>
-              </a:solidFill>
-              <a:latin typeface="Font Awesome 5 Free Solid" panose="02000503000000000000" pitchFamily="50" charset="0"/>
-            </a:endParaRPr>
           </a:p>
         </p:txBody>
       </p:sp>
@@ -48395,10 +52219,9 @@
           <a:lstStyle/>
           <a:p>
             <a:r>
-              <a:rPr lang="de-DE" dirty="0" smtClean="0"/>
+              <a:rPr lang="de-DE" dirty="0"/>
               <a:t>GeoJSON</a:t>
             </a:r>
-            <a:endParaRPr lang="de-DE" dirty="0"/>
           </a:p>
         </p:txBody>
       </p:sp>
@@ -48723,7 +52546,7 @@
           <a:lstStyle/>
           <a:p>
             <a:r>
-              <a:rPr lang="de-DE" sz="800" b="1" dirty="0" smtClean="0">
+              <a:rPr lang="de-DE" sz="800" b="1" dirty="0">
                 <a:solidFill>
                   <a:schemeClr val="bg1"/>
                 </a:solidFill>
@@ -48732,13 +52555,6 @@
               </a:rPr>
               <a:t>2</a:t>
             </a:r>
-            <a:endParaRPr lang="de-DE" sz="800" b="1" dirty="0">
-              <a:solidFill>
-                <a:schemeClr val="bg1"/>
-              </a:solidFill>
-              <a:latin typeface="Arial" panose="020B0604020202020204" pitchFamily="34" charset="0"/>
-              <a:cs typeface="Arial" panose="020B0604020202020204" pitchFamily="34" charset="0"/>
-            </a:endParaRPr>
           </a:p>
         </p:txBody>
       </p:sp>
@@ -48765,7 +52581,7 @@
           <a:lstStyle/>
           <a:p>
             <a:r>
-              <a:rPr lang="de-DE" sz="800" b="1" dirty="0" smtClean="0">
+              <a:rPr lang="de-DE" sz="800" b="1" dirty="0">
                 <a:solidFill>
                   <a:schemeClr val="bg1"/>
                 </a:solidFill>
@@ -48774,13 +52590,6 @@
               </a:rPr>
               <a:t>1</a:t>
             </a:r>
-            <a:endParaRPr lang="de-DE" sz="800" b="1" dirty="0">
-              <a:solidFill>
-                <a:schemeClr val="bg1"/>
-              </a:solidFill>
-              <a:latin typeface="Arial" panose="020B0604020202020204" pitchFamily="34" charset="0"/>
-              <a:cs typeface="Arial" panose="020B0604020202020204" pitchFamily="34" charset="0"/>
-            </a:endParaRPr>
           </a:p>
         </p:txBody>
       </p:sp>
@@ -48825,13 +52634,6 @@
   <p:clrMapOvr>
     <a:masterClrMapping/>
   </p:clrMapOvr>
-  <p:timing>
-    <p:tnLst>
-      <p:par>
-        <p:cTn id="1" dur="indefinite" restart="never" nodeType="tmRoot"/>
-      </p:par>
-    </p:tnLst>
-  </p:timing>
 </p:sld>
 </file>
 
@@ -52393,10 +56195,9 @@
           <a:lstStyle/>
           <a:p>
             <a:r>
-              <a:rPr lang="de-DE" sz="800" dirty="0" smtClean="0"/>
+              <a:rPr lang="de-DE" sz="800" dirty="0"/>
               <a:t>xxx</a:t>
             </a:r>
-            <a:endParaRPr lang="de-DE" sz="800" dirty="0"/>
           </a:p>
         </p:txBody>
       </p:sp>
@@ -52423,10 +56224,9 @@
           <a:lstStyle/>
           <a:p>
             <a:r>
-              <a:rPr lang="de-DE" sz="800" dirty="0" smtClean="0"/>
+              <a:rPr lang="de-DE" sz="800" dirty="0"/>
               <a:t>yyy</a:t>
             </a:r>
-            <a:endParaRPr lang="de-DE" sz="800" dirty="0"/>
           </a:p>
         </p:txBody>
       </p:sp>
@@ -53448,10 +57248,9 @@
           <a:lstStyle/>
           <a:p>
             <a:r>
-              <a:rPr lang="de-DE" sz="800" dirty="0" smtClean="0"/>
+              <a:rPr lang="de-DE" sz="800" dirty="0"/>
               <a:t>xxx</a:t>
             </a:r>
-            <a:endParaRPr lang="de-DE" sz="800" dirty="0"/>
           </a:p>
         </p:txBody>
       </p:sp>
@@ -53478,10 +57277,9 @@
           <a:lstStyle/>
           <a:p>
             <a:r>
-              <a:rPr lang="de-DE" sz="800" dirty="0" smtClean="0"/>
+              <a:rPr lang="de-DE" sz="800" dirty="0"/>
               <a:t>yyy</a:t>
             </a:r>
-            <a:endParaRPr lang="de-DE" sz="800" dirty="0"/>
           </a:p>
         </p:txBody>
       </p:sp>
@@ -53580,10 +57378,9 @@
           <a:lstStyle/>
           <a:p>
             <a:r>
-              <a:rPr lang="de-DE" sz="800" dirty="0" smtClean="0"/>
+              <a:rPr lang="de-DE" sz="800" dirty="0"/>
               <a:t>xxx</a:t>
             </a:r>
-            <a:endParaRPr lang="de-DE" sz="800" dirty="0"/>
           </a:p>
         </p:txBody>
       </p:sp>
@@ -53610,10 +57407,9 @@
           <a:lstStyle/>
           <a:p>
             <a:r>
-              <a:rPr lang="de-DE" sz="800" dirty="0" smtClean="0"/>
+              <a:rPr lang="de-DE" sz="800" dirty="0"/>
               <a:t>yyy</a:t>
             </a:r>
-            <a:endParaRPr lang="de-DE" sz="800" dirty="0"/>
           </a:p>
         </p:txBody>
       </p:sp>
@@ -53726,10 +57522,9 @@
             <a:lstStyle/>
             <a:p>
               <a:r>
-                <a:rPr lang="de-DE" sz="800" dirty="0" smtClean="0"/>
+                <a:rPr lang="de-DE" sz="800" dirty="0"/>
                 <a:t>xxx</a:t>
               </a:r>
-              <a:endParaRPr lang="de-DE" sz="800" dirty="0"/>
             </a:p>
           </p:txBody>
         </p:sp>
@@ -53756,10 +57551,9 @@
             <a:lstStyle/>
             <a:p>
               <a:r>
-                <a:rPr lang="de-DE" sz="800" dirty="0" smtClean="0"/>
+                <a:rPr lang="de-DE" sz="800" dirty="0"/>
                 <a:t>yyy</a:t>
               </a:r>
-              <a:endParaRPr lang="de-DE" sz="800" dirty="0"/>
             </a:p>
           </p:txBody>
         </p:sp>
@@ -53873,10 +57667,9 @@
             <a:lstStyle/>
             <a:p>
               <a:r>
-                <a:rPr lang="de-DE" sz="800" dirty="0" smtClean="0"/>
+                <a:rPr lang="de-DE" sz="800" dirty="0"/>
                 <a:t>xxx</a:t>
               </a:r>
-              <a:endParaRPr lang="de-DE" sz="800" dirty="0"/>
             </a:p>
           </p:txBody>
         </p:sp>
@@ -53903,10 +57696,9 @@
             <a:lstStyle/>
             <a:p>
               <a:r>
-                <a:rPr lang="de-DE" sz="800" dirty="0" smtClean="0"/>
+                <a:rPr lang="de-DE" sz="800" dirty="0"/>
                 <a:t>yyy</a:t>
               </a:r>
-              <a:endParaRPr lang="de-DE" sz="800" dirty="0"/>
             </a:p>
           </p:txBody>
         </p:sp>
@@ -54020,10 +57812,9 @@
             <a:lstStyle/>
             <a:p>
               <a:r>
-                <a:rPr lang="de-DE" sz="800" dirty="0" smtClean="0"/>
+                <a:rPr lang="de-DE" sz="800" dirty="0"/>
                 <a:t>xxx</a:t>
               </a:r>
-              <a:endParaRPr lang="de-DE" sz="800" dirty="0"/>
             </a:p>
           </p:txBody>
         </p:sp>
@@ -54050,10 +57841,9 @@
             <a:lstStyle/>
             <a:p>
               <a:r>
-                <a:rPr lang="de-DE" sz="800" dirty="0" smtClean="0"/>
+                <a:rPr lang="de-DE" sz="800" dirty="0"/>
                 <a:t>yyy</a:t>
               </a:r>
-              <a:endParaRPr lang="de-DE" sz="800" dirty="0"/>
             </a:p>
           </p:txBody>
         </p:sp>
@@ -54271,10 +58061,9 @@
             <a:lstStyle/>
             <a:p>
               <a:r>
-                <a:rPr lang="de-DE" sz="800" dirty="0" smtClean="0"/>
+                <a:rPr lang="de-DE" sz="800" dirty="0"/>
                 <a:t>xxx</a:t>
               </a:r>
-              <a:endParaRPr lang="de-DE" sz="800" dirty="0"/>
             </a:p>
           </p:txBody>
         </p:sp>
@@ -54301,10 +58090,9 @@
             <a:lstStyle/>
             <a:p>
               <a:r>
-                <a:rPr lang="de-DE" sz="800" dirty="0" smtClean="0"/>
+                <a:rPr lang="de-DE" sz="800" dirty="0"/>
                 <a:t>yyy</a:t>
               </a:r>
-              <a:endParaRPr lang="de-DE" sz="800" dirty="0"/>
             </a:p>
           </p:txBody>
         </p:sp>
@@ -54574,10 +58362,9 @@
             <a:lstStyle/>
             <a:p>
               <a:r>
-                <a:rPr lang="de-DE" sz="800" dirty="0" smtClean="0"/>
+                <a:rPr lang="de-DE" sz="800" dirty="0"/>
                 <a:t>xxx</a:t>
               </a:r>
-              <a:endParaRPr lang="de-DE" sz="800" dirty="0"/>
             </a:p>
           </p:txBody>
         </p:sp>
@@ -54604,10 +58391,9 @@
             <a:lstStyle/>
             <a:p>
               <a:r>
-                <a:rPr lang="de-DE" sz="800" dirty="0" smtClean="0"/>
+                <a:rPr lang="de-DE" sz="800" dirty="0"/>
                 <a:t>yyy</a:t>
               </a:r>
-              <a:endParaRPr lang="de-DE" sz="800" dirty="0"/>
             </a:p>
           </p:txBody>
         </p:sp>
@@ -55916,10 +59702,9 @@
             <a:lstStyle/>
             <a:p>
               <a:r>
-                <a:rPr lang="de-DE" sz="800" dirty="0" smtClean="0"/>
+                <a:rPr lang="de-DE" sz="800" dirty="0"/>
                 <a:t>xxx</a:t>
               </a:r>
-              <a:endParaRPr lang="de-DE" sz="800" dirty="0"/>
             </a:p>
           </p:txBody>
         </p:sp>
@@ -55946,10 +59731,9 @@
             <a:lstStyle/>
             <a:p>
               <a:r>
-                <a:rPr lang="de-DE" sz="800" dirty="0" smtClean="0"/>
+                <a:rPr lang="de-DE" sz="800" dirty="0"/>
                 <a:t>yyy</a:t>
               </a:r>
-              <a:endParaRPr lang="de-DE" sz="800" dirty="0"/>
             </a:p>
           </p:txBody>
         </p:sp>
@@ -57447,10 +61231,9 @@
           <a:lstStyle/>
           <a:p>
             <a:r>
-              <a:rPr lang="de-DE" sz="800" dirty="0" smtClean="0"/>
+              <a:rPr lang="de-DE" sz="800" dirty="0"/>
               <a:t>yyy</a:t>
             </a:r>
-            <a:endParaRPr lang="de-DE" sz="800" dirty="0"/>
           </a:p>
         </p:txBody>
       </p:sp>
@@ -57707,10 +61490,9 @@
           <a:lstStyle/>
           <a:p>
             <a:r>
-              <a:rPr lang="de-DE" sz="800" dirty="0" smtClean="0"/>
+              <a:rPr lang="de-DE" sz="800" dirty="0"/>
               <a:t>xxx</a:t>
             </a:r>
-            <a:endParaRPr lang="de-DE" sz="800" dirty="0"/>
           </a:p>
         </p:txBody>
       </p:sp>
@@ -58181,10 +61963,9 @@
             <a:lstStyle/>
             <a:p>
               <a:r>
-                <a:rPr lang="de-DE" sz="800" dirty="0" smtClean="0"/>
+                <a:rPr lang="de-DE" sz="800" dirty="0"/>
                 <a:t>xxx</a:t>
               </a:r>
-              <a:endParaRPr lang="de-DE" sz="800" dirty="0"/>
             </a:p>
           </p:txBody>
         </p:sp>
@@ -58959,10 +62740,9 @@
             <a:lstStyle/>
             <a:p>
               <a:r>
-                <a:rPr lang="de-DE" sz="800" dirty="0" smtClean="0"/>
+                <a:rPr lang="de-DE" sz="800" dirty="0"/>
                 <a:t>xxx</a:t>
               </a:r>
-              <a:endParaRPr lang="de-DE" sz="800" dirty="0"/>
             </a:p>
           </p:txBody>
         </p:sp>
@@ -58989,10 +62769,9 @@
             <a:lstStyle/>
             <a:p>
               <a:r>
-                <a:rPr lang="de-DE" sz="800" dirty="0" smtClean="0"/>
+                <a:rPr lang="de-DE" sz="800" dirty="0"/>
                 <a:t>yyy</a:t>
               </a:r>
-              <a:endParaRPr lang="de-DE" sz="800" dirty="0"/>
             </a:p>
           </p:txBody>
         </p:sp>
@@ -60043,13 +63822,6 @@
   <p:clrMapOvr>
     <a:masterClrMapping/>
   </p:clrMapOvr>
-  <p:timing>
-    <p:tnLst>
-      <p:par>
-        <p:cTn id="1" dur="indefinite" restart="never" nodeType="tmRoot"/>
-      </p:par>
-    </p:tnLst>
-  </p:timing>
 </p:sld>
 </file>
 

--- a/Docs/documentation/uxon_presets.pptx
+++ b/Docs/documentation/uxon_presets.pptx
@@ -254,7 +254,7 @@
           <a:p>
             <a:fld id="{2DAF1186-F1D7-440D-B156-A260D91A3611}" type="datetimeFigureOut">
               <a:rPr lang="de-DE" smtClean="0"/>
-              <a:t>05.05.2021</a:t>
+              <a:t>02.07.2021</a:t>
             </a:fld>
             <a:endParaRPr lang="de-DE"/>
           </a:p>
@@ -424,7 +424,7 @@
           <a:p>
             <a:fld id="{2DAF1186-F1D7-440D-B156-A260D91A3611}" type="datetimeFigureOut">
               <a:rPr lang="de-DE" smtClean="0"/>
-              <a:t>05.05.2021</a:t>
+              <a:t>02.07.2021</a:t>
             </a:fld>
             <a:endParaRPr lang="de-DE"/>
           </a:p>
@@ -604,7 +604,7 @@
           <a:p>
             <a:fld id="{2DAF1186-F1D7-440D-B156-A260D91A3611}" type="datetimeFigureOut">
               <a:rPr lang="de-DE" smtClean="0"/>
-              <a:t>05.05.2021</a:t>
+              <a:t>02.07.2021</a:t>
             </a:fld>
             <a:endParaRPr lang="de-DE"/>
           </a:p>
@@ -774,7 +774,7 @@
           <a:p>
             <a:fld id="{2DAF1186-F1D7-440D-B156-A260D91A3611}" type="datetimeFigureOut">
               <a:rPr lang="de-DE" smtClean="0"/>
-              <a:t>05.05.2021</a:t>
+              <a:t>02.07.2021</a:t>
             </a:fld>
             <a:endParaRPr lang="de-DE"/>
           </a:p>
@@ -1020,7 +1020,7 @@
           <a:p>
             <a:fld id="{2DAF1186-F1D7-440D-B156-A260D91A3611}" type="datetimeFigureOut">
               <a:rPr lang="de-DE" smtClean="0"/>
-              <a:t>05.05.2021</a:t>
+              <a:t>02.07.2021</a:t>
             </a:fld>
             <a:endParaRPr lang="de-DE"/>
           </a:p>
@@ -1252,7 +1252,7 @@
           <a:p>
             <a:fld id="{2DAF1186-F1D7-440D-B156-A260D91A3611}" type="datetimeFigureOut">
               <a:rPr lang="de-DE" smtClean="0"/>
-              <a:t>05.05.2021</a:t>
+              <a:t>02.07.2021</a:t>
             </a:fld>
             <a:endParaRPr lang="de-DE"/>
           </a:p>
@@ -1619,7 +1619,7 @@
           <a:p>
             <a:fld id="{2DAF1186-F1D7-440D-B156-A260D91A3611}" type="datetimeFigureOut">
               <a:rPr lang="de-DE" smtClean="0"/>
-              <a:t>05.05.2021</a:t>
+              <a:t>02.07.2021</a:t>
             </a:fld>
             <a:endParaRPr lang="de-DE"/>
           </a:p>
@@ -1737,7 +1737,7 @@
           <a:p>
             <a:fld id="{2DAF1186-F1D7-440D-B156-A260D91A3611}" type="datetimeFigureOut">
               <a:rPr lang="de-DE" smtClean="0"/>
-              <a:t>05.05.2021</a:t>
+              <a:t>02.07.2021</a:t>
             </a:fld>
             <a:endParaRPr lang="de-DE"/>
           </a:p>
@@ -1832,7 +1832,7 @@
           <a:p>
             <a:fld id="{2DAF1186-F1D7-440D-B156-A260D91A3611}" type="datetimeFigureOut">
               <a:rPr lang="de-DE" smtClean="0"/>
-              <a:t>05.05.2021</a:t>
+              <a:t>02.07.2021</a:t>
             </a:fld>
             <a:endParaRPr lang="de-DE"/>
           </a:p>
@@ -2109,7 +2109,7 @@
           <a:p>
             <a:fld id="{2DAF1186-F1D7-440D-B156-A260D91A3611}" type="datetimeFigureOut">
               <a:rPr lang="de-DE" smtClean="0"/>
-              <a:t>05.05.2021</a:t>
+              <a:t>02.07.2021</a:t>
             </a:fld>
             <a:endParaRPr lang="de-DE"/>
           </a:p>
@@ -2362,7 +2362,7 @@
           <a:p>
             <a:fld id="{2DAF1186-F1D7-440D-B156-A260D91A3611}" type="datetimeFigureOut">
               <a:rPr lang="de-DE" smtClean="0"/>
-              <a:t>05.05.2021</a:t>
+              <a:t>02.07.2021</a:t>
             </a:fld>
             <a:endParaRPr lang="de-DE"/>
           </a:p>
@@ -2575,7 +2575,7 @@
           <a:p>
             <a:fld id="{2DAF1186-F1D7-440D-B156-A260D91A3611}" type="datetimeFigureOut">
               <a:rPr lang="de-DE" smtClean="0"/>
-              <a:t>05.05.2021</a:t>
+              <a:t>02.07.2021</a:t>
             </a:fld>
             <a:endParaRPr lang="de-DE"/>
           </a:p>
@@ -45413,6 +45413,3252 @@
           </a:fontRef>
         </p:style>
       </p:cxnSp>
+      <p:grpSp>
+        <p:nvGrpSpPr>
+          <p:cNvPr id="5" name="Group 4">
+            <a:extLst>
+              <a:ext uri="{FF2B5EF4-FFF2-40B4-BE49-F238E27FC236}">
+                <a16:creationId xmlns:a16="http://schemas.microsoft.com/office/drawing/2014/main" id="{EF5AA39B-7D97-40DB-9398-40607AD87AFC}"/>
+              </a:ext>
+            </a:extLst>
+          </p:cNvPr>
+          <p:cNvGrpSpPr/>
+          <p:nvPr/>
+        </p:nvGrpSpPr>
+        <p:grpSpPr>
+          <a:xfrm>
+            <a:off x="979562" y="2219315"/>
+            <a:ext cx="565150" cy="376720"/>
+            <a:chOff x="6010275" y="857250"/>
+            <a:chExt cx="565150" cy="376720"/>
+          </a:xfrm>
+        </p:grpSpPr>
+        <p:sp>
+          <p:nvSpPr>
+            <p:cNvPr id="2" name="Rectangle 1">
+              <a:extLst>
+                <a:ext uri="{FF2B5EF4-FFF2-40B4-BE49-F238E27FC236}">
+                  <a16:creationId xmlns:a16="http://schemas.microsoft.com/office/drawing/2014/main" id="{119580DB-6ECC-498B-98D1-650279B26149}"/>
+                </a:ext>
+              </a:extLst>
+            </p:cNvPr>
+            <p:cNvSpPr/>
+            <p:nvPr/>
+          </p:nvSpPr>
+          <p:spPr>
+            <a:xfrm>
+              <a:off x="6010275" y="857250"/>
+              <a:ext cx="565150" cy="376720"/>
+            </a:xfrm>
+            <a:prstGeom prst="rect">
+              <a:avLst/>
+            </a:prstGeom>
+            <a:solidFill>
+              <a:schemeClr val="bg1">
+                <a:lumMod val="85000"/>
+              </a:schemeClr>
+            </a:solidFill>
+            <a:ln>
+              <a:solidFill>
+                <a:schemeClr val="bg1">
+                  <a:lumMod val="50000"/>
+                </a:schemeClr>
+              </a:solidFill>
+            </a:ln>
+          </p:spPr>
+          <p:style>
+            <a:lnRef idx="2">
+              <a:schemeClr val="accent1">
+                <a:shade val="50000"/>
+              </a:schemeClr>
+            </a:lnRef>
+            <a:fillRef idx="1">
+              <a:schemeClr val="accent1"/>
+            </a:fillRef>
+            <a:effectRef idx="0">
+              <a:schemeClr val="accent1"/>
+            </a:effectRef>
+            <a:fontRef idx="minor">
+              <a:schemeClr val="lt1"/>
+            </a:fontRef>
+          </p:style>
+          <p:txBody>
+            <a:bodyPr rtlCol="0" anchor="ctr"/>
+            <a:lstStyle/>
+            <a:p>
+              <a:pPr algn="ctr"/>
+              <a:endParaRPr lang="de-DE"/>
+            </a:p>
+          </p:txBody>
+        </p:sp>
+        <p:sp>
+          <p:nvSpPr>
+            <p:cNvPr id="3" name="Oval 2">
+              <a:extLst>
+                <a:ext uri="{FF2B5EF4-FFF2-40B4-BE49-F238E27FC236}">
+                  <a16:creationId xmlns:a16="http://schemas.microsoft.com/office/drawing/2014/main" id="{EC7746A4-211F-4916-AD8A-85982BE38FEF}"/>
+                </a:ext>
+              </a:extLst>
+            </p:cNvPr>
+            <p:cNvSpPr/>
+            <p:nvPr/>
+          </p:nvSpPr>
+          <p:spPr>
+            <a:xfrm>
+              <a:off x="6078199" y="898107"/>
+              <a:ext cx="110638" cy="111543"/>
+            </a:xfrm>
+            <a:prstGeom prst="ellipse">
+              <a:avLst/>
+            </a:prstGeom>
+            <a:solidFill>
+              <a:schemeClr val="bg1"/>
+            </a:solidFill>
+            <a:ln>
+              <a:noFill/>
+            </a:ln>
+          </p:spPr>
+          <p:style>
+            <a:lnRef idx="2">
+              <a:schemeClr val="accent1">
+                <a:shade val="50000"/>
+              </a:schemeClr>
+            </a:lnRef>
+            <a:fillRef idx="1">
+              <a:schemeClr val="accent1"/>
+            </a:fillRef>
+            <a:effectRef idx="0">
+              <a:schemeClr val="accent1"/>
+            </a:effectRef>
+            <a:fontRef idx="minor">
+              <a:schemeClr val="lt1"/>
+            </a:fontRef>
+          </p:style>
+          <p:txBody>
+            <a:bodyPr rtlCol="0" anchor="ctr"/>
+            <a:lstStyle/>
+            <a:p>
+              <a:pPr algn="ctr"/>
+              <a:endParaRPr lang="de-DE"/>
+            </a:p>
+          </p:txBody>
+        </p:sp>
+        <p:sp>
+          <p:nvSpPr>
+            <p:cNvPr id="4" name="Isosceles Triangle 3">
+              <a:extLst>
+                <a:ext uri="{FF2B5EF4-FFF2-40B4-BE49-F238E27FC236}">
+                  <a16:creationId xmlns:a16="http://schemas.microsoft.com/office/drawing/2014/main" id="{89074737-DA7F-4D08-A971-34DE22173842}"/>
+                </a:ext>
+              </a:extLst>
+            </p:cNvPr>
+            <p:cNvSpPr/>
+            <p:nvPr/>
+          </p:nvSpPr>
+          <p:spPr>
+            <a:xfrm>
+              <a:off x="6088669" y="1083097"/>
+              <a:ext cx="144618" cy="109342"/>
+            </a:xfrm>
+            <a:prstGeom prst="triangle">
+              <a:avLst/>
+            </a:prstGeom>
+            <a:solidFill>
+              <a:schemeClr val="bg1"/>
+            </a:solidFill>
+            <a:ln>
+              <a:noFill/>
+            </a:ln>
+          </p:spPr>
+          <p:style>
+            <a:lnRef idx="2">
+              <a:schemeClr val="accent1">
+                <a:shade val="50000"/>
+              </a:schemeClr>
+            </a:lnRef>
+            <a:fillRef idx="1">
+              <a:schemeClr val="accent1"/>
+            </a:fillRef>
+            <a:effectRef idx="0">
+              <a:schemeClr val="accent1"/>
+            </a:effectRef>
+            <a:fontRef idx="minor">
+              <a:schemeClr val="lt1"/>
+            </a:fontRef>
+          </p:style>
+          <p:txBody>
+            <a:bodyPr rtlCol="0" anchor="ctr"/>
+            <a:lstStyle/>
+            <a:p>
+              <a:pPr algn="ctr"/>
+              <a:endParaRPr lang="de-DE"/>
+            </a:p>
+          </p:txBody>
+        </p:sp>
+        <p:sp>
+          <p:nvSpPr>
+            <p:cNvPr id="154" name="Isosceles Triangle 153">
+              <a:extLst>
+                <a:ext uri="{FF2B5EF4-FFF2-40B4-BE49-F238E27FC236}">
+                  <a16:creationId xmlns:a16="http://schemas.microsoft.com/office/drawing/2014/main" id="{03768154-75AD-4894-BF93-9B4A4D587182}"/>
+                </a:ext>
+              </a:extLst>
+            </p:cNvPr>
+            <p:cNvSpPr/>
+            <p:nvPr/>
+          </p:nvSpPr>
+          <p:spPr>
+            <a:xfrm>
+              <a:off x="6201383" y="946582"/>
+              <a:ext cx="311303" cy="245857"/>
+            </a:xfrm>
+            <a:prstGeom prst="triangle">
+              <a:avLst/>
+            </a:prstGeom>
+            <a:solidFill>
+              <a:schemeClr val="bg1"/>
+            </a:solidFill>
+            <a:ln>
+              <a:noFill/>
+            </a:ln>
+          </p:spPr>
+          <p:style>
+            <a:lnRef idx="2">
+              <a:schemeClr val="accent1">
+                <a:shade val="50000"/>
+              </a:schemeClr>
+            </a:lnRef>
+            <a:fillRef idx="1">
+              <a:schemeClr val="accent1"/>
+            </a:fillRef>
+            <a:effectRef idx="0">
+              <a:schemeClr val="accent1"/>
+            </a:effectRef>
+            <a:fontRef idx="minor">
+              <a:schemeClr val="lt1"/>
+            </a:fontRef>
+          </p:style>
+          <p:txBody>
+            <a:bodyPr rtlCol="0" anchor="ctr"/>
+            <a:lstStyle/>
+            <a:p>
+              <a:pPr algn="ctr"/>
+              <a:endParaRPr lang="de-DE"/>
+            </a:p>
+          </p:txBody>
+        </p:sp>
+      </p:grpSp>
+      <p:grpSp>
+        <p:nvGrpSpPr>
+          <p:cNvPr id="161" name="Group 160">
+            <a:extLst>
+              <a:ext uri="{FF2B5EF4-FFF2-40B4-BE49-F238E27FC236}">
+                <a16:creationId xmlns:a16="http://schemas.microsoft.com/office/drawing/2014/main" id="{D291068F-1740-42BD-9E5E-9B5D07A74CBC}"/>
+              </a:ext>
+            </a:extLst>
+          </p:cNvPr>
+          <p:cNvGrpSpPr/>
+          <p:nvPr/>
+        </p:nvGrpSpPr>
+        <p:grpSpPr>
+          <a:xfrm>
+            <a:off x="1583978" y="2219315"/>
+            <a:ext cx="565150" cy="376720"/>
+            <a:chOff x="6010275" y="857250"/>
+            <a:chExt cx="565150" cy="376720"/>
+          </a:xfrm>
+        </p:grpSpPr>
+        <p:sp>
+          <p:nvSpPr>
+            <p:cNvPr id="162" name="Rectangle 161">
+              <a:extLst>
+                <a:ext uri="{FF2B5EF4-FFF2-40B4-BE49-F238E27FC236}">
+                  <a16:creationId xmlns:a16="http://schemas.microsoft.com/office/drawing/2014/main" id="{FE03A01B-64EF-44E3-8221-E05D39381147}"/>
+                </a:ext>
+              </a:extLst>
+            </p:cNvPr>
+            <p:cNvSpPr/>
+            <p:nvPr/>
+          </p:nvSpPr>
+          <p:spPr>
+            <a:xfrm>
+              <a:off x="6010275" y="857250"/>
+              <a:ext cx="565150" cy="376720"/>
+            </a:xfrm>
+            <a:prstGeom prst="rect">
+              <a:avLst/>
+            </a:prstGeom>
+            <a:solidFill>
+              <a:schemeClr val="bg1">
+                <a:lumMod val="85000"/>
+              </a:schemeClr>
+            </a:solidFill>
+            <a:ln>
+              <a:solidFill>
+                <a:schemeClr val="bg1">
+                  <a:lumMod val="50000"/>
+                </a:schemeClr>
+              </a:solidFill>
+            </a:ln>
+          </p:spPr>
+          <p:style>
+            <a:lnRef idx="2">
+              <a:schemeClr val="accent1">
+                <a:shade val="50000"/>
+              </a:schemeClr>
+            </a:lnRef>
+            <a:fillRef idx="1">
+              <a:schemeClr val="accent1"/>
+            </a:fillRef>
+            <a:effectRef idx="0">
+              <a:schemeClr val="accent1"/>
+            </a:effectRef>
+            <a:fontRef idx="minor">
+              <a:schemeClr val="lt1"/>
+            </a:fontRef>
+          </p:style>
+          <p:txBody>
+            <a:bodyPr rtlCol="0" anchor="ctr"/>
+            <a:lstStyle/>
+            <a:p>
+              <a:pPr algn="ctr"/>
+              <a:endParaRPr lang="de-DE"/>
+            </a:p>
+          </p:txBody>
+        </p:sp>
+        <p:sp>
+          <p:nvSpPr>
+            <p:cNvPr id="163" name="Oval 162">
+              <a:extLst>
+                <a:ext uri="{FF2B5EF4-FFF2-40B4-BE49-F238E27FC236}">
+                  <a16:creationId xmlns:a16="http://schemas.microsoft.com/office/drawing/2014/main" id="{9FCA5BD9-9D2E-4259-919C-53D2EE8017E2}"/>
+                </a:ext>
+              </a:extLst>
+            </p:cNvPr>
+            <p:cNvSpPr/>
+            <p:nvPr/>
+          </p:nvSpPr>
+          <p:spPr>
+            <a:xfrm>
+              <a:off x="6078199" y="898107"/>
+              <a:ext cx="110638" cy="111543"/>
+            </a:xfrm>
+            <a:prstGeom prst="ellipse">
+              <a:avLst/>
+            </a:prstGeom>
+            <a:solidFill>
+              <a:schemeClr val="bg1"/>
+            </a:solidFill>
+            <a:ln>
+              <a:noFill/>
+            </a:ln>
+          </p:spPr>
+          <p:style>
+            <a:lnRef idx="2">
+              <a:schemeClr val="accent1">
+                <a:shade val="50000"/>
+              </a:schemeClr>
+            </a:lnRef>
+            <a:fillRef idx="1">
+              <a:schemeClr val="accent1"/>
+            </a:fillRef>
+            <a:effectRef idx="0">
+              <a:schemeClr val="accent1"/>
+            </a:effectRef>
+            <a:fontRef idx="minor">
+              <a:schemeClr val="lt1"/>
+            </a:fontRef>
+          </p:style>
+          <p:txBody>
+            <a:bodyPr rtlCol="0" anchor="ctr"/>
+            <a:lstStyle/>
+            <a:p>
+              <a:pPr algn="ctr"/>
+              <a:endParaRPr lang="de-DE"/>
+            </a:p>
+          </p:txBody>
+        </p:sp>
+        <p:sp>
+          <p:nvSpPr>
+            <p:cNvPr id="164" name="Isosceles Triangle 163">
+              <a:extLst>
+                <a:ext uri="{FF2B5EF4-FFF2-40B4-BE49-F238E27FC236}">
+                  <a16:creationId xmlns:a16="http://schemas.microsoft.com/office/drawing/2014/main" id="{FF3D25CC-267C-4391-B6A3-37438FA6613E}"/>
+                </a:ext>
+              </a:extLst>
+            </p:cNvPr>
+            <p:cNvSpPr/>
+            <p:nvPr/>
+          </p:nvSpPr>
+          <p:spPr>
+            <a:xfrm>
+              <a:off x="6088669" y="1083097"/>
+              <a:ext cx="144618" cy="109342"/>
+            </a:xfrm>
+            <a:prstGeom prst="triangle">
+              <a:avLst/>
+            </a:prstGeom>
+            <a:solidFill>
+              <a:schemeClr val="bg1"/>
+            </a:solidFill>
+            <a:ln>
+              <a:noFill/>
+            </a:ln>
+          </p:spPr>
+          <p:style>
+            <a:lnRef idx="2">
+              <a:schemeClr val="accent1">
+                <a:shade val="50000"/>
+              </a:schemeClr>
+            </a:lnRef>
+            <a:fillRef idx="1">
+              <a:schemeClr val="accent1"/>
+            </a:fillRef>
+            <a:effectRef idx="0">
+              <a:schemeClr val="accent1"/>
+            </a:effectRef>
+            <a:fontRef idx="minor">
+              <a:schemeClr val="lt1"/>
+            </a:fontRef>
+          </p:style>
+          <p:txBody>
+            <a:bodyPr rtlCol="0" anchor="ctr"/>
+            <a:lstStyle/>
+            <a:p>
+              <a:pPr algn="ctr"/>
+              <a:endParaRPr lang="de-DE"/>
+            </a:p>
+          </p:txBody>
+        </p:sp>
+        <p:sp>
+          <p:nvSpPr>
+            <p:cNvPr id="165" name="Isosceles Triangle 164">
+              <a:extLst>
+                <a:ext uri="{FF2B5EF4-FFF2-40B4-BE49-F238E27FC236}">
+                  <a16:creationId xmlns:a16="http://schemas.microsoft.com/office/drawing/2014/main" id="{F7609DF9-BAFB-42F8-890E-D2C700B6F085}"/>
+                </a:ext>
+              </a:extLst>
+            </p:cNvPr>
+            <p:cNvSpPr/>
+            <p:nvPr/>
+          </p:nvSpPr>
+          <p:spPr>
+            <a:xfrm>
+              <a:off x="6201383" y="946582"/>
+              <a:ext cx="311303" cy="245857"/>
+            </a:xfrm>
+            <a:prstGeom prst="triangle">
+              <a:avLst/>
+            </a:prstGeom>
+            <a:solidFill>
+              <a:schemeClr val="bg1"/>
+            </a:solidFill>
+            <a:ln>
+              <a:noFill/>
+            </a:ln>
+          </p:spPr>
+          <p:style>
+            <a:lnRef idx="2">
+              <a:schemeClr val="accent1">
+                <a:shade val="50000"/>
+              </a:schemeClr>
+            </a:lnRef>
+            <a:fillRef idx="1">
+              <a:schemeClr val="accent1"/>
+            </a:fillRef>
+            <a:effectRef idx="0">
+              <a:schemeClr val="accent1"/>
+            </a:effectRef>
+            <a:fontRef idx="minor">
+              <a:schemeClr val="lt1"/>
+            </a:fontRef>
+          </p:style>
+          <p:txBody>
+            <a:bodyPr rtlCol="0" anchor="ctr"/>
+            <a:lstStyle/>
+            <a:p>
+              <a:pPr algn="ctr"/>
+              <a:endParaRPr lang="de-DE"/>
+            </a:p>
+          </p:txBody>
+        </p:sp>
+      </p:grpSp>
+      <p:grpSp>
+        <p:nvGrpSpPr>
+          <p:cNvPr id="166" name="Group 165">
+            <a:extLst>
+              <a:ext uri="{FF2B5EF4-FFF2-40B4-BE49-F238E27FC236}">
+                <a16:creationId xmlns:a16="http://schemas.microsoft.com/office/drawing/2014/main" id="{43C80658-6E08-489E-81DF-EA47287E82F1}"/>
+              </a:ext>
+            </a:extLst>
+          </p:cNvPr>
+          <p:cNvGrpSpPr/>
+          <p:nvPr/>
+        </p:nvGrpSpPr>
+        <p:grpSpPr>
+          <a:xfrm>
+            <a:off x="2192696" y="2219315"/>
+            <a:ext cx="565150" cy="376720"/>
+            <a:chOff x="6010275" y="857250"/>
+            <a:chExt cx="565150" cy="376720"/>
+          </a:xfrm>
+        </p:grpSpPr>
+        <p:sp>
+          <p:nvSpPr>
+            <p:cNvPr id="167" name="Rectangle 166">
+              <a:extLst>
+                <a:ext uri="{FF2B5EF4-FFF2-40B4-BE49-F238E27FC236}">
+                  <a16:creationId xmlns:a16="http://schemas.microsoft.com/office/drawing/2014/main" id="{CD7BA184-9E2E-4249-ACDE-D69919EBEA36}"/>
+                </a:ext>
+              </a:extLst>
+            </p:cNvPr>
+            <p:cNvSpPr/>
+            <p:nvPr/>
+          </p:nvSpPr>
+          <p:spPr>
+            <a:xfrm>
+              <a:off x="6010275" y="857250"/>
+              <a:ext cx="565150" cy="376720"/>
+            </a:xfrm>
+            <a:prstGeom prst="rect">
+              <a:avLst/>
+            </a:prstGeom>
+            <a:solidFill>
+              <a:schemeClr val="bg1">
+                <a:lumMod val="85000"/>
+              </a:schemeClr>
+            </a:solidFill>
+            <a:ln>
+              <a:solidFill>
+                <a:schemeClr val="bg1">
+                  <a:lumMod val="50000"/>
+                </a:schemeClr>
+              </a:solidFill>
+            </a:ln>
+          </p:spPr>
+          <p:style>
+            <a:lnRef idx="2">
+              <a:schemeClr val="accent1">
+                <a:shade val="50000"/>
+              </a:schemeClr>
+            </a:lnRef>
+            <a:fillRef idx="1">
+              <a:schemeClr val="accent1"/>
+            </a:fillRef>
+            <a:effectRef idx="0">
+              <a:schemeClr val="accent1"/>
+            </a:effectRef>
+            <a:fontRef idx="minor">
+              <a:schemeClr val="lt1"/>
+            </a:fontRef>
+          </p:style>
+          <p:txBody>
+            <a:bodyPr rtlCol="0" anchor="ctr"/>
+            <a:lstStyle/>
+            <a:p>
+              <a:pPr algn="ctr"/>
+              <a:endParaRPr lang="de-DE"/>
+            </a:p>
+          </p:txBody>
+        </p:sp>
+        <p:sp>
+          <p:nvSpPr>
+            <p:cNvPr id="168" name="Oval 167">
+              <a:extLst>
+                <a:ext uri="{FF2B5EF4-FFF2-40B4-BE49-F238E27FC236}">
+                  <a16:creationId xmlns:a16="http://schemas.microsoft.com/office/drawing/2014/main" id="{E92ADC3B-0FD7-4EA5-A39B-EF078EC3A0F7}"/>
+                </a:ext>
+              </a:extLst>
+            </p:cNvPr>
+            <p:cNvSpPr/>
+            <p:nvPr/>
+          </p:nvSpPr>
+          <p:spPr>
+            <a:xfrm>
+              <a:off x="6078199" y="898107"/>
+              <a:ext cx="110638" cy="111543"/>
+            </a:xfrm>
+            <a:prstGeom prst="ellipse">
+              <a:avLst/>
+            </a:prstGeom>
+            <a:solidFill>
+              <a:schemeClr val="bg1"/>
+            </a:solidFill>
+            <a:ln>
+              <a:noFill/>
+            </a:ln>
+          </p:spPr>
+          <p:style>
+            <a:lnRef idx="2">
+              <a:schemeClr val="accent1">
+                <a:shade val="50000"/>
+              </a:schemeClr>
+            </a:lnRef>
+            <a:fillRef idx="1">
+              <a:schemeClr val="accent1"/>
+            </a:fillRef>
+            <a:effectRef idx="0">
+              <a:schemeClr val="accent1"/>
+            </a:effectRef>
+            <a:fontRef idx="minor">
+              <a:schemeClr val="lt1"/>
+            </a:fontRef>
+          </p:style>
+          <p:txBody>
+            <a:bodyPr rtlCol="0" anchor="ctr"/>
+            <a:lstStyle/>
+            <a:p>
+              <a:pPr algn="ctr"/>
+              <a:endParaRPr lang="de-DE"/>
+            </a:p>
+          </p:txBody>
+        </p:sp>
+        <p:sp>
+          <p:nvSpPr>
+            <p:cNvPr id="169" name="Isosceles Triangle 168">
+              <a:extLst>
+                <a:ext uri="{FF2B5EF4-FFF2-40B4-BE49-F238E27FC236}">
+                  <a16:creationId xmlns:a16="http://schemas.microsoft.com/office/drawing/2014/main" id="{CAC6F083-0E33-40DE-A973-B2B17BFC18F4}"/>
+                </a:ext>
+              </a:extLst>
+            </p:cNvPr>
+            <p:cNvSpPr/>
+            <p:nvPr/>
+          </p:nvSpPr>
+          <p:spPr>
+            <a:xfrm>
+              <a:off x="6088669" y="1083097"/>
+              <a:ext cx="144618" cy="109342"/>
+            </a:xfrm>
+            <a:prstGeom prst="triangle">
+              <a:avLst/>
+            </a:prstGeom>
+            <a:solidFill>
+              <a:schemeClr val="bg1"/>
+            </a:solidFill>
+            <a:ln>
+              <a:noFill/>
+            </a:ln>
+          </p:spPr>
+          <p:style>
+            <a:lnRef idx="2">
+              <a:schemeClr val="accent1">
+                <a:shade val="50000"/>
+              </a:schemeClr>
+            </a:lnRef>
+            <a:fillRef idx="1">
+              <a:schemeClr val="accent1"/>
+            </a:fillRef>
+            <a:effectRef idx="0">
+              <a:schemeClr val="accent1"/>
+            </a:effectRef>
+            <a:fontRef idx="minor">
+              <a:schemeClr val="lt1"/>
+            </a:fontRef>
+          </p:style>
+          <p:txBody>
+            <a:bodyPr rtlCol="0" anchor="ctr"/>
+            <a:lstStyle/>
+            <a:p>
+              <a:pPr algn="ctr"/>
+              <a:endParaRPr lang="de-DE"/>
+            </a:p>
+          </p:txBody>
+        </p:sp>
+        <p:sp>
+          <p:nvSpPr>
+            <p:cNvPr id="170" name="Isosceles Triangle 169">
+              <a:extLst>
+                <a:ext uri="{FF2B5EF4-FFF2-40B4-BE49-F238E27FC236}">
+                  <a16:creationId xmlns:a16="http://schemas.microsoft.com/office/drawing/2014/main" id="{D630EC5D-3B9A-4A4A-AEF2-A57056221F7B}"/>
+                </a:ext>
+              </a:extLst>
+            </p:cNvPr>
+            <p:cNvSpPr/>
+            <p:nvPr/>
+          </p:nvSpPr>
+          <p:spPr>
+            <a:xfrm>
+              <a:off x="6201383" y="946582"/>
+              <a:ext cx="311303" cy="245857"/>
+            </a:xfrm>
+            <a:prstGeom prst="triangle">
+              <a:avLst/>
+            </a:prstGeom>
+            <a:solidFill>
+              <a:schemeClr val="bg1"/>
+            </a:solidFill>
+            <a:ln>
+              <a:noFill/>
+            </a:ln>
+          </p:spPr>
+          <p:style>
+            <a:lnRef idx="2">
+              <a:schemeClr val="accent1">
+                <a:shade val="50000"/>
+              </a:schemeClr>
+            </a:lnRef>
+            <a:fillRef idx="1">
+              <a:schemeClr val="accent1"/>
+            </a:fillRef>
+            <a:effectRef idx="0">
+              <a:schemeClr val="accent1"/>
+            </a:effectRef>
+            <a:fontRef idx="minor">
+              <a:schemeClr val="lt1"/>
+            </a:fontRef>
+          </p:style>
+          <p:txBody>
+            <a:bodyPr rtlCol="0" anchor="ctr"/>
+            <a:lstStyle/>
+            <a:p>
+              <a:pPr algn="ctr"/>
+              <a:endParaRPr lang="de-DE"/>
+            </a:p>
+          </p:txBody>
+        </p:sp>
+      </p:grpSp>
+      <p:sp>
+        <p:nvSpPr>
+          <p:cNvPr id="6" name="Rectangle 5">
+            <a:extLst>
+              <a:ext uri="{FF2B5EF4-FFF2-40B4-BE49-F238E27FC236}">
+                <a16:creationId xmlns:a16="http://schemas.microsoft.com/office/drawing/2014/main" id="{4A1A2CCA-17D1-46EE-ACEE-8C1231C81DBE}"/>
+              </a:ext>
+            </a:extLst>
+          </p:cNvPr>
+          <p:cNvSpPr/>
+          <p:nvPr/>
+        </p:nvSpPr>
+        <p:spPr>
+          <a:xfrm>
+            <a:off x="2454940" y="2143885"/>
+            <a:ext cx="343356" cy="537472"/>
+          </a:xfrm>
+          <a:prstGeom prst="rect">
+            <a:avLst/>
+          </a:prstGeom>
+          <a:solidFill>
+            <a:schemeClr val="bg1"/>
+          </a:solidFill>
+          <a:ln>
+            <a:noFill/>
+          </a:ln>
+        </p:spPr>
+        <p:style>
+          <a:lnRef idx="2">
+            <a:schemeClr val="accent1">
+              <a:shade val="50000"/>
+            </a:schemeClr>
+          </a:lnRef>
+          <a:fillRef idx="1">
+            <a:schemeClr val="accent1"/>
+          </a:fillRef>
+          <a:effectRef idx="0">
+            <a:schemeClr val="accent1"/>
+          </a:effectRef>
+          <a:fontRef idx="minor">
+            <a:schemeClr val="lt1"/>
+          </a:fontRef>
+        </p:style>
+        <p:txBody>
+          <a:bodyPr rtlCol="0" anchor="ctr"/>
+          <a:lstStyle/>
+          <a:p>
+            <a:pPr algn="ctr"/>
+            <a:endParaRPr lang="de-DE"/>
+          </a:p>
+        </p:txBody>
+      </p:sp>
+      <p:sp>
+        <p:nvSpPr>
+          <p:cNvPr id="153" name="Rectangle 152">
+            <a:extLst>
+              <a:ext uri="{FF2B5EF4-FFF2-40B4-BE49-F238E27FC236}">
+                <a16:creationId xmlns:a16="http://schemas.microsoft.com/office/drawing/2014/main" id="{52FFE35E-DC87-4E81-B06E-D7AD5A972C1D}"/>
+              </a:ext>
+            </a:extLst>
+          </p:cNvPr>
+          <p:cNvSpPr/>
+          <p:nvPr/>
+        </p:nvSpPr>
+        <p:spPr>
+          <a:xfrm>
+            <a:off x="798587" y="2105014"/>
+            <a:ext cx="1865902" cy="606879"/>
+          </a:xfrm>
+          <a:prstGeom prst="rect">
+            <a:avLst/>
+          </a:prstGeom>
+          <a:noFill/>
+        </p:spPr>
+        <p:style>
+          <a:lnRef idx="2">
+            <a:schemeClr val="dk1"/>
+          </a:lnRef>
+          <a:fillRef idx="1">
+            <a:schemeClr val="lt1"/>
+          </a:fillRef>
+          <a:effectRef idx="0">
+            <a:schemeClr val="dk1"/>
+          </a:effectRef>
+          <a:fontRef idx="minor">
+            <a:schemeClr val="dk1"/>
+          </a:fontRef>
+        </p:style>
+        <p:txBody>
+          <a:bodyPr rtlCol="0" anchor="ctr"/>
+          <a:lstStyle/>
+          <a:p>
+            <a:endParaRPr lang="de-DE" dirty="0"/>
+          </a:p>
+        </p:txBody>
+      </p:sp>
+      <p:sp>
+        <p:nvSpPr>
+          <p:cNvPr id="116" name="Rectangle 115">
+            <a:extLst>
+              <a:ext uri="{FF2B5EF4-FFF2-40B4-BE49-F238E27FC236}">
+                <a16:creationId xmlns:a16="http://schemas.microsoft.com/office/drawing/2014/main" id="{9C9A67A4-6058-43D0-A6E8-AD86096D1700}"/>
+              </a:ext>
+            </a:extLst>
+          </p:cNvPr>
+          <p:cNvSpPr/>
+          <p:nvPr/>
+        </p:nvSpPr>
+        <p:spPr>
+          <a:xfrm>
+            <a:off x="715530" y="1839376"/>
+            <a:ext cx="2029770" cy="1215450"/>
+          </a:xfrm>
+          <a:prstGeom prst="rect">
+            <a:avLst/>
+          </a:prstGeom>
+          <a:noFill/>
+          <a:ln>
+            <a:prstDash val="dash"/>
+          </a:ln>
+        </p:spPr>
+        <p:style>
+          <a:lnRef idx="2">
+            <a:schemeClr val="accent1">
+              <a:shade val="50000"/>
+            </a:schemeClr>
+          </a:lnRef>
+          <a:fillRef idx="1">
+            <a:schemeClr val="accent1"/>
+          </a:fillRef>
+          <a:effectRef idx="0">
+            <a:schemeClr val="accent1"/>
+          </a:effectRef>
+          <a:fontRef idx="minor">
+            <a:schemeClr val="lt1"/>
+          </a:fontRef>
+        </p:style>
+        <p:txBody>
+          <a:bodyPr rtlCol="0" anchor="ctr"/>
+          <a:lstStyle/>
+          <a:p>
+            <a:pPr algn="ctr"/>
+            <a:endParaRPr lang="de-DE"/>
+          </a:p>
+        </p:txBody>
+      </p:sp>
+      <p:sp>
+        <p:nvSpPr>
+          <p:cNvPr id="7" name="Arrow: Down 6">
+            <a:extLst>
+              <a:ext uri="{FF2B5EF4-FFF2-40B4-BE49-F238E27FC236}">
+                <a16:creationId xmlns:a16="http://schemas.microsoft.com/office/drawing/2014/main" id="{BF050EEE-9E18-4351-8623-DCD732C5C6BD}"/>
+              </a:ext>
+            </a:extLst>
+          </p:cNvPr>
+          <p:cNvSpPr/>
+          <p:nvPr/>
+        </p:nvSpPr>
+        <p:spPr>
+          <a:xfrm rot="5400000">
+            <a:off x="785771" y="2366677"/>
+            <a:ext cx="190123" cy="102624"/>
+          </a:xfrm>
+          <a:prstGeom prst="downArrow">
+            <a:avLst/>
+          </a:prstGeom>
+          <a:solidFill>
+            <a:schemeClr val="bg1">
+              <a:lumMod val="85000"/>
+            </a:schemeClr>
+          </a:solidFill>
+        </p:spPr>
+        <p:style>
+          <a:lnRef idx="2">
+            <a:schemeClr val="dk1"/>
+          </a:lnRef>
+          <a:fillRef idx="1">
+            <a:schemeClr val="lt1"/>
+          </a:fillRef>
+          <a:effectRef idx="0">
+            <a:schemeClr val="dk1"/>
+          </a:effectRef>
+          <a:fontRef idx="minor">
+            <a:schemeClr val="dk1"/>
+          </a:fontRef>
+        </p:style>
+        <p:txBody>
+          <a:bodyPr rtlCol="0" anchor="ctr"/>
+          <a:lstStyle/>
+          <a:p>
+            <a:pPr algn="ctr"/>
+            <a:endParaRPr lang="de-DE">
+              <a:solidFill>
+                <a:schemeClr val="dk1"/>
+              </a:solidFill>
+            </a:endParaRPr>
+          </a:p>
+        </p:txBody>
+      </p:sp>
+      <p:sp>
+        <p:nvSpPr>
+          <p:cNvPr id="171" name="Arrow: Down 170">
+            <a:extLst>
+              <a:ext uri="{FF2B5EF4-FFF2-40B4-BE49-F238E27FC236}">
+                <a16:creationId xmlns:a16="http://schemas.microsoft.com/office/drawing/2014/main" id="{78113E5E-54FA-45A8-B25B-E8B4AE92421E}"/>
+              </a:ext>
+            </a:extLst>
+          </p:cNvPr>
+          <p:cNvSpPr/>
+          <p:nvPr/>
+        </p:nvSpPr>
+        <p:spPr>
+          <a:xfrm rot="16200000">
+            <a:off x="2466423" y="2366678"/>
+            <a:ext cx="190123" cy="102624"/>
+          </a:xfrm>
+          <a:prstGeom prst="downArrow">
+            <a:avLst/>
+          </a:prstGeom>
+          <a:solidFill>
+            <a:schemeClr val="bg1">
+              <a:lumMod val="85000"/>
+            </a:schemeClr>
+          </a:solidFill>
+        </p:spPr>
+        <p:style>
+          <a:lnRef idx="2">
+            <a:schemeClr val="dk1"/>
+          </a:lnRef>
+          <a:fillRef idx="1">
+            <a:schemeClr val="lt1"/>
+          </a:fillRef>
+          <a:effectRef idx="0">
+            <a:schemeClr val="dk1"/>
+          </a:effectRef>
+          <a:fontRef idx="minor">
+            <a:schemeClr val="dk1"/>
+          </a:fontRef>
+        </p:style>
+        <p:txBody>
+          <a:bodyPr rtlCol="0" anchor="ctr"/>
+          <a:lstStyle/>
+          <a:p>
+            <a:pPr algn="ctr"/>
+            <a:endParaRPr lang="de-DE">
+              <a:solidFill>
+                <a:schemeClr val="dk1"/>
+              </a:solidFill>
+            </a:endParaRPr>
+          </a:p>
+        </p:txBody>
+      </p:sp>
+      <p:grpSp>
+        <p:nvGrpSpPr>
+          <p:cNvPr id="172" name="Group 171">
+            <a:extLst>
+              <a:ext uri="{FF2B5EF4-FFF2-40B4-BE49-F238E27FC236}">
+                <a16:creationId xmlns:a16="http://schemas.microsoft.com/office/drawing/2014/main" id="{856E1687-33F6-4E97-A09A-1D149BF1462E}"/>
+              </a:ext>
+            </a:extLst>
+          </p:cNvPr>
+          <p:cNvGrpSpPr/>
+          <p:nvPr/>
+        </p:nvGrpSpPr>
+        <p:grpSpPr>
+          <a:xfrm>
+            <a:off x="3171310" y="2390765"/>
+            <a:ext cx="565150" cy="376720"/>
+            <a:chOff x="6010275" y="857250"/>
+            <a:chExt cx="565150" cy="376720"/>
+          </a:xfrm>
+        </p:grpSpPr>
+        <p:sp>
+          <p:nvSpPr>
+            <p:cNvPr id="173" name="Rectangle 172">
+              <a:extLst>
+                <a:ext uri="{FF2B5EF4-FFF2-40B4-BE49-F238E27FC236}">
+                  <a16:creationId xmlns:a16="http://schemas.microsoft.com/office/drawing/2014/main" id="{7AE73034-7803-4CB1-B7EE-7AEBBA341522}"/>
+                </a:ext>
+              </a:extLst>
+            </p:cNvPr>
+            <p:cNvSpPr/>
+            <p:nvPr/>
+          </p:nvSpPr>
+          <p:spPr>
+            <a:xfrm>
+              <a:off x="6010275" y="857250"/>
+              <a:ext cx="565150" cy="376720"/>
+            </a:xfrm>
+            <a:prstGeom prst="rect">
+              <a:avLst/>
+            </a:prstGeom>
+            <a:solidFill>
+              <a:schemeClr val="bg1">
+                <a:lumMod val="85000"/>
+              </a:schemeClr>
+            </a:solidFill>
+            <a:ln>
+              <a:solidFill>
+                <a:schemeClr val="bg1">
+                  <a:lumMod val="50000"/>
+                </a:schemeClr>
+              </a:solidFill>
+            </a:ln>
+          </p:spPr>
+          <p:style>
+            <a:lnRef idx="2">
+              <a:schemeClr val="accent1">
+                <a:shade val="50000"/>
+              </a:schemeClr>
+            </a:lnRef>
+            <a:fillRef idx="1">
+              <a:schemeClr val="accent1"/>
+            </a:fillRef>
+            <a:effectRef idx="0">
+              <a:schemeClr val="accent1"/>
+            </a:effectRef>
+            <a:fontRef idx="minor">
+              <a:schemeClr val="lt1"/>
+            </a:fontRef>
+          </p:style>
+          <p:txBody>
+            <a:bodyPr rtlCol="0" anchor="ctr"/>
+            <a:lstStyle/>
+            <a:p>
+              <a:pPr algn="ctr"/>
+              <a:endParaRPr lang="de-DE"/>
+            </a:p>
+          </p:txBody>
+        </p:sp>
+        <p:sp>
+          <p:nvSpPr>
+            <p:cNvPr id="174" name="Oval 173">
+              <a:extLst>
+                <a:ext uri="{FF2B5EF4-FFF2-40B4-BE49-F238E27FC236}">
+                  <a16:creationId xmlns:a16="http://schemas.microsoft.com/office/drawing/2014/main" id="{A74BA939-F71B-481F-A2A2-7BA90770B66A}"/>
+                </a:ext>
+              </a:extLst>
+            </p:cNvPr>
+            <p:cNvSpPr/>
+            <p:nvPr/>
+          </p:nvSpPr>
+          <p:spPr>
+            <a:xfrm>
+              <a:off x="6078199" y="898107"/>
+              <a:ext cx="110638" cy="111543"/>
+            </a:xfrm>
+            <a:prstGeom prst="ellipse">
+              <a:avLst/>
+            </a:prstGeom>
+            <a:solidFill>
+              <a:schemeClr val="bg1"/>
+            </a:solidFill>
+            <a:ln>
+              <a:noFill/>
+            </a:ln>
+          </p:spPr>
+          <p:style>
+            <a:lnRef idx="2">
+              <a:schemeClr val="accent1">
+                <a:shade val="50000"/>
+              </a:schemeClr>
+            </a:lnRef>
+            <a:fillRef idx="1">
+              <a:schemeClr val="accent1"/>
+            </a:fillRef>
+            <a:effectRef idx="0">
+              <a:schemeClr val="accent1"/>
+            </a:effectRef>
+            <a:fontRef idx="minor">
+              <a:schemeClr val="lt1"/>
+            </a:fontRef>
+          </p:style>
+          <p:txBody>
+            <a:bodyPr rtlCol="0" anchor="ctr"/>
+            <a:lstStyle/>
+            <a:p>
+              <a:pPr algn="ctr"/>
+              <a:endParaRPr lang="de-DE"/>
+            </a:p>
+          </p:txBody>
+        </p:sp>
+        <p:sp>
+          <p:nvSpPr>
+            <p:cNvPr id="175" name="Isosceles Triangle 174">
+              <a:extLst>
+                <a:ext uri="{FF2B5EF4-FFF2-40B4-BE49-F238E27FC236}">
+                  <a16:creationId xmlns:a16="http://schemas.microsoft.com/office/drawing/2014/main" id="{E3270FA1-6130-4FAF-A123-0233561D6946}"/>
+                </a:ext>
+              </a:extLst>
+            </p:cNvPr>
+            <p:cNvSpPr/>
+            <p:nvPr/>
+          </p:nvSpPr>
+          <p:spPr>
+            <a:xfrm>
+              <a:off x="6088669" y="1083097"/>
+              <a:ext cx="144618" cy="109342"/>
+            </a:xfrm>
+            <a:prstGeom prst="triangle">
+              <a:avLst/>
+            </a:prstGeom>
+            <a:solidFill>
+              <a:schemeClr val="bg1"/>
+            </a:solidFill>
+            <a:ln>
+              <a:noFill/>
+            </a:ln>
+          </p:spPr>
+          <p:style>
+            <a:lnRef idx="2">
+              <a:schemeClr val="accent1">
+                <a:shade val="50000"/>
+              </a:schemeClr>
+            </a:lnRef>
+            <a:fillRef idx="1">
+              <a:schemeClr val="accent1"/>
+            </a:fillRef>
+            <a:effectRef idx="0">
+              <a:schemeClr val="accent1"/>
+            </a:effectRef>
+            <a:fontRef idx="minor">
+              <a:schemeClr val="lt1"/>
+            </a:fontRef>
+          </p:style>
+          <p:txBody>
+            <a:bodyPr rtlCol="0" anchor="ctr"/>
+            <a:lstStyle/>
+            <a:p>
+              <a:pPr algn="ctr"/>
+              <a:endParaRPr lang="de-DE"/>
+            </a:p>
+          </p:txBody>
+        </p:sp>
+        <p:sp>
+          <p:nvSpPr>
+            <p:cNvPr id="176" name="Isosceles Triangle 175">
+              <a:extLst>
+                <a:ext uri="{FF2B5EF4-FFF2-40B4-BE49-F238E27FC236}">
+                  <a16:creationId xmlns:a16="http://schemas.microsoft.com/office/drawing/2014/main" id="{66C54960-EB6A-4582-BEB3-88BBB811BC64}"/>
+                </a:ext>
+              </a:extLst>
+            </p:cNvPr>
+            <p:cNvSpPr/>
+            <p:nvPr/>
+          </p:nvSpPr>
+          <p:spPr>
+            <a:xfrm>
+              <a:off x="6201383" y="946582"/>
+              <a:ext cx="311303" cy="245857"/>
+            </a:xfrm>
+            <a:prstGeom prst="triangle">
+              <a:avLst/>
+            </a:prstGeom>
+            <a:solidFill>
+              <a:schemeClr val="bg1"/>
+            </a:solidFill>
+            <a:ln>
+              <a:noFill/>
+            </a:ln>
+          </p:spPr>
+          <p:style>
+            <a:lnRef idx="2">
+              <a:schemeClr val="accent1">
+                <a:shade val="50000"/>
+              </a:schemeClr>
+            </a:lnRef>
+            <a:fillRef idx="1">
+              <a:schemeClr val="accent1"/>
+            </a:fillRef>
+            <a:effectRef idx="0">
+              <a:schemeClr val="accent1"/>
+            </a:effectRef>
+            <a:fontRef idx="minor">
+              <a:schemeClr val="lt1"/>
+            </a:fontRef>
+          </p:style>
+          <p:txBody>
+            <a:bodyPr rtlCol="0" anchor="ctr"/>
+            <a:lstStyle/>
+            <a:p>
+              <a:pPr algn="ctr"/>
+              <a:endParaRPr lang="de-DE"/>
+            </a:p>
+          </p:txBody>
+        </p:sp>
+      </p:grpSp>
+      <p:grpSp>
+        <p:nvGrpSpPr>
+          <p:cNvPr id="177" name="Group 176">
+            <a:extLst>
+              <a:ext uri="{FF2B5EF4-FFF2-40B4-BE49-F238E27FC236}">
+                <a16:creationId xmlns:a16="http://schemas.microsoft.com/office/drawing/2014/main" id="{FF405A51-9A58-40D3-8065-1CC43DB8E91E}"/>
+              </a:ext>
+            </a:extLst>
+          </p:cNvPr>
+          <p:cNvGrpSpPr/>
+          <p:nvPr/>
+        </p:nvGrpSpPr>
+        <p:grpSpPr>
+          <a:xfrm>
+            <a:off x="3775726" y="2390765"/>
+            <a:ext cx="565150" cy="376720"/>
+            <a:chOff x="6010275" y="857250"/>
+            <a:chExt cx="565150" cy="376720"/>
+          </a:xfrm>
+        </p:grpSpPr>
+        <p:sp>
+          <p:nvSpPr>
+            <p:cNvPr id="178" name="Rectangle 177">
+              <a:extLst>
+                <a:ext uri="{FF2B5EF4-FFF2-40B4-BE49-F238E27FC236}">
+                  <a16:creationId xmlns:a16="http://schemas.microsoft.com/office/drawing/2014/main" id="{1245519C-3C72-4933-B82F-4D286163177B}"/>
+                </a:ext>
+              </a:extLst>
+            </p:cNvPr>
+            <p:cNvSpPr/>
+            <p:nvPr/>
+          </p:nvSpPr>
+          <p:spPr>
+            <a:xfrm>
+              <a:off x="6010275" y="857250"/>
+              <a:ext cx="565150" cy="376720"/>
+            </a:xfrm>
+            <a:prstGeom prst="rect">
+              <a:avLst/>
+            </a:prstGeom>
+            <a:solidFill>
+              <a:schemeClr val="bg1">
+                <a:lumMod val="85000"/>
+              </a:schemeClr>
+            </a:solidFill>
+            <a:ln>
+              <a:solidFill>
+                <a:schemeClr val="bg1">
+                  <a:lumMod val="50000"/>
+                </a:schemeClr>
+              </a:solidFill>
+            </a:ln>
+          </p:spPr>
+          <p:style>
+            <a:lnRef idx="2">
+              <a:schemeClr val="accent1">
+                <a:shade val="50000"/>
+              </a:schemeClr>
+            </a:lnRef>
+            <a:fillRef idx="1">
+              <a:schemeClr val="accent1"/>
+            </a:fillRef>
+            <a:effectRef idx="0">
+              <a:schemeClr val="accent1"/>
+            </a:effectRef>
+            <a:fontRef idx="minor">
+              <a:schemeClr val="lt1"/>
+            </a:fontRef>
+          </p:style>
+          <p:txBody>
+            <a:bodyPr rtlCol="0" anchor="ctr"/>
+            <a:lstStyle/>
+            <a:p>
+              <a:pPr algn="ctr"/>
+              <a:endParaRPr lang="de-DE"/>
+            </a:p>
+          </p:txBody>
+        </p:sp>
+        <p:sp>
+          <p:nvSpPr>
+            <p:cNvPr id="179" name="Oval 178">
+              <a:extLst>
+                <a:ext uri="{FF2B5EF4-FFF2-40B4-BE49-F238E27FC236}">
+                  <a16:creationId xmlns:a16="http://schemas.microsoft.com/office/drawing/2014/main" id="{87270B8B-A7CB-41C9-8B9E-A7E9BB8BCFE7}"/>
+                </a:ext>
+              </a:extLst>
+            </p:cNvPr>
+            <p:cNvSpPr/>
+            <p:nvPr/>
+          </p:nvSpPr>
+          <p:spPr>
+            <a:xfrm>
+              <a:off x="6078199" y="898107"/>
+              <a:ext cx="110638" cy="111543"/>
+            </a:xfrm>
+            <a:prstGeom prst="ellipse">
+              <a:avLst/>
+            </a:prstGeom>
+            <a:solidFill>
+              <a:schemeClr val="bg1"/>
+            </a:solidFill>
+            <a:ln>
+              <a:noFill/>
+            </a:ln>
+          </p:spPr>
+          <p:style>
+            <a:lnRef idx="2">
+              <a:schemeClr val="accent1">
+                <a:shade val="50000"/>
+              </a:schemeClr>
+            </a:lnRef>
+            <a:fillRef idx="1">
+              <a:schemeClr val="accent1"/>
+            </a:fillRef>
+            <a:effectRef idx="0">
+              <a:schemeClr val="accent1"/>
+            </a:effectRef>
+            <a:fontRef idx="minor">
+              <a:schemeClr val="lt1"/>
+            </a:fontRef>
+          </p:style>
+          <p:txBody>
+            <a:bodyPr rtlCol="0" anchor="ctr"/>
+            <a:lstStyle/>
+            <a:p>
+              <a:pPr algn="ctr"/>
+              <a:endParaRPr lang="de-DE"/>
+            </a:p>
+          </p:txBody>
+        </p:sp>
+        <p:sp>
+          <p:nvSpPr>
+            <p:cNvPr id="180" name="Isosceles Triangle 179">
+              <a:extLst>
+                <a:ext uri="{FF2B5EF4-FFF2-40B4-BE49-F238E27FC236}">
+                  <a16:creationId xmlns:a16="http://schemas.microsoft.com/office/drawing/2014/main" id="{7AD2636F-B050-4CDB-AF18-3F388E1EF08B}"/>
+                </a:ext>
+              </a:extLst>
+            </p:cNvPr>
+            <p:cNvSpPr/>
+            <p:nvPr/>
+          </p:nvSpPr>
+          <p:spPr>
+            <a:xfrm>
+              <a:off x="6088669" y="1083097"/>
+              <a:ext cx="144618" cy="109342"/>
+            </a:xfrm>
+            <a:prstGeom prst="triangle">
+              <a:avLst/>
+            </a:prstGeom>
+            <a:solidFill>
+              <a:schemeClr val="bg1"/>
+            </a:solidFill>
+            <a:ln>
+              <a:noFill/>
+            </a:ln>
+          </p:spPr>
+          <p:style>
+            <a:lnRef idx="2">
+              <a:schemeClr val="accent1">
+                <a:shade val="50000"/>
+              </a:schemeClr>
+            </a:lnRef>
+            <a:fillRef idx="1">
+              <a:schemeClr val="accent1"/>
+            </a:fillRef>
+            <a:effectRef idx="0">
+              <a:schemeClr val="accent1"/>
+            </a:effectRef>
+            <a:fontRef idx="minor">
+              <a:schemeClr val="lt1"/>
+            </a:fontRef>
+          </p:style>
+          <p:txBody>
+            <a:bodyPr rtlCol="0" anchor="ctr"/>
+            <a:lstStyle/>
+            <a:p>
+              <a:pPr algn="ctr"/>
+              <a:endParaRPr lang="de-DE"/>
+            </a:p>
+          </p:txBody>
+        </p:sp>
+        <p:sp>
+          <p:nvSpPr>
+            <p:cNvPr id="181" name="Isosceles Triangle 180">
+              <a:extLst>
+                <a:ext uri="{FF2B5EF4-FFF2-40B4-BE49-F238E27FC236}">
+                  <a16:creationId xmlns:a16="http://schemas.microsoft.com/office/drawing/2014/main" id="{5ABA1289-C8DE-4A50-9803-FAD8FB5B74C7}"/>
+                </a:ext>
+              </a:extLst>
+            </p:cNvPr>
+            <p:cNvSpPr/>
+            <p:nvPr/>
+          </p:nvSpPr>
+          <p:spPr>
+            <a:xfrm>
+              <a:off x="6201383" y="946582"/>
+              <a:ext cx="311303" cy="245857"/>
+            </a:xfrm>
+            <a:prstGeom prst="triangle">
+              <a:avLst/>
+            </a:prstGeom>
+            <a:solidFill>
+              <a:schemeClr val="bg1"/>
+            </a:solidFill>
+            <a:ln>
+              <a:noFill/>
+            </a:ln>
+          </p:spPr>
+          <p:style>
+            <a:lnRef idx="2">
+              <a:schemeClr val="accent1">
+                <a:shade val="50000"/>
+              </a:schemeClr>
+            </a:lnRef>
+            <a:fillRef idx="1">
+              <a:schemeClr val="accent1"/>
+            </a:fillRef>
+            <a:effectRef idx="0">
+              <a:schemeClr val="accent1"/>
+            </a:effectRef>
+            <a:fontRef idx="minor">
+              <a:schemeClr val="lt1"/>
+            </a:fontRef>
+          </p:style>
+          <p:txBody>
+            <a:bodyPr rtlCol="0" anchor="ctr"/>
+            <a:lstStyle/>
+            <a:p>
+              <a:pPr algn="ctr"/>
+              <a:endParaRPr lang="de-DE"/>
+            </a:p>
+          </p:txBody>
+        </p:sp>
+      </p:grpSp>
+      <p:grpSp>
+        <p:nvGrpSpPr>
+          <p:cNvPr id="182" name="Group 181">
+            <a:extLst>
+              <a:ext uri="{FF2B5EF4-FFF2-40B4-BE49-F238E27FC236}">
+                <a16:creationId xmlns:a16="http://schemas.microsoft.com/office/drawing/2014/main" id="{A738EA0F-92C6-4C88-B155-9743DF1EE2F5}"/>
+              </a:ext>
+            </a:extLst>
+          </p:cNvPr>
+          <p:cNvGrpSpPr/>
+          <p:nvPr/>
+        </p:nvGrpSpPr>
+        <p:grpSpPr>
+          <a:xfrm>
+            <a:off x="4384444" y="2390765"/>
+            <a:ext cx="565150" cy="376720"/>
+            <a:chOff x="6010275" y="857250"/>
+            <a:chExt cx="565150" cy="376720"/>
+          </a:xfrm>
+        </p:grpSpPr>
+        <p:sp>
+          <p:nvSpPr>
+            <p:cNvPr id="183" name="Rectangle 182">
+              <a:extLst>
+                <a:ext uri="{FF2B5EF4-FFF2-40B4-BE49-F238E27FC236}">
+                  <a16:creationId xmlns:a16="http://schemas.microsoft.com/office/drawing/2014/main" id="{8ABA203E-657F-4F83-B2CA-F385D03A285B}"/>
+                </a:ext>
+              </a:extLst>
+            </p:cNvPr>
+            <p:cNvSpPr/>
+            <p:nvPr/>
+          </p:nvSpPr>
+          <p:spPr>
+            <a:xfrm>
+              <a:off x="6010275" y="857250"/>
+              <a:ext cx="565150" cy="376720"/>
+            </a:xfrm>
+            <a:prstGeom prst="rect">
+              <a:avLst/>
+            </a:prstGeom>
+            <a:solidFill>
+              <a:schemeClr val="bg1">
+                <a:lumMod val="85000"/>
+              </a:schemeClr>
+            </a:solidFill>
+            <a:ln>
+              <a:solidFill>
+                <a:schemeClr val="bg1">
+                  <a:lumMod val="50000"/>
+                </a:schemeClr>
+              </a:solidFill>
+            </a:ln>
+          </p:spPr>
+          <p:style>
+            <a:lnRef idx="2">
+              <a:schemeClr val="accent1">
+                <a:shade val="50000"/>
+              </a:schemeClr>
+            </a:lnRef>
+            <a:fillRef idx="1">
+              <a:schemeClr val="accent1"/>
+            </a:fillRef>
+            <a:effectRef idx="0">
+              <a:schemeClr val="accent1"/>
+            </a:effectRef>
+            <a:fontRef idx="minor">
+              <a:schemeClr val="lt1"/>
+            </a:fontRef>
+          </p:style>
+          <p:txBody>
+            <a:bodyPr rtlCol="0" anchor="ctr"/>
+            <a:lstStyle/>
+            <a:p>
+              <a:pPr algn="ctr"/>
+              <a:endParaRPr lang="de-DE"/>
+            </a:p>
+          </p:txBody>
+        </p:sp>
+        <p:sp>
+          <p:nvSpPr>
+            <p:cNvPr id="184" name="Oval 183">
+              <a:extLst>
+                <a:ext uri="{FF2B5EF4-FFF2-40B4-BE49-F238E27FC236}">
+                  <a16:creationId xmlns:a16="http://schemas.microsoft.com/office/drawing/2014/main" id="{4E15B944-D558-434C-A208-F4E4C9510EA4}"/>
+                </a:ext>
+              </a:extLst>
+            </p:cNvPr>
+            <p:cNvSpPr/>
+            <p:nvPr/>
+          </p:nvSpPr>
+          <p:spPr>
+            <a:xfrm>
+              <a:off x="6078199" y="898107"/>
+              <a:ext cx="110638" cy="111543"/>
+            </a:xfrm>
+            <a:prstGeom prst="ellipse">
+              <a:avLst/>
+            </a:prstGeom>
+            <a:solidFill>
+              <a:schemeClr val="bg1"/>
+            </a:solidFill>
+            <a:ln>
+              <a:noFill/>
+            </a:ln>
+          </p:spPr>
+          <p:style>
+            <a:lnRef idx="2">
+              <a:schemeClr val="accent1">
+                <a:shade val="50000"/>
+              </a:schemeClr>
+            </a:lnRef>
+            <a:fillRef idx="1">
+              <a:schemeClr val="accent1"/>
+            </a:fillRef>
+            <a:effectRef idx="0">
+              <a:schemeClr val="accent1"/>
+            </a:effectRef>
+            <a:fontRef idx="minor">
+              <a:schemeClr val="lt1"/>
+            </a:fontRef>
+          </p:style>
+          <p:txBody>
+            <a:bodyPr rtlCol="0" anchor="ctr"/>
+            <a:lstStyle/>
+            <a:p>
+              <a:pPr algn="ctr"/>
+              <a:endParaRPr lang="de-DE"/>
+            </a:p>
+          </p:txBody>
+        </p:sp>
+        <p:sp>
+          <p:nvSpPr>
+            <p:cNvPr id="185" name="Isosceles Triangle 184">
+              <a:extLst>
+                <a:ext uri="{FF2B5EF4-FFF2-40B4-BE49-F238E27FC236}">
+                  <a16:creationId xmlns:a16="http://schemas.microsoft.com/office/drawing/2014/main" id="{A85C5562-085D-44EA-B37B-0B5CACF4AEF2}"/>
+                </a:ext>
+              </a:extLst>
+            </p:cNvPr>
+            <p:cNvSpPr/>
+            <p:nvPr/>
+          </p:nvSpPr>
+          <p:spPr>
+            <a:xfrm>
+              <a:off x="6088669" y="1083097"/>
+              <a:ext cx="144618" cy="109342"/>
+            </a:xfrm>
+            <a:prstGeom prst="triangle">
+              <a:avLst/>
+            </a:prstGeom>
+            <a:solidFill>
+              <a:schemeClr val="bg1"/>
+            </a:solidFill>
+            <a:ln>
+              <a:noFill/>
+            </a:ln>
+          </p:spPr>
+          <p:style>
+            <a:lnRef idx="2">
+              <a:schemeClr val="accent1">
+                <a:shade val="50000"/>
+              </a:schemeClr>
+            </a:lnRef>
+            <a:fillRef idx="1">
+              <a:schemeClr val="accent1"/>
+            </a:fillRef>
+            <a:effectRef idx="0">
+              <a:schemeClr val="accent1"/>
+            </a:effectRef>
+            <a:fontRef idx="minor">
+              <a:schemeClr val="lt1"/>
+            </a:fontRef>
+          </p:style>
+          <p:txBody>
+            <a:bodyPr rtlCol="0" anchor="ctr"/>
+            <a:lstStyle/>
+            <a:p>
+              <a:pPr algn="ctr"/>
+              <a:endParaRPr lang="de-DE"/>
+            </a:p>
+          </p:txBody>
+        </p:sp>
+        <p:sp>
+          <p:nvSpPr>
+            <p:cNvPr id="186" name="Isosceles Triangle 185">
+              <a:extLst>
+                <a:ext uri="{FF2B5EF4-FFF2-40B4-BE49-F238E27FC236}">
+                  <a16:creationId xmlns:a16="http://schemas.microsoft.com/office/drawing/2014/main" id="{91949546-1F5B-4AFC-8767-C7CCFC449CA5}"/>
+                </a:ext>
+              </a:extLst>
+            </p:cNvPr>
+            <p:cNvSpPr/>
+            <p:nvPr/>
+          </p:nvSpPr>
+          <p:spPr>
+            <a:xfrm>
+              <a:off x="6201383" y="946582"/>
+              <a:ext cx="311303" cy="245857"/>
+            </a:xfrm>
+            <a:prstGeom prst="triangle">
+              <a:avLst/>
+            </a:prstGeom>
+            <a:solidFill>
+              <a:schemeClr val="bg1"/>
+            </a:solidFill>
+            <a:ln>
+              <a:noFill/>
+            </a:ln>
+          </p:spPr>
+          <p:style>
+            <a:lnRef idx="2">
+              <a:schemeClr val="accent1">
+                <a:shade val="50000"/>
+              </a:schemeClr>
+            </a:lnRef>
+            <a:fillRef idx="1">
+              <a:schemeClr val="accent1"/>
+            </a:fillRef>
+            <a:effectRef idx="0">
+              <a:schemeClr val="accent1"/>
+            </a:effectRef>
+            <a:fontRef idx="minor">
+              <a:schemeClr val="lt1"/>
+            </a:fontRef>
+          </p:style>
+          <p:txBody>
+            <a:bodyPr rtlCol="0" anchor="ctr"/>
+            <a:lstStyle/>
+            <a:p>
+              <a:pPr algn="ctr"/>
+              <a:endParaRPr lang="de-DE"/>
+            </a:p>
+          </p:txBody>
+        </p:sp>
+      </p:grpSp>
+      <p:sp>
+        <p:nvSpPr>
+          <p:cNvPr id="187" name="Rectangle 186">
+            <a:extLst>
+              <a:ext uri="{FF2B5EF4-FFF2-40B4-BE49-F238E27FC236}">
+                <a16:creationId xmlns:a16="http://schemas.microsoft.com/office/drawing/2014/main" id="{7E291AF0-BE19-4B4F-B7F0-CF75F825F076}"/>
+              </a:ext>
+            </a:extLst>
+          </p:cNvPr>
+          <p:cNvSpPr/>
+          <p:nvPr/>
+        </p:nvSpPr>
+        <p:spPr>
+          <a:xfrm>
+            <a:off x="4646688" y="2315335"/>
+            <a:ext cx="343356" cy="537472"/>
+          </a:xfrm>
+          <a:prstGeom prst="rect">
+            <a:avLst/>
+          </a:prstGeom>
+          <a:solidFill>
+            <a:schemeClr val="bg1"/>
+          </a:solidFill>
+          <a:ln>
+            <a:noFill/>
+          </a:ln>
+        </p:spPr>
+        <p:style>
+          <a:lnRef idx="2">
+            <a:schemeClr val="accent1">
+              <a:shade val="50000"/>
+            </a:schemeClr>
+          </a:lnRef>
+          <a:fillRef idx="1">
+            <a:schemeClr val="accent1"/>
+          </a:fillRef>
+          <a:effectRef idx="0">
+            <a:schemeClr val="accent1"/>
+          </a:effectRef>
+          <a:fontRef idx="minor">
+            <a:schemeClr val="lt1"/>
+          </a:fontRef>
+        </p:style>
+        <p:txBody>
+          <a:bodyPr rtlCol="0" anchor="ctr"/>
+          <a:lstStyle/>
+          <a:p>
+            <a:pPr algn="ctr"/>
+            <a:endParaRPr lang="de-DE"/>
+          </a:p>
+        </p:txBody>
+      </p:sp>
+      <p:sp>
+        <p:nvSpPr>
+          <p:cNvPr id="188" name="Rectangle 187">
+            <a:extLst>
+              <a:ext uri="{FF2B5EF4-FFF2-40B4-BE49-F238E27FC236}">
+                <a16:creationId xmlns:a16="http://schemas.microsoft.com/office/drawing/2014/main" id="{D1AA488A-E147-407B-9877-3F05E220C845}"/>
+              </a:ext>
+            </a:extLst>
+          </p:cNvPr>
+          <p:cNvSpPr/>
+          <p:nvPr/>
+        </p:nvSpPr>
+        <p:spPr>
+          <a:xfrm>
+            <a:off x="2990335" y="2276464"/>
+            <a:ext cx="1865902" cy="606879"/>
+          </a:xfrm>
+          <a:prstGeom prst="rect">
+            <a:avLst/>
+          </a:prstGeom>
+          <a:noFill/>
+        </p:spPr>
+        <p:style>
+          <a:lnRef idx="2">
+            <a:schemeClr val="dk1"/>
+          </a:lnRef>
+          <a:fillRef idx="1">
+            <a:schemeClr val="lt1"/>
+          </a:fillRef>
+          <a:effectRef idx="0">
+            <a:schemeClr val="dk1"/>
+          </a:effectRef>
+          <a:fontRef idx="minor">
+            <a:schemeClr val="dk1"/>
+          </a:fontRef>
+        </p:style>
+        <p:txBody>
+          <a:bodyPr rtlCol="0" anchor="ctr"/>
+          <a:lstStyle/>
+          <a:p>
+            <a:endParaRPr lang="de-DE" dirty="0"/>
+          </a:p>
+        </p:txBody>
+      </p:sp>
+      <p:sp>
+        <p:nvSpPr>
+          <p:cNvPr id="189" name="Rectangle 188">
+            <a:extLst>
+              <a:ext uri="{FF2B5EF4-FFF2-40B4-BE49-F238E27FC236}">
+                <a16:creationId xmlns:a16="http://schemas.microsoft.com/office/drawing/2014/main" id="{069C1A88-13EE-47DC-A4DE-C568B14022A6}"/>
+              </a:ext>
+            </a:extLst>
+          </p:cNvPr>
+          <p:cNvSpPr/>
+          <p:nvPr/>
+        </p:nvSpPr>
+        <p:spPr>
+          <a:xfrm>
+            <a:off x="2907278" y="1839376"/>
+            <a:ext cx="2029770" cy="1215450"/>
+          </a:xfrm>
+          <a:prstGeom prst="rect">
+            <a:avLst/>
+          </a:prstGeom>
+          <a:noFill/>
+          <a:ln>
+            <a:prstDash val="dash"/>
+          </a:ln>
+        </p:spPr>
+        <p:style>
+          <a:lnRef idx="2">
+            <a:schemeClr val="accent1">
+              <a:shade val="50000"/>
+            </a:schemeClr>
+          </a:lnRef>
+          <a:fillRef idx="1">
+            <a:schemeClr val="accent1"/>
+          </a:fillRef>
+          <a:effectRef idx="0">
+            <a:schemeClr val="accent1"/>
+          </a:effectRef>
+          <a:fontRef idx="minor">
+            <a:schemeClr val="lt1"/>
+          </a:fontRef>
+        </p:style>
+        <p:txBody>
+          <a:bodyPr rtlCol="0" anchor="ctr"/>
+          <a:lstStyle/>
+          <a:p>
+            <a:pPr algn="ctr"/>
+            <a:endParaRPr lang="de-DE"/>
+          </a:p>
+        </p:txBody>
+      </p:sp>
+      <p:sp>
+        <p:nvSpPr>
+          <p:cNvPr id="190" name="Arrow: Down 189">
+            <a:extLst>
+              <a:ext uri="{FF2B5EF4-FFF2-40B4-BE49-F238E27FC236}">
+                <a16:creationId xmlns:a16="http://schemas.microsoft.com/office/drawing/2014/main" id="{2249C6C5-09AC-422A-B9E1-097EA9BEBBD0}"/>
+              </a:ext>
+            </a:extLst>
+          </p:cNvPr>
+          <p:cNvSpPr/>
+          <p:nvPr/>
+        </p:nvSpPr>
+        <p:spPr>
+          <a:xfrm rot="5400000">
+            <a:off x="2977519" y="2538127"/>
+            <a:ext cx="190123" cy="102624"/>
+          </a:xfrm>
+          <a:prstGeom prst="downArrow">
+            <a:avLst/>
+          </a:prstGeom>
+          <a:solidFill>
+            <a:schemeClr val="bg1">
+              <a:lumMod val="85000"/>
+            </a:schemeClr>
+          </a:solidFill>
+        </p:spPr>
+        <p:style>
+          <a:lnRef idx="2">
+            <a:schemeClr val="dk1"/>
+          </a:lnRef>
+          <a:fillRef idx="1">
+            <a:schemeClr val="lt1"/>
+          </a:fillRef>
+          <a:effectRef idx="0">
+            <a:schemeClr val="dk1"/>
+          </a:effectRef>
+          <a:fontRef idx="minor">
+            <a:schemeClr val="dk1"/>
+          </a:fontRef>
+        </p:style>
+        <p:txBody>
+          <a:bodyPr rtlCol="0" anchor="ctr"/>
+          <a:lstStyle/>
+          <a:p>
+            <a:pPr algn="ctr"/>
+            <a:endParaRPr lang="de-DE">
+              <a:solidFill>
+                <a:schemeClr val="dk1"/>
+              </a:solidFill>
+            </a:endParaRPr>
+          </a:p>
+        </p:txBody>
+      </p:sp>
+      <p:sp>
+        <p:nvSpPr>
+          <p:cNvPr id="191" name="Arrow: Down 190">
+            <a:extLst>
+              <a:ext uri="{FF2B5EF4-FFF2-40B4-BE49-F238E27FC236}">
+                <a16:creationId xmlns:a16="http://schemas.microsoft.com/office/drawing/2014/main" id="{3B15C297-DC08-4146-95A2-E0CB3CCFBFCB}"/>
+              </a:ext>
+            </a:extLst>
+          </p:cNvPr>
+          <p:cNvSpPr/>
+          <p:nvPr/>
+        </p:nvSpPr>
+        <p:spPr>
+          <a:xfrm rot="16200000">
+            <a:off x="4658171" y="2538128"/>
+            <a:ext cx="190123" cy="102624"/>
+          </a:xfrm>
+          <a:prstGeom prst="downArrow">
+            <a:avLst/>
+          </a:prstGeom>
+          <a:solidFill>
+            <a:schemeClr val="bg1">
+              <a:lumMod val="85000"/>
+            </a:schemeClr>
+          </a:solidFill>
+        </p:spPr>
+        <p:style>
+          <a:lnRef idx="2">
+            <a:schemeClr val="dk1"/>
+          </a:lnRef>
+          <a:fillRef idx="1">
+            <a:schemeClr val="lt1"/>
+          </a:fillRef>
+          <a:effectRef idx="0">
+            <a:schemeClr val="dk1"/>
+          </a:effectRef>
+          <a:fontRef idx="minor">
+            <a:schemeClr val="dk1"/>
+          </a:fontRef>
+        </p:style>
+        <p:txBody>
+          <a:bodyPr rtlCol="0" anchor="ctr"/>
+          <a:lstStyle/>
+          <a:p>
+            <a:pPr algn="ctr"/>
+            <a:endParaRPr lang="de-DE">
+              <a:solidFill>
+                <a:schemeClr val="dk1"/>
+              </a:solidFill>
+            </a:endParaRPr>
+          </a:p>
+        </p:txBody>
+      </p:sp>
+      <p:sp>
+        <p:nvSpPr>
+          <p:cNvPr id="192" name="Rectangle 191">
+            <a:extLst>
+              <a:ext uri="{FF2B5EF4-FFF2-40B4-BE49-F238E27FC236}">
+                <a16:creationId xmlns:a16="http://schemas.microsoft.com/office/drawing/2014/main" id="{C052AD53-EF59-409A-B368-0F441A24D8A6}"/>
+              </a:ext>
+            </a:extLst>
+          </p:cNvPr>
+          <p:cNvSpPr/>
+          <p:nvPr/>
+        </p:nvSpPr>
+        <p:spPr>
+          <a:xfrm>
+            <a:off x="2990335" y="2025854"/>
+            <a:ext cx="1865902" cy="216034"/>
+          </a:xfrm>
+          <a:prstGeom prst="rect">
+            <a:avLst/>
+          </a:prstGeom>
+        </p:spPr>
+        <p:style>
+          <a:lnRef idx="2">
+            <a:schemeClr val="dk1"/>
+          </a:lnRef>
+          <a:fillRef idx="1">
+            <a:schemeClr val="lt1"/>
+          </a:fillRef>
+          <a:effectRef idx="0">
+            <a:schemeClr val="dk1"/>
+          </a:effectRef>
+          <a:fontRef idx="minor">
+            <a:schemeClr val="dk1"/>
+          </a:fontRef>
+        </p:style>
+        <p:txBody>
+          <a:bodyPr rtlCol="0" anchor="ctr"/>
+          <a:lstStyle/>
+          <a:p>
+            <a:endParaRPr lang="de-DE" dirty="0"/>
+          </a:p>
+        </p:txBody>
+      </p:sp>
+      <p:sp>
+        <p:nvSpPr>
+          <p:cNvPr id="193" name="Rectangle 192">
+            <a:extLst>
+              <a:ext uri="{FF2B5EF4-FFF2-40B4-BE49-F238E27FC236}">
+                <a16:creationId xmlns:a16="http://schemas.microsoft.com/office/drawing/2014/main" id="{15CC2B6C-E5BB-47B1-9E46-8E99104460AE}"/>
+              </a:ext>
+            </a:extLst>
+          </p:cNvPr>
+          <p:cNvSpPr/>
+          <p:nvPr/>
+        </p:nvSpPr>
+        <p:spPr>
+          <a:xfrm>
+            <a:off x="4529193" y="2077836"/>
+            <a:ext cx="246961" cy="102100"/>
+          </a:xfrm>
+          <a:prstGeom prst="rect">
+            <a:avLst/>
+          </a:prstGeom>
+          <a:solidFill>
+            <a:schemeClr val="bg1">
+              <a:lumMod val="85000"/>
+            </a:schemeClr>
+          </a:solidFill>
+        </p:spPr>
+        <p:style>
+          <a:lnRef idx="2">
+            <a:schemeClr val="dk1"/>
+          </a:lnRef>
+          <a:fillRef idx="1">
+            <a:schemeClr val="lt1"/>
+          </a:fillRef>
+          <a:effectRef idx="0">
+            <a:schemeClr val="dk1"/>
+          </a:effectRef>
+          <a:fontRef idx="minor">
+            <a:schemeClr val="dk1"/>
+          </a:fontRef>
+        </p:style>
+        <p:txBody>
+          <a:bodyPr rtlCol="0" anchor="ctr"/>
+          <a:lstStyle/>
+          <a:p>
+            <a:pPr algn="ctr"/>
+            <a:endParaRPr lang="de-DE"/>
+          </a:p>
+        </p:txBody>
+      </p:sp>
+      <p:sp>
+        <p:nvSpPr>
+          <p:cNvPr id="194" name="Rectangle 193">
+            <a:extLst>
+              <a:ext uri="{FF2B5EF4-FFF2-40B4-BE49-F238E27FC236}">
+                <a16:creationId xmlns:a16="http://schemas.microsoft.com/office/drawing/2014/main" id="{849A5279-49C2-41B1-90C7-A70088D0A9AB}"/>
+              </a:ext>
+            </a:extLst>
+          </p:cNvPr>
+          <p:cNvSpPr/>
+          <p:nvPr/>
+        </p:nvSpPr>
+        <p:spPr>
+          <a:xfrm>
+            <a:off x="3067090" y="2072885"/>
+            <a:ext cx="460025" cy="109342"/>
+          </a:xfrm>
+          <a:prstGeom prst="rect">
+            <a:avLst/>
+          </a:prstGeom>
+        </p:spPr>
+        <p:style>
+          <a:lnRef idx="2">
+            <a:schemeClr val="dk1"/>
+          </a:lnRef>
+          <a:fillRef idx="1">
+            <a:schemeClr val="lt1"/>
+          </a:fillRef>
+          <a:effectRef idx="0">
+            <a:schemeClr val="dk1"/>
+          </a:effectRef>
+          <a:fontRef idx="minor">
+            <a:schemeClr val="dk1"/>
+          </a:fontRef>
+        </p:style>
+        <p:txBody>
+          <a:bodyPr rtlCol="0" anchor="ctr"/>
+          <a:lstStyle/>
+          <a:p>
+            <a:pPr algn="ctr"/>
+            <a:endParaRPr lang="de-DE"/>
+          </a:p>
+        </p:txBody>
+      </p:sp>
+      <p:sp>
+        <p:nvSpPr>
+          <p:cNvPr id="195" name="Rectangle 194">
+            <a:extLst>
+              <a:ext uri="{FF2B5EF4-FFF2-40B4-BE49-F238E27FC236}">
+                <a16:creationId xmlns:a16="http://schemas.microsoft.com/office/drawing/2014/main" id="{308ED85C-F935-4541-B993-163108DDC3D9}"/>
+              </a:ext>
+            </a:extLst>
+          </p:cNvPr>
+          <p:cNvSpPr/>
+          <p:nvPr/>
+        </p:nvSpPr>
+        <p:spPr>
+          <a:xfrm>
+            <a:off x="3595042" y="2072885"/>
+            <a:ext cx="460025" cy="109342"/>
+          </a:xfrm>
+          <a:prstGeom prst="rect">
+            <a:avLst/>
+          </a:prstGeom>
+        </p:spPr>
+        <p:style>
+          <a:lnRef idx="2">
+            <a:schemeClr val="dk1"/>
+          </a:lnRef>
+          <a:fillRef idx="1">
+            <a:schemeClr val="lt1"/>
+          </a:fillRef>
+          <a:effectRef idx="0">
+            <a:schemeClr val="dk1"/>
+          </a:effectRef>
+          <a:fontRef idx="minor">
+            <a:schemeClr val="dk1"/>
+          </a:fontRef>
+        </p:style>
+        <p:txBody>
+          <a:bodyPr rtlCol="0" anchor="ctr"/>
+          <a:lstStyle/>
+          <a:p>
+            <a:pPr algn="ctr"/>
+            <a:endParaRPr lang="de-DE"/>
+          </a:p>
+        </p:txBody>
+      </p:sp>
+      <p:grpSp>
+        <p:nvGrpSpPr>
+          <p:cNvPr id="197" name="Group 196">
+            <a:extLst>
+              <a:ext uri="{FF2B5EF4-FFF2-40B4-BE49-F238E27FC236}">
+                <a16:creationId xmlns:a16="http://schemas.microsoft.com/office/drawing/2014/main" id="{1C5AD183-D02E-4721-936B-78A2C2FC6D80}"/>
+              </a:ext>
+            </a:extLst>
+          </p:cNvPr>
+          <p:cNvGrpSpPr/>
+          <p:nvPr/>
+        </p:nvGrpSpPr>
+        <p:grpSpPr>
+          <a:xfrm>
+            <a:off x="5363058" y="2390765"/>
+            <a:ext cx="565150" cy="376720"/>
+            <a:chOff x="6010275" y="857250"/>
+            <a:chExt cx="565150" cy="376720"/>
+          </a:xfrm>
+        </p:grpSpPr>
+        <p:sp>
+          <p:nvSpPr>
+            <p:cNvPr id="198" name="Rectangle 197">
+              <a:extLst>
+                <a:ext uri="{FF2B5EF4-FFF2-40B4-BE49-F238E27FC236}">
+                  <a16:creationId xmlns:a16="http://schemas.microsoft.com/office/drawing/2014/main" id="{0497D746-B291-4AA0-AF5F-95F3AF4CCC80}"/>
+                </a:ext>
+              </a:extLst>
+            </p:cNvPr>
+            <p:cNvSpPr/>
+            <p:nvPr/>
+          </p:nvSpPr>
+          <p:spPr>
+            <a:xfrm>
+              <a:off x="6010275" y="857250"/>
+              <a:ext cx="565150" cy="376720"/>
+            </a:xfrm>
+            <a:prstGeom prst="rect">
+              <a:avLst/>
+            </a:prstGeom>
+            <a:solidFill>
+              <a:schemeClr val="bg1">
+                <a:lumMod val="85000"/>
+              </a:schemeClr>
+            </a:solidFill>
+            <a:ln>
+              <a:solidFill>
+                <a:schemeClr val="bg1">
+                  <a:lumMod val="50000"/>
+                </a:schemeClr>
+              </a:solidFill>
+            </a:ln>
+          </p:spPr>
+          <p:style>
+            <a:lnRef idx="2">
+              <a:schemeClr val="accent1">
+                <a:shade val="50000"/>
+              </a:schemeClr>
+            </a:lnRef>
+            <a:fillRef idx="1">
+              <a:schemeClr val="accent1"/>
+            </a:fillRef>
+            <a:effectRef idx="0">
+              <a:schemeClr val="accent1"/>
+            </a:effectRef>
+            <a:fontRef idx="minor">
+              <a:schemeClr val="lt1"/>
+            </a:fontRef>
+          </p:style>
+          <p:txBody>
+            <a:bodyPr rtlCol="0" anchor="ctr"/>
+            <a:lstStyle/>
+            <a:p>
+              <a:pPr algn="ctr"/>
+              <a:endParaRPr lang="de-DE"/>
+            </a:p>
+          </p:txBody>
+        </p:sp>
+        <p:sp>
+          <p:nvSpPr>
+            <p:cNvPr id="199" name="Oval 198">
+              <a:extLst>
+                <a:ext uri="{FF2B5EF4-FFF2-40B4-BE49-F238E27FC236}">
+                  <a16:creationId xmlns:a16="http://schemas.microsoft.com/office/drawing/2014/main" id="{887E6130-0FEC-4A5E-A961-BF28ADC5AF67}"/>
+                </a:ext>
+              </a:extLst>
+            </p:cNvPr>
+            <p:cNvSpPr/>
+            <p:nvPr/>
+          </p:nvSpPr>
+          <p:spPr>
+            <a:xfrm>
+              <a:off x="6078199" y="898107"/>
+              <a:ext cx="110638" cy="111543"/>
+            </a:xfrm>
+            <a:prstGeom prst="ellipse">
+              <a:avLst/>
+            </a:prstGeom>
+            <a:solidFill>
+              <a:schemeClr val="bg1"/>
+            </a:solidFill>
+            <a:ln>
+              <a:noFill/>
+            </a:ln>
+          </p:spPr>
+          <p:style>
+            <a:lnRef idx="2">
+              <a:schemeClr val="accent1">
+                <a:shade val="50000"/>
+              </a:schemeClr>
+            </a:lnRef>
+            <a:fillRef idx="1">
+              <a:schemeClr val="accent1"/>
+            </a:fillRef>
+            <a:effectRef idx="0">
+              <a:schemeClr val="accent1"/>
+            </a:effectRef>
+            <a:fontRef idx="minor">
+              <a:schemeClr val="lt1"/>
+            </a:fontRef>
+          </p:style>
+          <p:txBody>
+            <a:bodyPr rtlCol="0" anchor="ctr"/>
+            <a:lstStyle/>
+            <a:p>
+              <a:pPr algn="ctr"/>
+              <a:endParaRPr lang="de-DE"/>
+            </a:p>
+          </p:txBody>
+        </p:sp>
+        <p:sp>
+          <p:nvSpPr>
+            <p:cNvPr id="200" name="Isosceles Triangle 199">
+              <a:extLst>
+                <a:ext uri="{FF2B5EF4-FFF2-40B4-BE49-F238E27FC236}">
+                  <a16:creationId xmlns:a16="http://schemas.microsoft.com/office/drawing/2014/main" id="{9EC07C66-9676-4342-BD07-460EFF7FF997}"/>
+                </a:ext>
+              </a:extLst>
+            </p:cNvPr>
+            <p:cNvSpPr/>
+            <p:nvPr/>
+          </p:nvSpPr>
+          <p:spPr>
+            <a:xfrm>
+              <a:off x="6088669" y="1083097"/>
+              <a:ext cx="144618" cy="109342"/>
+            </a:xfrm>
+            <a:prstGeom prst="triangle">
+              <a:avLst/>
+            </a:prstGeom>
+            <a:solidFill>
+              <a:schemeClr val="bg1"/>
+            </a:solidFill>
+            <a:ln>
+              <a:noFill/>
+            </a:ln>
+          </p:spPr>
+          <p:style>
+            <a:lnRef idx="2">
+              <a:schemeClr val="accent1">
+                <a:shade val="50000"/>
+              </a:schemeClr>
+            </a:lnRef>
+            <a:fillRef idx="1">
+              <a:schemeClr val="accent1"/>
+            </a:fillRef>
+            <a:effectRef idx="0">
+              <a:schemeClr val="accent1"/>
+            </a:effectRef>
+            <a:fontRef idx="minor">
+              <a:schemeClr val="lt1"/>
+            </a:fontRef>
+          </p:style>
+          <p:txBody>
+            <a:bodyPr rtlCol="0" anchor="ctr"/>
+            <a:lstStyle/>
+            <a:p>
+              <a:pPr algn="ctr"/>
+              <a:endParaRPr lang="de-DE"/>
+            </a:p>
+          </p:txBody>
+        </p:sp>
+        <p:sp>
+          <p:nvSpPr>
+            <p:cNvPr id="201" name="Isosceles Triangle 200">
+              <a:extLst>
+                <a:ext uri="{FF2B5EF4-FFF2-40B4-BE49-F238E27FC236}">
+                  <a16:creationId xmlns:a16="http://schemas.microsoft.com/office/drawing/2014/main" id="{73F66448-AD39-4A01-B646-8C41F38AC0F0}"/>
+                </a:ext>
+              </a:extLst>
+            </p:cNvPr>
+            <p:cNvSpPr/>
+            <p:nvPr/>
+          </p:nvSpPr>
+          <p:spPr>
+            <a:xfrm>
+              <a:off x="6201383" y="946582"/>
+              <a:ext cx="311303" cy="245857"/>
+            </a:xfrm>
+            <a:prstGeom prst="triangle">
+              <a:avLst/>
+            </a:prstGeom>
+            <a:solidFill>
+              <a:schemeClr val="bg1"/>
+            </a:solidFill>
+            <a:ln>
+              <a:noFill/>
+            </a:ln>
+          </p:spPr>
+          <p:style>
+            <a:lnRef idx="2">
+              <a:schemeClr val="accent1">
+                <a:shade val="50000"/>
+              </a:schemeClr>
+            </a:lnRef>
+            <a:fillRef idx="1">
+              <a:schemeClr val="accent1"/>
+            </a:fillRef>
+            <a:effectRef idx="0">
+              <a:schemeClr val="accent1"/>
+            </a:effectRef>
+            <a:fontRef idx="minor">
+              <a:schemeClr val="lt1"/>
+            </a:fontRef>
+          </p:style>
+          <p:txBody>
+            <a:bodyPr rtlCol="0" anchor="ctr"/>
+            <a:lstStyle/>
+            <a:p>
+              <a:pPr algn="ctr"/>
+              <a:endParaRPr lang="de-DE"/>
+            </a:p>
+          </p:txBody>
+        </p:sp>
+      </p:grpSp>
+      <p:grpSp>
+        <p:nvGrpSpPr>
+          <p:cNvPr id="202" name="Group 201">
+            <a:extLst>
+              <a:ext uri="{FF2B5EF4-FFF2-40B4-BE49-F238E27FC236}">
+                <a16:creationId xmlns:a16="http://schemas.microsoft.com/office/drawing/2014/main" id="{1A0FED26-BB0C-4F71-BD3C-978461B301AF}"/>
+              </a:ext>
+            </a:extLst>
+          </p:cNvPr>
+          <p:cNvGrpSpPr/>
+          <p:nvPr/>
+        </p:nvGrpSpPr>
+        <p:grpSpPr>
+          <a:xfrm>
+            <a:off x="5967474" y="2390765"/>
+            <a:ext cx="565150" cy="376720"/>
+            <a:chOff x="6010275" y="857250"/>
+            <a:chExt cx="565150" cy="376720"/>
+          </a:xfrm>
+        </p:grpSpPr>
+        <p:sp>
+          <p:nvSpPr>
+            <p:cNvPr id="203" name="Rectangle 202">
+              <a:extLst>
+                <a:ext uri="{FF2B5EF4-FFF2-40B4-BE49-F238E27FC236}">
+                  <a16:creationId xmlns:a16="http://schemas.microsoft.com/office/drawing/2014/main" id="{73E331F1-F6EA-425A-88F9-630DE12BF3DF}"/>
+                </a:ext>
+              </a:extLst>
+            </p:cNvPr>
+            <p:cNvSpPr/>
+            <p:nvPr/>
+          </p:nvSpPr>
+          <p:spPr>
+            <a:xfrm>
+              <a:off x="6010275" y="857250"/>
+              <a:ext cx="565150" cy="376720"/>
+            </a:xfrm>
+            <a:prstGeom prst="rect">
+              <a:avLst/>
+            </a:prstGeom>
+            <a:solidFill>
+              <a:schemeClr val="bg1">
+                <a:lumMod val="85000"/>
+              </a:schemeClr>
+            </a:solidFill>
+            <a:ln>
+              <a:solidFill>
+                <a:schemeClr val="bg1">
+                  <a:lumMod val="50000"/>
+                </a:schemeClr>
+              </a:solidFill>
+            </a:ln>
+          </p:spPr>
+          <p:style>
+            <a:lnRef idx="2">
+              <a:schemeClr val="accent1">
+                <a:shade val="50000"/>
+              </a:schemeClr>
+            </a:lnRef>
+            <a:fillRef idx="1">
+              <a:schemeClr val="accent1"/>
+            </a:fillRef>
+            <a:effectRef idx="0">
+              <a:schemeClr val="accent1"/>
+            </a:effectRef>
+            <a:fontRef idx="minor">
+              <a:schemeClr val="lt1"/>
+            </a:fontRef>
+          </p:style>
+          <p:txBody>
+            <a:bodyPr rtlCol="0" anchor="ctr"/>
+            <a:lstStyle/>
+            <a:p>
+              <a:pPr algn="ctr"/>
+              <a:endParaRPr lang="de-DE"/>
+            </a:p>
+          </p:txBody>
+        </p:sp>
+        <p:sp>
+          <p:nvSpPr>
+            <p:cNvPr id="204" name="Oval 203">
+              <a:extLst>
+                <a:ext uri="{FF2B5EF4-FFF2-40B4-BE49-F238E27FC236}">
+                  <a16:creationId xmlns:a16="http://schemas.microsoft.com/office/drawing/2014/main" id="{E6C7A0B7-2333-4B0B-A3E8-98CC0D8830C0}"/>
+                </a:ext>
+              </a:extLst>
+            </p:cNvPr>
+            <p:cNvSpPr/>
+            <p:nvPr/>
+          </p:nvSpPr>
+          <p:spPr>
+            <a:xfrm>
+              <a:off x="6078199" y="898107"/>
+              <a:ext cx="110638" cy="111543"/>
+            </a:xfrm>
+            <a:prstGeom prst="ellipse">
+              <a:avLst/>
+            </a:prstGeom>
+            <a:solidFill>
+              <a:schemeClr val="bg1"/>
+            </a:solidFill>
+            <a:ln>
+              <a:noFill/>
+            </a:ln>
+          </p:spPr>
+          <p:style>
+            <a:lnRef idx="2">
+              <a:schemeClr val="accent1">
+                <a:shade val="50000"/>
+              </a:schemeClr>
+            </a:lnRef>
+            <a:fillRef idx="1">
+              <a:schemeClr val="accent1"/>
+            </a:fillRef>
+            <a:effectRef idx="0">
+              <a:schemeClr val="accent1"/>
+            </a:effectRef>
+            <a:fontRef idx="minor">
+              <a:schemeClr val="lt1"/>
+            </a:fontRef>
+          </p:style>
+          <p:txBody>
+            <a:bodyPr rtlCol="0" anchor="ctr"/>
+            <a:lstStyle/>
+            <a:p>
+              <a:pPr algn="ctr"/>
+              <a:endParaRPr lang="de-DE"/>
+            </a:p>
+          </p:txBody>
+        </p:sp>
+        <p:sp>
+          <p:nvSpPr>
+            <p:cNvPr id="205" name="Isosceles Triangle 204">
+              <a:extLst>
+                <a:ext uri="{FF2B5EF4-FFF2-40B4-BE49-F238E27FC236}">
+                  <a16:creationId xmlns:a16="http://schemas.microsoft.com/office/drawing/2014/main" id="{F05D9227-4352-40FD-9DF4-B6552FDBF1A8}"/>
+                </a:ext>
+              </a:extLst>
+            </p:cNvPr>
+            <p:cNvSpPr/>
+            <p:nvPr/>
+          </p:nvSpPr>
+          <p:spPr>
+            <a:xfrm>
+              <a:off x="6088669" y="1083097"/>
+              <a:ext cx="144618" cy="109342"/>
+            </a:xfrm>
+            <a:prstGeom prst="triangle">
+              <a:avLst/>
+            </a:prstGeom>
+            <a:solidFill>
+              <a:schemeClr val="bg1"/>
+            </a:solidFill>
+            <a:ln>
+              <a:noFill/>
+            </a:ln>
+          </p:spPr>
+          <p:style>
+            <a:lnRef idx="2">
+              <a:schemeClr val="accent1">
+                <a:shade val="50000"/>
+              </a:schemeClr>
+            </a:lnRef>
+            <a:fillRef idx="1">
+              <a:schemeClr val="accent1"/>
+            </a:fillRef>
+            <a:effectRef idx="0">
+              <a:schemeClr val="accent1"/>
+            </a:effectRef>
+            <a:fontRef idx="minor">
+              <a:schemeClr val="lt1"/>
+            </a:fontRef>
+          </p:style>
+          <p:txBody>
+            <a:bodyPr rtlCol="0" anchor="ctr"/>
+            <a:lstStyle/>
+            <a:p>
+              <a:pPr algn="ctr"/>
+              <a:endParaRPr lang="de-DE"/>
+            </a:p>
+          </p:txBody>
+        </p:sp>
+        <p:sp>
+          <p:nvSpPr>
+            <p:cNvPr id="206" name="Isosceles Triangle 205">
+              <a:extLst>
+                <a:ext uri="{FF2B5EF4-FFF2-40B4-BE49-F238E27FC236}">
+                  <a16:creationId xmlns:a16="http://schemas.microsoft.com/office/drawing/2014/main" id="{7704978C-2007-457E-BA75-A676EF1B1BE0}"/>
+                </a:ext>
+              </a:extLst>
+            </p:cNvPr>
+            <p:cNvSpPr/>
+            <p:nvPr/>
+          </p:nvSpPr>
+          <p:spPr>
+            <a:xfrm>
+              <a:off x="6201383" y="946582"/>
+              <a:ext cx="311303" cy="245857"/>
+            </a:xfrm>
+            <a:prstGeom prst="triangle">
+              <a:avLst/>
+            </a:prstGeom>
+            <a:solidFill>
+              <a:schemeClr val="bg1"/>
+            </a:solidFill>
+            <a:ln>
+              <a:noFill/>
+            </a:ln>
+          </p:spPr>
+          <p:style>
+            <a:lnRef idx="2">
+              <a:schemeClr val="accent1">
+                <a:shade val="50000"/>
+              </a:schemeClr>
+            </a:lnRef>
+            <a:fillRef idx="1">
+              <a:schemeClr val="accent1"/>
+            </a:fillRef>
+            <a:effectRef idx="0">
+              <a:schemeClr val="accent1"/>
+            </a:effectRef>
+            <a:fontRef idx="minor">
+              <a:schemeClr val="lt1"/>
+            </a:fontRef>
+          </p:style>
+          <p:txBody>
+            <a:bodyPr rtlCol="0" anchor="ctr"/>
+            <a:lstStyle/>
+            <a:p>
+              <a:pPr algn="ctr"/>
+              <a:endParaRPr lang="de-DE"/>
+            </a:p>
+          </p:txBody>
+        </p:sp>
+      </p:grpSp>
+      <p:grpSp>
+        <p:nvGrpSpPr>
+          <p:cNvPr id="207" name="Group 206">
+            <a:extLst>
+              <a:ext uri="{FF2B5EF4-FFF2-40B4-BE49-F238E27FC236}">
+                <a16:creationId xmlns:a16="http://schemas.microsoft.com/office/drawing/2014/main" id="{0429BED4-7302-46C4-981A-59B09F43755D}"/>
+              </a:ext>
+            </a:extLst>
+          </p:cNvPr>
+          <p:cNvGrpSpPr/>
+          <p:nvPr/>
+        </p:nvGrpSpPr>
+        <p:grpSpPr>
+          <a:xfrm>
+            <a:off x="6576192" y="2390765"/>
+            <a:ext cx="565150" cy="376720"/>
+            <a:chOff x="6010275" y="857250"/>
+            <a:chExt cx="565150" cy="376720"/>
+          </a:xfrm>
+        </p:grpSpPr>
+        <p:sp>
+          <p:nvSpPr>
+            <p:cNvPr id="208" name="Rectangle 207">
+              <a:extLst>
+                <a:ext uri="{FF2B5EF4-FFF2-40B4-BE49-F238E27FC236}">
+                  <a16:creationId xmlns:a16="http://schemas.microsoft.com/office/drawing/2014/main" id="{30B076BE-6D17-43BD-B132-27A091DA545F}"/>
+                </a:ext>
+              </a:extLst>
+            </p:cNvPr>
+            <p:cNvSpPr/>
+            <p:nvPr/>
+          </p:nvSpPr>
+          <p:spPr>
+            <a:xfrm>
+              <a:off x="6010275" y="857250"/>
+              <a:ext cx="565150" cy="376720"/>
+            </a:xfrm>
+            <a:prstGeom prst="rect">
+              <a:avLst/>
+            </a:prstGeom>
+            <a:solidFill>
+              <a:schemeClr val="bg1">
+                <a:lumMod val="85000"/>
+              </a:schemeClr>
+            </a:solidFill>
+            <a:ln>
+              <a:solidFill>
+                <a:schemeClr val="bg1">
+                  <a:lumMod val="50000"/>
+                </a:schemeClr>
+              </a:solidFill>
+            </a:ln>
+          </p:spPr>
+          <p:style>
+            <a:lnRef idx="2">
+              <a:schemeClr val="accent1">
+                <a:shade val="50000"/>
+              </a:schemeClr>
+            </a:lnRef>
+            <a:fillRef idx="1">
+              <a:schemeClr val="accent1"/>
+            </a:fillRef>
+            <a:effectRef idx="0">
+              <a:schemeClr val="accent1"/>
+            </a:effectRef>
+            <a:fontRef idx="minor">
+              <a:schemeClr val="lt1"/>
+            </a:fontRef>
+          </p:style>
+          <p:txBody>
+            <a:bodyPr rtlCol="0" anchor="ctr"/>
+            <a:lstStyle/>
+            <a:p>
+              <a:pPr algn="ctr"/>
+              <a:endParaRPr lang="de-DE"/>
+            </a:p>
+          </p:txBody>
+        </p:sp>
+        <p:sp>
+          <p:nvSpPr>
+            <p:cNvPr id="209" name="Oval 208">
+              <a:extLst>
+                <a:ext uri="{FF2B5EF4-FFF2-40B4-BE49-F238E27FC236}">
+                  <a16:creationId xmlns:a16="http://schemas.microsoft.com/office/drawing/2014/main" id="{C9B91D60-D5F3-40E1-92C7-5CD3C4CC50FB}"/>
+                </a:ext>
+              </a:extLst>
+            </p:cNvPr>
+            <p:cNvSpPr/>
+            <p:nvPr/>
+          </p:nvSpPr>
+          <p:spPr>
+            <a:xfrm>
+              <a:off x="6078199" y="898107"/>
+              <a:ext cx="110638" cy="111543"/>
+            </a:xfrm>
+            <a:prstGeom prst="ellipse">
+              <a:avLst/>
+            </a:prstGeom>
+            <a:solidFill>
+              <a:schemeClr val="bg1"/>
+            </a:solidFill>
+            <a:ln>
+              <a:noFill/>
+            </a:ln>
+          </p:spPr>
+          <p:style>
+            <a:lnRef idx="2">
+              <a:schemeClr val="accent1">
+                <a:shade val="50000"/>
+              </a:schemeClr>
+            </a:lnRef>
+            <a:fillRef idx="1">
+              <a:schemeClr val="accent1"/>
+            </a:fillRef>
+            <a:effectRef idx="0">
+              <a:schemeClr val="accent1"/>
+            </a:effectRef>
+            <a:fontRef idx="minor">
+              <a:schemeClr val="lt1"/>
+            </a:fontRef>
+          </p:style>
+          <p:txBody>
+            <a:bodyPr rtlCol="0" anchor="ctr"/>
+            <a:lstStyle/>
+            <a:p>
+              <a:pPr algn="ctr"/>
+              <a:endParaRPr lang="de-DE"/>
+            </a:p>
+          </p:txBody>
+        </p:sp>
+        <p:sp>
+          <p:nvSpPr>
+            <p:cNvPr id="210" name="Isosceles Triangle 209">
+              <a:extLst>
+                <a:ext uri="{FF2B5EF4-FFF2-40B4-BE49-F238E27FC236}">
+                  <a16:creationId xmlns:a16="http://schemas.microsoft.com/office/drawing/2014/main" id="{47B1ACCD-C279-4C6F-B30B-4B87D1FAE65E}"/>
+                </a:ext>
+              </a:extLst>
+            </p:cNvPr>
+            <p:cNvSpPr/>
+            <p:nvPr/>
+          </p:nvSpPr>
+          <p:spPr>
+            <a:xfrm>
+              <a:off x="6088669" y="1083097"/>
+              <a:ext cx="144618" cy="109342"/>
+            </a:xfrm>
+            <a:prstGeom prst="triangle">
+              <a:avLst/>
+            </a:prstGeom>
+            <a:solidFill>
+              <a:schemeClr val="bg1"/>
+            </a:solidFill>
+            <a:ln>
+              <a:noFill/>
+            </a:ln>
+          </p:spPr>
+          <p:style>
+            <a:lnRef idx="2">
+              <a:schemeClr val="accent1">
+                <a:shade val="50000"/>
+              </a:schemeClr>
+            </a:lnRef>
+            <a:fillRef idx="1">
+              <a:schemeClr val="accent1"/>
+            </a:fillRef>
+            <a:effectRef idx="0">
+              <a:schemeClr val="accent1"/>
+            </a:effectRef>
+            <a:fontRef idx="minor">
+              <a:schemeClr val="lt1"/>
+            </a:fontRef>
+          </p:style>
+          <p:txBody>
+            <a:bodyPr rtlCol="0" anchor="ctr"/>
+            <a:lstStyle/>
+            <a:p>
+              <a:pPr algn="ctr"/>
+              <a:endParaRPr lang="de-DE"/>
+            </a:p>
+          </p:txBody>
+        </p:sp>
+        <p:sp>
+          <p:nvSpPr>
+            <p:cNvPr id="211" name="Isosceles Triangle 210">
+              <a:extLst>
+                <a:ext uri="{FF2B5EF4-FFF2-40B4-BE49-F238E27FC236}">
+                  <a16:creationId xmlns:a16="http://schemas.microsoft.com/office/drawing/2014/main" id="{E43BE0A8-C74B-4E45-88FC-4261D66130AF}"/>
+                </a:ext>
+              </a:extLst>
+            </p:cNvPr>
+            <p:cNvSpPr/>
+            <p:nvPr/>
+          </p:nvSpPr>
+          <p:spPr>
+            <a:xfrm>
+              <a:off x="6201383" y="946582"/>
+              <a:ext cx="311303" cy="245857"/>
+            </a:xfrm>
+            <a:prstGeom prst="triangle">
+              <a:avLst/>
+            </a:prstGeom>
+            <a:solidFill>
+              <a:schemeClr val="bg1"/>
+            </a:solidFill>
+            <a:ln>
+              <a:noFill/>
+            </a:ln>
+          </p:spPr>
+          <p:style>
+            <a:lnRef idx="2">
+              <a:schemeClr val="accent1">
+                <a:shade val="50000"/>
+              </a:schemeClr>
+            </a:lnRef>
+            <a:fillRef idx="1">
+              <a:schemeClr val="accent1"/>
+            </a:fillRef>
+            <a:effectRef idx="0">
+              <a:schemeClr val="accent1"/>
+            </a:effectRef>
+            <a:fontRef idx="minor">
+              <a:schemeClr val="lt1"/>
+            </a:fontRef>
+          </p:style>
+          <p:txBody>
+            <a:bodyPr rtlCol="0" anchor="ctr"/>
+            <a:lstStyle/>
+            <a:p>
+              <a:pPr algn="ctr"/>
+              <a:endParaRPr lang="de-DE"/>
+            </a:p>
+          </p:txBody>
+        </p:sp>
+      </p:grpSp>
+      <p:sp>
+        <p:nvSpPr>
+          <p:cNvPr id="212" name="Rectangle 211">
+            <a:extLst>
+              <a:ext uri="{FF2B5EF4-FFF2-40B4-BE49-F238E27FC236}">
+                <a16:creationId xmlns:a16="http://schemas.microsoft.com/office/drawing/2014/main" id="{4F13A57C-2100-4BBE-992A-EBA8F6776E37}"/>
+              </a:ext>
+            </a:extLst>
+          </p:cNvPr>
+          <p:cNvSpPr/>
+          <p:nvPr/>
+        </p:nvSpPr>
+        <p:spPr>
+          <a:xfrm>
+            <a:off x="6838436" y="2315335"/>
+            <a:ext cx="343356" cy="537472"/>
+          </a:xfrm>
+          <a:prstGeom prst="rect">
+            <a:avLst/>
+          </a:prstGeom>
+          <a:solidFill>
+            <a:schemeClr val="bg1"/>
+          </a:solidFill>
+          <a:ln>
+            <a:noFill/>
+          </a:ln>
+        </p:spPr>
+        <p:style>
+          <a:lnRef idx="2">
+            <a:schemeClr val="accent1">
+              <a:shade val="50000"/>
+            </a:schemeClr>
+          </a:lnRef>
+          <a:fillRef idx="1">
+            <a:schemeClr val="accent1"/>
+          </a:fillRef>
+          <a:effectRef idx="0">
+            <a:schemeClr val="accent1"/>
+          </a:effectRef>
+          <a:fontRef idx="minor">
+            <a:schemeClr val="lt1"/>
+          </a:fontRef>
+        </p:style>
+        <p:txBody>
+          <a:bodyPr rtlCol="0" anchor="ctr"/>
+          <a:lstStyle/>
+          <a:p>
+            <a:pPr algn="ctr"/>
+            <a:endParaRPr lang="de-DE"/>
+          </a:p>
+        </p:txBody>
+      </p:sp>
+      <p:sp>
+        <p:nvSpPr>
+          <p:cNvPr id="213" name="Rectangle 212">
+            <a:extLst>
+              <a:ext uri="{FF2B5EF4-FFF2-40B4-BE49-F238E27FC236}">
+                <a16:creationId xmlns:a16="http://schemas.microsoft.com/office/drawing/2014/main" id="{7271E998-F8BB-4A1B-9B99-BE2A2793B9E4}"/>
+              </a:ext>
+            </a:extLst>
+          </p:cNvPr>
+          <p:cNvSpPr/>
+          <p:nvPr/>
+        </p:nvSpPr>
+        <p:spPr>
+          <a:xfrm>
+            <a:off x="5182083" y="2276464"/>
+            <a:ext cx="1865902" cy="606879"/>
+          </a:xfrm>
+          <a:prstGeom prst="rect">
+            <a:avLst/>
+          </a:prstGeom>
+          <a:noFill/>
+        </p:spPr>
+        <p:style>
+          <a:lnRef idx="2">
+            <a:schemeClr val="dk1"/>
+          </a:lnRef>
+          <a:fillRef idx="1">
+            <a:schemeClr val="lt1"/>
+          </a:fillRef>
+          <a:effectRef idx="0">
+            <a:schemeClr val="dk1"/>
+          </a:effectRef>
+          <a:fontRef idx="minor">
+            <a:schemeClr val="dk1"/>
+          </a:fontRef>
+        </p:style>
+        <p:txBody>
+          <a:bodyPr rtlCol="0" anchor="ctr"/>
+          <a:lstStyle/>
+          <a:p>
+            <a:endParaRPr lang="de-DE" dirty="0"/>
+          </a:p>
+        </p:txBody>
+      </p:sp>
+      <p:sp>
+        <p:nvSpPr>
+          <p:cNvPr id="214" name="Rectangle 213">
+            <a:extLst>
+              <a:ext uri="{FF2B5EF4-FFF2-40B4-BE49-F238E27FC236}">
+                <a16:creationId xmlns:a16="http://schemas.microsoft.com/office/drawing/2014/main" id="{AE3C1906-5A7C-474A-AF2E-B053E8CA9E32}"/>
+              </a:ext>
+            </a:extLst>
+          </p:cNvPr>
+          <p:cNvSpPr/>
+          <p:nvPr/>
+        </p:nvSpPr>
+        <p:spPr>
+          <a:xfrm>
+            <a:off x="5099026" y="1839376"/>
+            <a:ext cx="2029770" cy="1215450"/>
+          </a:xfrm>
+          <a:prstGeom prst="rect">
+            <a:avLst/>
+          </a:prstGeom>
+          <a:noFill/>
+          <a:ln>
+            <a:prstDash val="dash"/>
+          </a:ln>
+        </p:spPr>
+        <p:style>
+          <a:lnRef idx="2">
+            <a:schemeClr val="accent1">
+              <a:shade val="50000"/>
+            </a:schemeClr>
+          </a:lnRef>
+          <a:fillRef idx="1">
+            <a:schemeClr val="accent1"/>
+          </a:fillRef>
+          <a:effectRef idx="0">
+            <a:schemeClr val="accent1"/>
+          </a:effectRef>
+          <a:fontRef idx="minor">
+            <a:schemeClr val="lt1"/>
+          </a:fontRef>
+        </p:style>
+        <p:txBody>
+          <a:bodyPr rtlCol="0" anchor="ctr"/>
+          <a:lstStyle/>
+          <a:p>
+            <a:pPr algn="ctr"/>
+            <a:endParaRPr lang="de-DE"/>
+          </a:p>
+        </p:txBody>
+      </p:sp>
+      <p:sp>
+        <p:nvSpPr>
+          <p:cNvPr id="215" name="Arrow: Down 214">
+            <a:extLst>
+              <a:ext uri="{FF2B5EF4-FFF2-40B4-BE49-F238E27FC236}">
+                <a16:creationId xmlns:a16="http://schemas.microsoft.com/office/drawing/2014/main" id="{286DADA3-4592-4F3F-8950-222998C26F51}"/>
+              </a:ext>
+            </a:extLst>
+          </p:cNvPr>
+          <p:cNvSpPr/>
+          <p:nvPr/>
+        </p:nvSpPr>
+        <p:spPr>
+          <a:xfrm rot="5400000">
+            <a:off x="5169267" y="2538127"/>
+            <a:ext cx="190123" cy="102624"/>
+          </a:xfrm>
+          <a:prstGeom prst="downArrow">
+            <a:avLst/>
+          </a:prstGeom>
+          <a:solidFill>
+            <a:schemeClr val="bg1">
+              <a:lumMod val="85000"/>
+            </a:schemeClr>
+          </a:solidFill>
+        </p:spPr>
+        <p:style>
+          <a:lnRef idx="2">
+            <a:schemeClr val="dk1"/>
+          </a:lnRef>
+          <a:fillRef idx="1">
+            <a:schemeClr val="lt1"/>
+          </a:fillRef>
+          <a:effectRef idx="0">
+            <a:schemeClr val="dk1"/>
+          </a:effectRef>
+          <a:fontRef idx="minor">
+            <a:schemeClr val="dk1"/>
+          </a:fontRef>
+        </p:style>
+        <p:txBody>
+          <a:bodyPr rtlCol="0" anchor="ctr"/>
+          <a:lstStyle/>
+          <a:p>
+            <a:pPr algn="ctr"/>
+            <a:endParaRPr lang="de-DE">
+              <a:solidFill>
+                <a:schemeClr val="dk1"/>
+              </a:solidFill>
+            </a:endParaRPr>
+          </a:p>
+        </p:txBody>
+      </p:sp>
+      <p:sp>
+        <p:nvSpPr>
+          <p:cNvPr id="216" name="Arrow: Down 215">
+            <a:extLst>
+              <a:ext uri="{FF2B5EF4-FFF2-40B4-BE49-F238E27FC236}">
+                <a16:creationId xmlns:a16="http://schemas.microsoft.com/office/drawing/2014/main" id="{5326C519-4B08-478B-9CF3-8332501E1247}"/>
+              </a:ext>
+            </a:extLst>
+          </p:cNvPr>
+          <p:cNvSpPr/>
+          <p:nvPr/>
+        </p:nvSpPr>
+        <p:spPr>
+          <a:xfrm rot="16200000">
+            <a:off x="6849919" y="2538128"/>
+            <a:ext cx="190123" cy="102624"/>
+          </a:xfrm>
+          <a:prstGeom prst="downArrow">
+            <a:avLst/>
+          </a:prstGeom>
+          <a:solidFill>
+            <a:schemeClr val="bg1">
+              <a:lumMod val="85000"/>
+            </a:schemeClr>
+          </a:solidFill>
+        </p:spPr>
+        <p:style>
+          <a:lnRef idx="2">
+            <a:schemeClr val="dk1"/>
+          </a:lnRef>
+          <a:fillRef idx="1">
+            <a:schemeClr val="lt1"/>
+          </a:fillRef>
+          <a:effectRef idx="0">
+            <a:schemeClr val="dk1"/>
+          </a:effectRef>
+          <a:fontRef idx="minor">
+            <a:schemeClr val="dk1"/>
+          </a:fontRef>
+        </p:style>
+        <p:txBody>
+          <a:bodyPr rtlCol="0" anchor="ctr"/>
+          <a:lstStyle/>
+          <a:p>
+            <a:pPr algn="ctr"/>
+            <a:endParaRPr lang="de-DE">
+              <a:solidFill>
+                <a:schemeClr val="dk1"/>
+              </a:solidFill>
+            </a:endParaRPr>
+          </a:p>
+        </p:txBody>
+      </p:sp>
+      <p:sp>
+        <p:nvSpPr>
+          <p:cNvPr id="217" name="Rectangle 216">
+            <a:extLst>
+              <a:ext uri="{FF2B5EF4-FFF2-40B4-BE49-F238E27FC236}">
+                <a16:creationId xmlns:a16="http://schemas.microsoft.com/office/drawing/2014/main" id="{0A50592E-F72F-44AE-B0F8-F7EDDF8D1A3C}"/>
+              </a:ext>
+            </a:extLst>
+          </p:cNvPr>
+          <p:cNvSpPr/>
+          <p:nvPr/>
+        </p:nvSpPr>
+        <p:spPr>
+          <a:xfrm>
+            <a:off x="5182083" y="2025854"/>
+            <a:ext cx="1865902" cy="216034"/>
+          </a:xfrm>
+          <a:prstGeom prst="rect">
+            <a:avLst/>
+          </a:prstGeom>
+        </p:spPr>
+        <p:style>
+          <a:lnRef idx="2">
+            <a:schemeClr val="dk1"/>
+          </a:lnRef>
+          <a:fillRef idx="1">
+            <a:schemeClr val="lt1"/>
+          </a:fillRef>
+          <a:effectRef idx="0">
+            <a:schemeClr val="dk1"/>
+          </a:effectRef>
+          <a:fontRef idx="minor">
+            <a:schemeClr val="dk1"/>
+          </a:fontRef>
+        </p:style>
+        <p:txBody>
+          <a:bodyPr rtlCol="0" anchor="ctr"/>
+          <a:lstStyle/>
+          <a:p>
+            <a:endParaRPr lang="de-DE" dirty="0"/>
+          </a:p>
+        </p:txBody>
+      </p:sp>
+      <p:sp>
+        <p:nvSpPr>
+          <p:cNvPr id="218" name="Rectangle 217">
+            <a:extLst>
+              <a:ext uri="{FF2B5EF4-FFF2-40B4-BE49-F238E27FC236}">
+                <a16:creationId xmlns:a16="http://schemas.microsoft.com/office/drawing/2014/main" id="{A00A4942-EE8B-414A-8D35-3AB3E13C9B15}"/>
+              </a:ext>
+            </a:extLst>
+          </p:cNvPr>
+          <p:cNvSpPr/>
+          <p:nvPr/>
+        </p:nvSpPr>
+        <p:spPr>
+          <a:xfrm>
+            <a:off x="6720941" y="2077836"/>
+            <a:ext cx="246961" cy="102100"/>
+          </a:xfrm>
+          <a:prstGeom prst="rect">
+            <a:avLst/>
+          </a:prstGeom>
+          <a:solidFill>
+            <a:schemeClr val="bg1">
+              <a:lumMod val="85000"/>
+            </a:schemeClr>
+          </a:solidFill>
+        </p:spPr>
+        <p:style>
+          <a:lnRef idx="2">
+            <a:schemeClr val="dk1"/>
+          </a:lnRef>
+          <a:fillRef idx="1">
+            <a:schemeClr val="lt1"/>
+          </a:fillRef>
+          <a:effectRef idx="0">
+            <a:schemeClr val="dk1"/>
+          </a:effectRef>
+          <a:fontRef idx="minor">
+            <a:schemeClr val="dk1"/>
+          </a:fontRef>
+        </p:style>
+        <p:txBody>
+          <a:bodyPr rtlCol="0" anchor="ctr"/>
+          <a:lstStyle/>
+          <a:p>
+            <a:pPr algn="ctr"/>
+            <a:endParaRPr lang="de-DE"/>
+          </a:p>
+        </p:txBody>
+      </p:sp>
+      <p:sp>
+        <p:nvSpPr>
+          <p:cNvPr id="221" name="Rectangle 220">
+            <a:extLst>
+              <a:ext uri="{FF2B5EF4-FFF2-40B4-BE49-F238E27FC236}">
+                <a16:creationId xmlns:a16="http://schemas.microsoft.com/office/drawing/2014/main" id="{C8F4F3E3-F5F7-445B-AA0E-A6E6AC3E436B}"/>
+              </a:ext>
+            </a:extLst>
+          </p:cNvPr>
+          <p:cNvSpPr/>
+          <p:nvPr/>
+        </p:nvSpPr>
+        <p:spPr>
+          <a:xfrm>
+            <a:off x="6420984" y="2077836"/>
+            <a:ext cx="246961" cy="102100"/>
+          </a:xfrm>
+          <a:prstGeom prst="rect">
+            <a:avLst/>
+          </a:prstGeom>
+          <a:solidFill>
+            <a:schemeClr val="bg1">
+              <a:lumMod val="85000"/>
+            </a:schemeClr>
+          </a:solidFill>
+        </p:spPr>
+        <p:style>
+          <a:lnRef idx="2">
+            <a:schemeClr val="dk1"/>
+          </a:lnRef>
+          <a:fillRef idx="1">
+            <a:schemeClr val="lt1"/>
+          </a:fillRef>
+          <a:effectRef idx="0">
+            <a:schemeClr val="dk1"/>
+          </a:effectRef>
+          <a:fontRef idx="minor">
+            <a:schemeClr val="dk1"/>
+          </a:fontRef>
+        </p:style>
+        <p:txBody>
+          <a:bodyPr rtlCol="0" anchor="ctr"/>
+          <a:lstStyle/>
+          <a:p>
+            <a:pPr algn="ctr"/>
+            <a:endParaRPr lang="de-DE"/>
+          </a:p>
+        </p:txBody>
+      </p:sp>
+      <p:sp>
+        <p:nvSpPr>
+          <p:cNvPr id="8" name="Arrow: Up 7">
+            <a:extLst>
+              <a:ext uri="{FF2B5EF4-FFF2-40B4-BE49-F238E27FC236}">
+                <a16:creationId xmlns:a16="http://schemas.microsoft.com/office/drawing/2014/main" id="{5ED15388-1D22-48D5-8F01-18E8EDE6DD57}"/>
+              </a:ext>
+            </a:extLst>
+          </p:cNvPr>
+          <p:cNvSpPr/>
+          <p:nvPr/>
+        </p:nvSpPr>
+        <p:spPr>
+          <a:xfrm>
+            <a:off x="6444552" y="2095500"/>
+            <a:ext cx="82489" cy="65106"/>
+          </a:xfrm>
+          <a:prstGeom prst="upArrow">
+            <a:avLst/>
+          </a:prstGeom>
+          <a:solidFill>
+            <a:schemeClr val="bg1">
+              <a:lumMod val="50000"/>
+            </a:schemeClr>
+          </a:solidFill>
+          <a:ln>
+            <a:noFill/>
+          </a:ln>
+        </p:spPr>
+        <p:style>
+          <a:lnRef idx="2">
+            <a:schemeClr val="accent1">
+              <a:shade val="50000"/>
+            </a:schemeClr>
+          </a:lnRef>
+          <a:fillRef idx="1">
+            <a:schemeClr val="accent1"/>
+          </a:fillRef>
+          <a:effectRef idx="0">
+            <a:schemeClr val="accent1"/>
+          </a:effectRef>
+          <a:fontRef idx="minor">
+            <a:schemeClr val="lt1"/>
+          </a:fontRef>
+        </p:style>
+        <p:txBody>
+          <a:bodyPr rtlCol="0" anchor="ctr"/>
+          <a:lstStyle/>
+          <a:p>
+            <a:pPr algn="ctr"/>
+            <a:endParaRPr lang="de-DE"/>
+          </a:p>
+        </p:txBody>
+      </p:sp>
     </p:spTree>
     <p:extLst>
       <p:ext uri="{BB962C8B-B14F-4D97-AF65-F5344CB8AC3E}">

--- a/Docs/documentation/uxon_presets.pptx
+++ b/Docs/documentation/uxon_presets.pptx
@@ -254,7 +254,7 @@
           <a:p>
             <a:fld id="{2DAF1186-F1D7-440D-B156-A260D91A3611}" type="datetimeFigureOut">
               <a:rPr lang="de-DE" smtClean="0"/>
-              <a:t>02.07.2021</a:t>
+              <a:t>14.07.2021</a:t>
             </a:fld>
             <a:endParaRPr lang="de-DE"/>
           </a:p>
@@ -424,7 +424,7 @@
           <a:p>
             <a:fld id="{2DAF1186-F1D7-440D-B156-A260D91A3611}" type="datetimeFigureOut">
               <a:rPr lang="de-DE" smtClean="0"/>
-              <a:t>02.07.2021</a:t>
+              <a:t>14.07.2021</a:t>
             </a:fld>
             <a:endParaRPr lang="de-DE"/>
           </a:p>
@@ -604,7 +604,7 @@
           <a:p>
             <a:fld id="{2DAF1186-F1D7-440D-B156-A260D91A3611}" type="datetimeFigureOut">
               <a:rPr lang="de-DE" smtClean="0"/>
-              <a:t>02.07.2021</a:t>
+              <a:t>14.07.2021</a:t>
             </a:fld>
             <a:endParaRPr lang="de-DE"/>
           </a:p>
@@ -774,7 +774,7 @@
           <a:p>
             <a:fld id="{2DAF1186-F1D7-440D-B156-A260D91A3611}" type="datetimeFigureOut">
               <a:rPr lang="de-DE" smtClean="0"/>
-              <a:t>02.07.2021</a:t>
+              <a:t>14.07.2021</a:t>
             </a:fld>
             <a:endParaRPr lang="de-DE"/>
           </a:p>
@@ -1020,7 +1020,7 @@
           <a:p>
             <a:fld id="{2DAF1186-F1D7-440D-B156-A260D91A3611}" type="datetimeFigureOut">
               <a:rPr lang="de-DE" smtClean="0"/>
-              <a:t>02.07.2021</a:t>
+              <a:t>14.07.2021</a:t>
             </a:fld>
             <a:endParaRPr lang="de-DE"/>
           </a:p>
@@ -1252,7 +1252,7 @@
           <a:p>
             <a:fld id="{2DAF1186-F1D7-440D-B156-A260D91A3611}" type="datetimeFigureOut">
               <a:rPr lang="de-DE" smtClean="0"/>
-              <a:t>02.07.2021</a:t>
+              <a:t>14.07.2021</a:t>
             </a:fld>
             <a:endParaRPr lang="de-DE"/>
           </a:p>
@@ -1619,7 +1619,7 @@
           <a:p>
             <a:fld id="{2DAF1186-F1D7-440D-B156-A260D91A3611}" type="datetimeFigureOut">
               <a:rPr lang="de-DE" smtClean="0"/>
-              <a:t>02.07.2021</a:t>
+              <a:t>14.07.2021</a:t>
             </a:fld>
             <a:endParaRPr lang="de-DE"/>
           </a:p>
@@ -1737,7 +1737,7 @@
           <a:p>
             <a:fld id="{2DAF1186-F1D7-440D-B156-A260D91A3611}" type="datetimeFigureOut">
               <a:rPr lang="de-DE" smtClean="0"/>
-              <a:t>02.07.2021</a:t>
+              <a:t>14.07.2021</a:t>
             </a:fld>
             <a:endParaRPr lang="de-DE"/>
           </a:p>
@@ -1832,7 +1832,7 @@
           <a:p>
             <a:fld id="{2DAF1186-F1D7-440D-B156-A260D91A3611}" type="datetimeFigureOut">
               <a:rPr lang="de-DE" smtClean="0"/>
-              <a:t>02.07.2021</a:t>
+              <a:t>14.07.2021</a:t>
             </a:fld>
             <a:endParaRPr lang="de-DE"/>
           </a:p>
@@ -2109,7 +2109,7 @@
           <a:p>
             <a:fld id="{2DAF1186-F1D7-440D-B156-A260D91A3611}" type="datetimeFigureOut">
               <a:rPr lang="de-DE" smtClean="0"/>
-              <a:t>02.07.2021</a:t>
+              <a:t>14.07.2021</a:t>
             </a:fld>
             <a:endParaRPr lang="de-DE"/>
           </a:p>
@@ -2362,7 +2362,7 @@
           <a:p>
             <a:fld id="{2DAF1186-F1D7-440D-B156-A260D91A3611}" type="datetimeFigureOut">
               <a:rPr lang="de-DE" smtClean="0"/>
-              <a:t>02.07.2021</a:t>
+              <a:t>14.07.2021</a:t>
             </a:fld>
             <a:endParaRPr lang="de-DE"/>
           </a:p>
@@ -2575,7 +2575,7 @@
           <a:p>
             <a:fld id="{2DAF1186-F1D7-440D-B156-A260D91A3611}" type="datetimeFigureOut">
               <a:rPr lang="de-DE" smtClean="0"/>
-              <a:t>02.07.2021</a:t>
+              <a:t>14.07.2021</a:t>
             </a:fld>
             <a:endParaRPr lang="de-DE"/>
           </a:p>
@@ -37315,7 +37315,7 @@
         </p:nvSpPr>
         <p:spPr>
           <a:xfrm>
-            <a:off x="7131897" y="5082810"/>
+            <a:off x="9354569" y="5082810"/>
             <a:ext cx="740885" cy="216034"/>
           </a:xfrm>
           <a:prstGeom prst="rect">
@@ -37352,7 +37352,7 @@
         </p:nvSpPr>
         <p:spPr>
           <a:xfrm>
-            <a:off x="7057949" y="5022902"/>
+            <a:off x="9280621" y="5022902"/>
             <a:ext cx="2029770" cy="1215450"/>
           </a:xfrm>
           <a:prstGeom prst="rect">
@@ -37396,7 +37396,7 @@
         </p:nvSpPr>
         <p:spPr>
           <a:xfrm>
-            <a:off x="7590887" y="5137173"/>
+            <a:off x="9813559" y="5137173"/>
             <a:ext cx="246961" cy="102100"/>
           </a:xfrm>
           <a:prstGeom prst="rect">
@@ -37439,7 +37439,7 @@
         </p:nvSpPr>
         <p:spPr>
           <a:xfrm>
-            <a:off x="7625824" y="5442517"/>
+            <a:off x="9848496" y="5442517"/>
             <a:ext cx="246959" cy="128041"/>
           </a:xfrm>
           <a:prstGeom prst="rect">
@@ -37476,7 +37476,7 @@
         </p:nvSpPr>
         <p:spPr>
           <a:xfrm>
-            <a:off x="7625822" y="5326231"/>
+            <a:off x="9848494" y="5326231"/>
             <a:ext cx="246962" cy="116286"/>
           </a:xfrm>
           <a:prstGeom prst="rect">
@@ -37518,7 +37518,7 @@
         </p:nvSpPr>
         <p:spPr>
           <a:xfrm>
-            <a:off x="7625824" y="5567667"/>
+            <a:off x="9848496" y="5567667"/>
             <a:ext cx="246959" cy="122333"/>
           </a:xfrm>
           <a:prstGeom prst="rect">
@@ -37555,7 +37555,7 @@
         </p:nvSpPr>
         <p:spPr>
           <a:xfrm>
-            <a:off x="7625824" y="5688066"/>
+            <a:off x="9848496" y="5688066"/>
             <a:ext cx="246959" cy="122333"/>
           </a:xfrm>
           <a:prstGeom prst="rect">
@@ -37592,7 +37592,7 @@
         </p:nvSpPr>
         <p:spPr>
           <a:xfrm>
-            <a:off x="7625824" y="5807508"/>
+            <a:off x="9848496" y="5807508"/>
             <a:ext cx="246959" cy="122333"/>
           </a:xfrm>
           <a:prstGeom prst="rect">
@@ -37629,7 +37629,7 @@
         </p:nvSpPr>
         <p:spPr>
           <a:xfrm>
-            <a:off x="7625824" y="5927639"/>
+            <a:off x="9848496" y="5927639"/>
             <a:ext cx="246959" cy="122333"/>
           </a:xfrm>
           <a:prstGeom prst="rect">
@@ -37666,7 +37666,7 @@
         </p:nvSpPr>
         <p:spPr>
           <a:xfrm>
-            <a:off x="7625824" y="6052233"/>
+            <a:off x="9848496" y="6052233"/>
             <a:ext cx="246959" cy="122333"/>
           </a:xfrm>
           <a:prstGeom prst="rect">
@@ -37703,7 +37703,7 @@
         </p:nvSpPr>
         <p:spPr>
           <a:xfrm>
-            <a:off x="7378861" y="5442517"/>
+            <a:off x="9601533" y="5442517"/>
             <a:ext cx="246959" cy="128041"/>
           </a:xfrm>
           <a:prstGeom prst="rect">
@@ -37740,7 +37740,7 @@
         </p:nvSpPr>
         <p:spPr>
           <a:xfrm>
-            <a:off x="7378859" y="5326231"/>
+            <a:off x="9601531" y="5326231"/>
             <a:ext cx="246962" cy="116286"/>
           </a:xfrm>
           <a:prstGeom prst="rect">
@@ -37782,7 +37782,7 @@
         </p:nvSpPr>
         <p:spPr>
           <a:xfrm>
-            <a:off x="7378861" y="5567667"/>
+            <a:off x="9601533" y="5567667"/>
             <a:ext cx="246959" cy="122333"/>
           </a:xfrm>
           <a:prstGeom prst="rect">
@@ -37819,7 +37819,7 @@
         </p:nvSpPr>
         <p:spPr>
           <a:xfrm>
-            <a:off x="7378861" y="5688066"/>
+            <a:off x="9601533" y="5688066"/>
             <a:ext cx="246959" cy="122333"/>
           </a:xfrm>
           <a:prstGeom prst="rect">
@@ -37856,7 +37856,7 @@
         </p:nvSpPr>
         <p:spPr>
           <a:xfrm>
-            <a:off x="7378861" y="5807508"/>
+            <a:off x="9601533" y="5807508"/>
             <a:ext cx="246959" cy="122333"/>
           </a:xfrm>
           <a:prstGeom prst="rect">
@@ -37893,7 +37893,7 @@
         </p:nvSpPr>
         <p:spPr>
           <a:xfrm>
-            <a:off x="7378861" y="5927639"/>
+            <a:off x="9601533" y="5927639"/>
             <a:ext cx="246959" cy="122333"/>
           </a:xfrm>
           <a:prstGeom prst="rect">
@@ -37930,7 +37930,7 @@
         </p:nvSpPr>
         <p:spPr>
           <a:xfrm>
-            <a:off x="7378861" y="6052233"/>
+            <a:off x="9601533" y="6052233"/>
             <a:ext cx="246959" cy="122333"/>
           </a:xfrm>
           <a:prstGeom prst="rect">
@@ -37967,7 +37967,7 @@
         </p:nvSpPr>
         <p:spPr>
           <a:xfrm>
-            <a:off x="7131897" y="5442517"/>
+            <a:off x="9354569" y="5442517"/>
             <a:ext cx="246959" cy="128041"/>
           </a:xfrm>
           <a:prstGeom prst="rect">
@@ -38004,7 +38004,7 @@
         </p:nvSpPr>
         <p:spPr>
           <a:xfrm>
-            <a:off x="7131895" y="5326231"/>
+            <a:off x="9354567" y="5326231"/>
             <a:ext cx="246962" cy="116286"/>
           </a:xfrm>
           <a:prstGeom prst="rect">
@@ -38046,7 +38046,7 @@
         </p:nvSpPr>
         <p:spPr>
           <a:xfrm>
-            <a:off x="7131897" y="5567667"/>
+            <a:off x="9354569" y="5567667"/>
             <a:ext cx="246959" cy="122333"/>
           </a:xfrm>
           <a:prstGeom prst="rect">
@@ -38083,7 +38083,7 @@
         </p:nvSpPr>
         <p:spPr>
           <a:xfrm>
-            <a:off x="7131897" y="5688066"/>
+            <a:off x="9354569" y="5688066"/>
             <a:ext cx="246959" cy="122333"/>
           </a:xfrm>
           <a:prstGeom prst="rect">
@@ -38120,7 +38120,7 @@
         </p:nvSpPr>
         <p:spPr>
           <a:xfrm>
-            <a:off x="7131897" y="5807508"/>
+            <a:off x="9354569" y="5807508"/>
             <a:ext cx="246959" cy="122333"/>
           </a:xfrm>
           <a:prstGeom prst="rect">
@@ -38157,7 +38157,7 @@
         </p:nvSpPr>
         <p:spPr>
           <a:xfrm>
-            <a:off x="7131897" y="5927639"/>
+            <a:off x="9354569" y="5927639"/>
             <a:ext cx="246959" cy="122333"/>
           </a:xfrm>
           <a:prstGeom prst="rect">
@@ -38194,7 +38194,7 @@
         </p:nvSpPr>
         <p:spPr>
           <a:xfrm>
-            <a:off x="7131897" y="6052233"/>
+            <a:off x="9354569" y="6052233"/>
             <a:ext cx="246959" cy="122333"/>
           </a:xfrm>
           <a:prstGeom prst="rect">
@@ -38231,7 +38231,7 @@
         </p:nvSpPr>
         <p:spPr>
           <a:xfrm>
-            <a:off x="7166042" y="5134626"/>
+            <a:off x="9388714" y="5134626"/>
             <a:ext cx="340927" cy="109342"/>
           </a:xfrm>
           <a:prstGeom prst="rect">
@@ -38269,7 +38269,7 @@
         </p:nvSpPr>
         <p:spPr>
           <a:xfrm>
-            <a:off x="8262916" y="5082810"/>
+            <a:off x="10485588" y="5082810"/>
             <a:ext cx="740885" cy="216034"/>
           </a:xfrm>
           <a:prstGeom prst="rect">
@@ -38306,7 +38306,7 @@
         </p:nvSpPr>
         <p:spPr>
           <a:xfrm>
-            <a:off x="8721906" y="5137173"/>
+            <a:off x="10944578" y="5137173"/>
             <a:ext cx="246961" cy="102100"/>
           </a:xfrm>
           <a:prstGeom prst="rect">
@@ -38349,7 +38349,7 @@
         </p:nvSpPr>
         <p:spPr>
           <a:xfrm>
-            <a:off x="8262916" y="5442517"/>
+            <a:off x="10485588" y="5442517"/>
             <a:ext cx="740884" cy="247483"/>
           </a:xfrm>
           <a:prstGeom prst="rect">
@@ -38386,7 +38386,7 @@
         </p:nvSpPr>
         <p:spPr>
           <a:xfrm>
-            <a:off x="8262913" y="5326231"/>
+            <a:off x="10485585" y="5326231"/>
             <a:ext cx="740887" cy="116286"/>
           </a:xfrm>
           <a:prstGeom prst="rect">
@@ -38428,7 +38428,7 @@
         </p:nvSpPr>
         <p:spPr>
           <a:xfrm>
-            <a:off x="8262916" y="5688066"/>
+            <a:off x="10485588" y="5688066"/>
             <a:ext cx="740884" cy="239573"/>
           </a:xfrm>
           <a:prstGeom prst="rect">
@@ -38465,7 +38465,7 @@
         </p:nvSpPr>
         <p:spPr>
           <a:xfrm>
-            <a:off x="8262916" y="5927639"/>
+            <a:off x="10485588" y="5927639"/>
             <a:ext cx="740884" cy="246927"/>
           </a:xfrm>
           <a:prstGeom prst="rect">
@@ -38502,7 +38502,7 @@
         </p:nvSpPr>
         <p:spPr>
           <a:xfrm>
-            <a:off x="8297061" y="5134626"/>
+            <a:off x="10519733" y="5134626"/>
             <a:ext cx="340927" cy="109342"/>
           </a:xfrm>
           <a:prstGeom prst="rect">
@@ -38540,7 +38540,7 @@
         </p:nvSpPr>
         <p:spPr>
           <a:xfrm>
-            <a:off x="7986713" y="5456336"/>
+            <a:off x="10209385" y="5456336"/>
             <a:ext cx="171450" cy="471303"/>
           </a:xfrm>
           <a:prstGeom prst="rightArrow">
@@ -40816,6 +40816,3860 @@
           </a:fontRef>
         </p:style>
       </p:cxnSp>
+      <p:sp>
+        <p:nvSpPr>
+          <p:cNvPr id="523" name="Rectangle 522">
+            <a:extLst>
+              <a:ext uri="{FF2B5EF4-FFF2-40B4-BE49-F238E27FC236}">
+                <a16:creationId xmlns:a16="http://schemas.microsoft.com/office/drawing/2014/main" id="{ACD05C72-BFB6-48C0-A866-964F63A64EA0}"/>
+              </a:ext>
+            </a:extLst>
+          </p:cNvPr>
+          <p:cNvSpPr/>
+          <p:nvPr/>
+        </p:nvSpPr>
+        <p:spPr>
+          <a:xfrm>
+            <a:off x="4904004" y="5081076"/>
+            <a:ext cx="1871906" cy="216034"/>
+          </a:xfrm>
+          <a:prstGeom prst="rect">
+            <a:avLst/>
+          </a:prstGeom>
+        </p:spPr>
+        <p:style>
+          <a:lnRef idx="2">
+            <a:schemeClr val="dk1"/>
+          </a:lnRef>
+          <a:fillRef idx="1">
+            <a:schemeClr val="lt1"/>
+          </a:fillRef>
+          <a:effectRef idx="0">
+            <a:schemeClr val="dk1"/>
+          </a:effectRef>
+          <a:fontRef idx="minor">
+            <a:schemeClr val="dk1"/>
+          </a:fontRef>
+        </p:style>
+        <p:txBody>
+          <a:bodyPr rtlCol="0" anchor="ctr"/>
+          <a:lstStyle/>
+          <a:p>
+            <a:endParaRPr lang="de-DE" dirty="0"/>
+          </a:p>
+        </p:txBody>
+      </p:sp>
+      <p:sp>
+        <p:nvSpPr>
+          <p:cNvPr id="524" name="Rectangle 523">
+            <a:extLst>
+              <a:ext uri="{FF2B5EF4-FFF2-40B4-BE49-F238E27FC236}">
+                <a16:creationId xmlns:a16="http://schemas.microsoft.com/office/drawing/2014/main" id="{51D5E725-B4D6-4AC7-8C57-EEA85F3B05D8}"/>
+              </a:ext>
+            </a:extLst>
+          </p:cNvPr>
+          <p:cNvSpPr/>
+          <p:nvPr/>
+        </p:nvSpPr>
+        <p:spPr>
+          <a:xfrm>
+            <a:off x="4830056" y="5021168"/>
+            <a:ext cx="2029770" cy="1215450"/>
+          </a:xfrm>
+          <a:prstGeom prst="rect">
+            <a:avLst/>
+          </a:prstGeom>
+          <a:noFill/>
+          <a:ln>
+            <a:prstDash val="dash"/>
+          </a:ln>
+        </p:spPr>
+        <p:style>
+          <a:lnRef idx="2">
+            <a:schemeClr val="accent1">
+              <a:shade val="50000"/>
+            </a:schemeClr>
+          </a:lnRef>
+          <a:fillRef idx="1">
+            <a:schemeClr val="accent1"/>
+          </a:fillRef>
+          <a:effectRef idx="0">
+            <a:schemeClr val="accent1"/>
+          </a:effectRef>
+          <a:fontRef idx="minor">
+            <a:schemeClr val="lt1"/>
+          </a:fontRef>
+        </p:style>
+        <p:txBody>
+          <a:bodyPr rtlCol="0" anchor="ctr"/>
+          <a:lstStyle/>
+          <a:p>
+            <a:pPr algn="ctr"/>
+            <a:endParaRPr lang="de-DE"/>
+          </a:p>
+        </p:txBody>
+      </p:sp>
+      <p:sp>
+        <p:nvSpPr>
+          <p:cNvPr id="525" name="Rectangle 524">
+            <a:extLst>
+              <a:ext uri="{FF2B5EF4-FFF2-40B4-BE49-F238E27FC236}">
+                <a16:creationId xmlns:a16="http://schemas.microsoft.com/office/drawing/2014/main" id="{055F3E9E-2BD6-4C18-82DA-F0D2B87C969E}"/>
+              </a:ext>
+            </a:extLst>
+          </p:cNvPr>
+          <p:cNvSpPr/>
+          <p:nvPr/>
+        </p:nvSpPr>
+        <p:spPr>
+          <a:xfrm>
+            <a:off x="6442862" y="5133058"/>
+            <a:ext cx="246961" cy="102100"/>
+          </a:xfrm>
+          <a:prstGeom prst="rect">
+            <a:avLst/>
+          </a:prstGeom>
+          <a:solidFill>
+            <a:schemeClr val="bg1">
+              <a:lumMod val="85000"/>
+            </a:schemeClr>
+          </a:solidFill>
+        </p:spPr>
+        <p:style>
+          <a:lnRef idx="2">
+            <a:schemeClr val="dk1"/>
+          </a:lnRef>
+          <a:fillRef idx="1">
+            <a:schemeClr val="lt1"/>
+          </a:fillRef>
+          <a:effectRef idx="0">
+            <a:schemeClr val="dk1"/>
+          </a:effectRef>
+          <a:fontRef idx="minor">
+            <a:schemeClr val="dk1"/>
+          </a:fontRef>
+        </p:style>
+        <p:txBody>
+          <a:bodyPr rtlCol="0" anchor="ctr"/>
+          <a:lstStyle/>
+          <a:p>
+            <a:pPr algn="ctr"/>
+            <a:endParaRPr lang="de-DE"/>
+          </a:p>
+        </p:txBody>
+      </p:sp>
+      <p:sp>
+        <p:nvSpPr>
+          <p:cNvPr id="526" name="Rectangle 525">
+            <a:extLst>
+              <a:ext uri="{FF2B5EF4-FFF2-40B4-BE49-F238E27FC236}">
+                <a16:creationId xmlns:a16="http://schemas.microsoft.com/office/drawing/2014/main" id="{EF8B9425-06F0-4598-81B7-54C589F00DB7}"/>
+              </a:ext>
+            </a:extLst>
+          </p:cNvPr>
+          <p:cNvSpPr/>
+          <p:nvPr/>
+        </p:nvSpPr>
+        <p:spPr>
+          <a:xfrm>
+            <a:off x="4904003" y="5440783"/>
+            <a:ext cx="406237" cy="249217"/>
+          </a:xfrm>
+          <a:prstGeom prst="rect">
+            <a:avLst/>
+          </a:prstGeom>
+        </p:spPr>
+        <p:style>
+          <a:lnRef idx="2">
+            <a:schemeClr val="dk1"/>
+          </a:lnRef>
+          <a:fillRef idx="1">
+            <a:schemeClr val="lt1"/>
+          </a:fillRef>
+          <a:effectRef idx="0">
+            <a:schemeClr val="dk1"/>
+          </a:effectRef>
+          <a:fontRef idx="minor">
+            <a:schemeClr val="dk1"/>
+          </a:fontRef>
+        </p:style>
+        <p:txBody>
+          <a:bodyPr rtlCol="0" anchor="ctr"/>
+          <a:lstStyle/>
+          <a:p>
+            <a:endParaRPr lang="de-DE" dirty="0"/>
+          </a:p>
+        </p:txBody>
+      </p:sp>
+      <p:sp>
+        <p:nvSpPr>
+          <p:cNvPr id="527" name="Rectangle 526">
+            <a:extLst>
+              <a:ext uri="{FF2B5EF4-FFF2-40B4-BE49-F238E27FC236}">
+                <a16:creationId xmlns:a16="http://schemas.microsoft.com/office/drawing/2014/main" id="{AE5A7A9A-3BA5-409D-8D1C-A768553E4898}"/>
+              </a:ext>
+            </a:extLst>
+          </p:cNvPr>
+          <p:cNvSpPr/>
+          <p:nvPr/>
+        </p:nvSpPr>
+        <p:spPr>
+          <a:xfrm>
+            <a:off x="5310240" y="5440783"/>
+            <a:ext cx="406237" cy="122333"/>
+          </a:xfrm>
+          <a:prstGeom prst="rect">
+            <a:avLst/>
+          </a:prstGeom>
+          <a:solidFill>
+            <a:schemeClr val="bg1">
+              <a:lumMod val="85000"/>
+            </a:schemeClr>
+          </a:solidFill>
+        </p:spPr>
+        <p:style>
+          <a:lnRef idx="2">
+            <a:schemeClr val="dk1"/>
+          </a:lnRef>
+          <a:fillRef idx="1">
+            <a:schemeClr val="lt1"/>
+          </a:fillRef>
+          <a:effectRef idx="0">
+            <a:schemeClr val="dk1"/>
+          </a:effectRef>
+          <a:fontRef idx="minor">
+            <a:schemeClr val="dk1"/>
+          </a:fontRef>
+        </p:style>
+        <p:txBody>
+          <a:bodyPr rtlCol="0" anchor="ctr"/>
+          <a:lstStyle/>
+          <a:p>
+            <a:endParaRPr lang="de-DE" dirty="0"/>
+          </a:p>
+        </p:txBody>
+      </p:sp>
+      <p:sp>
+        <p:nvSpPr>
+          <p:cNvPr id="528" name="Rectangle 527">
+            <a:extLst>
+              <a:ext uri="{FF2B5EF4-FFF2-40B4-BE49-F238E27FC236}">
+                <a16:creationId xmlns:a16="http://schemas.microsoft.com/office/drawing/2014/main" id="{30B7AC24-F92C-48EB-88B0-7428FB2990A6}"/>
+              </a:ext>
+            </a:extLst>
+          </p:cNvPr>
+          <p:cNvSpPr/>
+          <p:nvPr/>
+        </p:nvSpPr>
+        <p:spPr>
+          <a:xfrm>
+            <a:off x="5716477" y="5440783"/>
+            <a:ext cx="302186" cy="122333"/>
+          </a:xfrm>
+          <a:prstGeom prst="rect">
+            <a:avLst/>
+          </a:prstGeom>
+        </p:spPr>
+        <p:style>
+          <a:lnRef idx="2">
+            <a:schemeClr val="dk1"/>
+          </a:lnRef>
+          <a:fillRef idx="1">
+            <a:schemeClr val="lt1"/>
+          </a:fillRef>
+          <a:effectRef idx="0">
+            <a:schemeClr val="dk1"/>
+          </a:effectRef>
+          <a:fontRef idx="minor">
+            <a:schemeClr val="dk1"/>
+          </a:fontRef>
+        </p:style>
+        <p:txBody>
+          <a:bodyPr rtlCol="0" anchor="ctr"/>
+          <a:lstStyle/>
+          <a:p>
+            <a:pPr algn="r"/>
+            <a:endParaRPr lang="de-DE" sz="900" dirty="0"/>
+          </a:p>
+        </p:txBody>
+      </p:sp>
+      <p:sp>
+        <p:nvSpPr>
+          <p:cNvPr id="529" name="Rectangle 528">
+            <a:extLst>
+              <a:ext uri="{FF2B5EF4-FFF2-40B4-BE49-F238E27FC236}">
+                <a16:creationId xmlns:a16="http://schemas.microsoft.com/office/drawing/2014/main" id="{4279D668-0646-44FD-AE7B-D68E24C14B93}"/>
+              </a:ext>
+            </a:extLst>
+          </p:cNvPr>
+          <p:cNvSpPr/>
+          <p:nvPr/>
+        </p:nvSpPr>
+        <p:spPr>
+          <a:xfrm>
+            <a:off x="6528950" y="5440783"/>
+            <a:ext cx="246959" cy="122333"/>
+          </a:xfrm>
+          <a:prstGeom prst="rect">
+            <a:avLst/>
+          </a:prstGeom>
+        </p:spPr>
+        <p:style>
+          <a:lnRef idx="2">
+            <a:schemeClr val="dk1"/>
+          </a:lnRef>
+          <a:fillRef idx="1">
+            <a:schemeClr val="lt1"/>
+          </a:fillRef>
+          <a:effectRef idx="0">
+            <a:schemeClr val="dk1"/>
+          </a:effectRef>
+          <a:fontRef idx="minor">
+            <a:schemeClr val="dk1"/>
+          </a:fontRef>
+        </p:style>
+        <p:txBody>
+          <a:bodyPr rtlCol="0" anchor="ctr"/>
+          <a:lstStyle/>
+          <a:p>
+            <a:endParaRPr lang="de-DE" dirty="0"/>
+          </a:p>
+        </p:txBody>
+      </p:sp>
+      <p:sp>
+        <p:nvSpPr>
+          <p:cNvPr id="530" name="Rectangle 529">
+            <a:extLst>
+              <a:ext uri="{FF2B5EF4-FFF2-40B4-BE49-F238E27FC236}">
+                <a16:creationId xmlns:a16="http://schemas.microsoft.com/office/drawing/2014/main" id="{35227B91-AC4C-4F6C-9E05-F077797C588E}"/>
+              </a:ext>
+            </a:extLst>
+          </p:cNvPr>
+          <p:cNvSpPr/>
+          <p:nvPr/>
+        </p:nvSpPr>
+        <p:spPr>
+          <a:xfrm>
+            <a:off x="4904003" y="5324496"/>
+            <a:ext cx="406237" cy="116287"/>
+          </a:xfrm>
+          <a:prstGeom prst="rect">
+            <a:avLst/>
+          </a:prstGeom>
+          <a:solidFill>
+            <a:schemeClr val="bg1">
+              <a:lumMod val="85000"/>
+            </a:schemeClr>
+          </a:solidFill>
+        </p:spPr>
+        <p:style>
+          <a:lnRef idx="2">
+            <a:schemeClr val="dk1"/>
+          </a:lnRef>
+          <a:fillRef idx="1">
+            <a:schemeClr val="lt1"/>
+          </a:fillRef>
+          <a:effectRef idx="0">
+            <a:schemeClr val="dk1"/>
+          </a:effectRef>
+          <a:fontRef idx="minor">
+            <a:schemeClr val="dk1"/>
+          </a:fontRef>
+        </p:style>
+        <p:txBody>
+          <a:bodyPr rtlCol="0" anchor="ctr"/>
+          <a:lstStyle/>
+          <a:p>
+            <a:endParaRPr lang="de-DE" dirty="0"/>
+          </a:p>
+        </p:txBody>
+      </p:sp>
+      <p:sp>
+        <p:nvSpPr>
+          <p:cNvPr id="531" name="Rectangle 530">
+            <a:extLst>
+              <a:ext uri="{FF2B5EF4-FFF2-40B4-BE49-F238E27FC236}">
+                <a16:creationId xmlns:a16="http://schemas.microsoft.com/office/drawing/2014/main" id="{9B2FFC22-F77F-409E-B352-7278CA1D510E}"/>
+              </a:ext>
+            </a:extLst>
+          </p:cNvPr>
+          <p:cNvSpPr/>
+          <p:nvPr/>
+        </p:nvSpPr>
+        <p:spPr>
+          <a:xfrm>
+            <a:off x="5310239" y="5324496"/>
+            <a:ext cx="406237" cy="116287"/>
+          </a:xfrm>
+          <a:prstGeom prst="rect">
+            <a:avLst/>
+          </a:prstGeom>
+          <a:solidFill>
+            <a:schemeClr val="bg1">
+              <a:lumMod val="85000"/>
+            </a:schemeClr>
+          </a:solidFill>
+        </p:spPr>
+        <p:style>
+          <a:lnRef idx="2">
+            <a:schemeClr val="dk1"/>
+          </a:lnRef>
+          <a:fillRef idx="1">
+            <a:schemeClr val="lt1"/>
+          </a:fillRef>
+          <a:effectRef idx="0">
+            <a:schemeClr val="dk1"/>
+          </a:effectRef>
+          <a:fontRef idx="minor">
+            <a:schemeClr val="dk1"/>
+          </a:fontRef>
+        </p:style>
+        <p:txBody>
+          <a:bodyPr rtlCol="0" anchor="ctr"/>
+          <a:lstStyle/>
+          <a:p>
+            <a:endParaRPr lang="de-DE" dirty="0"/>
+          </a:p>
+        </p:txBody>
+      </p:sp>
+      <p:sp>
+        <p:nvSpPr>
+          <p:cNvPr id="532" name="Rectangle 531">
+            <a:extLst>
+              <a:ext uri="{FF2B5EF4-FFF2-40B4-BE49-F238E27FC236}">
+                <a16:creationId xmlns:a16="http://schemas.microsoft.com/office/drawing/2014/main" id="{770190F2-798E-4E0E-A274-BF3A481EE1FE}"/>
+              </a:ext>
+            </a:extLst>
+          </p:cNvPr>
+          <p:cNvSpPr/>
+          <p:nvPr/>
+        </p:nvSpPr>
+        <p:spPr>
+          <a:xfrm>
+            <a:off x="5716476" y="5324496"/>
+            <a:ext cx="302186" cy="116287"/>
+          </a:xfrm>
+          <a:prstGeom prst="rect">
+            <a:avLst/>
+          </a:prstGeom>
+          <a:solidFill>
+            <a:schemeClr val="bg1">
+              <a:lumMod val="85000"/>
+            </a:schemeClr>
+          </a:solidFill>
+        </p:spPr>
+        <p:style>
+          <a:lnRef idx="2">
+            <a:schemeClr val="dk1"/>
+          </a:lnRef>
+          <a:fillRef idx="1">
+            <a:schemeClr val="lt1"/>
+          </a:fillRef>
+          <a:effectRef idx="0">
+            <a:schemeClr val="dk1"/>
+          </a:effectRef>
+          <a:fontRef idx="minor">
+            <a:schemeClr val="dk1"/>
+          </a:fontRef>
+        </p:style>
+        <p:txBody>
+          <a:bodyPr rtlCol="0" anchor="ctr"/>
+          <a:lstStyle/>
+          <a:p>
+            <a:endParaRPr lang="de-DE" dirty="0"/>
+          </a:p>
+        </p:txBody>
+      </p:sp>
+      <p:sp>
+        <p:nvSpPr>
+          <p:cNvPr id="533" name="Rectangle 532">
+            <a:extLst>
+              <a:ext uri="{FF2B5EF4-FFF2-40B4-BE49-F238E27FC236}">
+                <a16:creationId xmlns:a16="http://schemas.microsoft.com/office/drawing/2014/main" id="{8647DF83-9248-42B9-8BAD-D0AE271CEDB7}"/>
+              </a:ext>
+            </a:extLst>
+          </p:cNvPr>
+          <p:cNvSpPr/>
+          <p:nvPr/>
+        </p:nvSpPr>
+        <p:spPr>
+          <a:xfrm>
+            <a:off x="6528948" y="5324497"/>
+            <a:ext cx="246962" cy="116286"/>
+          </a:xfrm>
+          <a:prstGeom prst="rect">
+            <a:avLst/>
+          </a:prstGeom>
+          <a:solidFill>
+            <a:schemeClr val="bg1">
+              <a:lumMod val="85000"/>
+            </a:schemeClr>
+          </a:solidFill>
+        </p:spPr>
+        <p:style>
+          <a:lnRef idx="2">
+            <a:schemeClr val="dk1"/>
+          </a:lnRef>
+          <a:fillRef idx="1">
+            <a:schemeClr val="lt1"/>
+          </a:fillRef>
+          <a:effectRef idx="0">
+            <a:schemeClr val="dk1"/>
+          </a:effectRef>
+          <a:fontRef idx="minor">
+            <a:schemeClr val="dk1"/>
+          </a:fontRef>
+        </p:style>
+        <p:txBody>
+          <a:bodyPr rtlCol="0" anchor="ctr"/>
+          <a:lstStyle/>
+          <a:p>
+            <a:endParaRPr lang="de-DE" dirty="0"/>
+          </a:p>
+        </p:txBody>
+      </p:sp>
+      <p:sp>
+        <p:nvSpPr>
+          <p:cNvPr id="538" name="Rectangle 537">
+            <a:extLst>
+              <a:ext uri="{FF2B5EF4-FFF2-40B4-BE49-F238E27FC236}">
+                <a16:creationId xmlns:a16="http://schemas.microsoft.com/office/drawing/2014/main" id="{B7B789FA-A19F-4D3F-A0A2-AED10E9AF4DE}"/>
+              </a:ext>
+            </a:extLst>
+          </p:cNvPr>
+          <p:cNvSpPr/>
+          <p:nvPr/>
+        </p:nvSpPr>
+        <p:spPr>
+          <a:xfrm>
+            <a:off x="5310240" y="5565933"/>
+            <a:ext cx="406237" cy="122333"/>
+          </a:xfrm>
+          <a:prstGeom prst="rect">
+            <a:avLst/>
+          </a:prstGeom>
+          <a:solidFill>
+            <a:schemeClr val="bg1">
+              <a:lumMod val="85000"/>
+            </a:schemeClr>
+          </a:solidFill>
+        </p:spPr>
+        <p:style>
+          <a:lnRef idx="2">
+            <a:schemeClr val="dk1"/>
+          </a:lnRef>
+          <a:fillRef idx="1">
+            <a:schemeClr val="lt1"/>
+          </a:fillRef>
+          <a:effectRef idx="0">
+            <a:schemeClr val="dk1"/>
+          </a:effectRef>
+          <a:fontRef idx="minor">
+            <a:schemeClr val="dk1"/>
+          </a:fontRef>
+        </p:style>
+        <p:txBody>
+          <a:bodyPr rtlCol="0" anchor="ctr"/>
+          <a:lstStyle/>
+          <a:p>
+            <a:endParaRPr lang="de-DE" dirty="0"/>
+          </a:p>
+        </p:txBody>
+      </p:sp>
+      <p:sp>
+        <p:nvSpPr>
+          <p:cNvPr id="539" name="Rectangle 538">
+            <a:extLst>
+              <a:ext uri="{FF2B5EF4-FFF2-40B4-BE49-F238E27FC236}">
+                <a16:creationId xmlns:a16="http://schemas.microsoft.com/office/drawing/2014/main" id="{05DD38AE-6CA9-4782-BA44-0E0A457877EA}"/>
+              </a:ext>
+            </a:extLst>
+          </p:cNvPr>
+          <p:cNvSpPr/>
+          <p:nvPr/>
+        </p:nvSpPr>
+        <p:spPr>
+          <a:xfrm>
+            <a:off x="5716477" y="5565933"/>
+            <a:ext cx="302186" cy="122333"/>
+          </a:xfrm>
+          <a:prstGeom prst="rect">
+            <a:avLst/>
+          </a:prstGeom>
+        </p:spPr>
+        <p:style>
+          <a:lnRef idx="2">
+            <a:schemeClr val="dk1"/>
+          </a:lnRef>
+          <a:fillRef idx="1">
+            <a:schemeClr val="lt1"/>
+          </a:fillRef>
+          <a:effectRef idx="0">
+            <a:schemeClr val="dk1"/>
+          </a:effectRef>
+          <a:fontRef idx="minor">
+            <a:schemeClr val="dk1"/>
+          </a:fontRef>
+        </p:style>
+        <p:txBody>
+          <a:bodyPr rtlCol="0" anchor="ctr"/>
+          <a:lstStyle/>
+          <a:p>
+            <a:pPr algn="r"/>
+            <a:endParaRPr lang="de-DE" sz="900" dirty="0"/>
+          </a:p>
+        </p:txBody>
+      </p:sp>
+      <p:sp>
+        <p:nvSpPr>
+          <p:cNvPr id="540" name="Rectangle 539">
+            <a:extLst>
+              <a:ext uri="{FF2B5EF4-FFF2-40B4-BE49-F238E27FC236}">
+                <a16:creationId xmlns:a16="http://schemas.microsoft.com/office/drawing/2014/main" id="{60826B7C-F2D6-44B1-ABCB-6239D5BF4BDA}"/>
+              </a:ext>
+            </a:extLst>
+          </p:cNvPr>
+          <p:cNvSpPr/>
+          <p:nvPr/>
+        </p:nvSpPr>
+        <p:spPr>
+          <a:xfrm>
+            <a:off x="6528950" y="5565933"/>
+            <a:ext cx="246959" cy="122333"/>
+          </a:xfrm>
+          <a:prstGeom prst="rect">
+            <a:avLst/>
+          </a:prstGeom>
+        </p:spPr>
+        <p:style>
+          <a:lnRef idx="2">
+            <a:schemeClr val="dk1"/>
+          </a:lnRef>
+          <a:fillRef idx="1">
+            <a:schemeClr val="lt1"/>
+          </a:fillRef>
+          <a:effectRef idx="0">
+            <a:schemeClr val="dk1"/>
+          </a:effectRef>
+          <a:fontRef idx="minor">
+            <a:schemeClr val="dk1"/>
+          </a:fontRef>
+        </p:style>
+        <p:txBody>
+          <a:bodyPr rtlCol="0" anchor="ctr"/>
+          <a:lstStyle/>
+          <a:p>
+            <a:endParaRPr lang="de-DE" dirty="0"/>
+          </a:p>
+        </p:txBody>
+      </p:sp>
+      <p:sp>
+        <p:nvSpPr>
+          <p:cNvPr id="542" name="Rectangle 541">
+            <a:extLst>
+              <a:ext uri="{FF2B5EF4-FFF2-40B4-BE49-F238E27FC236}">
+                <a16:creationId xmlns:a16="http://schemas.microsoft.com/office/drawing/2014/main" id="{DCD15816-D55F-414A-8006-483793E294AA}"/>
+              </a:ext>
+            </a:extLst>
+          </p:cNvPr>
+          <p:cNvSpPr/>
+          <p:nvPr/>
+        </p:nvSpPr>
+        <p:spPr>
+          <a:xfrm>
+            <a:off x="4904003" y="5686332"/>
+            <a:ext cx="406237" cy="250392"/>
+          </a:xfrm>
+          <a:prstGeom prst="rect">
+            <a:avLst/>
+          </a:prstGeom>
+        </p:spPr>
+        <p:style>
+          <a:lnRef idx="2">
+            <a:schemeClr val="dk1"/>
+          </a:lnRef>
+          <a:fillRef idx="1">
+            <a:schemeClr val="lt1"/>
+          </a:fillRef>
+          <a:effectRef idx="0">
+            <a:schemeClr val="dk1"/>
+          </a:effectRef>
+          <a:fontRef idx="minor">
+            <a:schemeClr val="dk1"/>
+          </a:fontRef>
+        </p:style>
+        <p:txBody>
+          <a:bodyPr rtlCol="0" anchor="ctr"/>
+          <a:lstStyle/>
+          <a:p>
+            <a:endParaRPr lang="de-DE" dirty="0"/>
+          </a:p>
+        </p:txBody>
+      </p:sp>
+      <p:sp>
+        <p:nvSpPr>
+          <p:cNvPr id="543" name="Rectangle 542">
+            <a:extLst>
+              <a:ext uri="{FF2B5EF4-FFF2-40B4-BE49-F238E27FC236}">
+                <a16:creationId xmlns:a16="http://schemas.microsoft.com/office/drawing/2014/main" id="{6D799457-5C8C-4234-BE61-A100BDC82BA6}"/>
+              </a:ext>
+            </a:extLst>
+          </p:cNvPr>
+          <p:cNvSpPr/>
+          <p:nvPr/>
+        </p:nvSpPr>
+        <p:spPr>
+          <a:xfrm>
+            <a:off x="5310240" y="5686332"/>
+            <a:ext cx="406237" cy="122333"/>
+          </a:xfrm>
+          <a:prstGeom prst="rect">
+            <a:avLst/>
+          </a:prstGeom>
+          <a:solidFill>
+            <a:schemeClr val="bg1">
+              <a:lumMod val="85000"/>
+            </a:schemeClr>
+          </a:solidFill>
+        </p:spPr>
+        <p:style>
+          <a:lnRef idx="2">
+            <a:schemeClr val="dk1"/>
+          </a:lnRef>
+          <a:fillRef idx="1">
+            <a:schemeClr val="lt1"/>
+          </a:fillRef>
+          <a:effectRef idx="0">
+            <a:schemeClr val="dk1"/>
+          </a:effectRef>
+          <a:fontRef idx="minor">
+            <a:schemeClr val="dk1"/>
+          </a:fontRef>
+        </p:style>
+        <p:txBody>
+          <a:bodyPr rtlCol="0" anchor="ctr"/>
+          <a:lstStyle/>
+          <a:p>
+            <a:endParaRPr lang="de-DE" dirty="0"/>
+          </a:p>
+        </p:txBody>
+      </p:sp>
+      <p:sp>
+        <p:nvSpPr>
+          <p:cNvPr id="544" name="Rectangle 543">
+            <a:extLst>
+              <a:ext uri="{FF2B5EF4-FFF2-40B4-BE49-F238E27FC236}">
+                <a16:creationId xmlns:a16="http://schemas.microsoft.com/office/drawing/2014/main" id="{FD5FF161-894B-40CC-AAB5-CE37C9AB5885}"/>
+              </a:ext>
+            </a:extLst>
+          </p:cNvPr>
+          <p:cNvSpPr/>
+          <p:nvPr/>
+        </p:nvSpPr>
+        <p:spPr>
+          <a:xfrm>
+            <a:off x="5716477" y="5686332"/>
+            <a:ext cx="302186" cy="122333"/>
+          </a:xfrm>
+          <a:prstGeom prst="rect">
+            <a:avLst/>
+          </a:prstGeom>
+        </p:spPr>
+        <p:style>
+          <a:lnRef idx="2">
+            <a:schemeClr val="dk1"/>
+          </a:lnRef>
+          <a:fillRef idx="1">
+            <a:schemeClr val="lt1"/>
+          </a:fillRef>
+          <a:effectRef idx="0">
+            <a:schemeClr val="dk1"/>
+          </a:effectRef>
+          <a:fontRef idx="minor">
+            <a:schemeClr val="dk1"/>
+          </a:fontRef>
+        </p:style>
+        <p:txBody>
+          <a:bodyPr rtlCol="0" anchor="ctr"/>
+          <a:lstStyle/>
+          <a:p>
+            <a:pPr algn="r"/>
+            <a:endParaRPr lang="de-DE" sz="900" dirty="0"/>
+          </a:p>
+        </p:txBody>
+      </p:sp>
+      <p:sp>
+        <p:nvSpPr>
+          <p:cNvPr id="545" name="Rectangle 544">
+            <a:extLst>
+              <a:ext uri="{FF2B5EF4-FFF2-40B4-BE49-F238E27FC236}">
+                <a16:creationId xmlns:a16="http://schemas.microsoft.com/office/drawing/2014/main" id="{C561F82E-D34E-4673-8F95-160EDD11533A}"/>
+              </a:ext>
+            </a:extLst>
+          </p:cNvPr>
+          <p:cNvSpPr/>
+          <p:nvPr/>
+        </p:nvSpPr>
+        <p:spPr>
+          <a:xfrm>
+            <a:off x="6528950" y="5686332"/>
+            <a:ext cx="246959" cy="122333"/>
+          </a:xfrm>
+          <a:prstGeom prst="rect">
+            <a:avLst/>
+          </a:prstGeom>
+        </p:spPr>
+        <p:style>
+          <a:lnRef idx="2">
+            <a:schemeClr val="dk1"/>
+          </a:lnRef>
+          <a:fillRef idx="1">
+            <a:schemeClr val="lt1"/>
+          </a:fillRef>
+          <a:effectRef idx="0">
+            <a:schemeClr val="dk1"/>
+          </a:effectRef>
+          <a:fontRef idx="minor">
+            <a:schemeClr val="dk1"/>
+          </a:fontRef>
+        </p:style>
+        <p:txBody>
+          <a:bodyPr rtlCol="0" anchor="ctr"/>
+          <a:lstStyle/>
+          <a:p>
+            <a:endParaRPr lang="de-DE" dirty="0"/>
+          </a:p>
+        </p:txBody>
+      </p:sp>
+      <p:sp>
+        <p:nvSpPr>
+          <p:cNvPr id="548" name="Rectangle 547">
+            <a:extLst>
+              <a:ext uri="{FF2B5EF4-FFF2-40B4-BE49-F238E27FC236}">
+                <a16:creationId xmlns:a16="http://schemas.microsoft.com/office/drawing/2014/main" id="{87E0B4CA-B68B-401E-8A34-EA0222EF4805}"/>
+              </a:ext>
+            </a:extLst>
+          </p:cNvPr>
+          <p:cNvSpPr/>
+          <p:nvPr/>
+        </p:nvSpPr>
+        <p:spPr>
+          <a:xfrm>
+            <a:off x="5310240" y="5805774"/>
+            <a:ext cx="406237" cy="122333"/>
+          </a:xfrm>
+          <a:prstGeom prst="rect">
+            <a:avLst/>
+          </a:prstGeom>
+          <a:solidFill>
+            <a:schemeClr val="bg1">
+              <a:lumMod val="85000"/>
+            </a:schemeClr>
+          </a:solidFill>
+        </p:spPr>
+        <p:style>
+          <a:lnRef idx="2">
+            <a:schemeClr val="dk1"/>
+          </a:lnRef>
+          <a:fillRef idx="1">
+            <a:schemeClr val="lt1"/>
+          </a:fillRef>
+          <a:effectRef idx="0">
+            <a:schemeClr val="dk1"/>
+          </a:effectRef>
+          <a:fontRef idx="minor">
+            <a:schemeClr val="dk1"/>
+          </a:fontRef>
+        </p:style>
+        <p:txBody>
+          <a:bodyPr rtlCol="0" anchor="ctr"/>
+          <a:lstStyle/>
+          <a:p>
+            <a:endParaRPr lang="de-DE" dirty="0"/>
+          </a:p>
+        </p:txBody>
+      </p:sp>
+      <p:sp>
+        <p:nvSpPr>
+          <p:cNvPr id="549" name="Rectangle 548">
+            <a:extLst>
+              <a:ext uri="{FF2B5EF4-FFF2-40B4-BE49-F238E27FC236}">
+                <a16:creationId xmlns:a16="http://schemas.microsoft.com/office/drawing/2014/main" id="{F737AACD-8E15-4E8C-90DC-65441187463F}"/>
+              </a:ext>
+            </a:extLst>
+          </p:cNvPr>
+          <p:cNvSpPr/>
+          <p:nvPr/>
+        </p:nvSpPr>
+        <p:spPr>
+          <a:xfrm>
+            <a:off x="5716477" y="5805774"/>
+            <a:ext cx="302186" cy="122333"/>
+          </a:xfrm>
+          <a:prstGeom prst="rect">
+            <a:avLst/>
+          </a:prstGeom>
+        </p:spPr>
+        <p:style>
+          <a:lnRef idx="2">
+            <a:schemeClr val="dk1"/>
+          </a:lnRef>
+          <a:fillRef idx="1">
+            <a:schemeClr val="lt1"/>
+          </a:fillRef>
+          <a:effectRef idx="0">
+            <a:schemeClr val="dk1"/>
+          </a:effectRef>
+          <a:fontRef idx="minor">
+            <a:schemeClr val="dk1"/>
+          </a:fontRef>
+        </p:style>
+        <p:txBody>
+          <a:bodyPr rtlCol="0" anchor="ctr"/>
+          <a:lstStyle/>
+          <a:p>
+            <a:pPr algn="r"/>
+            <a:endParaRPr lang="de-DE" sz="900" dirty="0"/>
+          </a:p>
+        </p:txBody>
+      </p:sp>
+      <p:sp>
+        <p:nvSpPr>
+          <p:cNvPr id="550" name="Rectangle 549">
+            <a:extLst>
+              <a:ext uri="{FF2B5EF4-FFF2-40B4-BE49-F238E27FC236}">
+                <a16:creationId xmlns:a16="http://schemas.microsoft.com/office/drawing/2014/main" id="{A032F166-0A6F-4EA0-8E5B-959B074D674F}"/>
+              </a:ext>
+            </a:extLst>
+          </p:cNvPr>
+          <p:cNvSpPr/>
+          <p:nvPr/>
+        </p:nvSpPr>
+        <p:spPr>
+          <a:xfrm>
+            <a:off x="6528950" y="5805774"/>
+            <a:ext cx="246959" cy="122333"/>
+          </a:xfrm>
+          <a:prstGeom prst="rect">
+            <a:avLst/>
+          </a:prstGeom>
+        </p:spPr>
+        <p:style>
+          <a:lnRef idx="2">
+            <a:schemeClr val="dk1"/>
+          </a:lnRef>
+          <a:fillRef idx="1">
+            <a:schemeClr val="lt1"/>
+          </a:fillRef>
+          <a:effectRef idx="0">
+            <a:schemeClr val="dk1"/>
+          </a:effectRef>
+          <a:fontRef idx="minor">
+            <a:schemeClr val="dk1"/>
+          </a:fontRef>
+        </p:style>
+        <p:txBody>
+          <a:bodyPr rtlCol="0" anchor="ctr"/>
+          <a:lstStyle/>
+          <a:p>
+            <a:endParaRPr lang="de-DE" dirty="0"/>
+          </a:p>
+        </p:txBody>
+      </p:sp>
+      <p:sp>
+        <p:nvSpPr>
+          <p:cNvPr id="661" name="Rectangle 660">
+            <a:extLst>
+              <a:ext uri="{FF2B5EF4-FFF2-40B4-BE49-F238E27FC236}">
+                <a16:creationId xmlns:a16="http://schemas.microsoft.com/office/drawing/2014/main" id="{CCD7BB6D-A3B2-487E-A75E-34B8B0A248BB}"/>
+              </a:ext>
+            </a:extLst>
+          </p:cNvPr>
+          <p:cNvSpPr/>
+          <p:nvPr/>
+        </p:nvSpPr>
+        <p:spPr>
+          <a:xfrm>
+            <a:off x="4904002" y="5924438"/>
+            <a:ext cx="406237" cy="241775"/>
+          </a:xfrm>
+          <a:prstGeom prst="rect">
+            <a:avLst/>
+          </a:prstGeom>
+        </p:spPr>
+        <p:style>
+          <a:lnRef idx="2">
+            <a:schemeClr val="dk1"/>
+          </a:lnRef>
+          <a:fillRef idx="1">
+            <a:schemeClr val="lt1"/>
+          </a:fillRef>
+          <a:effectRef idx="0">
+            <a:schemeClr val="dk1"/>
+          </a:effectRef>
+          <a:fontRef idx="minor">
+            <a:schemeClr val="dk1"/>
+          </a:fontRef>
+        </p:style>
+        <p:txBody>
+          <a:bodyPr rtlCol="0" anchor="ctr"/>
+          <a:lstStyle/>
+          <a:p>
+            <a:endParaRPr lang="de-DE" dirty="0"/>
+          </a:p>
+        </p:txBody>
+      </p:sp>
+      <p:sp>
+        <p:nvSpPr>
+          <p:cNvPr id="665" name="Rectangle 664">
+            <a:extLst>
+              <a:ext uri="{FF2B5EF4-FFF2-40B4-BE49-F238E27FC236}">
+                <a16:creationId xmlns:a16="http://schemas.microsoft.com/office/drawing/2014/main" id="{290E092D-0797-4B1F-B3B3-0E7B34DBFABC}"/>
+              </a:ext>
+            </a:extLst>
+          </p:cNvPr>
+          <p:cNvSpPr/>
+          <p:nvPr/>
+        </p:nvSpPr>
+        <p:spPr>
+          <a:xfrm>
+            <a:off x="5310239" y="5924439"/>
+            <a:ext cx="406237" cy="122333"/>
+          </a:xfrm>
+          <a:prstGeom prst="rect">
+            <a:avLst/>
+          </a:prstGeom>
+          <a:solidFill>
+            <a:schemeClr val="bg1">
+              <a:lumMod val="85000"/>
+            </a:schemeClr>
+          </a:solidFill>
+        </p:spPr>
+        <p:style>
+          <a:lnRef idx="2">
+            <a:schemeClr val="dk1"/>
+          </a:lnRef>
+          <a:fillRef idx="1">
+            <a:schemeClr val="lt1"/>
+          </a:fillRef>
+          <a:effectRef idx="0">
+            <a:schemeClr val="dk1"/>
+          </a:effectRef>
+          <a:fontRef idx="minor">
+            <a:schemeClr val="dk1"/>
+          </a:fontRef>
+        </p:style>
+        <p:txBody>
+          <a:bodyPr rtlCol="0" anchor="ctr"/>
+          <a:lstStyle/>
+          <a:p>
+            <a:endParaRPr lang="de-DE" dirty="0"/>
+          </a:p>
+        </p:txBody>
+      </p:sp>
+      <p:sp>
+        <p:nvSpPr>
+          <p:cNvPr id="670" name="Rectangle 669">
+            <a:extLst>
+              <a:ext uri="{FF2B5EF4-FFF2-40B4-BE49-F238E27FC236}">
+                <a16:creationId xmlns:a16="http://schemas.microsoft.com/office/drawing/2014/main" id="{CCDDA10B-D1D1-467D-BEB7-8B44FD3D0DF5}"/>
+              </a:ext>
+            </a:extLst>
+          </p:cNvPr>
+          <p:cNvSpPr/>
+          <p:nvPr/>
+        </p:nvSpPr>
+        <p:spPr>
+          <a:xfrm>
+            <a:off x="5716476" y="5924439"/>
+            <a:ext cx="302186" cy="122333"/>
+          </a:xfrm>
+          <a:prstGeom prst="rect">
+            <a:avLst/>
+          </a:prstGeom>
+        </p:spPr>
+        <p:style>
+          <a:lnRef idx="2">
+            <a:schemeClr val="dk1"/>
+          </a:lnRef>
+          <a:fillRef idx="1">
+            <a:schemeClr val="lt1"/>
+          </a:fillRef>
+          <a:effectRef idx="0">
+            <a:schemeClr val="dk1"/>
+          </a:effectRef>
+          <a:fontRef idx="minor">
+            <a:schemeClr val="dk1"/>
+          </a:fontRef>
+        </p:style>
+        <p:txBody>
+          <a:bodyPr rtlCol="0" anchor="ctr"/>
+          <a:lstStyle/>
+          <a:p>
+            <a:pPr algn="r"/>
+            <a:endParaRPr lang="de-DE" sz="900" dirty="0"/>
+          </a:p>
+        </p:txBody>
+      </p:sp>
+      <p:sp>
+        <p:nvSpPr>
+          <p:cNvPr id="675" name="Rectangle 674">
+            <a:extLst>
+              <a:ext uri="{FF2B5EF4-FFF2-40B4-BE49-F238E27FC236}">
+                <a16:creationId xmlns:a16="http://schemas.microsoft.com/office/drawing/2014/main" id="{686B0004-1282-47AF-A8E9-26824FE7F63A}"/>
+              </a:ext>
+            </a:extLst>
+          </p:cNvPr>
+          <p:cNvSpPr/>
+          <p:nvPr/>
+        </p:nvSpPr>
+        <p:spPr>
+          <a:xfrm>
+            <a:off x="6528949" y="5924439"/>
+            <a:ext cx="246959" cy="122333"/>
+          </a:xfrm>
+          <a:prstGeom prst="rect">
+            <a:avLst/>
+          </a:prstGeom>
+        </p:spPr>
+        <p:style>
+          <a:lnRef idx="2">
+            <a:schemeClr val="dk1"/>
+          </a:lnRef>
+          <a:fillRef idx="1">
+            <a:schemeClr val="lt1"/>
+          </a:fillRef>
+          <a:effectRef idx="0">
+            <a:schemeClr val="dk1"/>
+          </a:effectRef>
+          <a:fontRef idx="minor">
+            <a:schemeClr val="dk1"/>
+          </a:fontRef>
+        </p:style>
+        <p:txBody>
+          <a:bodyPr rtlCol="0" anchor="ctr"/>
+          <a:lstStyle/>
+          <a:p>
+            <a:endParaRPr lang="de-DE" dirty="0"/>
+          </a:p>
+        </p:txBody>
+      </p:sp>
+      <p:sp>
+        <p:nvSpPr>
+          <p:cNvPr id="734" name="Rectangle 733">
+            <a:extLst>
+              <a:ext uri="{FF2B5EF4-FFF2-40B4-BE49-F238E27FC236}">
+                <a16:creationId xmlns:a16="http://schemas.microsoft.com/office/drawing/2014/main" id="{2C22A565-8CAD-4370-8956-0664F0217B50}"/>
+              </a:ext>
+            </a:extLst>
+          </p:cNvPr>
+          <p:cNvSpPr/>
+          <p:nvPr/>
+        </p:nvSpPr>
+        <p:spPr>
+          <a:xfrm>
+            <a:off x="5310239" y="6043881"/>
+            <a:ext cx="406237" cy="122333"/>
+          </a:xfrm>
+          <a:prstGeom prst="rect">
+            <a:avLst/>
+          </a:prstGeom>
+          <a:solidFill>
+            <a:schemeClr val="bg1">
+              <a:lumMod val="85000"/>
+            </a:schemeClr>
+          </a:solidFill>
+        </p:spPr>
+        <p:style>
+          <a:lnRef idx="2">
+            <a:schemeClr val="dk1"/>
+          </a:lnRef>
+          <a:fillRef idx="1">
+            <a:schemeClr val="lt1"/>
+          </a:fillRef>
+          <a:effectRef idx="0">
+            <a:schemeClr val="dk1"/>
+          </a:effectRef>
+          <a:fontRef idx="minor">
+            <a:schemeClr val="dk1"/>
+          </a:fontRef>
+        </p:style>
+        <p:txBody>
+          <a:bodyPr rtlCol="0" anchor="ctr"/>
+          <a:lstStyle/>
+          <a:p>
+            <a:endParaRPr lang="de-DE" dirty="0"/>
+          </a:p>
+        </p:txBody>
+      </p:sp>
+      <p:sp>
+        <p:nvSpPr>
+          <p:cNvPr id="735" name="Rectangle 734">
+            <a:extLst>
+              <a:ext uri="{FF2B5EF4-FFF2-40B4-BE49-F238E27FC236}">
+                <a16:creationId xmlns:a16="http://schemas.microsoft.com/office/drawing/2014/main" id="{A8599A6B-146B-405E-A4C9-711D028D3119}"/>
+              </a:ext>
+            </a:extLst>
+          </p:cNvPr>
+          <p:cNvSpPr/>
+          <p:nvPr/>
+        </p:nvSpPr>
+        <p:spPr>
+          <a:xfrm>
+            <a:off x="5716476" y="6043881"/>
+            <a:ext cx="302186" cy="122333"/>
+          </a:xfrm>
+          <a:prstGeom prst="rect">
+            <a:avLst/>
+          </a:prstGeom>
+        </p:spPr>
+        <p:style>
+          <a:lnRef idx="2">
+            <a:schemeClr val="dk1"/>
+          </a:lnRef>
+          <a:fillRef idx="1">
+            <a:schemeClr val="lt1"/>
+          </a:fillRef>
+          <a:effectRef idx="0">
+            <a:schemeClr val="dk1"/>
+          </a:effectRef>
+          <a:fontRef idx="minor">
+            <a:schemeClr val="dk1"/>
+          </a:fontRef>
+        </p:style>
+        <p:txBody>
+          <a:bodyPr rtlCol="0" anchor="ctr"/>
+          <a:lstStyle/>
+          <a:p>
+            <a:pPr algn="r"/>
+            <a:endParaRPr lang="de-DE" sz="900" dirty="0"/>
+          </a:p>
+        </p:txBody>
+      </p:sp>
+      <p:sp>
+        <p:nvSpPr>
+          <p:cNvPr id="736" name="Rectangle 735">
+            <a:extLst>
+              <a:ext uri="{FF2B5EF4-FFF2-40B4-BE49-F238E27FC236}">
+                <a16:creationId xmlns:a16="http://schemas.microsoft.com/office/drawing/2014/main" id="{8B4393AB-F5F7-4E29-9087-A36A6540D766}"/>
+              </a:ext>
+            </a:extLst>
+          </p:cNvPr>
+          <p:cNvSpPr/>
+          <p:nvPr/>
+        </p:nvSpPr>
+        <p:spPr>
+          <a:xfrm>
+            <a:off x="6528949" y="6043881"/>
+            <a:ext cx="246959" cy="122333"/>
+          </a:xfrm>
+          <a:prstGeom prst="rect">
+            <a:avLst/>
+          </a:prstGeom>
+        </p:spPr>
+        <p:style>
+          <a:lnRef idx="2">
+            <a:schemeClr val="dk1"/>
+          </a:lnRef>
+          <a:fillRef idx="1">
+            <a:schemeClr val="lt1"/>
+          </a:fillRef>
+          <a:effectRef idx="0">
+            <a:schemeClr val="dk1"/>
+          </a:effectRef>
+          <a:fontRef idx="minor">
+            <a:schemeClr val="dk1"/>
+          </a:fontRef>
+        </p:style>
+        <p:txBody>
+          <a:bodyPr rtlCol="0" anchor="ctr"/>
+          <a:lstStyle/>
+          <a:p>
+            <a:endParaRPr lang="de-DE" dirty="0"/>
+          </a:p>
+        </p:txBody>
+      </p:sp>
+      <p:sp>
+        <p:nvSpPr>
+          <p:cNvPr id="738" name="Rectangle 737">
+            <a:extLst>
+              <a:ext uri="{FF2B5EF4-FFF2-40B4-BE49-F238E27FC236}">
+                <a16:creationId xmlns:a16="http://schemas.microsoft.com/office/drawing/2014/main" id="{2630C731-F5C1-4BBF-8879-885AE1204B58}"/>
+              </a:ext>
+            </a:extLst>
+          </p:cNvPr>
+          <p:cNvSpPr/>
+          <p:nvPr/>
+        </p:nvSpPr>
+        <p:spPr>
+          <a:xfrm>
+            <a:off x="6017698" y="5440783"/>
+            <a:ext cx="302186" cy="122333"/>
+          </a:xfrm>
+          <a:prstGeom prst="rect">
+            <a:avLst/>
+          </a:prstGeom>
+        </p:spPr>
+        <p:style>
+          <a:lnRef idx="2">
+            <a:schemeClr val="dk1"/>
+          </a:lnRef>
+          <a:fillRef idx="1">
+            <a:schemeClr val="lt1"/>
+          </a:fillRef>
+          <a:effectRef idx="0">
+            <a:schemeClr val="dk1"/>
+          </a:effectRef>
+          <a:fontRef idx="minor">
+            <a:schemeClr val="dk1"/>
+          </a:fontRef>
+        </p:style>
+        <p:txBody>
+          <a:bodyPr rtlCol="0" anchor="ctr"/>
+          <a:lstStyle/>
+          <a:p>
+            <a:pPr algn="r"/>
+            <a:endParaRPr lang="de-DE" sz="900" dirty="0"/>
+          </a:p>
+        </p:txBody>
+      </p:sp>
+      <p:sp>
+        <p:nvSpPr>
+          <p:cNvPr id="739" name="Rectangle 738">
+            <a:extLst>
+              <a:ext uri="{FF2B5EF4-FFF2-40B4-BE49-F238E27FC236}">
+                <a16:creationId xmlns:a16="http://schemas.microsoft.com/office/drawing/2014/main" id="{B59C8982-302F-44B7-AC24-0B01F9CA8D7A}"/>
+              </a:ext>
+            </a:extLst>
+          </p:cNvPr>
+          <p:cNvSpPr/>
+          <p:nvPr/>
+        </p:nvSpPr>
+        <p:spPr>
+          <a:xfrm>
+            <a:off x="6017697" y="5324496"/>
+            <a:ext cx="302186" cy="116287"/>
+          </a:xfrm>
+          <a:prstGeom prst="rect">
+            <a:avLst/>
+          </a:prstGeom>
+          <a:solidFill>
+            <a:schemeClr val="bg1">
+              <a:lumMod val="85000"/>
+            </a:schemeClr>
+          </a:solidFill>
+        </p:spPr>
+        <p:style>
+          <a:lnRef idx="2">
+            <a:schemeClr val="dk1"/>
+          </a:lnRef>
+          <a:fillRef idx="1">
+            <a:schemeClr val="lt1"/>
+          </a:fillRef>
+          <a:effectRef idx="0">
+            <a:schemeClr val="dk1"/>
+          </a:effectRef>
+          <a:fontRef idx="minor">
+            <a:schemeClr val="dk1"/>
+          </a:fontRef>
+        </p:style>
+        <p:txBody>
+          <a:bodyPr rtlCol="0" anchor="ctr"/>
+          <a:lstStyle/>
+          <a:p>
+            <a:endParaRPr lang="de-DE" dirty="0"/>
+          </a:p>
+        </p:txBody>
+      </p:sp>
+      <p:sp>
+        <p:nvSpPr>
+          <p:cNvPr id="740" name="Rectangle 739">
+            <a:extLst>
+              <a:ext uri="{FF2B5EF4-FFF2-40B4-BE49-F238E27FC236}">
+                <a16:creationId xmlns:a16="http://schemas.microsoft.com/office/drawing/2014/main" id="{19B768A4-1D16-4AFE-B5B7-D52EE88E6EA3}"/>
+              </a:ext>
+            </a:extLst>
+          </p:cNvPr>
+          <p:cNvSpPr/>
+          <p:nvPr/>
+        </p:nvSpPr>
+        <p:spPr>
+          <a:xfrm>
+            <a:off x="6017698" y="5565933"/>
+            <a:ext cx="302186" cy="122333"/>
+          </a:xfrm>
+          <a:prstGeom prst="rect">
+            <a:avLst/>
+          </a:prstGeom>
+        </p:spPr>
+        <p:style>
+          <a:lnRef idx="2">
+            <a:schemeClr val="dk1"/>
+          </a:lnRef>
+          <a:fillRef idx="1">
+            <a:schemeClr val="lt1"/>
+          </a:fillRef>
+          <a:effectRef idx="0">
+            <a:schemeClr val="dk1"/>
+          </a:effectRef>
+          <a:fontRef idx="minor">
+            <a:schemeClr val="dk1"/>
+          </a:fontRef>
+        </p:style>
+        <p:txBody>
+          <a:bodyPr rtlCol="0" anchor="ctr"/>
+          <a:lstStyle/>
+          <a:p>
+            <a:pPr algn="r"/>
+            <a:endParaRPr lang="de-DE" sz="900" dirty="0"/>
+          </a:p>
+        </p:txBody>
+      </p:sp>
+      <p:sp>
+        <p:nvSpPr>
+          <p:cNvPr id="741" name="Rectangle 740">
+            <a:extLst>
+              <a:ext uri="{FF2B5EF4-FFF2-40B4-BE49-F238E27FC236}">
+                <a16:creationId xmlns:a16="http://schemas.microsoft.com/office/drawing/2014/main" id="{8501856F-3D60-44CB-B39D-8D2DF7218311}"/>
+              </a:ext>
+            </a:extLst>
+          </p:cNvPr>
+          <p:cNvSpPr/>
+          <p:nvPr/>
+        </p:nvSpPr>
+        <p:spPr>
+          <a:xfrm>
+            <a:off x="6017698" y="5686332"/>
+            <a:ext cx="302186" cy="122333"/>
+          </a:xfrm>
+          <a:prstGeom prst="rect">
+            <a:avLst/>
+          </a:prstGeom>
+        </p:spPr>
+        <p:style>
+          <a:lnRef idx="2">
+            <a:schemeClr val="dk1"/>
+          </a:lnRef>
+          <a:fillRef idx="1">
+            <a:schemeClr val="lt1"/>
+          </a:fillRef>
+          <a:effectRef idx="0">
+            <a:schemeClr val="dk1"/>
+          </a:effectRef>
+          <a:fontRef idx="minor">
+            <a:schemeClr val="dk1"/>
+          </a:fontRef>
+        </p:style>
+        <p:txBody>
+          <a:bodyPr rtlCol="0" anchor="ctr"/>
+          <a:lstStyle/>
+          <a:p>
+            <a:pPr algn="r"/>
+            <a:endParaRPr lang="de-DE" sz="900" dirty="0"/>
+          </a:p>
+        </p:txBody>
+      </p:sp>
+      <p:sp>
+        <p:nvSpPr>
+          <p:cNvPr id="742" name="Rectangle 741">
+            <a:extLst>
+              <a:ext uri="{FF2B5EF4-FFF2-40B4-BE49-F238E27FC236}">
+                <a16:creationId xmlns:a16="http://schemas.microsoft.com/office/drawing/2014/main" id="{DC4A8BF2-B9B8-4125-AA6C-8E3F6412B0A3}"/>
+              </a:ext>
+            </a:extLst>
+          </p:cNvPr>
+          <p:cNvSpPr/>
+          <p:nvPr/>
+        </p:nvSpPr>
+        <p:spPr>
+          <a:xfrm>
+            <a:off x="6017698" y="5805774"/>
+            <a:ext cx="302186" cy="122333"/>
+          </a:xfrm>
+          <a:prstGeom prst="rect">
+            <a:avLst/>
+          </a:prstGeom>
+        </p:spPr>
+        <p:style>
+          <a:lnRef idx="2">
+            <a:schemeClr val="dk1"/>
+          </a:lnRef>
+          <a:fillRef idx="1">
+            <a:schemeClr val="lt1"/>
+          </a:fillRef>
+          <a:effectRef idx="0">
+            <a:schemeClr val="dk1"/>
+          </a:effectRef>
+          <a:fontRef idx="minor">
+            <a:schemeClr val="dk1"/>
+          </a:fontRef>
+        </p:style>
+        <p:txBody>
+          <a:bodyPr rtlCol="0" anchor="ctr"/>
+          <a:lstStyle/>
+          <a:p>
+            <a:pPr algn="r"/>
+            <a:endParaRPr lang="de-DE" sz="900" dirty="0"/>
+          </a:p>
+        </p:txBody>
+      </p:sp>
+      <p:sp>
+        <p:nvSpPr>
+          <p:cNvPr id="743" name="Rectangle 742">
+            <a:extLst>
+              <a:ext uri="{FF2B5EF4-FFF2-40B4-BE49-F238E27FC236}">
+                <a16:creationId xmlns:a16="http://schemas.microsoft.com/office/drawing/2014/main" id="{2A843675-7A3D-41C4-931D-ADF4B1A9F941}"/>
+              </a:ext>
+            </a:extLst>
+          </p:cNvPr>
+          <p:cNvSpPr/>
+          <p:nvPr/>
+        </p:nvSpPr>
+        <p:spPr>
+          <a:xfrm>
+            <a:off x="6017697" y="5924439"/>
+            <a:ext cx="302186" cy="122333"/>
+          </a:xfrm>
+          <a:prstGeom prst="rect">
+            <a:avLst/>
+          </a:prstGeom>
+        </p:spPr>
+        <p:style>
+          <a:lnRef idx="2">
+            <a:schemeClr val="dk1"/>
+          </a:lnRef>
+          <a:fillRef idx="1">
+            <a:schemeClr val="lt1"/>
+          </a:fillRef>
+          <a:effectRef idx="0">
+            <a:schemeClr val="dk1"/>
+          </a:effectRef>
+          <a:fontRef idx="minor">
+            <a:schemeClr val="dk1"/>
+          </a:fontRef>
+        </p:style>
+        <p:txBody>
+          <a:bodyPr rtlCol="0" anchor="ctr"/>
+          <a:lstStyle/>
+          <a:p>
+            <a:pPr algn="r"/>
+            <a:endParaRPr lang="de-DE" sz="900" dirty="0"/>
+          </a:p>
+        </p:txBody>
+      </p:sp>
+      <p:sp>
+        <p:nvSpPr>
+          <p:cNvPr id="744" name="Rectangle 743">
+            <a:extLst>
+              <a:ext uri="{FF2B5EF4-FFF2-40B4-BE49-F238E27FC236}">
+                <a16:creationId xmlns:a16="http://schemas.microsoft.com/office/drawing/2014/main" id="{55CD8C85-7DCC-46D7-997F-86A510A8B6D5}"/>
+              </a:ext>
+            </a:extLst>
+          </p:cNvPr>
+          <p:cNvSpPr/>
+          <p:nvPr/>
+        </p:nvSpPr>
+        <p:spPr>
+          <a:xfrm>
+            <a:off x="6017697" y="6043881"/>
+            <a:ext cx="302186" cy="122333"/>
+          </a:xfrm>
+          <a:prstGeom prst="rect">
+            <a:avLst/>
+          </a:prstGeom>
+        </p:spPr>
+        <p:style>
+          <a:lnRef idx="2">
+            <a:schemeClr val="dk1"/>
+          </a:lnRef>
+          <a:fillRef idx="1">
+            <a:schemeClr val="lt1"/>
+          </a:fillRef>
+          <a:effectRef idx="0">
+            <a:schemeClr val="dk1"/>
+          </a:effectRef>
+          <a:fontRef idx="minor">
+            <a:schemeClr val="dk1"/>
+          </a:fontRef>
+        </p:style>
+        <p:txBody>
+          <a:bodyPr rtlCol="0" anchor="ctr"/>
+          <a:lstStyle/>
+          <a:p>
+            <a:pPr algn="r"/>
+            <a:endParaRPr lang="de-DE" sz="900" dirty="0"/>
+          </a:p>
+        </p:txBody>
+      </p:sp>
+      <p:sp>
+        <p:nvSpPr>
+          <p:cNvPr id="745" name="Rectangle 744">
+            <a:extLst>
+              <a:ext uri="{FF2B5EF4-FFF2-40B4-BE49-F238E27FC236}">
+                <a16:creationId xmlns:a16="http://schemas.microsoft.com/office/drawing/2014/main" id="{A2BBE4CA-5EA3-4F42-BD3A-9CD88C6F29D6}"/>
+              </a:ext>
+            </a:extLst>
+          </p:cNvPr>
+          <p:cNvSpPr/>
+          <p:nvPr/>
+        </p:nvSpPr>
+        <p:spPr>
+          <a:xfrm>
+            <a:off x="6317893" y="5440783"/>
+            <a:ext cx="302186" cy="122333"/>
+          </a:xfrm>
+          <a:prstGeom prst="rect">
+            <a:avLst/>
+          </a:prstGeom>
+        </p:spPr>
+        <p:style>
+          <a:lnRef idx="2">
+            <a:schemeClr val="dk1"/>
+          </a:lnRef>
+          <a:fillRef idx="1">
+            <a:schemeClr val="lt1"/>
+          </a:fillRef>
+          <a:effectRef idx="0">
+            <a:schemeClr val="dk1"/>
+          </a:effectRef>
+          <a:fontRef idx="minor">
+            <a:schemeClr val="dk1"/>
+          </a:fontRef>
+        </p:style>
+        <p:txBody>
+          <a:bodyPr rtlCol="0" anchor="ctr"/>
+          <a:lstStyle/>
+          <a:p>
+            <a:pPr algn="r"/>
+            <a:endParaRPr lang="de-DE" sz="900" dirty="0"/>
+          </a:p>
+        </p:txBody>
+      </p:sp>
+      <p:sp>
+        <p:nvSpPr>
+          <p:cNvPr id="746" name="Rectangle 745">
+            <a:extLst>
+              <a:ext uri="{FF2B5EF4-FFF2-40B4-BE49-F238E27FC236}">
+                <a16:creationId xmlns:a16="http://schemas.microsoft.com/office/drawing/2014/main" id="{AD653C88-F067-4B64-A8C9-12B52B38B4E4}"/>
+              </a:ext>
+            </a:extLst>
+          </p:cNvPr>
+          <p:cNvSpPr/>
+          <p:nvPr/>
+        </p:nvSpPr>
+        <p:spPr>
+          <a:xfrm>
+            <a:off x="6317892" y="5324496"/>
+            <a:ext cx="302186" cy="116287"/>
+          </a:xfrm>
+          <a:prstGeom prst="rect">
+            <a:avLst/>
+          </a:prstGeom>
+          <a:solidFill>
+            <a:schemeClr val="bg1">
+              <a:lumMod val="85000"/>
+            </a:schemeClr>
+          </a:solidFill>
+        </p:spPr>
+        <p:style>
+          <a:lnRef idx="2">
+            <a:schemeClr val="dk1"/>
+          </a:lnRef>
+          <a:fillRef idx="1">
+            <a:schemeClr val="lt1"/>
+          </a:fillRef>
+          <a:effectRef idx="0">
+            <a:schemeClr val="dk1"/>
+          </a:effectRef>
+          <a:fontRef idx="minor">
+            <a:schemeClr val="dk1"/>
+          </a:fontRef>
+        </p:style>
+        <p:txBody>
+          <a:bodyPr rtlCol="0" anchor="ctr"/>
+          <a:lstStyle/>
+          <a:p>
+            <a:endParaRPr lang="de-DE" dirty="0"/>
+          </a:p>
+        </p:txBody>
+      </p:sp>
+      <p:sp>
+        <p:nvSpPr>
+          <p:cNvPr id="749" name="Rectangle 748">
+            <a:extLst>
+              <a:ext uri="{FF2B5EF4-FFF2-40B4-BE49-F238E27FC236}">
+                <a16:creationId xmlns:a16="http://schemas.microsoft.com/office/drawing/2014/main" id="{53D367DB-50C8-449C-840D-DF50FE1B15EC}"/>
+              </a:ext>
+            </a:extLst>
+          </p:cNvPr>
+          <p:cNvSpPr/>
+          <p:nvPr/>
+        </p:nvSpPr>
+        <p:spPr>
+          <a:xfrm>
+            <a:off x="6317893" y="5565933"/>
+            <a:ext cx="302186" cy="122333"/>
+          </a:xfrm>
+          <a:prstGeom prst="rect">
+            <a:avLst/>
+          </a:prstGeom>
+        </p:spPr>
+        <p:style>
+          <a:lnRef idx="2">
+            <a:schemeClr val="dk1"/>
+          </a:lnRef>
+          <a:fillRef idx="1">
+            <a:schemeClr val="lt1"/>
+          </a:fillRef>
+          <a:effectRef idx="0">
+            <a:schemeClr val="dk1"/>
+          </a:effectRef>
+          <a:fontRef idx="minor">
+            <a:schemeClr val="dk1"/>
+          </a:fontRef>
+        </p:style>
+        <p:txBody>
+          <a:bodyPr rtlCol="0" anchor="ctr"/>
+          <a:lstStyle/>
+          <a:p>
+            <a:pPr algn="r"/>
+            <a:endParaRPr lang="de-DE" sz="900" dirty="0"/>
+          </a:p>
+        </p:txBody>
+      </p:sp>
+      <p:sp>
+        <p:nvSpPr>
+          <p:cNvPr id="751" name="Rectangle 750">
+            <a:extLst>
+              <a:ext uri="{FF2B5EF4-FFF2-40B4-BE49-F238E27FC236}">
+                <a16:creationId xmlns:a16="http://schemas.microsoft.com/office/drawing/2014/main" id="{8099C883-BB66-4310-9F8E-8427EA8C93C1}"/>
+              </a:ext>
+            </a:extLst>
+          </p:cNvPr>
+          <p:cNvSpPr/>
+          <p:nvPr/>
+        </p:nvSpPr>
+        <p:spPr>
+          <a:xfrm>
+            <a:off x="6317893" y="5686332"/>
+            <a:ext cx="302186" cy="122333"/>
+          </a:xfrm>
+          <a:prstGeom prst="rect">
+            <a:avLst/>
+          </a:prstGeom>
+        </p:spPr>
+        <p:style>
+          <a:lnRef idx="2">
+            <a:schemeClr val="dk1"/>
+          </a:lnRef>
+          <a:fillRef idx="1">
+            <a:schemeClr val="lt1"/>
+          </a:fillRef>
+          <a:effectRef idx="0">
+            <a:schemeClr val="dk1"/>
+          </a:effectRef>
+          <a:fontRef idx="minor">
+            <a:schemeClr val="dk1"/>
+          </a:fontRef>
+        </p:style>
+        <p:txBody>
+          <a:bodyPr rtlCol="0" anchor="ctr"/>
+          <a:lstStyle/>
+          <a:p>
+            <a:pPr algn="r"/>
+            <a:endParaRPr lang="de-DE" sz="900" dirty="0"/>
+          </a:p>
+        </p:txBody>
+      </p:sp>
+      <p:sp>
+        <p:nvSpPr>
+          <p:cNvPr id="758" name="Rectangle 757">
+            <a:extLst>
+              <a:ext uri="{FF2B5EF4-FFF2-40B4-BE49-F238E27FC236}">
+                <a16:creationId xmlns:a16="http://schemas.microsoft.com/office/drawing/2014/main" id="{87E296B0-F59F-4DAC-9AE7-637CF48D0C6C}"/>
+              </a:ext>
+            </a:extLst>
+          </p:cNvPr>
+          <p:cNvSpPr/>
+          <p:nvPr/>
+        </p:nvSpPr>
+        <p:spPr>
+          <a:xfrm>
+            <a:off x="6317893" y="5805774"/>
+            <a:ext cx="302186" cy="122333"/>
+          </a:xfrm>
+          <a:prstGeom prst="rect">
+            <a:avLst/>
+          </a:prstGeom>
+        </p:spPr>
+        <p:style>
+          <a:lnRef idx="2">
+            <a:schemeClr val="dk1"/>
+          </a:lnRef>
+          <a:fillRef idx="1">
+            <a:schemeClr val="lt1"/>
+          </a:fillRef>
+          <a:effectRef idx="0">
+            <a:schemeClr val="dk1"/>
+          </a:effectRef>
+          <a:fontRef idx="minor">
+            <a:schemeClr val="dk1"/>
+          </a:fontRef>
+        </p:style>
+        <p:txBody>
+          <a:bodyPr rtlCol="0" anchor="ctr"/>
+          <a:lstStyle/>
+          <a:p>
+            <a:pPr algn="r"/>
+            <a:endParaRPr lang="de-DE" sz="900" dirty="0"/>
+          </a:p>
+        </p:txBody>
+      </p:sp>
+      <p:sp>
+        <p:nvSpPr>
+          <p:cNvPr id="763" name="Rectangle 762">
+            <a:extLst>
+              <a:ext uri="{FF2B5EF4-FFF2-40B4-BE49-F238E27FC236}">
+                <a16:creationId xmlns:a16="http://schemas.microsoft.com/office/drawing/2014/main" id="{168C46EE-7FCE-45A9-AC9A-ACBE4129DDEC}"/>
+              </a:ext>
+            </a:extLst>
+          </p:cNvPr>
+          <p:cNvSpPr/>
+          <p:nvPr/>
+        </p:nvSpPr>
+        <p:spPr>
+          <a:xfrm>
+            <a:off x="6317892" y="5924439"/>
+            <a:ext cx="302186" cy="122333"/>
+          </a:xfrm>
+          <a:prstGeom prst="rect">
+            <a:avLst/>
+          </a:prstGeom>
+        </p:spPr>
+        <p:style>
+          <a:lnRef idx="2">
+            <a:schemeClr val="dk1"/>
+          </a:lnRef>
+          <a:fillRef idx="1">
+            <a:schemeClr val="lt1"/>
+          </a:fillRef>
+          <a:effectRef idx="0">
+            <a:schemeClr val="dk1"/>
+          </a:effectRef>
+          <a:fontRef idx="minor">
+            <a:schemeClr val="dk1"/>
+          </a:fontRef>
+        </p:style>
+        <p:txBody>
+          <a:bodyPr rtlCol="0" anchor="ctr"/>
+          <a:lstStyle/>
+          <a:p>
+            <a:pPr algn="r"/>
+            <a:endParaRPr lang="de-DE" sz="900" dirty="0"/>
+          </a:p>
+        </p:txBody>
+      </p:sp>
+      <p:sp>
+        <p:nvSpPr>
+          <p:cNvPr id="820" name="Rectangle 819">
+            <a:extLst>
+              <a:ext uri="{FF2B5EF4-FFF2-40B4-BE49-F238E27FC236}">
+                <a16:creationId xmlns:a16="http://schemas.microsoft.com/office/drawing/2014/main" id="{33640063-0756-4696-B8CE-6D397D6AD5BE}"/>
+              </a:ext>
+            </a:extLst>
+          </p:cNvPr>
+          <p:cNvSpPr/>
+          <p:nvPr/>
+        </p:nvSpPr>
+        <p:spPr>
+          <a:xfrm>
+            <a:off x="6317892" y="6043881"/>
+            <a:ext cx="302186" cy="122333"/>
+          </a:xfrm>
+          <a:prstGeom prst="rect">
+            <a:avLst/>
+          </a:prstGeom>
+        </p:spPr>
+        <p:style>
+          <a:lnRef idx="2">
+            <a:schemeClr val="dk1"/>
+          </a:lnRef>
+          <a:fillRef idx="1">
+            <a:schemeClr val="lt1"/>
+          </a:fillRef>
+          <a:effectRef idx="0">
+            <a:schemeClr val="dk1"/>
+          </a:effectRef>
+          <a:fontRef idx="minor">
+            <a:schemeClr val="dk1"/>
+          </a:fontRef>
+        </p:style>
+        <p:txBody>
+          <a:bodyPr rtlCol="0" anchor="ctr"/>
+          <a:lstStyle/>
+          <a:p>
+            <a:pPr algn="r"/>
+            <a:endParaRPr lang="de-DE" sz="900" dirty="0"/>
+          </a:p>
+        </p:txBody>
+      </p:sp>
+      <p:sp>
+        <p:nvSpPr>
+          <p:cNvPr id="860" name="Rectangle 859">
+            <a:extLst>
+              <a:ext uri="{FF2B5EF4-FFF2-40B4-BE49-F238E27FC236}">
+                <a16:creationId xmlns:a16="http://schemas.microsoft.com/office/drawing/2014/main" id="{5BA980E6-2659-43B3-B3CA-DECDD5115DB5}"/>
+              </a:ext>
+            </a:extLst>
+          </p:cNvPr>
+          <p:cNvSpPr/>
+          <p:nvPr/>
+        </p:nvSpPr>
+        <p:spPr>
+          <a:xfrm>
+            <a:off x="7131772" y="5081076"/>
+            <a:ext cx="1871906" cy="216034"/>
+          </a:xfrm>
+          <a:prstGeom prst="rect">
+            <a:avLst/>
+          </a:prstGeom>
+        </p:spPr>
+        <p:style>
+          <a:lnRef idx="2">
+            <a:schemeClr val="dk1"/>
+          </a:lnRef>
+          <a:fillRef idx="1">
+            <a:schemeClr val="lt1"/>
+          </a:fillRef>
+          <a:effectRef idx="0">
+            <a:schemeClr val="dk1"/>
+          </a:effectRef>
+          <a:fontRef idx="minor">
+            <a:schemeClr val="dk1"/>
+          </a:fontRef>
+        </p:style>
+        <p:txBody>
+          <a:bodyPr rtlCol="0" anchor="ctr"/>
+          <a:lstStyle/>
+          <a:p>
+            <a:endParaRPr lang="de-DE" dirty="0"/>
+          </a:p>
+        </p:txBody>
+      </p:sp>
+      <p:sp>
+        <p:nvSpPr>
+          <p:cNvPr id="862" name="Rectangle 861">
+            <a:extLst>
+              <a:ext uri="{FF2B5EF4-FFF2-40B4-BE49-F238E27FC236}">
+                <a16:creationId xmlns:a16="http://schemas.microsoft.com/office/drawing/2014/main" id="{6D899B3B-18DC-41D3-9B8B-A0A470069650}"/>
+              </a:ext>
+            </a:extLst>
+          </p:cNvPr>
+          <p:cNvSpPr/>
+          <p:nvPr/>
+        </p:nvSpPr>
+        <p:spPr>
+          <a:xfrm>
+            <a:off x="7057824" y="5021168"/>
+            <a:ext cx="2029770" cy="1215450"/>
+          </a:xfrm>
+          <a:prstGeom prst="rect">
+            <a:avLst/>
+          </a:prstGeom>
+          <a:noFill/>
+          <a:ln>
+            <a:prstDash val="dash"/>
+          </a:ln>
+        </p:spPr>
+        <p:style>
+          <a:lnRef idx="2">
+            <a:schemeClr val="accent1">
+              <a:shade val="50000"/>
+            </a:schemeClr>
+          </a:lnRef>
+          <a:fillRef idx="1">
+            <a:schemeClr val="accent1"/>
+          </a:fillRef>
+          <a:effectRef idx="0">
+            <a:schemeClr val="accent1"/>
+          </a:effectRef>
+          <a:fontRef idx="minor">
+            <a:schemeClr val="lt1"/>
+          </a:fontRef>
+        </p:style>
+        <p:txBody>
+          <a:bodyPr rtlCol="0" anchor="ctr"/>
+          <a:lstStyle/>
+          <a:p>
+            <a:pPr algn="ctr"/>
+            <a:endParaRPr lang="de-DE"/>
+          </a:p>
+        </p:txBody>
+      </p:sp>
+      <p:sp>
+        <p:nvSpPr>
+          <p:cNvPr id="863" name="Rectangle 862">
+            <a:extLst>
+              <a:ext uri="{FF2B5EF4-FFF2-40B4-BE49-F238E27FC236}">
+                <a16:creationId xmlns:a16="http://schemas.microsoft.com/office/drawing/2014/main" id="{7EF87AAC-5644-4930-A3D8-D5FB4C6D5888}"/>
+              </a:ext>
+            </a:extLst>
+          </p:cNvPr>
+          <p:cNvSpPr/>
+          <p:nvPr/>
+        </p:nvSpPr>
+        <p:spPr>
+          <a:xfrm>
+            <a:off x="8670630" y="5133058"/>
+            <a:ext cx="246961" cy="102100"/>
+          </a:xfrm>
+          <a:prstGeom prst="rect">
+            <a:avLst/>
+          </a:prstGeom>
+          <a:solidFill>
+            <a:schemeClr val="bg1">
+              <a:lumMod val="85000"/>
+            </a:schemeClr>
+          </a:solidFill>
+        </p:spPr>
+        <p:style>
+          <a:lnRef idx="2">
+            <a:schemeClr val="dk1"/>
+          </a:lnRef>
+          <a:fillRef idx="1">
+            <a:schemeClr val="lt1"/>
+          </a:fillRef>
+          <a:effectRef idx="0">
+            <a:schemeClr val="dk1"/>
+          </a:effectRef>
+          <a:fontRef idx="minor">
+            <a:schemeClr val="dk1"/>
+          </a:fontRef>
+        </p:style>
+        <p:txBody>
+          <a:bodyPr rtlCol="0" anchor="ctr"/>
+          <a:lstStyle/>
+          <a:p>
+            <a:pPr algn="ctr"/>
+            <a:endParaRPr lang="de-DE"/>
+          </a:p>
+        </p:txBody>
+      </p:sp>
+      <p:sp>
+        <p:nvSpPr>
+          <p:cNvPr id="864" name="Rectangle 863">
+            <a:extLst>
+              <a:ext uri="{FF2B5EF4-FFF2-40B4-BE49-F238E27FC236}">
+                <a16:creationId xmlns:a16="http://schemas.microsoft.com/office/drawing/2014/main" id="{BB224D35-FDB4-4CEE-8712-0F50BEA83EDB}"/>
+              </a:ext>
+            </a:extLst>
+          </p:cNvPr>
+          <p:cNvSpPr/>
+          <p:nvPr/>
+        </p:nvSpPr>
+        <p:spPr>
+          <a:xfrm>
+            <a:off x="7131771" y="5440783"/>
+            <a:ext cx="406237" cy="249217"/>
+          </a:xfrm>
+          <a:prstGeom prst="rect">
+            <a:avLst/>
+          </a:prstGeom>
+        </p:spPr>
+        <p:style>
+          <a:lnRef idx="2">
+            <a:schemeClr val="dk1"/>
+          </a:lnRef>
+          <a:fillRef idx="1">
+            <a:schemeClr val="lt1"/>
+          </a:fillRef>
+          <a:effectRef idx="0">
+            <a:schemeClr val="dk1"/>
+          </a:effectRef>
+          <a:fontRef idx="minor">
+            <a:schemeClr val="dk1"/>
+          </a:fontRef>
+        </p:style>
+        <p:txBody>
+          <a:bodyPr rtlCol="0" anchor="ctr"/>
+          <a:lstStyle/>
+          <a:p>
+            <a:endParaRPr lang="de-DE" dirty="0"/>
+          </a:p>
+        </p:txBody>
+      </p:sp>
+      <p:sp>
+        <p:nvSpPr>
+          <p:cNvPr id="865" name="Rectangle 864">
+            <a:extLst>
+              <a:ext uri="{FF2B5EF4-FFF2-40B4-BE49-F238E27FC236}">
+                <a16:creationId xmlns:a16="http://schemas.microsoft.com/office/drawing/2014/main" id="{402DA7B9-53B9-4DE8-B4F1-98ED9FC46D53}"/>
+              </a:ext>
+            </a:extLst>
+          </p:cNvPr>
+          <p:cNvSpPr/>
+          <p:nvPr/>
+        </p:nvSpPr>
+        <p:spPr>
+          <a:xfrm>
+            <a:off x="7538008" y="5440783"/>
+            <a:ext cx="406237" cy="122333"/>
+          </a:xfrm>
+          <a:prstGeom prst="rect">
+            <a:avLst/>
+          </a:prstGeom>
+          <a:solidFill>
+            <a:schemeClr val="bg1">
+              <a:lumMod val="85000"/>
+            </a:schemeClr>
+          </a:solidFill>
+        </p:spPr>
+        <p:style>
+          <a:lnRef idx="2">
+            <a:schemeClr val="dk1"/>
+          </a:lnRef>
+          <a:fillRef idx="1">
+            <a:schemeClr val="lt1"/>
+          </a:fillRef>
+          <a:effectRef idx="0">
+            <a:schemeClr val="dk1"/>
+          </a:effectRef>
+          <a:fontRef idx="minor">
+            <a:schemeClr val="dk1"/>
+          </a:fontRef>
+        </p:style>
+        <p:txBody>
+          <a:bodyPr rtlCol="0" anchor="ctr"/>
+          <a:lstStyle/>
+          <a:p>
+            <a:endParaRPr lang="de-DE" dirty="0"/>
+          </a:p>
+        </p:txBody>
+      </p:sp>
+      <p:sp>
+        <p:nvSpPr>
+          <p:cNvPr id="866" name="Rectangle 865">
+            <a:extLst>
+              <a:ext uri="{FF2B5EF4-FFF2-40B4-BE49-F238E27FC236}">
+                <a16:creationId xmlns:a16="http://schemas.microsoft.com/office/drawing/2014/main" id="{486C2104-546E-48D0-96DF-FBD4D821B326}"/>
+              </a:ext>
+            </a:extLst>
+          </p:cNvPr>
+          <p:cNvSpPr/>
+          <p:nvPr/>
+        </p:nvSpPr>
+        <p:spPr>
+          <a:xfrm>
+            <a:off x="7944245" y="5440783"/>
+            <a:ext cx="302186" cy="122333"/>
+          </a:xfrm>
+          <a:prstGeom prst="rect">
+            <a:avLst/>
+          </a:prstGeom>
+        </p:spPr>
+        <p:style>
+          <a:lnRef idx="2">
+            <a:schemeClr val="dk1"/>
+          </a:lnRef>
+          <a:fillRef idx="1">
+            <a:schemeClr val="lt1"/>
+          </a:fillRef>
+          <a:effectRef idx="0">
+            <a:schemeClr val="dk1"/>
+          </a:effectRef>
+          <a:fontRef idx="minor">
+            <a:schemeClr val="dk1"/>
+          </a:fontRef>
+        </p:style>
+        <p:txBody>
+          <a:bodyPr rtlCol="0" anchor="ctr"/>
+          <a:lstStyle/>
+          <a:p>
+            <a:pPr algn="r"/>
+            <a:endParaRPr lang="de-DE" sz="900" dirty="0"/>
+          </a:p>
+        </p:txBody>
+      </p:sp>
+      <p:sp>
+        <p:nvSpPr>
+          <p:cNvPr id="867" name="Rectangle 866">
+            <a:extLst>
+              <a:ext uri="{FF2B5EF4-FFF2-40B4-BE49-F238E27FC236}">
+                <a16:creationId xmlns:a16="http://schemas.microsoft.com/office/drawing/2014/main" id="{B5C2D850-427C-4DAB-AEED-CAE3B54D15B8}"/>
+              </a:ext>
+            </a:extLst>
+          </p:cNvPr>
+          <p:cNvSpPr/>
+          <p:nvPr/>
+        </p:nvSpPr>
+        <p:spPr>
+          <a:xfrm>
+            <a:off x="8846880" y="5440783"/>
+            <a:ext cx="156797" cy="122333"/>
+          </a:xfrm>
+          <a:prstGeom prst="rect">
+            <a:avLst/>
+          </a:prstGeom>
+          <a:solidFill>
+            <a:schemeClr val="bg1">
+              <a:lumMod val="85000"/>
+            </a:schemeClr>
+          </a:solidFill>
+        </p:spPr>
+        <p:style>
+          <a:lnRef idx="2">
+            <a:schemeClr val="dk1"/>
+          </a:lnRef>
+          <a:fillRef idx="1">
+            <a:schemeClr val="lt1"/>
+          </a:fillRef>
+          <a:effectRef idx="0">
+            <a:schemeClr val="dk1"/>
+          </a:effectRef>
+          <a:fontRef idx="minor">
+            <a:schemeClr val="dk1"/>
+          </a:fontRef>
+        </p:style>
+        <p:txBody>
+          <a:bodyPr rtlCol="0" anchor="ctr"/>
+          <a:lstStyle/>
+          <a:p>
+            <a:pPr algn="ctr"/>
+            <a:r>
+              <a:rPr lang="el-GR" sz="900" dirty="0"/>
+              <a:t>Σ</a:t>
+            </a:r>
+            <a:endParaRPr lang="de-DE" sz="900" dirty="0"/>
+          </a:p>
+        </p:txBody>
+      </p:sp>
+      <p:sp>
+        <p:nvSpPr>
+          <p:cNvPr id="868" name="Rectangle 867">
+            <a:extLst>
+              <a:ext uri="{FF2B5EF4-FFF2-40B4-BE49-F238E27FC236}">
+                <a16:creationId xmlns:a16="http://schemas.microsoft.com/office/drawing/2014/main" id="{7CA3265B-A150-4414-A093-41B8A3890435}"/>
+              </a:ext>
+            </a:extLst>
+          </p:cNvPr>
+          <p:cNvSpPr/>
+          <p:nvPr/>
+        </p:nvSpPr>
+        <p:spPr>
+          <a:xfrm>
+            <a:off x="7131771" y="5324496"/>
+            <a:ext cx="406237" cy="116287"/>
+          </a:xfrm>
+          <a:prstGeom prst="rect">
+            <a:avLst/>
+          </a:prstGeom>
+          <a:solidFill>
+            <a:schemeClr val="bg1">
+              <a:lumMod val="85000"/>
+            </a:schemeClr>
+          </a:solidFill>
+        </p:spPr>
+        <p:style>
+          <a:lnRef idx="2">
+            <a:schemeClr val="dk1"/>
+          </a:lnRef>
+          <a:fillRef idx="1">
+            <a:schemeClr val="lt1"/>
+          </a:fillRef>
+          <a:effectRef idx="0">
+            <a:schemeClr val="dk1"/>
+          </a:effectRef>
+          <a:fontRef idx="minor">
+            <a:schemeClr val="dk1"/>
+          </a:fontRef>
+        </p:style>
+        <p:txBody>
+          <a:bodyPr rtlCol="0" anchor="ctr"/>
+          <a:lstStyle/>
+          <a:p>
+            <a:endParaRPr lang="de-DE" dirty="0"/>
+          </a:p>
+        </p:txBody>
+      </p:sp>
+      <p:sp>
+        <p:nvSpPr>
+          <p:cNvPr id="869" name="Rectangle 868">
+            <a:extLst>
+              <a:ext uri="{FF2B5EF4-FFF2-40B4-BE49-F238E27FC236}">
+                <a16:creationId xmlns:a16="http://schemas.microsoft.com/office/drawing/2014/main" id="{EA1690AC-F5FB-41D0-9F93-0E1A9AD0ABCA}"/>
+              </a:ext>
+            </a:extLst>
+          </p:cNvPr>
+          <p:cNvSpPr/>
+          <p:nvPr/>
+        </p:nvSpPr>
+        <p:spPr>
+          <a:xfrm>
+            <a:off x="7538007" y="5324496"/>
+            <a:ext cx="406237" cy="116287"/>
+          </a:xfrm>
+          <a:prstGeom prst="rect">
+            <a:avLst/>
+          </a:prstGeom>
+          <a:solidFill>
+            <a:schemeClr val="bg1">
+              <a:lumMod val="85000"/>
+            </a:schemeClr>
+          </a:solidFill>
+        </p:spPr>
+        <p:style>
+          <a:lnRef idx="2">
+            <a:schemeClr val="dk1"/>
+          </a:lnRef>
+          <a:fillRef idx="1">
+            <a:schemeClr val="lt1"/>
+          </a:fillRef>
+          <a:effectRef idx="0">
+            <a:schemeClr val="dk1"/>
+          </a:effectRef>
+          <a:fontRef idx="minor">
+            <a:schemeClr val="dk1"/>
+          </a:fontRef>
+        </p:style>
+        <p:txBody>
+          <a:bodyPr rtlCol="0" anchor="ctr"/>
+          <a:lstStyle/>
+          <a:p>
+            <a:endParaRPr lang="de-DE" dirty="0"/>
+          </a:p>
+        </p:txBody>
+      </p:sp>
+      <p:sp>
+        <p:nvSpPr>
+          <p:cNvPr id="870" name="Rectangle 869">
+            <a:extLst>
+              <a:ext uri="{FF2B5EF4-FFF2-40B4-BE49-F238E27FC236}">
+                <a16:creationId xmlns:a16="http://schemas.microsoft.com/office/drawing/2014/main" id="{744C3BF9-7CB2-44CE-9736-655D8FF702D2}"/>
+              </a:ext>
+            </a:extLst>
+          </p:cNvPr>
+          <p:cNvSpPr/>
+          <p:nvPr/>
+        </p:nvSpPr>
+        <p:spPr>
+          <a:xfrm>
+            <a:off x="7944244" y="5324496"/>
+            <a:ext cx="302186" cy="116287"/>
+          </a:xfrm>
+          <a:prstGeom prst="rect">
+            <a:avLst/>
+          </a:prstGeom>
+          <a:solidFill>
+            <a:schemeClr val="bg1">
+              <a:lumMod val="85000"/>
+            </a:schemeClr>
+          </a:solidFill>
+        </p:spPr>
+        <p:style>
+          <a:lnRef idx="2">
+            <a:schemeClr val="dk1"/>
+          </a:lnRef>
+          <a:fillRef idx="1">
+            <a:schemeClr val="lt1"/>
+          </a:fillRef>
+          <a:effectRef idx="0">
+            <a:schemeClr val="dk1"/>
+          </a:effectRef>
+          <a:fontRef idx="minor">
+            <a:schemeClr val="dk1"/>
+          </a:fontRef>
+        </p:style>
+        <p:txBody>
+          <a:bodyPr rtlCol="0" anchor="ctr"/>
+          <a:lstStyle/>
+          <a:p>
+            <a:endParaRPr lang="de-DE" dirty="0"/>
+          </a:p>
+        </p:txBody>
+      </p:sp>
+      <p:sp>
+        <p:nvSpPr>
+          <p:cNvPr id="871" name="Rectangle 870">
+            <a:extLst>
+              <a:ext uri="{FF2B5EF4-FFF2-40B4-BE49-F238E27FC236}">
+                <a16:creationId xmlns:a16="http://schemas.microsoft.com/office/drawing/2014/main" id="{803CAEDB-76D9-427B-89F8-0CB257EBDA5D}"/>
+              </a:ext>
+            </a:extLst>
+          </p:cNvPr>
+          <p:cNvSpPr/>
+          <p:nvPr/>
+        </p:nvSpPr>
+        <p:spPr>
+          <a:xfrm>
+            <a:off x="8756716" y="5324497"/>
+            <a:ext cx="246962" cy="116286"/>
+          </a:xfrm>
+          <a:prstGeom prst="rect">
+            <a:avLst/>
+          </a:prstGeom>
+          <a:solidFill>
+            <a:schemeClr val="bg1">
+              <a:lumMod val="85000"/>
+            </a:schemeClr>
+          </a:solidFill>
+        </p:spPr>
+        <p:style>
+          <a:lnRef idx="2">
+            <a:schemeClr val="dk1"/>
+          </a:lnRef>
+          <a:fillRef idx="1">
+            <a:schemeClr val="lt1"/>
+          </a:fillRef>
+          <a:effectRef idx="0">
+            <a:schemeClr val="dk1"/>
+          </a:effectRef>
+          <a:fontRef idx="minor">
+            <a:schemeClr val="dk1"/>
+          </a:fontRef>
+        </p:style>
+        <p:txBody>
+          <a:bodyPr rtlCol="0" anchor="ctr"/>
+          <a:lstStyle/>
+          <a:p>
+            <a:endParaRPr lang="de-DE" dirty="0"/>
+          </a:p>
+        </p:txBody>
+      </p:sp>
+      <p:sp>
+        <p:nvSpPr>
+          <p:cNvPr id="872" name="Rectangle 871">
+            <a:extLst>
+              <a:ext uri="{FF2B5EF4-FFF2-40B4-BE49-F238E27FC236}">
+                <a16:creationId xmlns:a16="http://schemas.microsoft.com/office/drawing/2014/main" id="{632887AE-6671-47B7-AD67-F86A22793F2C}"/>
+              </a:ext>
+            </a:extLst>
+          </p:cNvPr>
+          <p:cNvSpPr/>
+          <p:nvPr/>
+        </p:nvSpPr>
+        <p:spPr>
+          <a:xfrm>
+            <a:off x="7538008" y="5565933"/>
+            <a:ext cx="406237" cy="122333"/>
+          </a:xfrm>
+          <a:prstGeom prst="rect">
+            <a:avLst/>
+          </a:prstGeom>
+          <a:solidFill>
+            <a:schemeClr val="bg1">
+              <a:lumMod val="85000"/>
+            </a:schemeClr>
+          </a:solidFill>
+        </p:spPr>
+        <p:style>
+          <a:lnRef idx="2">
+            <a:schemeClr val="dk1"/>
+          </a:lnRef>
+          <a:fillRef idx="1">
+            <a:schemeClr val="lt1"/>
+          </a:fillRef>
+          <a:effectRef idx="0">
+            <a:schemeClr val="dk1"/>
+          </a:effectRef>
+          <a:fontRef idx="minor">
+            <a:schemeClr val="dk1"/>
+          </a:fontRef>
+        </p:style>
+        <p:txBody>
+          <a:bodyPr rtlCol="0" anchor="ctr"/>
+          <a:lstStyle/>
+          <a:p>
+            <a:endParaRPr lang="de-DE" dirty="0"/>
+          </a:p>
+        </p:txBody>
+      </p:sp>
+      <p:sp>
+        <p:nvSpPr>
+          <p:cNvPr id="873" name="Rectangle 872">
+            <a:extLst>
+              <a:ext uri="{FF2B5EF4-FFF2-40B4-BE49-F238E27FC236}">
+                <a16:creationId xmlns:a16="http://schemas.microsoft.com/office/drawing/2014/main" id="{74490DAE-DF9D-4D6D-9E46-4D627C1B876E}"/>
+              </a:ext>
+            </a:extLst>
+          </p:cNvPr>
+          <p:cNvSpPr/>
+          <p:nvPr/>
+        </p:nvSpPr>
+        <p:spPr>
+          <a:xfrm>
+            <a:off x="7944245" y="5565933"/>
+            <a:ext cx="302186" cy="122333"/>
+          </a:xfrm>
+          <a:prstGeom prst="rect">
+            <a:avLst/>
+          </a:prstGeom>
+        </p:spPr>
+        <p:style>
+          <a:lnRef idx="2">
+            <a:schemeClr val="dk1"/>
+          </a:lnRef>
+          <a:fillRef idx="1">
+            <a:schemeClr val="lt1"/>
+          </a:fillRef>
+          <a:effectRef idx="0">
+            <a:schemeClr val="dk1"/>
+          </a:effectRef>
+          <a:fontRef idx="minor">
+            <a:schemeClr val="dk1"/>
+          </a:fontRef>
+        </p:style>
+        <p:txBody>
+          <a:bodyPr rtlCol="0" anchor="ctr"/>
+          <a:lstStyle/>
+          <a:p>
+            <a:pPr algn="r"/>
+            <a:endParaRPr lang="de-DE" sz="900" dirty="0"/>
+          </a:p>
+        </p:txBody>
+      </p:sp>
+      <p:sp>
+        <p:nvSpPr>
+          <p:cNvPr id="874" name="Rectangle 873">
+            <a:extLst>
+              <a:ext uri="{FF2B5EF4-FFF2-40B4-BE49-F238E27FC236}">
+                <a16:creationId xmlns:a16="http://schemas.microsoft.com/office/drawing/2014/main" id="{41629949-F180-4FC5-BD13-D145306FB77A}"/>
+              </a:ext>
+            </a:extLst>
+          </p:cNvPr>
+          <p:cNvSpPr/>
+          <p:nvPr/>
+        </p:nvSpPr>
+        <p:spPr>
+          <a:xfrm>
+            <a:off x="8846880" y="5565933"/>
+            <a:ext cx="156797" cy="122333"/>
+          </a:xfrm>
+          <a:prstGeom prst="rect">
+            <a:avLst/>
+          </a:prstGeom>
+          <a:solidFill>
+            <a:schemeClr val="bg1">
+              <a:lumMod val="85000"/>
+            </a:schemeClr>
+          </a:solidFill>
+        </p:spPr>
+        <p:style>
+          <a:lnRef idx="2">
+            <a:schemeClr val="dk1"/>
+          </a:lnRef>
+          <a:fillRef idx="1">
+            <a:schemeClr val="lt1"/>
+          </a:fillRef>
+          <a:effectRef idx="0">
+            <a:schemeClr val="dk1"/>
+          </a:effectRef>
+          <a:fontRef idx="minor">
+            <a:schemeClr val="dk1"/>
+          </a:fontRef>
+        </p:style>
+        <p:txBody>
+          <a:bodyPr rtlCol="0" anchor="ctr"/>
+          <a:lstStyle/>
+          <a:p>
+            <a:pPr algn="ctr"/>
+            <a:r>
+              <a:rPr lang="el-GR" sz="900"/>
+              <a:t>Σ</a:t>
+            </a:r>
+            <a:endParaRPr lang="de-DE" sz="900" dirty="0"/>
+          </a:p>
+        </p:txBody>
+      </p:sp>
+      <p:sp>
+        <p:nvSpPr>
+          <p:cNvPr id="875" name="Rectangle 874">
+            <a:extLst>
+              <a:ext uri="{FF2B5EF4-FFF2-40B4-BE49-F238E27FC236}">
+                <a16:creationId xmlns:a16="http://schemas.microsoft.com/office/drawing/2014/main" id="{DFC82BBB-484E-4FC7-9D1E-1C08519AB895}"/>
+              </a:ext>
+            </a:extLst>
+          </p:cNvPr>
+          <p:cNvSpPr/>
+          <p:nvPr/>
+        </p:nvSpPr>
+        <p:spPr>
+          <a:xfrm>
+            <a:off x="7131771" y="5686332"/>
+            <a:ext cx="406237" cy="250392"/>
+          </a:xfrm>
+          <a:prstGeom prst="rect">
+            <a:avLst/>
+          </a:prstGeom>
+        </p:spPr>
+        <p:style>
+          <a:lnRef idx="2">
+            <a:schemeClr val="dk1"/>
+          </a:lnRef>
+          <a:fillRef idx="1">
+            <a:schemeClr val="lt1"/>
+          </a:fillRef>
+          <a:effectRef idx="0">
+            <a:schemeClr val="dk1"/>
+          </a:effectRef>
+          <a:fontRef idx="minor">
+            <a:schemeClr val="dk1"/>
+          </a:fontRef>
+        </p:style>
+        <p:txBody>
+          <a:bodyPr rtlCol="0" anchor="ctr"/>
+          <a:lstStyle/>
+          <a:p>
+            <a:endParaRPr lang="de-DE" dirty="0"/>
+          </a:p>
+        </p:txBody>
+      </p:sp>
+      <p:sp>
+        <p:nvSpPr>
+          <p:cNvPr id="876" name="Rectangle 875">
+            <a:extLst>
+              <a:ext uri="{FF2B5EF4-FFF2-40B4-BE49-F238E27FC236}">
+                <a16:creationId xmlns:a16="http://schemas.microsoft.com/office/drawing/2014/main" id="{7F4B218E-4792-45F5-91A9-0BAD72093701}"/>
+              </a:ext>
+            </a:extLst>
+          </p:cNvPr>
+          <p:cNvSpPr/>
+          <p:nvPr/>
+        </p:nvSpPr>
+        <p:spPr>
+          <a:xfrm>
+            <a:off x="7538008" y="5686332"/>
+            <a:ext cx="406237" cy="122333"/>
+          </a:xfrm>
+          <a:prstGeom prst="rect">
+            <a:avLst/>
+          </a:prstGeom>
+          <a:solidFill>
+            <a:schemeClr val="bg1">
+              <a:lumMod val="85000"/>
+            </a:schemeClr>
+          </a:solidFill>
+        </p:spPr>
+        <p:style>
+          <a:lnRef idx="2">
+            <a:schemeClr val="dk1"/>
+          </a:lnRef>
+          <a:fillRef idx="1">
+            <a:schemeClr val="lt1"/>
+          </a:fillRef>
+          <a:effectRef idx="0">
+            <a:schemeClr val="dk1"/>
+          </a:effectRef>
+          <a:fontRef idx="minor">
+            <a:schemeClr val="dk1"/>
+          </a:fontRef>
+        </p:style>
+        <p:txBody>
+          <a:bodyPr rtlCol="0" anchor="ctr"/>
+          <a:lstStyle/>
+          <a:p>
+            <a:endParaRPr lang="de-DE" dirty="0"/>
+          </a:p>
+        </p:txBody>
+      </p:sp>
+      <p:sp>
+        <p:nvSpPr>
+          <p:cNvPr id="877" name="Rectangle 876">
+            <a:extLst>
+              <a:ext uri="{FF2B5EF4-FFF2-40B4-BE49-F238E27FC236}">
+                <a16:creationId xmlns:a16="http://schemas.microsoft.com/office/drawing/2014/main" id="{B4EAC900-3381-4D0D-9EDE-FA0DB16AD633}"/>
+              </a:ext>
+            </a:extLst>
+          </p:cNvPr>
+          <p:cNvSpPr/>
+          <p:nvPr/>
+        </p:nvSpPr>
+        <p:spPr>
+          <a:xfrm>
+            <a:off x="7944245" y="5686332"/>
+            <a:ext cx="302186" cy="122333"/>
+          </a:xfrm>
+          <a:prstGeom prst="rect">
+            <a:avLst/>
+          </a:prstGeom>
+        </p:spPr>
+        <p:style>
+          <a:lnRef idx="2">
+            <a:schemeClr val="dk1"/>
+          </a:lnRef>
+          <a:fillRef idx="1">
+            <a:schemeClr val="lt1"/>
+          </a:fillRef>
+          <a:effectRef idx="0">
+            <a:schemeClr val="dk1"/>
+          </a:effectRef>
+          <a:fontRef idx="minor">
+            <a:schemeClr val="dk1"/>
+          </a:fontRef>
+        </p:style>
+        <p:txBody>
+          <a:bodyPr rtlCol="0" anchor="ctr"/>
+          <a:lstStyle/>
+          <a:p>
+            <a:pPr algn="r"/>
+            <a:endParaRPr lang="de-DE" sz="900" dirty="0"/>
+          </a:p>
+        </p:txBody>
+      </p:sp>
+      <p:sp>
+        <p:nvSpPr>
+          <p:cNvPr id="878" name="Rectangle 877">
+            <a:extLst>
+              <a:ext uri="{FF2B5EF4-FFF2-40B4-BE49-F238E27FC236}">
+                <a16:creationId xmlns:a16="http://schemas.microsoft.com/office/drawing/2014/main" id="{7B84D6D8-1975-4971-BF36-4A37D223FF92}"/>
+              </a:ext>
+            </a:extLst>
+          </p:cNvPr>
+          <p:cNvSpPr/>
+          <p:nvPr/>
+        </p:nvSpPr>
+        <p:spPr>
+          <a:xfrm>
+            <a:off x="8846880" y="5686332"/>
+            <a:ext cx="156797" cy="122333"/>
+          </a:xfrm>
+          <a:prstGeom prst="rect">
+            <a:avLst/>
+          </a:prstGeom>
+          <a:solidFill>
+            <a:schemeClr val="bg1">
+              <a:lumMod val="85000"/>
+            </a:schemeClr>
+          </a:solidFill>
+        </p:spPr>
+        <p:style>
+          <a:lnRef idx="2">
+            <a:schemeClr val="dk1"/>
+          </a:lnRef>
+          <a:fillRef idx="1">
+            <a:schemeClr val="lt1"/>
+          </a:fillRef>
+          <a:effectRef idx="0">
+            <a:schemeClr val="dk1"/>
+          </a:effectRef>
+          <a:fontRef idx="minor">
+            <a:schemeClr val="dk1"/>
+          </a:fontRef>
+        </p:style>
+        <p:txBody>
+          <a:bodyPr rtlCol="0" anchor="ctr"/>
+          <a:lstStyle/>
+          <a:p>
+            <a:pPr algn="ctr"/>
+            <a:r>
+              <a:rPr lang="el-GR" sz="900"/>
+              <a:t>Σ</a:t>
+            </a:r>
+            <a:endParaRPr lang="de-DE" sz="900" dirty="0"/>
+          </a:p>
+        </p:txBody>
+      </p:sp>
+      <p:sp>
+        <p:nvSpPr>
+          <p:cNvPr id="879" name="Rectangle 878">
+            <a:extLst>
+              <a:ext uri="{FF2B5EF4-FFF2-40B4-BE49-F238E27FC236}">
+                <a16:creationId xmlns:a16="http://schemas.microsoft.com/office/drawing/2014/main" id="{B1189FB1-A384-46B1-A4A4-2F9149B41CEB}"/>
+              </a:ext>
+            </a:extLst>
+          </p:cNvPr>
+          <p:cNvSpPr/>
+          <p:nvPr/>
+        </p:nvSpPr>
+        <p:spPr>
+          <a:xfrm>
+            <a:off x="7538008" y="5805774"/>
+            <a:ext cx="406237" cy="122333"/>
+          </a:xfrm>
+          <a:prstGeom prst="rect">
+            <a:avLst/>
+          </a:prstGeom>
+          <a:solidFill>
+            <a:schemeClr val="bg1">
+              <a:lumMod val="85000"/>
+            </a:schemeClr>
+          </a:solidFill>
+        </p:spPr>
+        <p:style>
+          <a:lnRef idx="2">
+            <a:schemeClr val="dk1"/>
+          </a:lnRef>
+          <a:fillRef idx="1">
+            <a:schemeClr val="lt1"/>
+          </a:fillRef>
+          <a:effectRef idx="0">
+            <a:schemeClr val="dk1"/>
+          </a:effectRef>
+          <a:fontRef idx="minor">
+            <a:schemeClr val="dk1"/>
+          </a:fontRef>
+        </p:style>
+        <p:txBody>
+          <a:bodyPr rtlCol="0" anchor="ctr"/>
+          <a:lstStyle/>
+          <a:p>
+            <a:endParaRPr lang="de-DE" dirty="0"/>
+          </a:p>
+        </p:txBody>
+      </p:sp>
+      <p:sp>
+        <p:nvSpPr>
+          <p:cNvPr id="880" name="Rectangle 879">
+            <a:extLst>
+              <a:ext uri="{FF2B5EF4-FFF2-40B4-BE49-F238E27FC236}">
+                <a16:creationId xmlns:a16="http://schemas.microsoft.com/office/drawing/2014/main" id="{7B2B62A2-6584-4736-AB6F-40E2F4022DA1}"/>
+              </a:ext>
+            </a:extLst>
+          </p:cNvPr>
+          <p:cNvSpPr/>
+          <p:nvPr/>
+        </p:nvSpPr>
+        <p:spPr>
+          <a:xfrm>
+            <a:off x="7944245" y="5805774"/>
+            <a:ext cx="302186" cy="122333"/>
+          </a:xfrm>
+          <a:prstGeom prst="rect">
+            <a:avLst/>
+          </a:prstGeom>
+        </p:spPr>
+        <p:style>
+          <a:lnRef idx="2">
+            <a:schemeClr val="dk1"/>
+          </a:lnRef>
+          <a:fillRef idx="1">
+            <a:schemeClr val="lt1"/>
+          </a:fillRef>
+          <a:effectRef idx="0">
+            <a:schemeClr val="dk1"/>
+          </a:effectRef>
+          <a:fontRef idx="minor">
+            <a:schemeClr val="dk1"/>
+          </a:fontRef>
+        </p:style>
+        <p:txBody>
+          <a:bodyPr rtlCol="0" anchor="ctr"/>
+          <a:lstStyle/>
+          <a:p>
+            <a:pPr algn="r"/>
+            <a:endParaRPr lang="de-DE" sz="900" dirty="0"/>
+          </a:p>
+        </p:txBody>
+      </p:sp>
+      <p:sp>
+        <p:nvSpPr>
+          <p:cNvPr id="881" name="Rectangle 880">
+            <a:extLst>
+              <a:ext uri="{FF2B5EF4-FFF2-40B4-BE49-F238E27FC236}">
+                <a16:creationId xmlns:a16="http://schemas.microsoft.com/office/drawing/2014/main" id="{7EC45381-122E-456F-A2E9-1C46556D8574}"/>
+              </a:ext>
+            </a:extLst>
+          </p:cNvPr>
+          <p:cNvSpPr/>
+          <p:nvPr/>
+        </p:nvSpPr>
+        <p:spPr>
+          <a:xfrm>
+            <a:off x="8846880" y="5805774"/>
+            <a:ext cx="156797" cy="122333"/>
+          </a:xfrm>
+          <a:prstGeom prst="rect">
+            <a:avLst/>
+          </a:prstGeom>
+          <a:solidFill>
+            <a:schemeClr val="bg1">
+              <a:lumMod val="85000"/>
+            </a:schemeClr>
+          </a:solidFill>
+        </p:spPr>
+        <p:style>
+          <a:lnRef idx="2">
+            <a:schemeClr val="dk1"/>
+          </a:lnRef>
+          <a:fillRef idx="1">
+            <a:schemeClr val="lt1"/>
+          </a:fillRef>
+          <a:effectRef idx="0">
+            <a:schemeClr val="dk1"/>
+          </a:effectRef>
+          <a:fontRef idx="minor">
+            <a:schemeClr val="dk1"/>
+          </a:fontRef>
+        </p:style>
+        <p:txBody>
+          <a:bodyPr rtlCol="0" anchor="ctr"/>
+          <a:lstStyle/>
+          <a:p>
+            <a:pPr algn="ctr"/>
+            <a:r>
+              <a:rPr lang="el-GR" sz="900"/>
+              <a:t>Σ</a:t>
+            </a:r>
+            <a:endParaRPr lang="de-DE" sz="900" dirty="0"/>
+          </a:p>
+        </p:txBody>
+      </p:sp>
+      <p:sp>
+        <p:nvSpPr>
+          <p:cNvPr id="882" name="Rectangle 881">
+            <a:extLst>
+              <a:ext uri="{FF2B5EF4-FFF2-40B4-BE49-F238E27FC236}">
+                <a16:creationId xmlns:a16="http://schemas.microsoft.com/office/drawing/2014/main" id="{931E9459-9662-4AC4-92C6-E0658DE4EC05}"/>
+              </a:ext>
+            </a:extLst>
+          </p:cNvPr>
+          <p:cNvSpPr/>
+          <p:nvPr/>
+        </p:nvSpPr>
+        <p:spPr>
+          <a:xfrm>
+            <a:off x="7131770" y="5924438"/>
+            <a:ext cx="406237" cy="241775"/>
+          </a:xfrm>
+          <a:prstGeom prst="rect">
+            <a:avLst/>
+          </a:prstGeom>
+        </p:spPr>
+        <p:style>
+          <a:lnRef idx="2">
+            <a:schemeClr val="dk1"/>
+          </a:lnRef>
+          <a:fillRef idx="1">
+            <a:schemeClr val="lt1"/>
+          </a:fillRef>
+          <a:effectRef idx="0">
+            <a:schemeClr val="dk1"/>
+          </a:effectRef>
+          <a:fontRef idx="minor">
+            <a:schemeClr val="dk1"/>
+          </a:fontRef>
+        </p:style>
+        <p:txBody>
+          <a:bodyPr rtlCol="0" anchor="ctr"/>
+          <a:lstStyle/>
+          <a:p>
+            <a:endParaRPr lang="de-DE" dirty="0"/>
+          </a:p>
+        </p:txBody>
+      </p:sp>
+      <p:sp>
+        <p:nvSpPr>
+          <p:cNvPr id="883" name="Rectangle 882">
+            <a:extLst>
+              <a:ext uri="{FF2B5EF4-FFF2-40B4-BE49-F238E27FC236}">
+                <a16:creationId xmlns:a16="http://schemas.microsoft.com/office/drawing/2014/main" id="{165D22D3-AB16-47C8-8B4E-30443BDBF014}"/>
+              </a:ext>
+            </a:extLst>
+          </p:cNvPr>
+          <p:cNvSpPr/>
+          <p:nvPr/>
+        </p:nvSpPr>
+        <p:spPr>
+          <a:xfrm>
+            <a:off x="7538007" y="5924439"/>
+            <a:ext cx="406237" cy="122333"/>
+          </a:xfrm>
+          <a:prstGeom prst="rect">
+            <a:avLst/>
+          </a:prstGeom>
+          <a:solidFill>
+            <a:schemeClr val="bg1">
+              <a:lumMod val="85000"/>
+            </a:schemeClr>
+          </a:solidFill>
+        </p:spPr>
+        <p:style>
+          <a:lnRef idx="2">
+            <a:schemeClr val="dk1"/>
+          </a:lnRef>
+          <a:fillRef idx="1">
+            <a:schemeClr val="lt1"/>
+          </a:fillRef>
+          <a:effectRef idx="0">
+            <a:schemeClr val="dk1"/>
+          </a:effectRef>
+          <a:fontRef idx="minor">
+            <a:schemeClr val="dk1"/>
+          </a:fontRef>
+        </p:style>
+        <p:txBody>
+          <a:bodyPr rtlCol="0" anchor="ctr"/>
+          <a:lstStyle/>
+          <a:p>
+            <a:endParaRPr lang="de-DE" dirty="0"/>
+          </a:p>
+        </p:txBody>
+      </p:sp>
+      <p:sp>
+        <p:nvSpPr>
+          <p:cNvPr id="884" name="Rectangle 883">
+            <a:extLst>
+              <a:ext uri="{FF2B5EF4-FFF2-40B4-BE49-F238E27FC236}">
+                <a16:creationId xmlns:a16="http://schemas.microsoft.com/office/drawing/2014/main" id="{5DE72D5B-5530-466E-BA71-21D7E65C6B3F}"/>
+              </a:ext>
+            </a:extLst>
+          </p:cNvPr>
+          <p:cNvSpPr/>
+          <p:nvPr/>
+        </p:nvSpPr>
+        <p:spPr>
+          <a:xfrm>
+            <a:off x="7944244" y="5924439"/>
+            <a:ext cx="302186" cy="122333"/>
+          </a:xfrm>
+          <a:prstGeom prst="rect">
+            <a:avLst/>
+          </a:prstGeom>
+        </p:spPr>
+        <p:style>
+          <a:lnRef idx="2">
+            <a:schemeClr val="dk1"/>
+          </a:lnRef>
+          <a:fillRef idx="1">
+            <a:schemeClr val="lt1"/>
+          </a:fillRef>
+          <a:effectRef idx="0">
+            <a:schemeClr val="dk1"/>
+          </a:effectRef>
+          <a:fontRef idx="minor">
+            <a:schemeClr val="dk1"/>
+          </a:fontRef>
+        </p:style>
+        <p:txBody>
+          <a:bodyPr rtlCol="0" anchor="ctr"/>
+          <a:lstStyle/>
+          <a:p>
+            <a:pPr algn="r"/>
+            <a:endParaRPr lang="de-DE" sz="900" dirty="0"/>
+          </a:p>
+        </p:txBody>
+      </p:sp>
+      <p:sp>
+        <p:nvSpPr>
+          <p:cNvPr id="885" name="Rectangle 884">
+            <a:extLst>
+              <a:ext uri="{FF2B5EF4-FFF2-40B4-BE49-F238E27FC236}">
+                <a16:creationId xmlns:a16="http://schemas.microsoft.com/office/drawing/2014/main" id="{6F91E461-DD06-47EA-BCF4-1C36186A3EFE}"/>
+              </a:ext>
+            </a:extLst>
+          </p:cNvPr>
+          <p:cNvSpPr/>
+          <p:nvPr/>
+        </p:nvSpPr>
+        <p:spPr>
+          <a:xfrm>
+            <a:off x="8846879" y="5924439"/>
+            <a:ext cx="156797" cy="122333"/>
+          </a:xfrm>
+          <a:prstGeom prst="rect">
+            <a:avLst/>
+          </a:prstGeom>
+          <a:solidFill>
+            <a:schemeClr val="bg1">
+              <a:lumMod val="85000"/>
+            </a:schemeClr>
+          </a:solidFill>
+        </p:spPr>
+        <p:style>
+          <a:lnRef idx="2">
+            <a:schemeClr val="dk1"/>
+          </a:lnRef>
+          <a:fillRef idx="1">
+            <a:schemeClr val="lt1"/>
+          </a:fillRef>
+          <a:effectRef idx="0">
+            <a:schemeClr val="dk1"/>
+          </a:effectRef>
+          <a:fontRef idx="minor">
+            <a:schemeClr val="dk1"/>
+          </a:fontRef>
+        </p:style>
+        <p:txBody>
+          <a:bodyPr rtlCol="0" anchor="ctr"/>
+          <a:lstStyle/>
+          <a:p>
+            <a:pPr algn="ctr"/>
+            <a:r>
+              <a:rPr lang="el-GR" sz="900"/>
+              <a:t>Σ</a:t>
+            </a:r>
+            <a:endParaRPr lang="de-DE" sz="900" dirty="0"/>
+          </a:p>
+        </p:txBody>
+      </p:sp>
+      <p:sp>
+        <p:nvSpPr>
+          <p:cNvPr id="886" name="Rectangle 885">
+            <a:extLst>
+              <a:ext uri="{FF2B5EF4-FFF2-40B4-BE49-F238E27FC236}">
+                <a16:creationId xmlns:a16="http://schemas.microsoft.com/office/drawing/2014/main" id="{3DD30AFE-4F44-4852-A670-334E60011934}"/>
+              </a:ext>
+            </a:extLst>
+          </p:cNvPr>
+          <p:cNvSpPr/>
+          <p:nvPr/>
+        </p:nvSpPr>
+        <p:spPr>
+          <a:xfrm>
+            <a:off x="7538007" y="6043881"/>
+            <a:ext cx="406237" cy="122333"/>
+          </a:xfrm>
+          <a:prstGeom prst="rect">
+            <a:avLst/>
+          </a:prstGeom>
+          <a:solidFill>
+            <a:schemeClr val="bg1">
+              <a:lumMod val="85000"/>
+            </a:schemeClr>
+          </a:solidFill>
+        </p:spPr>
+        <p:style>
+          <a:lnRef idx="2">
+            <a:schemeClr val="dk1"/>
+          </a:lnRef>
+          <a:fillRef idx="1">
+            <a:schemeClr val="lt1"/>
+          </a:fillRef>
+          <a:effectRef idx="0">
+            <a:schemeClr val="dk1"/>
+          </a:effectRef>
+          <a:fontRef idx="minor">
+            <a:schemeClr val="dk1"/>
+          </a:fontRef>
+        </p:style>
+        <p:txBody>
+          <a:bodyPr rtlCol="0" anchor="ctr"/>
+          <a:lstStyle/>
+          <a:p>
+            <a:endParaRPr lang="de-DE" dirty="0"/>
+          </a:p>
+        </p:txBody>
+      </p:sp>
+      <p:sp>
+        <p:nvSpPr>
+          <p:cNvPr id="887" name="Rectangle 886">
+            <a:extLst>
+              <a:ext uri="{FF2B5EF4-FFF2-40B4-BE49-F238E27FC236}">
+                <a16:creationId xmlns:a16="http://schemas.microsoft.com/office/drawing/2014/main" id="{91471622-7EFF-4F7F-962A-CA55D092297E}"/>
+              </a:ext>
+            </a:extLst>
+          </p:cNvPr>
+          <p:cNvSpPr/>
+          <p:nvPr/>
+        </p:nvSpPr>
+        <p:spPr>
+          <a:xfrm>
+            <a:off x="7944244" y="6043881"/>
+            <a:ext cx="302186" cy="122333"/>
+          </a:xfrm>
+          <a:prstGeom prst="rect">
+            <a:avLst/>
+          </a:prstGeom>
+        </p:spPr>
+        <p:style>
+          <a:lnRef idx="2">
+            <a:schemeClr val="dk1"/>
+          </a:lnRef>
+          <a:fillRef idx="1">
+            <a:schemeClr val="lt1"/>
+          </a:fillRef>
+          <a:effectRef idx="0">
+            <a:schemeClr val="dk1"/>
+          </a:effectRef>
+          <a:fontRef idx="minor">
+            <a:schemeClr val="dk1"/>
+          </a:fontRef>
+        </p:style>
+        <p:txBody>
+          <a:bodyPr rtlCol="0" anchor="ctr"/>
+          <a:lstStyle/>
+          <a:p>
+            <a:pPr algn="r"/>
+            <a:endParaRPr lang="de-DE" sz="900" dirty="0"/>
+          </a:p>
+        </p:txBody>
+      </p:sp>
+      <p:sp>
+        <p:nvSpPr>
+          <p:cNvPr id="888" name="Rectangle 887">
+            <a:extLst>
+              <a:ext uri="{FF2B5EF4-FFF2-40B4-BE49-F238E27FC236}">
+                <a16:creationId xmlns:a16="http://schemas.microsoft.com/office/drawing/2014/main" id="{C0FB5414-A06B-47E4-98D5-225D133C4DEF}"/>
+              </a:ext>
+            </a:extLst>
+          </p:cNvPr>
+          <p:cNvSpPr/>
+          <p:nvPr/>
+        </p:nvSpPr>
+        <p:spPr>
+          <a:xfrm>
+            <a:off x="8846879" y="6043881"/>
+            <a:ext cx="156797" cy="122333"/>
+          </a:xfrm>
+          <a:prstGeom prst="rect">
+            <a:avLst/>
+          </a:prstGeom>
+          <a:solidFill>
+            <a:schemeClr val="bg1">
+              <a:lumMod val="85000"/>
+            </a:schemeClr>
+          </a:solidFill>
+        </p:spPr>
+        <p:style>
+          <a:lnRef idx="2">
+            <a:schemeClr val="dk1"/>
+          </a:lnRef>
+          <a:fillRef idx="1">
+            <a:schemeClr val="lt1"/>
+          </a:fillRef>
+          <a:effectRef idx="0">
+            <a:schemeClr val="dk1"/>
+          </a:effectRef>
+          <a:fontRef idx="minor">
+            <a:schemeClr val="dk1"/>
+          </a:fontRef>
+        </p:style>
+        <p:txBody>
+          <a:bodyPr rtlCol="0" anchor="ctr"/>
+          <a:lstStyle/>
+          <a:p>
+            <a:pPr algn="ctr"/>
+            <a:r>
+              <a:rPr lang="el-GR" sz="900"/>
+              <a:t>Σ</a:t>
+            </a:r>
+            <a:endParaRPr lang="de-DE" sz="900" dirty="0"/>
+          </a:p>
+        </p:txBody>
+      </p:sp>
+      <p:sp>
+        <p:nvSpPr>
+          <p:cNvPr id="889" name="Rectangle 888">
+            <a:extLst>
+              <a:ext uri="{FF2B5EF4-FFF2-40B4-BE49-F238E27FC236}">
+                <a16:creationId xmlns:a16="http://schemas.microsoft.com/office/drawing/2014/main" id="{D28412A3-EED0-4B52-9170-F8DA1ED78276}"/>
+              </a:ext>
+            </a:extLst>
+          </p:cNvPr>
+          <p:cNvSpPr/>
+          <p:nvPr/>
+        </p:nvSpPr>
+        <p:spPr>
+          <a:xfrm>
+            <a:off x="8245466" y="5440783"/>
+            <a:ext cx="302186" cy="122333"/>
+          </a:xfrm>
+          <a:prstGeom prst="rect">
+            <a:avLst/>
+          </a:prstGeom>
+        </p:spPr>
+        <p:style>
+          <a:lnRef idx="2">
+            <a:schemeClr val="dk1"/>
+          </a:lnRef>
+          <a:fillRef idx="1">
+            <a:schemeClr val="lt1"/>
+          </a:fillRef>
+          <a:effectRef idx="0">
+            <a:schemeClr val="dk1"/>
+          </a:effectRef>
+          <a:fontRef idx="minor">
+            <a:schemeClr val="dk1"/>
+          </a:fontRef>
+        </p:style>
+        <p:txBody>
+          <a:bodyPr rtlCol="0" anchor="ctr"/>
+          <a:lstStyle/>
+          <a:p>
+            <a:pPr algn="r"/>
+            <a:endParaRPr lang="de-DE" sz="900" dirty="0"/>
+          </a:p>
+        </p:txBody>
+      </p:sp>
+      <p:sp>
+        <p:nvSpPr>
+          <p:cNvPr id="890" name="Rectangle 889">
+            <a:extLst>
+              <a:ext uri="{FF2B5EF4-FFF2-40B4-BE49-F238E27FC236}">
+                <a16:creationId xmlns:a16="http://schemas.microsoft.com/office/drawing/2014/main" id="{6D84420B-B8E0-4F3B-8C96-53EC1305B8E9}"/>
+              </a:ext>
+            </a:extLst>
+          </p:cNvPr>
+          <p:cNvSpPr/>
+          <p:nvPr/>
+        </p:nvSpPr>
+        <p:spPr>
+          <a:xfrm>
+            <a:off x="8245465" y="5324496"/>
+            <a:ext cx="302186" cy="116287"/>
+          </a:xfrm>
+          <a:prstGeom prst="rect">
+            <a:avLst/>
+          </a:prstGeom>
+          <a:solidFill>
+            <a:schemeClr val="bg1">
+              <a:lumMod val="85000"/>
+            </a:schemeClr>
+          </a:solidFill>
+        </p:spPr>
+        <p:style>
+          <a:lnRef idx="2">
+            <a:schemeClr val="dk1"/>
+          </a:lnRef>
+          <a:fillRef idx="1">
+            <a:schemeClr val="lt1"/>
+          </a:fillRef>
+          <a:effectRef idx="0">
+            <a:schemeClr val="dk1"/>
+          </a:effectRef>
+          <a:fontRef idx="minor">
+            <a:schemeClr val="dk1"/>
+          </a:fontRef>
+        </p:style>
+        <p:txBody>
+          <a:bodyPr rtlCol="0" anchor="ctr"/>
+          <a:lstStyle/>
+          <a:p>
+            <a:endParaRPr lang="de-DE" dirty="0"/>
+          </a:p>
+        </p:txBody>
+      </p:sp>
+      <p:sp>
+        <p:nvSpPr>
+          <p:cNvPr id="891" name="Rectangle 890">
+            <a:extLst>
+              <a:ext uri="{FF2B5EF4-FFF2-40B4-BE49-F238E27FC236}">
+                <a16:creationId xmlns:a16="http://schemas.microsoft.com/office/drawing/2014/main" id="{C81C54B6-C62E-41FC-A49C-2AE611C791B7}"/>
+              </a:ext>
+            </a:extLst>
+          </p:cNvPr>
+          <p:cNvSpPr/>
+          <p:nvPr/>
+        </p:nvSpPr>
+        <p:spPr>
+          <a:xfrm>
+            <a:off x="8245466" y="5565933"/>
+            <a:ext cx="302186" cy="122333"/>
+          </a:xfrm>
+          <a:prstGeom prst="rect">
+            <a:avLst/>
+          </a:prstGeom>
+        </p:spPr>
+        <p:style>
+          <a:lnRef idx="2">
+            <a:schemeClr val="dk1"/>
+          </a:lnRef>
+          <a:fillRef idx="1">
+            <a:schemeClr val="lt1"/>
+          </a:fillRef>
+          <a:effectRef idx="0">
+            <a:schemeClr val="dk1"/>
+          </a:effectRef>
+          <a:fontRef idx="minor">
+            <a:schemeClr val="dk1"/>
+          </a:fontRef>
+        </p:style>
+        <p:txBody>
+          <a:bodyPr rtlCol="0" anchor="ctr"/>
+          <a:lstStyle/>
+          <a:p>
+            <a:pPr algn="r"/>
+            <a:endParaRPr lang="de-DE" sz="900" dirty="0"/>
+          </a:p>
+        </p:txBody>
+      </p:sp>
+      <p:sp>
+        <p:nvSpPr>
+          <p:cNvPr id="892" name="Rectangle 891">
+            <a:extLst>
+              <a:ext uri="{FF2B5EF4-FFF2-40B4-BE49-F238E27FC236}">
+                <a16:creationId xmlns:a16="http://schemas.microsoft.com/office/drawing/2014/main" id="{1D048780-0A50-4530-96B9-387880A1268C}"/>
+              </a:ext>
+            </a:extLst>
+          </p:cNvPr>
+          <p:cNvSpPr/>
+          <p:nvPr/>
+        </p:nvSpPr>
+        <p:spPr>
+          <a:xfrm>
+            <a:off x="8245466" y="5686332"/>
+            <a:ext cx="302186" cy="122333"/>
+          </a:xfrm>
+          <a:prstGeom prst="rect">
+            <a:avLst/>
+          </a:prstGeom>
+        </p:spPr>
+        <p:style>
+          <a:lnRef idx="2">
+            <a:schemeClr val="dk1"/>
+          </a:lnRef>
+          <a:fillRef idx="1">
+            <a:schemeClr val="lt1"/>
+          </a:fillRef>
+          <a:effectRef idx="0">
+            <a:schemeClr val="dk1"/>
+          </a:effectRef>
+          <a:fontRef idx="minor">
+            <a:schemeClr val="dk1"/>
+          </a:fontRef>
+        </p:style>
+        <p:txBody>
+          <a:bodyPr rtlCol="0" anchor="ctr"/>
+          <a:lstStyle/>
+          <a:p>
+            <a:pPr algn="r"/>
+            <a:endParaRPr lang="de-DE" sz="900" dirty="0"/>
+          </a:p>
+        </p:txBody>
+      </p:sp>
+      <p:sp>
+        <p:nvSpPr>
+          <p:cNvPr id="893" name="Rectangle 892">
+            <a:extLst>
+              <a:ext uri="{FF2B5EF4-FFF2-40B4-BE49-F238E27FC236}">
+                <a16:creationId xmlns:a16="http://schemas.microsoft.com/office/drawing/2014/main" id="{B9B6052C-3865-4CB2-8701-5150EA49804C}"/>
+              </a:ext>
+            </a:extLst>
+          </p:cNvPr>
+          <p:cNvSpPr/>
+          <p:nvPr/>
+        </p:nvSpPr>
+        <p:spPr>
+          <a:xfrm>
+            <a:off x="8245466" y="5805774"/>
+            <a:ext cx="302186" cy="122333"/>
+          </a:xfrm>
+          <a:prstGeom prst="rect">
+            <a:avLst/>
+          </a:prstGeom>
+        </p:spPr>
+        <p:style>
+          <a:lnRef idx="2">
+            <a:schemeClr val="dk1"/>
+          </a:lnRef>
+          <a:fillRef idx="1">
+            <a:schemeClr val="lt1"/>
+          </a:fillRef>
+          <a:effectRef idx="0">
+            <a:schemeClr val="dk1"/>
+          </a:effectRef>
+          <a:fontRef idx="minor">
+            <a:schemeClr val="dk1"/>
+          </a:fontRef>
+        </p:style>
+        <p:txBody>
+          <a:bodyPr rtlCol="0" anchor="ctr"/>
+          <a:lstStyle/>
+          <a:p>
+            <a:pPr algn="r"/>
+            <a:endParaRPr lang="de-DE" sz="900" dirty="0"/>
+          </a:p>
+        </p:txBody>
+      </p:sp>
+      <p:sp>
+        <p:nvSpPr>
+          <p:cNvPr id="894" name="Rectangle 893">
+            <a:extLst>
+              <a:ext uri="{FF2B5EF4-FFF2-40B4-BE49-F238E27FC236}">
+                <a16:creationId xmlns:a16="http://schemas.microsoft.com/office/drawing/2014/main" id="{8B46F5B0-707F-4218-8CDC-A13F4A9EA26F}"/>
+              </a:ext>
+            </a:extLst>
+          </p:cNvPr>
+          <p:cNvSpPr/>
+          <p:nvPr/>
+        </p:nvSpPr>
+        <p:spPr>
+          <a:xfrm>
+            <a:off x="8245465" y="5924439"/>
+            <a:ext cx="302186" cy="122333"/>
+          </a:xfrm>
+          <a:prstGeom prst="rect">
+            <a:avLst/>
+          </a:prstGeom>
+        </p:spPr>
+        <p:style>
+          <a:lnRef idx="2">
+            <a:schemeClr val="dk1"/>
+          </a:lnRef>
+          <a:fillRef idx="1">
+            <a:schemeClr val="lt1"/>
+          </a:fillRef>
+          <a:effectRef idx="0">
+            <a:schemeClr val="dk1"/>
+          </a:effectRef>
+          <a:fontRef idx="minor">
+            <a:schemeClr val="dk1"/>
+          </a:fontRef>
+        </p:style>
+        <p:txBody>
+          <a:bodyPr rtlCol="0" anchor="ctr"/>
+          <a:lstStyle/>
+          <a:p>
+            <a:pPr algn="r"/>
+            <a:endParaRPr lang="de-DE" sz="900" dirty="0"/>
+          </a:p>
+        </p:txBody>
+      </p:sp>
+      <p:sp>
+        <p:nvSpPr>
+          <p:cNvPr id="895" name="Rectangle 894">
+            <a:extLst>
+              <a:ext uri="{FF2B5EF4-FFF2-40B4-BE49-F238E27FC236}">
+                <a16:creationId xmlns:a16="http://schemas.microsoft.com/office/drawing/2014/main" id="{97FE5E77-F886-4775-82E2-86C167F65FC7}"/>
+              </a:ext>
+            </a:extLst>
+          </p:cNvPr>
+          <p:cNvSpPr/>
+          <p:nvPr/>
+        </p:nvSpPr>
+        <p:spPr>
+          <a:xfrm>
+            <a:off x="8245465" y="6043881"/>
+            <a:ext cx="302186" cy="122333"/>
+          </a:xfrm>
+          <a:prstGeom prst="rect">
+            <a:avLst/>
+          </a:prstGeom>
+        </p:spPr>
+        <p:style>
+          <a:lnRef idx="2">
+            <a:schemeClr val="dk1"/>
+          </a:lnRef>
+          <a:fillRef idx="1">
+            <a:schemeClr val="lt1"/>
+          </a:fillRef>
+          <a:effectRef idx="0">
+            <a:schemeClr val="dk1"/>
+          </a:effectRef>
+          <a:fontRef idx="minor">
+            <a:schemeClr val="dk1"/>
+          </a:fontRef>
+        </p:style>
+        <p:txBody>
+          <a:bodyPr rtlCol="0" anchor="ctr"/>
+          <a:lstStyle/>
+          <a:p>
+            <a:pPr algn="r"/>
+            <a:endParaRPr lang="de-DE" sz="900" dirty="0"/>
+          </a:p>
+        </p:txBody>
+      </p:sp>
+      <p:sp>
+        <p:nvSpPr>
+          <p:cNvPr id="896" name="Rectangle 895">
+            <a:extLst>
+              <a:ext uri="{FF2B5EF4-FFF2-40B4-BE49-F238E27FC236}">
+                <a16:creationId xmlns:a16="http://schemas.microsoft.com/office/drawing/2014/main" id="{655084BE-449E-4B84-ACF8-6C6CF5F7746C}"/>
+              </a:ext>
+            </a:extLst>
+          </p:cNvPr>
+          <p:cNvSpPr/>
+          <p:nvPr/>
+        </p:nvSpPr>
+        <p:spPr>
+          <a:xfrm>
+            <a:off x="8545661" y="5440783"/>
+            <a:ext cx="302186" cy="122333"/>
+          </a:xfrm>
+          <a:prstGeom prst="rect">
+            <a:avLst/>
+          </a:prstGeom>
+        </p:spPr>
+        <p:style>
+          <a:lnRef idx="2">
+            <a:schemeClr val="dk1"/>
+          </a:lnRef>
+          <a:fillRef idx="1">
+            <a:schemeClr val="lt1"/>
+          </a:fillRef>
+          <a:effectRef idx="0">
+            <a:schemeClr val="dk1"/>
+          </a:effectRef>
+          <a:fontRef idx="minor">
+            <a:schemeClr val="dk1"/>
+          </a:fontRef>
+        </p:style>
+        <p:txBody>
+          <a:bodyPr rtlCol="0" anchor="ctr"/>
+          <a:lstStyle/>
+          <a:p>
+            <a:pPr algn="r"/>
+            <a:endParaRPr lang="de-DE" sz="900" dirty="0"/>
+          </a:p>
+        </p:txBody>
+      </p:sp>
+      <p:sp>
+        <p:nvSpPr>
+          <p:cNvPr id="897" name="Rectangle 896">
+            <a:extLst>
+              <a:ext uri="{FF2B5EF4-FFF2-40B4-BE49-F238E27FC236}">
+                <a16:creationId xmlns:a16="http://schemas.microsoft.com/office/drawing/2014/main" id="{74F65EFE-D94F-4A21-B27D-4814F777420A}"/>
+              </a:ext>
+            </a:extLst>
+          </p:cNvPr>
+          <p:cNvSpPr/>
+          <p:nvPr/>
+        </p:nvSpPr>
+        <p:spPr>
+          <a:xfrm>
+            <a:off x="8545660" y="5324496"/>
+            <a:ext cx="302186" cy="116287"/>
+          </a:xfrm>
+          <a:prstGeom prst="rect">
+            <a:avLst/>
+          </a:prstGeom>
+          <a:solidFill>
+            <a:schemeClr val="bg1">
+              <a:lumMod val="85000"/>
+            </a:schemeClr>
+          </a:solidFill>
+        </p:spPr>
+        <p:style>
+          <a:lnRef idx="2">
+            <a:schemeClr val="dk1"/>
+          </a:lnRef>
+          <a:fillRef idx="1">
+            <a:schemeClr val="lt1"/>
+          </a:fillRef>
+          <a:effectRef idx="0">
+            <a:schemeClr val="dk1"/>
+          </a:effectRef>
+          <a:fontRef idx="minor">
+            <a:schemeClr val="dk1"/>
+          </a:fontRef>
+        </p:style>
+        <p:txBody>
+          <a:bodyPr rtlCol="0" anchor="ctr"/>
+          <a:lstStyle/>
+          <a:p>
+            <a:endParaRPr lang="de-DE" dirty="0"/>
+          </a:p>
+        </p:txBody>
+      </p:sp>
+      <p:sp>
+        <p:nvSpPr>
+          <p:cNvPr id="898" name="Rectangle 897">
+            <a:extLst>
+              <a:ext uri="{FF2B5EF4-FFF2-40B4-BE49-F238E27FC236}">
+                <a16:creationId xmlns:a16="http://schemas.microsoft.com/office/drawing/2014/main" id="{E99A08AC-A908-4A84-A6C2-5544F9D5589E}"/>
+              </a:ext>
+            </a:extLst>
+          </p:cNvPr>
+          <p:cNvSpPr/>
+          <p:nvPr/>
+        </p:nvSpPr>
+        <p:spPr>
+          <a:xfrm>
+            <a:off x="8545661" y="5565933"/>
+            <a:ext cx="302186" cy="122333"/>
+          </a:xfrm>
+          <a:prstGeom prst="rect">
+            <a:avLst/>
+          </a:prstGeom>
+        </p:spPr>
+        <p:style>
+          <a:lnRef idx="2">
+            <a:schemeClr val="dk1"/>
+          </a:lnRef>
+          <a:fillRef idx="1">
+            <a:schemeClr val="lt1"/>
+          </a:fillRef>
+          <a:effectRef idx="0">
+            <a:schemeClr val="dk1"/>
+          </a:effectRef>
+          <a:fontRef idx="minor">
+            <a:schemeClr val="dk1"/>
+          </a:fontRef>
+        </p:style>
+        <p:txBody>
+          <a:bodyPr rtlCol="0" anchor="ctr"/>
+          <a:lstStyle/>
+          <a:p>
+            <a:pPr algn="r"/>
+            <a:endParaRPr lang="de-DE" sz="900" dirty="0"/>
+          </a:p>
+        </p:txBody>
+      </p:sp>
+      <p:sp>
+        <p:nvSpPr>
+          <p:cNvPr id="899" name="Rectangle 898">
+            <a:extLst>
+              <a:ext uri="{FF2B5EF4-FFF2-40B4-BE49-F238E27FC236}">
+                <a16:creationId xmlns:a16="http://schemas.microsoft.com/office/drawing/2014/main" id="{B78B4413-B0C9-4DB3-AE63-FA9FD314FF9D}"/>
+              </a:ext>
+            </a:extLst>
+          </p:cNvPr>
+          <p:cNvSpPr/>
+          <p:nvPr/>
+        </p:nvSpPr>
+        <p:spPr>
+          <a:xfrm>
+            <a:off x="8545661" y="5686332"/>
+            <a:ext cx="302186" cy="122333"/>
+          </a:xfrm>
+          <a:prstGeom prst="rect">
+            <a:avLst/>
+          </a:prstGeom>
+        </p:spPr>
+        <p:style>
+          <a:lnRef idx="2">
+            <a:schemeClr val="dk1"/>
+          </a:lnRef>
+          <a:fillRef idx="1">
+            <a:schemeClr val="lt1"/>
+          </a:fillRef>
+          <a:effectRef idx="0">
+            <a:schemeClr val="dk1"/>
+          </a:effectRef>
+          <a:fontRef idx="minor">
+            <a:schemeClr val="dk1"/>
+          </a:fontRef>
+        </p:style>
+        <p:txBody>
+          <a:bodyPr rtlCol="0" anchor="ctr"/>
+          <a:lstStyle/>
+          <a:p>
+            <a:pPr algn="r"/>
+            <a:endParaRPr lang="de-DE" sz="900" dirty="0"/>
+          </a:p>
+        </p:txBody>
+      </p:sp>
+      <p:sp>
+        <p:nvSpPr>
+          <p:cNvPr id="900" name="Rectangle 899">
+            <a:extLst>
+              <a:ext uri="{FF2B5EF4-FFF2-40B4-BE49-F238E27FC236}">
+                <a16:creationId xmlns:a16="http://schemas.microsoft.com/office/drawing/2014/main" id="{91788909-850C-4F11-8915-E384B7BA688F}"/>
+              </a:ext>
+            </a:extLst>
+          </p:cNvPr>
+          <p:cNvSpPr/>
+          <p:nvPr/>
+        </p:nvSpPr>
+        <p:spPr>
+          <a:xfrm>
+            <a:off x="8545661" y="5805774"/>
+            <a:ext cx="302186" cy="122333"/>
+          </a:xfrm>
+          <a:prstGeom prst="rect">
+            <a:avLst/>
+          </a:prstGeom>
+        </p:spPr>
+        <p:style>
+          <a:lnRef idx="2">
+            <a:schemeClr val="dk1"/>
+          </a:lnRef>
+          <a:fillRef idx="1">
+            <a:schemeClr val="lt1"/>
+          </a:fillRef>
+          <a:effectRef idx="0">
+            <a:schemeClr val="dk1"/>
+          </a:effectRef>
+          <a:fontRef idx="minor">
+            <a:schemeClr val="dk1"/>
+          </a:fontRef>
+        </p:style>
+        <p:txBody>
+          <a:bodyPr rtlCol="0" anchor="ctr"/>
+          <a:lstStyle/>
+          <a:p>
+            <a:pPr algn="r"/>
+            <a:endParaRPr lang="de-DE" sz="900" dirty="0"/>
+          </a:p>
+        </p:txBody>
+      </p:sp>
+      <p:sp>
+        <p:nvSpPr>
+          <p:cNvPr id="901" name="Rectangle 900">
+            <a:extLst>
+              <a:ext uri="{FF2B5EF4-FFF2-40B4-BE49-F238E27FC236}">
+                <a16:creationId xmlns:a16="http://schemas.microsoft.com/office/drawing/2014/main" id="{90405EF1-515F-4E7C-98F4-5CF8AF584462}"/>
+              </a:ext>
+            </a:extLst>
+          </p:cNvPr>
+          <p:cNvSpPr/>
+          <p:nvPr/>
+        </p:nvSpPr>
+        <p:spPr>
+          <a:xfrm>
+            <a:off x="8545660" y="5924439"/>
+            <a:ext cx="302186" cy="122333"/>
+          </a:xfrm>
+          <a:prstGeom prst="rect">
+            <a:avLst/>
+          </a:prstGeom>
+        </p:spPr>
+        <p:style>
+          <a:lnRef idx="2">
+            <a:schemeClr val="dk1"/>
+          </a:lnRef>
+          <a:fillRef idx="1">
+            <a:schemeClr val="lt1"/>
+          </a:fillRef>
+          <a:effectRef idx="0">
+            <a:schemeClr val="dk1"/>
+          </a:effectRef>
+          <a:fontRef idx="minor">
+            <a:schemeClr val="dk1"/>
+          </a:fontRef>
+        </p:style>
+        <p:txBody>
+          <a:bodyPr rtlCol="0" anchor="ctr"/>
+          <a:lstStyle/>
+          <a:p>
+            <a:pPr algn="r"/>
+            <a:endParaRPr lang="de-DE" sz="900" dirty="0"/>
+          </a:p>
+        </p:txBody>
+      </p:sp>
+      <p:sp>
+        <p:nvSpPr>
+          <p:cNvPr id="902" name="Rectangle 901">
+            <a:extLst>
+              <a:ext uri="{FF2B5EF4-FFF2-40B4-BE49-F238E27FC236}">
+                <a16:creationId xmlns:a16="http://schemas.microsoft.com/office/drawing/2014/main" id="{6C1B8B8B-F46A-46BD-99B6-2AD5982FEBB9}"/>
+              </a:ext>
+            </a:extLst>
+          </p:cNvPr>
+          <p:cNvSpPr/>
+          <p:nvPr/>
+        </p:nvSpPr>
+        <p:spPr>
+          <a:xfrm>
+            <a:off x="8545660" y="6043881"/>
+            <a:ext cx="302186" cy="122333"/>
+          </a:xfrm>
+          <a:prstGeom prst="rect">
+            <a:avLst/>
+          </a:prstGeom>
+        </p:spPr>
+        <p:style>
+          <a:lnRef idx="2">
+            <a:schemeClr val="dk1"/>
+          </a:lnRef>
+          <a:fillRef idx="1">
+            <a:schemeClr val="lt1"/>
+          </a:fillRef>
+          <a:effectRef idx="0">
+            <a:schemeClr val="dk1"/>
+          </a:effectRef>
+          <a:fontRef idx="minor">
+            <a:schemeClr val="dk1"/>
+          </a:fontRef>
+        </p:style>
+        <p:txBody>
+          <a:bodyPr rtlCol="0" anchor="ctr"/>
+          <a:lstStyle/>
+          <a:p>
+            <a:pPr algn="r"/>
+            <a:endParaRPr lang="de-DE" sz="900" dirty="0"/>
+          </a:p>
+        </p:txBody>
+      </p:sp>
     </p:spTree>
     <p:extLst>
       <p:ext uri="{BB962C8B-B14F-4D97-AF65-F5344CB8AC3E}">
@@ -52126,6 +55980,105 @@
             <a:r>
               <a:rPr lang="de-DE" sz="700" b="1" dirty="0"/>
               <a:t>-</a:t>
+            </a:r>
+          </a:p>
+        </p:txBody>
+      </p:sp>
+      <p:sp>
+        <p:nvSpPr>
+          <p:cNvPr id="10" name="Rectangle 9">
+            <a:extLst>
+              <a:ext uri="{FF2B5EF4-FFF2-40B4-BE49-F238E27FC236}">
+                <a16:creationId xmlns:a16="http://schemas.microsoft.com/office/drawing/2014/main" id="{77065A3F-8411-4172-B54F-26D5434F5D87}"/>
+              </a:ext>
+            </a:extLst>
+          </p:cNvPr>
+          <p:cNvSpPr/>
+          <p:nvPr/>
+        </p:nvSpPr>
+        <p:spPr>
+          <a:xfrm>
+            <a:off x="622166" y="2054744"/>
+            <a:ext cx="2029770" cy="1215450"/>
+          </a:xfrm>
+          <a:prstGeom prst="rect">
+            <a:avLst/>
+          </a:prstGeom>
+          <a:noFill/>
+          <a:ln>
+            <a:prstDash val="dash"/>
+          </a:ln>
+        </p:spPr>
+        <p:style>
+          <a:lnRef idx="2">
+            <a:schemeClr val="accent1">
+              <a:shade val="50000"/>
+            </a:schemeClr>
+          </a:lnRef>
+          <a:fillRef idx="1">
+            <a:schemeClr val="accent1"/>
+          </a:fillRef>
+          <a:effectRef idx="0">
+            <a:schemeClr val="accent1"/>
+          </a:effectRef>
+          <a:fontRef idx="minor">
+            <a:schemeClr val="lt1"/>
+          </a:fontRef>
+        </p:style>
+        <p:txBody>
+          <a:bodyPr rtlCol="0" anchor="ctr"/>
+          <a:lstStyle/>
+          <a:p>
+            <a:pPr algn="ctr"/>
+            <a:endParaRPr lang="de-DE"/>
+          </a:p>
+        </p:txBody>
+      </p:sp>
+      <p:sp>
+        <p:nvSpPr>
+          <p:cNvPr id="11" name="Rectangle 10">
+            <a:extLst>
+              <a:ext uri="{FF2B5EF4-FFF2-40B4-BE49-F238E27FC236}">
+                <a16:creationId xmlns:a16="http://schemas.microsoft.com/office/drawing/2014/main" id="{CA588DFC-ABDB-489C-8054-1EEBD424A7B5}"/>
+              </a:ext>
+            </a:extLst>
+          </p:cNvPr>
+          <p:cNvSpPr/>
+          <p:nvPr/>
+        </p:nvSpPr>
+        <p:spPr>
+          <a:xfrm>
+            <a:off x="935278" y="2227028"/>
+            <a:ext cx="1403546" cy="870882"/>
+          </a:xfrm>
+          <a:prstGeom prst="rect">
+            <a:avLst/>
+          </a:prstGeom>
+        </p:spPr>
+        <p:style>
+          <a:lnRef idx="2">
+            <a:schemeClr val="dk1"/>
+          </a:lnRef>
+          <a:fillRef idx="1">
+            <a:schemeClr val="lt1"/>
+          </a:fillRef>
+          <a:effectRef idx="0">
+            <a:schemeClr val="dk1"/>
+          </a:effectRef>
+          <a:fontRef idx="minor">
+            <a:schemeClr val="dk1"/>
+          </a:fontRef>
+        </p:style>
+        <p:txBody>
+          <a:bodyPr rtlCol="0" anchor="ctr"/>
+          <a:lstStyle/>
+          <a:p>
+            <a:pPr algn="ctr"/>
+            <a:r>
+              <a:rPr lang="de-DE" sz="4400" dirty="0">
+                <a:latin typeface="FontAwesome" pitchFamily="50" charset="0"/>
+              </a:rPr>
+              <a:t></a:t>
             </a:r>
           </a:p>
         </p:txBody>
